--- a/Top Things to Learn From Clojure.pptx
+++ b/Top Things to Learn From Clojure.pptx
@@ -998,32 +998,16 @@
           <a:p>
             <a:r>
               <a:rPr lang="en-US" baseline="0" dirty="0" smtClean="0"/>
-              <a:t>Witness the explosion of Perl, Linux </a:t>
-            </a:r>
+              <a:t>Witness the explosion of Perl, Linux – is due to running only in a controlled environment, not everywhere</a:t>
+            </a:r>
+          </a:p>
+          <a:p>
+            <a:endParaRPr lang="en-US" baseline="0" dirty="0" smtClean="0"/>
+          </a:p>
+          <a:p>
             <a:r>
               <a:rPr lang="en-US" baseline="0" dirty="0" smtClean="0"/>
-              <a:t>– </a:t>
-            </a:r>
-            <a:r>
-              <a:rPr lang="en-US" baseline="0" dirty="0" smtClean="0"/>
-              <a:t>is due to running only in a controlled environment, not everywhere</a:t>
-            </a:r>
-          </a:p>
-          <a:p>
-            <a:endParaRPr lang="en-US" baseline="0" dirty="0" smtClean="0"/>
-          </a:p>
-          <a:p>
-            <a:r>
-              <a:rPr lang="en-US" baseline="0" dirty="0" smtClean="0"/>
-              <a:t>Reducing the </a:t>
-            </a:r>
-            <a:r>
-              <a:rPr lang="en-US" baseline="0" dirty="0" smtClean="0"/>
-              <a:t>complexity </a:t>
-            </a:r>
-            <a:r>
-              <a:rPr lang="en-US" baseline="0" dirty="0" smtClean="0"/>
-              <a:t>verbosity of C# </a:t>
+              <a:t>Reducing the complexity verbosity of C# </a:t>
             </a:r>
           </a:p>
           <a:p>
@@ -1753,11 +1737,7 @@
           <a:p>
             <a:r>
               <a:rPr lang="en-US" baseline="0" dirty="0" smtClean="0"/>
-              <a:t>For agents, this </a:t>
-            </a:r>
-            <a:r>
-              <a:rPr lang="en-US" baseline="0" dirty="0" smtClean="0"/>
-              <a:t>includes messages sent (“legalized side-effects”)</a:t>
+              <a:t>For agents, this includes messages sent (“legalized side-effects”)</a:t>
             </a:r>
           </a:p>
           <a:p>
@@ -4248,11 +4228,7 @@
           <a:p>
             <a:r>
               <a:rPr lang="en-US" baseline="0" dirty="0" smtClean="0"/>
-              <a:t>Why not make it the default</a:t>
-            </a:r>
-            <a:r>
-              <a:rPr lang="en-US" baseline="0" dirty="0" smtClean="0"/>
-              <a:t>?</a:t>
+              <a:t>Why not make it the default?</a:t>
             </a:r>
           </a:p>
           <a:p>
@@ -7509,27 +7485,7 @@
                 <a:latin typeface="Neo Sans Std" pitchFamily="34" charset="0"/>
                 <a:ea typeface="Neo Sans Std"/>
               </a:rPr>
-              <a:t>NDC 2011, Oslo, </a:t>
-            </a:r>
-            <a:r>
-              <a:rPr lang="da-DK" dirty="0" smtClean="0">
-                <a:solidFill>
-                  <a:srgbClr val="6D6F71"/>
-                </a:solidFill>
-                <a:latin typeface="Neo Sans Std" pitchFamily="34" charset="0"/>
-                <a:ea typeface="Neo Sans Std"/>
-              </a:rPr>
-              <a:t>June 10th,, </a:t>
-            </a:r>
-            <a:r>
-              <a:rPr lang="da-DK" dirty="0" smtClean="0">
-                <a:solidFill>
-                  <a:srgbClr val="6D6F71"/>
-                </a:solidFill>
-                <a:latin typeface="Neo Sans Std" pitchFamily="34" charset="0"/>
-                <a:ea typeface="Neo Sans Std"/>
-              </a:rPr>
-              <a:t>2011</a:t>
+              <a:t>NDC 2011, Oslo, June 10th,, 2011</a:t>
             </a:r>
             <a:endParaRPr lang="da-DK" sz="2800" dirty="0">
               <a:solidFill>
@@ -9004,7 +8960,7 @@
         </p:nvSpPr>
         <p:spPr bwMode="auto">
           <a:xfrm>
-            <a:off x="4644008" y="2132856"/>
+            <a:off x="4644008" y="2355065"/>
             <a:ext cx="3816424" cy="648072"/>
           </a:xfrm>
           <a:prstGeom prst="rect">
@@ -9070,7 +9026,7 @@
         </p:nvSpPr>
         <p:spPr bwMode="auto">
           <a:xfrm>
-            <a:off x="5559069" y="1910647"/>
+            <a:off x="5559069" y="2132856"/>
             <a:ext cx="3013427" cy="1433273"/>
           </a:xfrm>
           <a:custGeom>
@@ -9418,7 +9374,7 @@
         </p:nvSpPr>
         <p:spPr bwMode="auto">
           <a:xfrm>
-            <a:off x="5343128" y="2204864"/>
+            <a:off x="5343128" y="2427073"/>
             <a:ext cx="381000" cy="504056"/>
           </a:xfrm>
           <a:prstGeom prst="rect">
@@ -9487,7 +9443,7 @@
         </p:nvSpPr>
         <p:spPr bwMode="auto">
           <a:xfrm>
-            <a:off x="6516216" y="2204864"/>
+            <a:off x="6516216" y="2427073"/>
             <a:ext cx="381000" cy="504056"/>
           </a:xfrm>
           <a:prstGeom prst="rect">
@@ -9559,7 +9515,7 @@
         </p:nvSpPr>
         <p:spPr bwMode="auto">
           <a:xfrm>
-            <a:off x="7719392" y="2204864"/>
+            <a:off x="7719392" y="2427073"/>
             <a:ext cx="381000" cy="504056"/>
           </a:xfrm>
           <a:prstGeom prst="rect">
@@ -9634,7 +9590,7 @@
         </p:nvCxnSpPr>
         <p:spPr bwMode="auto">
           <a:xfrm>
-            <a:off x="5724128" y="2456892"/>
+            <a:off x="5724128" y="2679101"/>
             <a:ext cx="792088" cy="0"/>
           </a:xfrm>
           <a:prstGeom prst="straightConnector1">
@@ -9666,7 +9622,7 @@
         </p:nvCxnSpPr>
         <p:spPr bwMode="auto">
           <a:xfrm>
-            <a:off x="6897216" y="2456892"/>
+            <a:off x="6897216" y="2679101"/>
             <a:ext cx="822176" cy="0"/>
           </a:xfrm>
           <a:prstGeom prst="straightConnector1">
@@ -9695,7 +9651,7 @@
         </p:nvSpPr>
         <p:spPr bwMode="auto">
           <a:xfrm>
-            <a:off x="4237484" y="2204864"/>
+            <a:off x="4237484" y="2427073"/>
             <a:ext cx="504056" cy="504056"/>
           </a:xfrm>
           <a:prstGeom prst="ellipse">
@@ -9755,7 +9711,7 @@
         </p:nvCxnSpPr>
         <p:spPr bwMode="auto">
           <a:xfrm>
-            <a:off x="4741540" y="2456892"/>
+            <a:off x="4741540" y="2679101"/>
             <a:ext cx="601588" cy="0"/>
           </a:xfrm>
           <a:prstGeom prst="straightConnector1">
@@ -9786,8 +9742,8 @@
         </p:nvSpPr>
         <p:spPr bwMode="auto">
           <a:xfrm>
-            <a:off x="539552" y="2204864"/>
-            <a:ext cx="3168352" cy="2160240"/>
+            <a:off x="539552" y="2276872"/>
+            <a:ext cx="4104456" cy="2736304"/>
           </a:xfrm>
           <a:prstGeom prst="rect">
             <a:avLst/>
@@ -9993,107 +9949,460 @@
               <a:buNone/>
             </a:pPr>
             <a:r>
-              <a:rPr lang="da-DK" sz="1600" dirty="0" smtClean="0"/>
+              <a:rPr lang="en-US" sz="1600" b="1" dirty="0" smtClean="0">
+                <a:solidFill>
+                  <a:srgbClr val="5E1445"/>
+                </a:solidFill>
+                <a:latin typeface="Consolas-Bold"/>
+              </a:rPr>
               <a:t>(</a:t>
             </a:r>
             <a:r>
-              <a:rPr lang="da-DK" sz="1600" dirty="0" err="1" smtClean="0"/>
+              <a:rPr lang="en-US" sz="1600" dirty="0" err="1">
+                <a:solidFill>
+                  <a:srgbClr val="515151"/>
+                </a:solidFill>
+                <a:latin typeface="Consolas"/>
+              </a:rPr>
               <a:t>def</a:t>
             </a:r>
             <a:r>
-              <a:rPr lang="da-DK" sz="1600" dirty="0" smtClean="0"/>
-              <a:t> a (list 1 2 3))</a:t>
-            </a:r>
-          </a:p>
-          <a:p>
-            <a:pPr>
-              <a:buFont typeface="Symbol" charset="0"/>
-              <a:buChar char=""/>
-            </a:pPr>
-            <a:r>
-              <a:rPr lang="da-DK" sz="1600" dirty="0" smtClean="0"/>
-              <a:t>(1 2 3)</a:t>
-            </a:r>
+              <a:rPr lang="en-US" sz="1600" dirty="0">
+                <a:solidFill>
+                  <a:srgbClr val="1C1C14"/>
+                </a:solidFill>
+                <a:latin typeface="Consolas"/>
+              </a:rPr>
+              <a:t> </a:t>
+            </a:r>
+            <a:r>
+              <a:rPr lang="en-US" sz="1600" dirty="0">
+                <a:solidFill>
+                  <a:prstClr val="black"/>
+                </a:solidFill>
+                <a:latin typeface="Consolas"/>
+              </a:rPr>
+              <a:t>a</a:t>
+            </a:r>
+            <a:r>
+              <a:rPr lang="en-US" sz="1600" dirty="0">
+                <a:solidFill>
+                  <a:srgbClr val="1C1C14"/>
+                </a:solidFill>
+                <a:latin typeface="Consolas"/>
+              </a:rPr>
+              <a:t> </a:t>
+            </a:r>
+            <a:r>
+              <a:rPr lang="en-US" sz="1600" b="1" dirty="0">
+                <a:solidFill>
+                  <a:srgbClr val="5E1445"/>
+                </a:solidFill>
+                <a:latin typeface="Consolas-Bold"/>
+              </a:rPr>
+              <a:t>(</a:t>
+            </a:r>
+            <a:r>
+              <a:rPr lang="en-US" sz="1600" dirty="0">
+                <a:solidFill>
+                  <a:srgbClr val="E03186"/>
+                </a:solidFill>
+                <a:latin typeface="Consolas"/>
+              </a:rPr>
+              <a:t>list</a:t>
+            </a:r>
+            <a:r>
+              <a:rPr lang="en-US" sz="1600" dirty="0">
+                <a:solidFill>
+                  <a:srgbClr val="1C1C14"/>
+                </a:solidFill>
+                <a:latin typeface="Consolas"/>
+              </a:rPr>
+              <a:t> </a:t>
+            </a:r>
+            <a:r>
+              <a:rPr lang="en-US" sz="1600" dirty="0">
+                <a:solidFill>
+                  <a:srgbClr val="3C8203"/>
+                </a:solidFill>
+                <a:latin typeface="Consolas"/>
+              </a:rPr>
+              <a:t>1</a:t>
+            </a:r>
+            <a:r>
+              <a:rPr lang="en-US" sz="1600" dirty="0">
+                <a:solidFill>
+                  <a:srgbClr val="1C1C14"/>
+                </a:solidFill>
+                <a:latin typeface="Consolas"/>
+              </a:rPr>
+              <a:t> </a:t>
+            </a:r>
+            <a:r>
+              <a:rPr lang="en-US" sz="1600" dirty="0">
+                <a:solidFill>
+                  <a:srgbClr val="3C8203"/>
+                </a:solidFill>
+                <a:latin typeface="Consolas"/>
+              </a:rPr>
+              <a:t>2</a:t>
+            </a:r>
+            <a:r>
+              <a:rPr lang="en-US" sz="1600" dirty="0">
+                <a:solidFill>
+                  <a:srgbClr val="1C1C14"/>
+                </a:solidFill>
+                <a:latin typeface="Consolas"/>
+              </a:rPr>
+              <a:t> </a:t>
+            </a:r>
+            <a:r>
+              <a:rPr lang="en-US" sz="1600" dirty="0">
+                <a:solidFill>
+                  <a:srgbClr val="3C8203"/>
+                </a:solidFill>
+                <a:latin typeface="Consolas"/>
+              </a:rPr>
+              <a:t>3</a:t>
+            </a:r>
+            <a:r>
+              <a:rPr lang="en-US" sz="1600" b="1" dirty="0">
+                <a:solidFill>
+                  <a:srgbClr val="5E1445"/>
+                </a:solidFill>
+                <a:latin typeface="Consolas-Bold"/>
+              </a:rPr>
+              <a:t>))</a:t>
+            </a:r>
+            <a:endParaRPr lang="en-US" sz="1600" dirty="0">
+              <a:solidFill>
+                <a:srgbClr val="1C1C14"/>
+              </a:solidFill>
+              <a:latin typeface="Consolas"/>
+            </a:endParaRPr>
           </a:p>
           <a:p>
             <a:pPr marL="0" indent="0">
               <a:buNone/>
             </a:pPr>
-            <a:endParaRPr lang="da-DK" sz="1600" dirty="0" smtClean="0"/>
+            <a:r>
+              <a:rPr lang="en-US" sz="1600" b="1" dirty="0" smtClean="0">
+                <a:solidFill>
+                  <a:srgbClr val="5E1445"/>
+                </a:solidFill>
+                <a:latin typeface="Consolas-Bold"/>
+              </a:rPr>
+              <a:t>=&gt; (1 2 3)</a:t>
+            </a:r>
           </a:p>
           <a:p>
             <a:pPr marL="0" indent="0">
               <a:buNone/>
             </a:pPr>
-            <a:r>
-              <a:rPr lang="da-DK" sz="1600" dirty="0" smtClean="0"/>
+            <a:endParaRPr lang="en-US" sz="1600" b="1" dirty="0">
+              <a:solidFill>
+                <a:srgbClr val="5E1445"/>
+              </a:solidFill>
+              <a:latin typeface="Consolas-Bold"/>
+            </a:endParaRPr>
+          </a:p>
+          <a:p>
+            <a:pPr marL="0" indent="0">
+              <a:buNone/>
+            </a:pPr>
+            <a:r>
+              <a:rPr lang="en-US" sz="1600" b="1" dirty="0" smtClean="0">
+                <a:solidFill>
+                  <a:srgbClr val="5E1445"/>
+                </a:solidFill>
+                <a:latin typeface="Consolas-Bold"/>
+              </a:rPr>
               <a:t>(</a:t>
             </a:r>
             <a:r>
-              <a:rPr lang="da-DK" sz="1600" dirty="0" err="1" smtClean="0"/>
+              <a:rPr lang="en-US" sz="1600" dirty="0" err="1">
+                <a:solidFill>
+                  <a:srgbClr val="515151"/>
+                </a:solidFill>
+                <a:latin typeface="Consolas"/>
+              </a:rPr>
               <a:t>def</a:t>
             </a:r>
             <a:r>
-              <a:rPr lang="da-DK" sz="1600" dirty="0" smtClean="0"/>
-              <a:t> b (rest a))</a:t>
-            </a:r>
-          </a:p>
-          <a:p>
-            <a:pPr>
-              <a:buFont typeface="Symbol" charset="0"/>
-              <a:buChar char=""/>
-            </a:pPr>
-            <a:r>
-              <a:rPr lang="da-DK" sz="1600" dirty="0" smtClean="0"/>
-              <a:t>(2 3)</a:t>
+              <a:rPr lang="en-US" sz="1600" dirty="0">
+                <a:solidFill>
+                  <a:srgbClr val="1C1C14"/>
+                </a:solidFill>
+                <a:latin typeface="Consolas"/>
+              </a:rPr>
+              <a:t> </a:t>
+            </a:r>
+            <a:r>
+              <a:rPr lang="en-US" sz="1600" dirty="0">
+                <a:solidFill>
+                  <a:prstClr val="black"/>
+                </a:solidFill>
+                <a:latin typeface="Consolas"/>
+              </a:rPr>
+              <a:t>b</a:t>
+            </a:r>
+            <a:r>
+              <a:rPr lang="en-US" sz="1600" dirty="0">
+                <a:solidFill>
+                  <a:srgbClr val="1C1C14"/>
+                </a:solidFill>
+                <a:latin typeface="Consolas"/>
+              </a:rPr>
+              <a:t> </a:t>
+            </a:r>
+            <a:r>
+              <a:rPr lang="en-US" sz="1600" b="1" dirty="0">
+                <a:solidFill>
+                  <a:srgbClr val="5E1445"/>
+                </a:solidFill>
+                <a:latin typeface="Consolas-Bold"/>
+              </a:rPr>
+              <a:t>(</a:t>
+            </a:r>
+            <a:r>
+              <a:rPr lang="en-US" sz="1600" dirty="0">
+                <a:solidFill>
+                  <a:srgbClr val="E03186"/>
+                </a:solidFill>
+                <a:latin typeface="Consolas"/>
+              </a:rPr>
+              <a:t>rest</a:t>
+            </a:r>
+            <a:r>
+              <a:rPr lang="en-US" sz="1600" dirty="0">
+                <a:solidFill>
+                  <a:srgbClr val="1C1C14"/>
+                </a:solidFill>
+                <a:latin typeface="Consolas"/>
+              </a:rPr>
+              <a:t> </a:t>
+            </a:r>
+            <a:r>
+              <a:rPr lang="en-US" sz="1600" dirty="0">
+                <a:solidFill>
+                  <a:prstClr val="black"/>
+                </a:solidFill>
+                <a:latin typeface="Consolas"/>
+              </a:rPr>
+              <a:t>a</a:t>
+            </a:r>
+            <a:r>
+              <a:rPr lang="en-US" sz="1600" b="1" dirty="0">
+                <a:solidFill>
+                  <a:srgbClr val="5E1445"/>
+                </a:solidFill>
+                <a:latin typeface="Consolas-Bold"/>
+              </a:rPr>
+              <a:t>)</a:t>
+            </a:r>
+            <a:r>
+              <a:rPr lang="en-US" sz="1600" b="1" dirty="0" smtClean="0">
+                <a:solidFill>
+                  <a:srgbClr val="5E1445"/>
+                </a:solidFill>
+                <a:latin typeface="Consolas-Bold"/>
+              </a:rPr>
+              <a:t>)</a:t>
             </a:r>
           </a:p>
           <a:p>
             <a:pPr marL="0" indent="0">
               <a:buNone/>
             </a:pPr>
-            <a:endParaRPr lang="da-DK" sz="1600" dirty="0" smtClean="0"/>
+            <a:r>
+              <a:rPr lang="en-US" sz="1600" b="1" dirty="0" smtClean="0">
+                <a:solidFill>
+                  <a:srgbClr val="5E1445"/>
+                </a:solidFill>
+                <a:latin typeface="Consolas-Bold"/>
+              </a:rPr>
+              <a:t>=&gt; (2 3)</a:t>
+            </a:r>
+            <a:endParaRPr lang="en-US" sz="1600" b="1" dirty="0">
+              <a:solidFill>
+                <a:srgbClr val="5E1445"/>
+              </a:solidFill>
+              <a:latin typeface="Consolas-Bold"/>
+            </a:endParaRPr>
           </a:p>
           <a:p>
             <a:pPr marL="0" indent="0">
               <a:buNone/>
             </a:pPr>
-            <a:r>
-              <a:rPr lang="da-DK" sz="1600" dirty="0" smtClean="0"/>
+            <a:endParaRPr lang="en-US" sz="1600" dirty="0">
+              <a:solidFill>
+                <a:srgbClr val="1C1C14"/>
+              </a:solidFill>
+              <a:latin typeface="Consolas"/>
+            </a:endParaRPr>
+          </a:p>
+          <a:p>
+            <a:pPr marL="0" indent="0">
+              <a:buNone/>
+            </a:pPr>
+            <a:r>
+              <a:rPr lang="hr-HR" sz="1600" b="1" dirty="0">
+                <a:solidFill>
+                  <a:srgbClr val="5E1445"/>
+                </a:solidFill>
+                <a:latin typeface="Consolas-Bold"/>
+              </a:rPr>
               <a:t>(</a:t>
             </a:r>
             <a:r>
-              <a:rPr lang="da-DK" sz="1600" dirty="0" err="1" smtClean="0"/>
+              <a:rPr lang="hr-HR" sz="1600" dirty="0">
+                <a:solidFill>
+                  <a:srgbClr val="515151"/>
+                </a:solidFill>
+                <a:latin typeface="Consolas"/>
+              </a:rPr>
               <a:t>def</a:t>
             </a:r>
             <a:r>
-              <a:rPr lang="da-DK" sz="1600" dirty="0" smtClean="0"/>
-              <a:t> x (</a:t>
-            </a:r>
-            <a:r>
-              <a:rPr lang="da-DK" sz="1600" dirty="0" err="1" smtClean="0"/>
+              <a:rPr lang="hr-HR" sz="1600" dirty="0">
+                <a:solidFill>
+                  <a:srgbClr val="1C1C14"/>
+                </a:solidFill>
+                <a:latin typeface="Consolas"/>
+              </a:rPr>
+              <a:t> </a:t>
+            </a:r>
+            <a:r>
+              <a:rPr lang="hr-HR" sz="1600" dirty="0">
+                <a:solidFill>
+                  <a:prstClr val="black"/>
+                </a:solidFill>
+                <a:latin typeface="Consolas"/>
+              </a:rPr>
+              <a:t>x</a:t>
+            </a:r>
+            <a:r>
+              <a:rPr lang="hr-HR" sz="1600" dirty="0">
+                <a:solidFill>
+                  <a:srgbClr val="1C1C14"/>
+                </a:solidFill>
+                <a:latin typeface="Consolas"/>
+              </a:rPr>
+              <a:t> </a:t>
+            </a:r>
+            <a:r>
+              <a:rPr lang="hr-HR" sz="1600" b="1" dirty="0">
+                <a:solidFill>
+                  <a:srgbClr val="5E1445"/>
+                </a:solidFill>
+                <a:latin typeface="Consolas-Bold"/>
+              </a:rPr>
+              <a:t>(</a:t>
+            </a:r>
+            <a:r>
+              <a:rPr lang="hr-HR" sz="1600" dirty="0">
+                <a:solidFill>
+                  <a:srgbClr val="E03186"/>
+                </a:solidFill>
+                <a:latin typeface="Consolas"/>
+              </a:rPr>
               <a:t>conj</a:t>
             </a:r>
             <a:r>
-              <a:rPr lang="da-DK" sz="1600" dirty="0" smtClean="0"/>
-              <a:t> ”x” b))</a:t>
-            </a:r>
-          </a:p>
-          <a:p>
-            <a:pPr>
-              <a:buFont typeface="Symbol" charset="0"/>
-              <a:buChar char=""/>
-            </a:pPr>
-            <a:r>
-              <a:rPr lang="da-DK" sz="1600" dirty="0" smtClean="0"/>
-              <a:t>(”x” 2 3)</a:t>
+              <a:rPr lang="hr-HR" sz="1600" dirty="0">
+                <a:solidFill>
+                  <a:srgbClr val="1C1C14"/>
+                </a:solidFill>
+                <a:latin typeface="Consolas"/>
+              </a:rPr>
+              <a:t> </a:t>
+            </a:r>
+            <a:r>
+              <a:rPr lang="hr-HR" sz="1600" dirty="0">
+                <a:solidFill>
+                  <a:prstClr val="black"/>
+                </a:solidFill>
+                <a:latin typeface="Consolas"/>
+              </a:rPr>
+              <a:t>b</a:t>
+            </a:r>
+            <a:r>
+              <a:rPr lang="hr-HR" sz="1600" dirty="0">
+                <a:solidFill>
+                  <a:srgbClr val="1C1C14"/>
+                </a:solidFill>
+                <a:latin typeface="Consolas"/>
+              </a:rPr>
+              <a:t> </a:t>
+            </a:r>
+            <a:r>
+              <a:rPr lang="hr-HR" sz="1600" dirty="0">
+                <a:solidFill>
+                  <a:srgbClr val="0029FA"/>
+                </a:solidFill>
+                <a:latin typeface="Consolas"/>
+              </a:rPr>
+              <a:t>"x"</a:t>
+            </a:r>
+            <a:r>
+              <a:rPr lang="hr-HR" sz="1600" b="1" dirty="0">
+                <a:solidFill>
+                  <a:srgbClr val="5E1445"/>
+                </a:solidFill>
+                <a:latin typeface="Consolas-Bold"/>
+              </a:rPr>
+              <a:t>)</a:t>
+            </a:r>
+            <a:r>
+              <a:rPr lang="hr-HR" sz="1600" b="1" dirty="0" smtClean="0">
+                <a:solidFill>
+                  <a:srgbClr val="5E1445"/>
+                </a:solidFill>
+                <a:latin typeface="Consolas-Bold"/>
+              </a:rPr>
+              <a:t>)</a:t>
             </a:r>
           </a:p>
           <a:p>
             <a:pPr marL="0" indent="0">
               <a:buNone/>
             </a:pPr>
-            <a:endParaRPr lang="da-DK" sz="1600" dirty="0" smtClean="0"/>
+            <a:r>
+              <a:rPr lang="hr-HR" sz="1600" b="1" dirty="0" smtClean="0">
+                <a:solidFill>
+                  <a:srgbClr val="5E1445"/>
+                </a:solidFill>
+                <a:latin typeface="Consolas-Bold"/>
+              </a:rPr>
+              <a:t>=&gt; (</a:t>
+            </a:r>
+            <a:r>
+              <a:rPr lang="hr-HR" sz="1600" dirty="0">
+                <a:solidFill>
+                  <a:srgbClr val="0029FA"/>
+                </a:solidFill>
+                <a:latin typeface="Consolas"/>
+              </a:rPr>
+              <a:t>"x"</a:t>
+            </a:r>
+            <a:r>
+              <a:rPr lang="hr-HR" sz="1600" b="1" dirty="0" smtClean="0">
+                <a:solidFill>
+                  <a:srgbClr val="5E1445"/>
+                </a:solidFill>
+                <a:latin typeface="Consolas-Bold"/>
+              </a:rPr>
+              <a:t> 2 3)</a:t>
+            </a:r>
+            <a:r>
+              <a:rPr lang="hr-HR" sz="1600" b="1" dirty="0">
+                <a:solidFill>
+                  <a:srgbClr val="5E1445"/>
+                </a:solidFill>
+                <a:latin typeface="Consolas-Bold"/>
+              </a:rPr>
+              <a:t>	</a:t>
+            </a:r>
           </a:p>
         </p:txBody>
       </p:sp>
@@ -10105,7 +10414,7 @@
         </p:nvSpPr>
         <p:spPr bwMode="auto">
           <a:xfrm>
-            <a:off x="5364088" y="2996952"/>
+            <a:off x="5364088" y="3219161"/>
             <a:ext cx="504056" cy="504056"/>
           </a:xfrm>
           <a:prstGeom prst="ellipse">
@@ -10165,7 +10474,7 @@
         </p:nvCxnSpPr>
         <p:spPr bwMode="auto">
           <a:xfrm flipV="1">
-            <a:off x="5794327" y="2456892"/>
+            <a:off x="5794327" y="2679101"/>
             <a:ext cx="721889" cy="613877"/>
           </a:xfrm>
           <a:prstGeom prst="straightConnector1">
@@ -10194,7 +10503,7 @@
         </p:nvSpPr>
         <p:spPr bwMode="auto">
           <a:xfrm>
-            <a:off x="4237484" y="3645024"/>
+            <a:off x="4237484" y="3867233"/>
             <a:ext cx="504056" cy="504056"/>
           </a:xfrm>
           <a:prstGeom prst="ellipse">
@@ -10251,7 +10560,7 @@
         </p:nvSpPr>
         <p:spPr bwMode="auto">
           <a:xfrm>
-            <a:off x="6516216" y="3645024"/>
+            <a:off x="6516216" y="3867233"/>
             <a:ext cx="381000" cy="504056"/>
           </a:xfrm>
           <a:prstGeom prst="rect">
@@ -10323,7 +10632,7 @@
         </p:nvCxnSpPr>
         <p:spPr bwMode="auto">
           <a:xfrm>
-            <a:off x="4741540" y="3897052"/>
+            <a:off x="4741540" y="4119261"/>
             <a:ext cx="1774676" cy="0"/>
           </a:xfrm>
           <a:prstGeom prst="straightConnector1">
@@ -10355,7 +10664,7 @@
         </p:nvCxnSpPr>
         <p:spPr bwMode="auto">
           <a:xfrm flipV="1">
-            <a:off x="6706716" y="2708920"/>
+            <a:off x="6706716" y="2931129"/>
             <a:ext cx="0" cy="936104"/>
           </a:xfrm>
           <a:prstGeom prst="straightConnector1">
@@ -15289,9 +15598,6 @@
               </a:rPr>
               <a:t>Seller’</a:t>
             </a:r>
-            <a:endParaRPr lang="en-US" dirty="0" smtClean="0">
-              <a:latin typeface="Neo Sans Std"/>
-            </a:endParaRPr>
           </a:p>
         </p:txBody>
       </p:sp>
@@ -15338,9 +15644,6 @@
               </a:rPr>
               <a:t>Buyer’</a:t>
             </a:r>
-            <a:endParaRPr lang="en-US" dirty="0" smtClean="0">
-              <a:latin typeface="Neo Sans Std"/>
-            </a:endParaRPr>
           </a:p>
         </p:txBody>
       </p:sp>
@@ -15820,7 +16123,6 @@
               <a:rPr lang="en-US" dirty="0" smtClean="0"/>
               <a:t>Interoperable</a:t>
             </a:r>
-            <a:endParaRPr lang="en-US" dirty="0" smtClean="0"/>
           </a:p>
           <a:p>
             <a:r>
@@ -19333,11 +19635,7 @@
           <a:p>
             <a:r>
               <a:rPr lang="en-US" dirty="0" smtClean="0"/>
-              <a:t>Classes are </a:t>
-            </a:r>
-            <a:r>
-              <a:rPr lang="en-US" dirty="0" smtClean="0"/>
-              <a:t>Islands</a:t>
+              <a:t>Classes are Islands</a:t>
             </a:r>
             <a:endParaRPr lang="en-US" dirty="0"/>
           </a:p>
@@ -19519,10 +19817,6 @@
               </a:rPr>
               <a:t>Equals</a:t>
             </a:r>
-            <a:endParaRPr lang="en-US" sz="1600" dirty="0" smtClean="0">
-              <a:latin typeface="Courier"/>
-              <a:cs typeface="Courier"/>
-            </a:endParaRPr>
           </a:p>
           <a:p>
             <a:pPr marL="0" indent="0">
@@ -19724,13 +20018,8 @@
             </a:pPr>
             <a:r>
               <a:rPr lang="en-US" sz="1600" dirty="0" smtClean="0"/>
-              <a:t>;; </a:t>
-            </a:r>
-            <a:r>
-              <a:rPr lang="en-US" sz="1600" dirty="0" smtClean="0"/>
-              <a:t>a record is also a map of its properties</a:t>
-            </a:r>
-            <a:endParaRPr lang="en-US" sz="1600" dirty="0" smtClean="0"/>
+              <a:t>;; a record is also a map of its properties</a:t>
+            </a:r>
           </a:p>
           <a:p>
             <a:pPr marL="0" indent="0">
@@ -19949,6 +20238,18 @@
                 <a:latin typeface="Courier"/>
                 <a:cs typeface="Courier"/>
               </a:rPr>
+              <a:t> result = new Diff();</a:t>
+            </a:r>
+          </a:p>
+          <a:p>
+            <a:pPr marL="0" indent="0">
+              <a:buNone/>
+            </a:pPr>
+            <a:r>
+              <a:rPr lang="en-US" sz="1200" dirty="0">
+                <a:latin typeface="Courier"/>
+                <a:cs typeface="Courier"/>
+              </a:rPr>
               <a:t> </a:t>
             </a:r>
             <a:r>
@@ -19956,8 +20257,156 @@
                 <a:latin typeface="Courier"/>
                 <a:cs typeface="Courier"/>
               </a:rPr>
-              <a:t>result = new Diff();</a:t>
-            </a:r>
+              <a:t> if (!(</a:t>
+            </a:r>
+            <a:r>
+              <a:rPr lang="en-US" sz="1200" dirty="0" err="1" smtClean="0">
+                <a:latin typeface="Courier"/>
+                <a:cs typeface="Courier"/>
+              </a:rPr>
+              <a:t>this.Bid.Equals</a:t>
+            </a:r>
+            <a:r>
+              <a:rPr lang="en-US" sz="1200" dirty="0" smtClean="0">
+                <a:latin typeface="Courier"/>
+                <a:cs typeface="Courier"/>
+              </a:rPr>
+              <a:t>(</a:t>
+            </a:r>
+            <a:r>
+              <a:rPr lang="en-US" sz="1200" dirty="0" err="1" smtClean="0">
+                <a:latin typeface="Courier"/>
+                <a:cs typeface="Courier"/>
+              </a:rPr>
+              <a:t>prev.Bid</a:t>
+            </a:r>
+            <a:r>
+              <a:rPr lang="en-US" sz="1200" dirty="0" smtClean="0">
+                <a:latin typeface="Courier"/>
+                <a:cs typeface="Courier"/>
+              </a:rPr>
+              <a:t>))) </a:t>
+            </a:r>
+            <a:endParaRPr lang="en-US" sz="1200" dirty="0">
+              <a:latin typeface="Courier"/>
+              <a:cs typeface="Courier"/>
+            </a:endParaRPr>
+          </a:p>
+          <a:p>
+            <a:pPr marL="0" indent="0">
+              <a:buNone/>
+            </a:pPr>
+            <a:r>
+              <a:rPr lang="en-US" sz="1200" dirty="0">
+                <a:latin typeface="Courier"/>
+                <a:cs typeface="Courier"/>
+              </a:rPr>
+              <a:t> </a:t>
+            </a:r>
+            <a:r>
+              <a:rPr lang="en-US" sz="1200" dirty="0" smtClean="0">
+                <a:latin typeface="Courier"/>
+                <a:cs typeface="Courier"/>
+              </a:rPr>
+              <a:t>   </a:t>
+            </a:r>
+            <a:r>
+              <a:rPr lang="en-US" sz="1200" dirty="0" err="1" smtClean="0">
+                <a:latin typeface="Courier"/>
+                <a:cs typeface="Courier"/>
+              </a:rPr>
+              <a:t>result.AddFieldUpdate</a:t>
+            </a:r>
+            <a:r>
+              <a:rPr lang="en-US" sz="1200" dirty="0" smtClean="0">
+                <a:latin typeface="Courier"/>
+                <a:cs typeface="Courier"/>
+              </a:rPr>
+              <a:t>(</a:t>
+            </a:r>
+            <a:r>
+              <a:rPr lang="en-US" sz="1200" dirty="0" err="1" smtClean="0">
+                <a:latin typeface="Courier"/>
+                <a:cs typeface="Courier"/>
+              </a:rPr>
+              <a:t>QuoteField.Bid</a:t>
+            </a:r>
+            <a:r>
+              <a:rPr lang="en-US" sz="1200" dirty="0" smtClean="0">
+                <a:latin typeface="Courier"/>
+                <a:cs typeface="Courier"/>
+              </a:rPr>
+              <a:t>, </a:t>
+            </a:r>
+            <a:r>
+              <a:rPr lang="en-US" sz="1200" dirty="0" err="1" smtClean="0">
+                <a:latin typeface="Courier"/>
+                <a:cs typeface="Courier"/>
+              </a:rPr>
+              <a:t>this.Bid</a:t>
+            </a:r>
+            <a:r>
+              <a:rPr lang="en-US" sz="1200" dirty="0" smtClean="0">
+                <a:latin typeface="Courier"/>
+                <a:cs typeface="Courier"/>
+              </a:rPr>
+              <a:t>));</a:t>
+            </a:r>
+          </a:p>
+          <a:p>
+            <a:pPr marL="0" indent="0">
+              <a:buNone/>
+            </a:pPr>
+            <a:r>
+              <a:rPr lang="en-US" sz="1200" dirty="0">
+                <a:latin typeface="Courier"/>
+                <a:cs typeface="Courier"/>
+              </a:rPr>
+              <a:t> </a:t>
+            </a:r>
+            <a:r>
+              <a:rPr lang="en-US" sz="1200" dirty="0" smtClean="0">
+                <a:latin typeface="Courier"/>
+                <a:cs typeface="Courier"/>
+              </a:rPr>
+              <a:t> …</a:t>
+            </a:r>
+          </a:p>
+          <a:p>
+            <a:pPr marL="0" indent="0">
+              <a:buNone/>
+            </a:pPr>
+            <a:r>
+              <a:rPr lang="en-US" sz="1200" dirty="0">
+                <a:latin typeface="Courier"/>
+                <a:cs typeface="Courier"/>
+              </a:rPr>
+              <a:t> </a:t>
+            </a:r>
+            <a:r>
+              <a:rPr lang="en-US" sz="1200" dirty="0" smtClean="0">
+                <a:latin typeface="Courier"/>
+                <a:cs typeface="Courier"/>
+              </a:rPr>
+              <a:t> // repeat for the other fields </a:t>
+            </a:r>
+          </a:p>
+          <a:p>
+            <a:pPr marL="0" indent="0">
+              <a:buNone/>
+            </a:pPr>
+            <a:r>
+              <a:rPr lang="en-US" sz="1200" dirty="0" smtClean="0">
+                <a:latin typeface="Courier"/>
+                <a:cs typeface="Courier"/>
+              </a:rPr>
+              <a:t>}</a:t>
+            </a:r>
+          </a:p>
+          <a:p>
+            <a:pPr marL="0" indent="0">
+              <a:buNone/>
+            </a:pPr>
             <a:endParaRPr lang="en-US" sz="1200" dirty="0" smtClean="0">
               <a:latin typeface="Courier"/>
               <a:cs typeface="Courier"/>
@@ -19972,43 +20421,25 @@
                 <a:latin typeface="Courier"/>
                 <a:cs typeface="Courier"/>
               </a:rPr>
-              <a:t> </a:t>
-            </a:r>
-            <a:r>
-              <a:rPr lang="en-US" sz="1200" dirty="0" smtClean="0">
+              <a:t>previous = Quote(EURUSD, Bid:=1.40, Ask:=1.41)</a:t>
+            </a:r>
+          </a:p>
+          <a:p>
+            <a:pPr marL="0" indent="0">
+              <a:buNone/>
+            </a:pPr>
+            <a:r>
+              <a:rPr lang="en-US" sz="1200" dirty="0">
                 <a:latin typeface="Courier"/>
                 <a:cs typeface="Courier"/>
               </a:rPr>
-              <a:t> if (!(</a:t>
-            </a:r>
-            <a:r>
-              <a:rPr lang="en-US" sz="1200" dirty="0" err="1" smtClean="0">
-                <a:latin typeface="Courier"/>
-                <a:cs typeface="Courier"/>
-              </a:rPr>
-              <a:t>this.Bid.Equals</a:t>
-            </a:r>
-            <a:r>
-              <a:rPr lang="en-US" sz="1200" dirty="0" smtClean="0">
-                <a:latin typeface="Courier"/>
-                <a:cs typeface="Courier"/>
-              </a:rPr>
-              <a:t>(</a:t>
-            </a:r>
-            <a:r>
-              <a:rPr lang="en-US" sz="1200" dirty="0" err="1" smtClean="0">
-                <a:latin typeface="Courier"/>
-                <a:cs typeface="Courier"/>
-              </a:rPr>
-              <a:t>prev.Bid</a:t>
-            </a:r>
-            <a:r>
-              <a:rPr lang="en-US" sz="1200" dirty="0" smtClean="0">
-                <a:latin typeface="Courier"/>
-                <a:cs typeface="Courier"/>
-              </a:rPr>
-              <a:t>))) </a:t>
-            </a:r>
+              <a:t>latest   = Quote(EURUSD, Bid:=1.45, Ask:=1.46)</a:t>
+            </a:r>
+          </a:p>
+          <a:p>
+            <a:pPr marL="0" indent="0">
+              <a:buNone/>
+            </a:pPr>
             <a:endParaRPr lang="en-US" sz="1200" dirty="0">
               <a:latin typeface="Courier"/>
               <a:cs typeface="Courier"/>
@@ -20018,68 +20449,100 @@
             <a:pPr marL="0" indent="0">
               <a:buNone/>
             </a:pPr>
-            <a:r>
-              <a:rPr lang="en-US" sz="1200" dirty="0">
-                <a:latin typeface="Courier"/>
-                <a:cs typeface="Courier"/>
-              </a:rPr>
-              <a:t> </a:t>
-            </a:r>
+            <a:endParaRPr lang="en-US" sz="1200" dirty="0">
+              <a:latin typeface="Courier"/>
+              <a:cs typeface="Courier"/>
+            </a:endParaRPr>
+          </a:p>
+          <a:p>
+            <a:pPr marL="0" indent="0">
+              <a:buNone/>
+            </a:pPr>
             <a:r>
               <a:rPr lang="en-US" sz="1200" dirty="0" smtClean="0">
                 <a:latin typeface="Courier"/>
                 <a:cs typeface="Courier"/>
               </a:rPr>
-              <a:t>   </a:t>
+              <a:t>diff = </a:t>
             </a:r>
             <a:r>
               <a:rPr lang="en-US" sz="1200" dirty="0" err="1" smtClean="0">
                 <a:latin typeface="Courier"/>
                 <a:cs typeface="Courier"/>
               </a:rPr>
-              <a:t>result.AddFieldUpdate</a:t>
+              <a:t>latest.ChangesSince</a:t>
             </a:r>
             <a:r>
               <a:rPr lang="en-US" sz="1200" dirty="0" smtClean="0">
                 <a:latin typeface="Courier"/>
                 <a:cs typeface="Courier"/>
               </a:rPr>
-              <a:t>(</a:t>
-            </a:r>
-            <a:r>
-              <a:rPr lang="en-US" sz="1200" dirty="0" err="1" smtClean="0">
-                <a:latin typeface="Courier"/>
-                <a:cs typeface="Courier"/>
-              </a:rPr>
-              <a:t>QuoteField.Bid</a:t>
-            </a:r>
-            <a:r>
-              <a:rPr lang="en-US" sz="1200" dirty="0" smtClean="0">
-                <a:latin typeface="Courier"/>
-                <a:cs typeface="Courier"/>
-              </a:rPr>
-              <a:t>, </a:t>
-            </a:r>
-            <a:r>
-              <a:rPr lang="en-US" sz="1200" dirty="0" err="1" smtClean="0">
-                <a:latin typeface="Courier"/>
-                <a:cs typeface="Courier"/>
-              </a:rPr>
-              <a:t>this.Bid</a:t>
-            </a:r>
-            <a:r>
-              <a:rPr lang="en-US" sz="1200" dirty="0" smtClean="0">
-                <a:latin typeface="Courier"/>
-                <a:cs typeface="Courier"/>
-              </a:rPr>
-              <a:t>));</a:t>
-            </a:r>
+              <a:t>(previous)</a:t>
+            </a:r>
+          </a:p>
+          <a:p>
+            <a:pPr marL="0" indent="0">
+              <a:buNone/>
+            </a:pPr>
             <a:endParaRPr lang="en-US" sz="1200" dirty="0" smtClean="0">
               <a:latin typeface="Courier"/>
               <a:cs typeface="Courier"/>
             </a:endParaRPr>
           </a:p>
           <a:p>
+            <a:pPr>
+              <a:buFont typeface="Symbol" charset="0"/>
+              <a:buChar char=""/>
+            </a:pPr>
+            <a:r>
+              <a:rPr lang="en-US" sz="1200" dirty="0" smtClean="0">
+                <a:latin typeface="Courier"/>
+                <a:cs typeface="Courier"/>
+              </a:rPr>
+              <a:t>Diff with Updates:     </a:t>
+            </a:r>
+          </a:p>
+          <a:p>
+            <a:pPr marL="0" indent="0">
+              <a:buNone/>
+            </a:pPr>
+            <a:r>
+              <a:rPr lang="en-US" sz="1200" dirty="0" smtClean="0">
+                <a:latin typeface="Courier"/>
+                <a:cs typeface="Courier"/>
+              </a:rPr>
+              <a:t>        (Field </a:t>
+            </a:r>
+            <a:r>
+              <a:rPr lang="en-US" sz="1200" dirty="0" err="1" smtClean="0">
+                <a:latin typeface="Courier"/>
+                <a:cs typeface="Courier"/>
+              </a:rPr>
+              <a:t>QuoteField.Bid</a:t>
+            </a:r>
+            <a:r>
+              <a:rPr lang="en-US" sz="1200" dirty="0" smtClean="0">
+                <a:latin typeface="Courier"/>
+                <a:cs typeface="Courier"/>
+              </a:rPr>
+              <a:t>, </a:t>
+            </a:r>
+            <a:r>
+              <a:rPr lang="en-US" sz="1200" dirty="0" err="1" smtClean="0">
+                <a:latin typeface="Courier"/>
+                <a:cs typeface="Courier"/>
+              </a:rPr>
+              <a:t>NewValue</a:t>
+            </a:r>
+            <a:r>
+              <a:rPr lang="en-US" sz="1200" dirty="0" smtClean="0">
+                <a:latin typeface="Courier"/>
+                <a:cs typeface="Courier"/>
+              </a:rPr>
+              <a:t> 1.405) </a:t>
+            </a:r>
+          </a:p>
+          <a:p>
             <a:pPr marL="0" indent="0">
               <a:buNone/>
             </a:pPr>
@@ -20095,242 +20558,7 @@
                 <a:latin typeface="Courier"/>
                 <a:cs typeface="Courier"/>
               </a:rPr>
-              <a:t> </a:t>
-            </a:r>
-            <a:r>
-              <a:rPr lang="en-US" sz="1200" dirty="0" smtClean="0">
-                <a:latin typeface="Courier"/>
-                <a:cs typeface="Courier"/>
-              </a:rPr>
-              <a:t>…</a:t>
-            </a:r>
-          </a:p>
-          <a:p>
-            <a:pPr marL="0" indent="0">
-              <a:buNone/>
-            </a:pPr>
-            <a:r>
-              <a:rPr lang="en-US" sz="1200" dirty="0">
-                <a:latin typeface="Courier"/>
-                <a:cs typeface="Courier"/>
-              </a:rPr>
-              <a:t> </a:t>
-            </a:r>
-            <a:r>
-              <a:rPr lang="en-US" sz="1200" dirty="0" smtClean="0">
-                <a:latin typeface="Courier"/>
-                <a:cs typeface="Courier"/>
-              </a:rPr>
-              <a:t> // repeat for the other fields</a:t>
-            </a:r>
-            <a:r>
-              <a:rPr lang="en-US" sz="1200" dirty="0" smtClean="0">
-                <a:latin typeface="Courier"/>
-                <a:cs typeface="Courier"/>
-              </a:rPr>
-              <a:t> </a:t>
-            </a:r>
-            <a:endParaRPr lang="en-US" sz="1200" dirty="0" smtClean="0">
-              <a:latin typeface="Courier"/>
-              <a:cs typeface="Courier"/>
-            </a:endParaRPr>
-          </a:p>
-          <a:p>
-            <a:pPr marL="0" indent="0">
-              <a:buNone/>
-            </a:pPr>
-            <a:r>
-              <a:rPr lang="en-US" sz="1200" dirty="0" smtClean="0">
-                <a:latin typeface="Courier"/>
-                <a:cs typeface="Courier"/>
-              </a:rPr>
-              <a:t>}</a:t>
-            </a:r>
-          </a:p>
-          <a:p>
-            <a:pPr marL="0" indent="0">
-              <a:buNone/>
-            </a:pPr>
-            <a:endParaRPr lang="en-US" sz="1200" dirty="0" smtClean="0">
-              <a:latin typeface="Courier"/>
-              <a:cs typeface="Courier"/>
-            </a:endParaRPr>
-          </a:p>
-          <a:p>
-            <a:pPr marL="0" indent="0">
-              <a:buNone/>
-            </a:pPr>
-            <a:r>
-              <a:rPr lang="en-US" sz="1200" dirty="0">
-                <a:latin typeface="Courier"/>
-                <a:cs typeface="Courier"/>
-              </a:rPr>
-              <a:t>previous = Quote(EURUSD, Bid:=1.40, Ask:=1.41)</a:t>
-            </a:r>
-          </a:p>
-          <a:p>
-            <a:pPr marL="0" indent="0">
-              <a:buNone/>
-            </a:pPr>
-            <a:r>
-              <a:rPr lang="en-US" sz="1200" dirty="0">
-                <a:latin typeface="Courier"/>
-                <a:cs typeface="Courier"/>
-              </a:rPr>
-              <a:t>latest   = Quote(EURUSD, Bid:=1.45, Ask:=1.46)</a:t>
-            </a:r>
-          </a:p>
-          <a:p>
-            <a:pPr marL="0" indent="0">
-              <a:buNone/>
-            </a:pPr>
-            <a:endParaRPr lang="en-US" sz="1200" dirty="0">
-              <a:latin typeface="Courier"/>
-              <a:cs typeface="Courier"/>
-            </a:endParaRPr>
-          </a:p>
-          <a:p>
-            <a:pPr marL="0" indent="0">
-              <a:buNone/>
-            </a:pPr>
-            <a:endParaRPr lang="en-US" sz="1200" dirty="0">
-              <a:latin typeface="Courier"/>
-              <a:cs typeface="Courier"/>
-            </a:endParaRPr>
-          </a:p>
-          <a:p>
-            <a:pPr marL="0" indent="0">
-              <a:buNone/>
-            </a:pPr>
-            <a:r>
-              <a:rPr lang="en-US" sz="1200" dirty="0" smtClean="0">
-                <a:latin typeface="Courier"/>
-                <a:cs typeface="Courier"/>
-              </a:rPr>
-              <a:t>diff = </a:t>
-            </a:r>
-            <a:r>
-              <a:rPr lang="en-US" sz="1200" dirty="0" err="1" smtClean="0">
-                <a:latin typeface="Courier"/>
-                <a:cs typeface="Courier"/>
-              </a:rPr>
-              <a:t>latest.ChangesSince</a:t>
-            </a:r>
-            <a:r>
-              <a:rPr lang="en-US" sz="1200" dirty="0" smtClean="0">
-                <a:latin typeface="Courier"/>
-                <a:cs typeface="Courier"/>
-              </a:rPr>
-              <a:t>(previous)</a:t>
-            </a:r>
-          </a:p>
-          <a:p>
-            <a:pPr marL="0" indent="0">
-              <a:buNone/>
-            </a:pPr>
-            <a:endParaRPr lang="en-US" sz="1200" dirty="0" smtClean="0">
-              <a:latin typeface="Courier"/>
-              <a:cs typeface="Courier"/>
-            </a:endParaRPr>
-          </a:p>
-          <a:p>
-            <a:pPr>
-              <a:buFont typeface="Symbol" charset="0"/>
-              <a:buChar char=""/>
-            </a:pPr>
-            <a:r>
-              <a:rPr lang="en-US" sz="1200" dirty="0" smtClean="0">
-                <a:latin typeface="Courier"/>
-                <a:cs typeface="Courier"/>
-              </a:rPr>
-              <a:t>Diff with Updates:</a:t>
-            </a:r>
-            <a:r>
-              <a:rPr lang="en-US" sz="1200" dirty="0" smtClean="0">
-                <a:latin typeface="Courier"/>
-                <a:cs typeface="Courier"/>
-              </a:rPr>
-              <a:t>    </a:t>
-            </a:r>
-            <a:r>
-              <a:rPr lang="en-US" sz="1200" dirty="0" smtClean="0">
-                <a:latin typeface="Courier"/>
-                <a:cs typeface="Courier"/>
-              </a:rPr>
-              <a:t> </a:t>
-            </a:r>
-          </a:p>
-          <a:p>
-            <a:pPr marL="0" indent="0">
-              <a:buNone/>
-            </a:pPr>
-            <a:r>
-              <a:rPr lang="en-US" sz="1200" dirty="0" smtClean="0">
-                <a:latin typeface="Courier"/>
-                <a:cs typeface="Courier"/>
-              </a:rPr>
-              <a:t>        (Field </a:t>
-            </a:r>
-            <a:r>
-              <a:rPr lang="en-US" sz="1200" dirty="0" err="1" smtClean="0">
-                <a:latin typeface="Courier"/>
-                <a:cs typeface="Courier"/>
-              </a:rPr>
-              <a:t>QuoteField.Bid</a:t>
-            </a:r>
-            <a:r>
-              <a:rPr lang="en-US" sz="1200" dirty="0" smtClean="0">
-                <a:latin typeface="Courier"/>
-                <a:cs typeface="Courier"/>
-              </a:rPr>
-              <a:t>, </a:t>
-            </a:r>
-            <a:r>
-              <a:rPr lang="en-US" sz="1200" dirty="0" err="1" smtClean="0">
-                <a:latin typeface="Courier"/>
-                <a:cs typeface="Courier"/>
-              </a:rPr>
-              <a:t>NewValue</a:t>
-            </a:r>
-            <a:r>
-              <a:rPr lang="en-US" sz="1200" dirty="0" smtClean="0">
-                <a:latin typeface="Courier"/>
-                <a:cs typeface="Courier"/>
-              </a:rPr>
-              <a:t> 1.405</a:t>
-            </a:r>
-            <a:r>
-              <a:rPr lang="en-US" sz="1200" dirty="0" smtClean="0">
-                <a:latin typeface="Courier"/>
-                <a:cs typeface="Courier"/>
-              </a:rPr>
-              <a:t>) </a:t>
-            </a:r>
-          </a:p>
-          <a:p>
-            <a:pPr marL="0" indent="0">
-              <a:buNone/>
-            </a:pPr>
-            <a:r>
-              <a:rPr lang="en-US" sz="1200" dirty="0">
-                <a:latin typeface="Courier"/>
-                <a:cs typeface="Courier"/>
-              </a:rPr>
-              <a:t> </a:t>
-            </a:r>
-            <a:r>
-              <a:rPr lang="en-US" sz="1200" dirty="0" smtClean="0">
-                <a:latin typeface="Courier"/>
-                <a:cs typeface="Courier"/>
-              </a:rPr>
-              <a:t>       </a:t>
-            </a:r>
-            <a:r>
-              <a:rPr lang="en-US" sz="1200" dirty="0" smtClean="0">
-                <a:latin typeface="Courier"/>
-                <a:cs typeface="Courier"/>
-              </a:rPr>
-              <a:t>(Field </a:t>
+              <a:t>       (Field </a:t>
             </a:r>
             <a:r>
               <a:rPr lang="en-US" sz="1200" dirty="0" err="1" smtClean="0">
@@ -20366,15 +20594,7 @@
                 <a:cs typeface="Courier"/>
                 <a:sym typeface="Wingdings"/>
               </a:rPr>
-              <a:t>1.415</a:t>
-            </a:r>
-            <a:r>
-              <a:rPr lang="en-US" sz="1200" dirty="0" smtClean="0">
-                <a:latin typeface="Courier"/>
-                <a:cs typeface="Courier"/>
-                <a:sym typeface="Wingdings"/>
-              </a:rPr>
-              <a:t>)</a:t>
+              <a:t>1.415)</a:t>
             </a:r>
           </a:p>
           <a:p>
@@ -21717,18 +21937,7 @@
                           <a:ea typeface="Neo Sans Std"/>
                           <a:cs typeface="+mn-cs"/>
                         </a:rPr>
-                        <a:t> </a:t>
-                      </a:r>
-                      <a:r>
-                        <a:rPr lang="en-US" sz="1600" i="0" kern="1200" baseline="0" dirty="0" smtClean="0">
-                          <a:solidFill>
-                            <a:schemeClr val="dk1"/>
-                          </a:solidFill>
-                          <a:latin typeface="Neo Sans Std"/>
-                          <a:ea typeface="Neo Sans Std"/>
-                          <a:cs typeface="+mn-cs"/>
-                        </a:rPr>
-                        <a:t>programming, OO</a:t>
+                        <a:t> programming, OO</a:t>
                       </a:r>
                       <a:endParaRPr lang="en-US" sz="1600" i="0" dirty="0">
                         <a:latin typeface="Neo Sans Std"/>
@@ -25267,18 +25476,7 @@
                           <a:ea typeface="Neo Sans Std"/>
                           <a:cs typeface="+mn-cs"/>
                         </a:rPr>
-                        <a:t> </a:t>
-                      </a:r>
-                      <a:r>
-                        <a:rPr lang="en-US" sz="1600" i="0" kern="1200" baseline="0" dirty="0" smtClean="0">
-                          <a:solidFill>
-                            <a:schemeClr val="dk1"/>
-                          </a:solidFill>
-                          <a:latin typeface="Neo Sans Std"/>
-                          <a:ea typeface="Neo Sans Std"/>
-                          <a:cs typeface="+mn-cs"/>
-                        </a:rPr>
-                        <a:t>programming, OO</a:t>
+                        <a:t> programming, OO</a:t>
                       </a:r>
                       <a:endParaRPr lang="en-US" sz="1600" i="0" dirty="0">
                         <a:latin typeface="Neo Sans Std"/>
@@ -26091,8 +26289,13 @@
             </a:r>
             <a:r>
               <a:rPr lang="en-US" dirty="0" smtClean="0"/>
-              <a:t> (do.)</a:t>
-            </a:r>
+              <a:t> (</a:t>
+            </a:r>
+            <a:r>
+              <a:rPr lang="en-US" dirty="0" smtClean="0"/>
+              <a:t>ditto)</a:t>
+            </a:r>
+            <a:endParaRPr lang="en-US" dirty="0" smtClean="0"/>
           </a:p>
           <a:p>
             <a:r>
@@ -27652,14 +27855,7 @@
                 <a:latin typeface="Courier"/>
                 <a:cs typeface="Courier"/>
               </a:rPr>
-              <a:t>public </a:t>
-            </a:r>
-            <a:r>
-              <a:rPr lang="en-US" sz="1200" dirty="0" smtClean="0">
-                <a:latin typeface="Courier"/>
-                <a:cs typeface="Courier"/>
-              </a:rPr>
-              <a:t>class Name { </a:t>
+              <a:t>public class Name { </a:t>
             </a:r>
           </a:p>
           <a:p>
@@ -27742,21 +27938,59 @@
                 <a:latin typeface="Courier"/>
                 <a:cs typeface="Courier"/>
               </a:rPr>
-              <a:t>	public Person(Name name, </a:t>
+              <a:t>	public Person(Name name, List&lt;Person&gt; children) </a:t>
+            </a:r>
+          </a:p>
+          <a:p>
+            <a:pPr marL="0" indent="0">
+              <a:buNone/>
+            </a:pPr>
+            <a:r>
+              <a:rPr lang="en-US" sz="1200" dirty="0">
+                <a:latin typeface="Courier"/>
+                <a:cs typeface="Courier"/>
+              </a:rPr>
+              <a:t>	</a:t>
             </a:r>
             <a:r>
               <a:rPr lang="en-US" sz="1200" dirty="0" smtClean="0">
                 <a:latin typeface="Courier"/>
                 <a:cs typeface="Courier"/>
               </a:rPr>
-              <a:t>List&lt;Person&gt; </a:t>
+              <a:t>{</a:t>
+            </a:r>
+          </a:p>
+          <a:p>
+            <a:pPr marL="0" indent="0">
+              <a:buNone/>
+            </a:pPr>
+            <a:r>
+              <a:rPr lang="en-US" sz="1200" dirty="0">
+                <a:latin typeface="Courier"/>
+                <a:cs typeface="Courier"/>
+              </a:rPr>
+              <a:t>	</a:t>
             </a:r>
             <a:r>
               <a:rPr lang="en-US" sz="1200" dirty="0" smtClean="0">
                 <a:latin typeface="Courier"/>
                 <a:cs typeface="Courier"/>
               </a:rPr>
-              <a:t>children) </a:t>
+              <a:t>    </a:t>
+            </a:r>
+            <a:r>
+              <a:rPr lang="en-US" sz="1200" dirty="0" err="1" smtClean="0">
+                <a:latin typeface="Courier"/>
+                <a:cs typeface="Courier"/>
+              </a:rPr>
+              <a:t>this.Name</a:t>
+            </a:r>
+            <a:r>
+              <a:rPr lang="en-US" sz="1200" dirty="0" smtClean="0">
+                <a:latin typeface="Courier"/>
+                <a:cs typeface="Courier"/>
+              </a:rPr>
+              <a:t> = name; </a:t>
             </a:r>
           </a:p>
           <a:p>
@@ -27775,7 +28009,21 @@
                 <a:latin typeface="Courier"/>
                 <a:cs typeface="Courier"/>
               </a:rPr>
-              <a:t>{</a:t>
+              <a:t>    </a:t>
+            </a:r>
+            <a:r>
+              <a:rPr lang="en-US" sz="1200" dirty="0" err="1" smtClean="0">
+                <a:latin typeface="Courier"/>
+                <a:cs typeface="Courier"/>
+              </a:rPr>
+              <a:t>this.Children</a:t>
+            </a:r>
+            <a:r>
+              <a:rPr lang="en-US" sz="1200" dirty="0" smtClean="0">
+                <a:latin typeface="Courier"/>
+                <a:cs typeface="Courier"/>
+              </a:rPr>
+              <a:t> =  children; </a:t>
             </a:r>
           </a:p>
           <a:p>
@@ -27794,100 +28042,8 @@
                 <a:latin typeface="Courier"/>
                 <a:cs typeface="Courier"/>
               </a:rPr>
-              <a:t>    </a:t>
-            </a:r>
-            <a:r>
-              <a:rPr lang="en-US" sz="1200" dirty="0" err="1" smtClean="0">
-                <a:latin typeface="Courier"/>
-                <a:cs typeface="Courier"/>
-              </a:rPr>
-              <a:t>this.Name</a:t>
-            </a:r>
-            <a:r>
-              <a:rPr lang="en-US" sz="1200" dirty="0" smtClean="0">
-                <a:latin typeface="Courier"/>
-                <a:cs typeface="Courier"/>
-              </a:rPr>
-              <a:t> </a:t>
-            </a:r>
-            <a:r>
-              <a:rPr lang="en-US" sz="1200" dirty="0" smtClean="0">
-                <a:latin typeface="Courier"/>
-                <a:cs typeface="Courier"/>
-              </a:rPr>
-              <a:t>= name; </a:t>
-            </a:r>
-            <a:endParaRPr lang="en-US" sz="1200" dirty="0" smtClean="0">
-              <a:latin typeface="Courier"/>
-              <a:cs typeface="Courier"/>
-            </a:endParaRPr>
-          </a:p>
-          <a:p>
-            <a:pPr marL="0" indent="0">
-              <a:buNone/>
-            </a:pPr>
-            <a:r>
-              <a:rPr lang="en-US" sz="1200" dirty="0">
-                <a:latin typeface="Courier"/>
-                <a:cs typeface="Courier"/>
-              </a:rPr>
-              <a:t>	</a:t>
-            </a:r>
-            <a:r>
-              <a:rPr lang="en-US" sz="1200" dirty="0" smtClean="0">
-                <a:latin typeface="Courier"/>
-                <a:cs typeface="Courier"/>
-              </a:rPr>
-              <a:t>    </a:t>
-            </a:r>
-            <a:r>
-              <a:rPr lang="en-US" sz="1200" dirty="0" err="1" smtClean="0">
-                <a:latin typeface="Courier"/>
-                <a:cs typeface="Courier"/>
-              </a:rPr>
-              <a:t>this.Children</a:t>
-            </a:r>
-            <a:r>
-              <a:rPr lang="en-US" sz="1200" dirty="0" smtClean="0">
-                <a:latin typeface="Courier"/>
-                <a:cs typeface="Courier"/>
-              </a:rPr>
-              <a:t> </a:t>
-            </a:r>
-            <a:r>
-              <a:rPr lang="en-US" sz="1200" dirty="0" smtClean="0">
-                <a:latin typeface="Courier"/>
-                <a:cs typeface="Courier"/>
-              </a:rPr>
-              <a:t>=  children; </a:t>
-            </a:r>
-            <a:endParaRPr lang="en-US" sz="1200" dirty="0" smtClean="0">
-              <a:latin typeface="Courier"/>
-              <a:cs typeface="Courier"/>
-            </a:endParaRPr>
-          </a:p>
-          <a:p>
-            <a:pPr marL="0" indent="0">
-              <a:buNone/>
-            </a:pPr>
-            <a:r>
-              <a:rPr lang="en-US" sz="1200" dirty="0">
-                <a:latin typeface="Courier"/>
-                <a:cs typeface="Courier"/>
-              </a:rPr>
-              <a:t>	</a:t>
-            </a:r>
-            <a:r>
-              <a:rPr lang="en-US" sz="1200" dirty="0" smtClean="0">
-                <a:latin typeface="Courier"/>
-                <a:cs typeface="Courier"/>
-              </a:rPr>
               <a:t>}</a:t>
             </a:r>
-            <a:endParaRPr lang="en-US" sz="1200" dirty="0" smtClean="0">
-              <a:latin typeface="Courier"/>
-              <a:cs typeface="Courier"/>
-            </a:endParaRPr>
           </a:p>
           <a:p>
             <a:pPr marL="0" indent="0">
@@ -30112,14 +30268,7 @@
                 <a:latin typeface="Courier"/>
                 <a:cs typeface="Courier"/>
               </a:rPr>
-              <a:t>(</a:t>
-            </a:r>
-            <a:r>
-              <a:rPr lang="en-US" sz="1200" dirty="0" smtClean="0">
-                <a:latin typeface="Courier"/>
-                <a:cs typeface="Courier"/>
-              </a:rPr>
-              <a:t>alpha, beta);</a:t>
+              <a:t>(alpha, beta);</a:t>
             </a:r>
           </a:p>
           <a:p>

--- a/Top Things to Learn From Clojure.pptx
+++ b/Top Things to Learn From Clojure.pptx
@@ -1391,24 +1391,30 @@
           <a:p>
             <a:r>
               <a:rPr lang="en-US" dirty="0" smtClean="0"/>
-              <a:t>Don’t modify in-place, create new </a:t>
-            </a:r>
+              <a:t>Don’t modify in-place, create new versions</a:t>
+            </a:r>
+          </a:p>
+          <a:p>
+            <a:endParaRPr lang="en-US" dirty="0" smtClean="0"/>
+          </a:p>
+          <a:p>
             <a:r>
               <a:rPr lang="en-US" dirty="0" smtClean="0"/>
-              <a:t>versions</a:t>
-            </a:r>
-          </a:p>
-          <a:p>
+              <a:t>In-place</a:t>
+            </a:r>
+            <a:r>
+              <a:rPr lang="en-US" baseline="0" dirty="0" smtClean="0"/>
+              <a:t> modification / mutation is built into OO by the fact that it conflates identity and state in the same entity.</a:t>
+            </a:r>
             <a:endParaRPr lang="en-US" dirty="0" smtClean="0"/>
           </a:p>
           <a:p>
+            <a:endParaRPr lang="en-US" dirty="0" smtClean="0"/>
+          </a:p>
+          <a:p>
             <a:r>
               <a:rPr lang="en-US" dirty="0" smtClean="0"/>
-              <a:t>DDD</a:t>
-            </a:r>
-            <a:r>
-              <a:rPr lang="en-US" dirty="0" smtClean="0"/>
-              <a:t>: conflation of state,</a:t>
+              <a:t>DDD: conflation of state,</a:t>
             </a:r>
             <a:r>
               <a:rPr lang="en-US" baseline="0" dirty="0" smtClean="0"/>
@@ -1416,6 +1422,10 @@
             </a:r>
           </a:p>
           <a:p>
+            <a:pPr marL="0" indent="0">
+              <a:buFontTx/>
+              <a:buNone/>
+            </a:pPr>
             <a:r>
               <a:rPr lang="en-US" baseline="0" dirty="0" smtClean="0"/>
               <a:t>- Here </a:t>
@@ -1426,7 +1436,31 @@
             </a:r>
             <a:r>
               <a:rPr lang="en-US" baseline="0" dirty="0" smtClean="0"/>
-              <a:t> identity).</a:t>
+              <a:t> identity)</a:t>
+            </a:r>
+            <a:r>
+              <a:rPr lang="en-US" baseline="0" dirty="0" smtClean="0"/>
+              <a:t>.</a:t>
+            </a:r>
+          </a:p>
+          <a:p>
+            <a:pPr marL="171450" indent="-171450">
+              <a:buFontTx/>
+              <a:buChar char="-"/>
+            </a:pPr>
+            <a:r>
+              <a:rPr lang="en-US" baseline="0" dirty="0" smtClean="0"/>
+              <a:t>You mutate the entity (identity) </a:t>
+            </a:r>
+          </a:p>
+          <a:p>
+            <a:pPr marL="171450" indent="-171450">
+              <a:buFontTx/>
+              <a:buChar char="-"/>
+            </a:pPr>
+            <a:r>
+              <a:rPr lang="en-US" baseline="0" dirty="0" smtClean="0"/>
+              <a:t>Workaround: “Unit of Work”/Repository – each (group of) operations has its own copy that is reconciled with the global state at the end of the transaction (using, e.g. optimistic locks)</a:t>
             </a:r>
           </a:p>
           <a:p>
@@ -1439,8 +1473,43 @@
             </a:r>
             <a:r>
               <a:rPr lang="en-US" baseline="0" dirty="0" smtClean="0"/>
-              <a:t> the mutable areas through controlled limited mutation semantics (refs)</a:t>
-            </a:r>
+              <a:t> the mutable areas through controlled limited mutation semantics (refs</a:t>
+            </a:r>
+            <a:r>
+              <a:rPr lang="en-US" baseline="0" dirty="0" smtClean="0"/>
+              <a:t>)</a:t>
+            </a:r>
+          </a:p>
+          <a:p>
+            <a:endParaRPr lang="en-US" baseline="0" dirty="0" smtClean="0"/>
+          </a:p>
+          <a:p>
+            <a:r>
+              <a:rPr lang="en-US" baseline="0" dirty="0" smtClean="0"/>
+              <a:t>Buddha: “identity” Is illusory – there is only a stream of experience</a:t>
+            </a:r>
+          </a:p>
+          <a:p>
+            <a:r>
+              <a:rPr lang="en-US" baseline="0" dirty="0" smtClean="0"/>
+              <a:t>Heraclitus : you can never swim in the same river twice (identity </a:t>
+            </a:r>
+            <a:r>
+              <a:rPr lang="en-US" baseline="0" dirty="0" err="1" smtClean="0"/>
+              <a:t>vs</a:t>
+            </a:r>
+            <a:r>
+              <a:rPr lang="en-US" baseline="0" dirty="0" smtClean="0"/>
+              <a:t> state)</a:t>
+            </a:r>
+          </a:p>
+          <a:p>
+            <a:endParaRPr lang="en-US" baseline="0" dirty="0" smtClean="0"/>
+          </a:p>
+          <a:p>
+            <a:endParaRPr lang="en-US" baseline="0" dirty="0" smtClean="0"/>
+          </a:p>
+          <a:p>
             <a:endParaRPr lang="en-US" dirty="0" smtClean="0"/>
           </a:p>
           <a:p>
@@ -1678,7 +1747,6 @@
               <a:rPr lang="en-US" dirty="0" smtClean="0"/>
               <a:t>alter</a:t>
             </a:r>
-            <a:endParaRPr lang="en-US" dirty="0" smtClean="0"/>
           </a:p>
           <a:p>
             <a:r>
@@ -1844,7 +1912,6 @@
               <a:rPr lang="en-US" baseline="0" dirty="0" smtClean="0"/>
               <a:t>Exceptions =&gt; new value is thrown away </a:t>
             </a:r>
-            <a:endParaRPr lang="en-US" baseline="0" dirty="0" smtClean="0"/>
           </a:p>
           <a:p>
             <a:endParaRPr lang="en-US" baseline="0" dirty="0" smtClean="0"/>
@@ -2752,26 +2819,66 @@
           <a:bodyPr/>
           <a:lstStyle/>
           <a:p>
-            <a:pPr marL="0" marR="0" indent="0" algn="l" defTabSz="914400" rtl="0" eaLnBrk="0" fontAlgn="base" latinLnBrk="0" hangingPunct="0">
-              <a:lnSpc>
-                <a:spcPct val="100000"/>
-              </a:lnSpc>
-              <a:spcBef>
-                <a:spcPct val="30000"/>
-              </a:spcBef>
-              <a:spcAft>
-                <a:spcPct val="0"/>
-              </a:spcAft>
-              <a:buClrTx/>
-              <a:buSzTx/>
-              <a:buFontTx/>
-              <a:buNone/>
-              <a:tabLst/>
-              <a:defRPr/>
+            <a:pPr marL="0" indent="0">
+              <a:buNone/>
             </a:pPr>
             <a:r>
               <a:rPr lang="en-US" sz="1200" dirty="0" smtClean="0"/>
-              <a:t>This Ruby on Rails example creates a class with properties matching the associated database table and a relation between Manager and Department.</a:t>
+              <a:t>First</a:t>
+            </a:r>
+            <a:r>
+              <a:rPr lang="en-US" sz="1200" baseline="0" dirty="0" smtClean="0"/>
+              <a:t> class functions</a:t>
+            </a:r>
+          </a:p>
+          <a:p>
+            <a:pPr marL="0" indent="0">
+              <a:buNone/>
+            </a:pPr>
+            <a:endParaRPr lang="en-US" sz="1200" baseline="0" dirty="0" smtClean="0"/>
+          </a:p>
+          <a:p>
+            <a:pPr marL="0" indent="0">
+              <a:buNone/>
+            </a:pPr>
+            <a:r>
+              <a:rPr lang="en-US" sz="1200" dirty="0" smtClean="0"/>
+              <a:t>No need for </a:t>
+            </a:r>
+          </a:p>
+          <a:p>
+            <a:pPr marL="0" indent="0">
+              <a:buNone/>
+            </a:pPr>
+            <a:r>
+              <a:rPr lang="en-US" sz="1200" dirty="0" smtClean="0"/>
+              <a:t>* delegates</a:t>
+            </a:r>
+          </a:p>
+          <a:p>
+            <a:pPr marL="0" indent="0">
+              <a:buNone/>
+            </a:pPr>
+            <a:r>
+              <a:rPr lang="en-US" sz="1200" dirty="0" smtClean="0"/>
+              <a:t>* Action&lt;T&gt;</a:t>
+            </a:r>
+          </a:p>
+          <a:p>
+            <a:pPr marL="0" indent="0">
+              <a:buNone/>
+            </a:pPr>
+            <a:r>
+              <a:rPr lang="en-US" sz="1200" dirty="0" smtClean="0"/>
+              <a:t>* Function&lt;T, </a:t>
+            </a:r>
+            <a:r>
+              <a:rPr lang="en-US" sz="1200" dirty="0" err="1" smtClean="0"/>
+              <a:t>TResult</a:t>
+            </a:r>
+            <a:r>
+              <a:rPr lang="en-US" sz="1200" dirty="0" smtClean="0"/>
+              <a:t>&gt;</a:t>
             </a:r>
           </a:p>
           <a:p>
@@ -2802,7 +2909,7 @@
               <a:pPr>
                 <a:defRPr/>
               </a:pPr>
-              <a:t>35</a:t>
+              <a:t>27</a:t>
             </a:fld>
             <a:endParaRPr lang="da-DK" dirty="0"/>
           </a:p>
@@ -2811,7 +2918,7 @@
     </p:spTree>
     <p:extLst>
       <p:ext uri="{BB962C8B-B14F-4D97-AF65-F5344CB8AC3E}">
-        <p14:creationId xmlns:p14="http://schemas.microsoft.com/office/powerpoint/2010/main" val="876419429"/>
+        <p14:creationId xmlns:p14="http://schemas.microsoft.com/office/powerpoint/2010/main" val="3124359539"/>
       </p:ext>
     </p:extLst>
   </p:cSld>
@@ -2865,107 +2972,30 @@
           <a:bodyPr/>
           <a:lstStyle/>
           <a:p>
-            <a:r>
-              <a:rPr lang="en-US" dirty="0" smtClean="0"/>
-              <a:t>Compile time programming</a:t>
-            </a:r>
-          </a:p>
-          <a:p>
-            <a:r>
-              <a:rPr lang="en-US" dirty="0" smtClean="0"/>
-              <a:t>Runtime program</a:t>
-            </a:r>
-          </a:p>
-          <a:p>
-            <a:r>
-              <a:rPr lang="en-US" dirty="0" smtClean="0"/>
-              <a:t>Macros: The</a:t>
-            </a:r>
-            <a:r>
-              <a:rPr lang="en-US" baseline="0" dirty="0" smtClean="0"/>
-              <a:t> template language is the language</a:t>
-            </a:r>
-          </a:p>
-          <a:p>
-            <a:endParaRPr lang="en-US" dirty="0" smtClean="0"/>
-          </a:p>
-          <a:p>
-            <a:r>
-              <a:rPr lang="en-US" dirty="0" err="1" smtClean="0"/>
-              <a:t>Homoiconic</a:t>
-            </a:r>
-            <a:endParaRPr lang="en-US" dirty="0" smtClean="0"/>
-          </a:p>
-          <a:p>
-            <a:r>
-              <a:rPr lang="en-US" dirty="0" smtClean="0"/>
-              <a:t>Great for DSLs</a:t>
-            </a:r>
-          </a:p>
-          <a:p>
-            <a:r>
-              <a:rPr lang="en-US" dirty="0" smtClean="0"/>
-              <a:t>Incidentally</a:t>
-            </a:r>
-            <a:r>
-              <a:rPr lang="en-US" baseline="0" dirty="0" smtClean="0"/>
-              <a:t> the REPL can also feed data to the system (interactive development)</a:t>
-            </a:r>
-          </a:p>
-          <a:p>
-            <a:endParaRPr lang="en-US" baseline="0" dirty="0" smtClean="0"/>
-          </a:p>
-          <a:p>
-            <a:r>
-              <a:rPr lang="da-DK" dirty="0" smtClean="0"/>
-              <a:t>The </a:t>
-            </a:r>
-            <a:r>
-              <a:rPr lang="da-DK" dirty="0" err="1" smtClean="0"/>
-              <a:t>whole</a:t>
-            </a:r>
-            <a:r>
-              <a:rPr lang="da-DK" dirty="0" smtClean="0"/>
-              <a:t> </a:t>
-            </a:r>
-            <a:r>
-              <a:rPr lang="da-DK" dirty="0" err="1" smtClean="0"/>
-              <a:t>language</a:t>
-            </a:r>
-            <a:r>
-              <a:rPr lang="da-DK" dirty="0" smtClean="0"/>
-              <a:t> </a:t>
-            </a:r>
-            <a:r>
-              <a:rPr lang="da-DK" dirty="0" err="1" smtClean="0"/>
-              <a:t>always</a:t>
-            </a:r>
-            <a:r>
-              <a:rPr lang="da-DK" dirty="0" smtClean="0"/>
-              <a:t> </a:t>
-            </a:r>
-            <a:r>
-              <a:rPr lang="da-DK" dirty="0" err="1" smtClean="0"/>
-              <a:t>available</a:t>
-            </a:r>
-            <a:r>
-              <a:rPr lang="da-DK" dirty="0" smtClean="0"/>
-              <a:t>*</a:t>
-            </a:r>
-            <a:endParaRPr lang="en-US" baseline="0" dirty="0" smtClean="0"/>
-          </a:p>
-          <a:p>
-            <a:endParaRPr lang="en-US" baseline="0" dirty="0" smtClean="0"/>
-          </a:p>
-          <a:p>
-            <a:r>
-              <a:rPr lang="en-US" dirty="0" smtClean="0"/>
-              <a:t>This</a:t>
-            </a:r>
-            <a:r>
-              <a:rPr lang="en-US" baseline="0" dirty="0" smtClean="0"/>
-              <a:t> is coming to .NET with “Compiler as a Service”</a:t>
-            </a:r>
+            <a:pPr marL="0" marR="0" indent="0" algn="l" defTabSz="914400" rtl="0" eaLnBrk="0" fontAlgn="base" latinLnBrk="0" hangingPunct="0">
+              <a:lnSpc>
+                <a:spcPct val="100000"/>
+              </a:lnSpc>
+              <a:spcBef>
+                <a:spcPct val="30000"/>
+              </a:spcBef>
+              <a:spcAft>
+                <a:spcPct val="0"/>
+              </a:spcAft>
+              <a:buClrTx/>
+              <a:buSzTx/>
+              <a:buFontTx/>
+              <a:buNone/>
+              <a:tabLst/>
+              <a:defRPr/>
+            </a:pPr>
+            <a:r>
+              <a:rPr lang="en-US" sz="1200" dirty="0" smtClean="0"/>
+              <a:t>This Ruby on Rails example creates a class with properties matching the associated database table and a relation between Manager and Department.</a:t>
+            </a:r>
+          </a:p>
+          <a:p>
+            <a:endParaRPr lang="en-US" dirty="0"/>
           </a:p>
         </p:txBody>
       </p:sp>
@@ -2992,16 +3022,16 @@
               <a:pPr>
                 <a:defRPr/>
               </a:pPr>
-              <a:t>36</a:t>
+              <a:t>35</a:t>
             </a:fld>
-            <a:endParaRPr lang="da-DK"/>
+            <a:endParaRPr lang="da-DK" dirty="0"/>
           </a:p>
         </p:txBody>
       </p:sp>
     </p:spTree>
     <p:extLst>
       <p:ext uri="{BB962C8B-B14F-4D97-AF65-F5344CB8AC3E}">
-        <p14:creationId xmlns:p14="http://schemas.microsoft.com/office/powerpoint/2010/main" val="3764198832"/>
+        <p14:creationId xmlns:p14="http://schemas.microsoft.com/office/powerpoint/2010/main" val="876419429"/>
       </p:ext>
     </p:extLst>
   </p:cSld>
@@ -3055,7 +3085,107 @@
           <a:bodyPr/>
           <a:lstStyle/>
           <a:p>
-            <a:endParaRPr lang="en-US" dirty="0"/>
+            <a:r>
+              <a:rPr lang="en-US" dirty="0" smtClean="0"/>
+              <a:t>Compile time programming</a:t>
+            </a:r>
+          </a:p>
+          <a:p>
+            <a:r>
+              <a:rPr lang="en-US" dirty="0" smtClean="0"/>
+              <a:t>Runtime program</a:t>
+            </a:r>
+          </a:p>
+          <a:p>
+            <a:r>
+              <a:rPr lang="en-US" dirty="0" smtClean="0"/>
+              <a:t>Macros: The</a:t>
+            </a:r>
+            <a:r>
+              <a:rPr lang="en-US" baseline="0" dirty="0" smtClean="0"/>
+              <a:t> template language is the language</a:t>
+            </a:r>
+          </a:p>
+          <a:p>
+            <a:endParaRPr lang="en-US" dirty="0" smtClean="0"/>
+          </a:p>
+          <a:p>
+            <a:r>
+              <a:rPr lang="en-US" dirty="0" err="1" smtClean="0"/>
+              <a:t>Homoiconic</a:t>
+            </a:r>
+            <a:endParaRPr lang="en-US" dirty="0" smtClean="0"/>
+          </a:p>
+          <a:p>
+            <a:r>
+              <a:rPr lang="en-US" dirty="0" smtClean="0"/>
+              <a:t>Great for DSLs</a:t>
+            </a:r>
+          </a:p>
+          <a:p>
+            <a:r>
+              <a:rPr lang="en-US" dirty="0" smtClean="0"/>
+              <a:t>Incidentally</a:t>
+            </a:r>
+            <a:r>
+              <a:rPr lang="en-US" baseline="0" dirty="0" smtClean="0"/>
+              <a:t> the REPL can also feed data to the system (interactive development)</a:t>
+            </a:r>
+          </a:p>
+          <a:p>
+            <a:endParaRPr lang="en-US" baseline="0" dirty="0" smtClean="0"/>
+          </a:p>
+          <a:p>
+            <a:r>
+              <a:rPr lang="da-DK" dirty="0" smtClean="0"/>
+              <a:t>The </a:t>
+            </a:r>
+            <a:r>
+              <a:rPr lang="da-DK" dirty="0" err="1" smtClean="0"/>
+              <a:t>whole</a:t>
+            </a:r>
+            <a:r>
+              <a:rPr lang="da-DK" dirty="0" smtClean="0"/>
+              <a:t> </a:t>
+            </a:r>
+            <a:r>
+              <a:rPr lang="da-DK" dirty="0" err="1" smtClean="0"/>
+              <a:t>language</a:t>
+            </a:r>
+            <a:r>
+              <a:rPr lang="da-DK" dirty="0" smtClean="0"/>
+              <a:t> </a:t>
+            </a:r>
+            <a:r>
+              <a:rPr lang="da-DK" dirty="0" err="1" smtClean="0"/>
+              <a:t>always</a:t>
+            </a:r>
+            <a:r>
+              <a:rPr lang="da-DK" dirty="0" smtClean="0"/>
+              <a:t> </a:t>
+            </a:r>
+            <a:r>
+              <a:rPr lang="da-DK" dirty="0" err="1" smtClean="0"/>
+              <a:t>available</a:t>
+            </a:r>
+            <a:r>
+              <a:rPr lang="da-DK" dirty="0" smtClean="0"/>
+              <a:t>*</a:t>
+            </a:r>
+            <a:endParaRPr lang="en-US" baseline="0" dirty="0" smtClean="0"/>
+          </a:p>
+          <a:p>
+            <a:endParaRPr lang="en-US" baseline="0" dirty="0" smtClean="0"/>
+          </a:p>
+          <a:p>
+            <a:r>
+              <a:rPr lang="en-US" dirty="0" smtClean="0"/>
+              <a:t>This</a:t>
+            </a:r>
+            <a:r>
+              <a:rPr lang="en-US" baseline="0" dirty="0" smtClean="0"/>
+              <a:t> is coming to .NET with “Compiler as a Service”</a:t>
+            </a:r>
           </a:p>
         </p:txBody>
       </p:sp>
@@ -3082,7 +3212,7 @@
               <a:pPr>
                 <a:defRPr/>
               </a:pPr>
-              <a:t>38</a:t>
+              <a:t>36</a:t>
             </a:fld>
             <a:endParaRPr lang="da-DK"/>
           </a:p>
@@ -3091,7 +3221,7 @@
     </p:spTree>
     <p:extLst>
       <p:ext uri="{BB962C8B-B14F-4D97-AF65-F5344CB8AC3E}">
-        <p14:creationId xmlns:p14="http://schemas.microsoft.com/office/powerpoint/2010/main" val="1398679766"/>
+        <p14:creationId xmlns:p14="http://schemas.microsoft.com/office/powerpoint/2010/main" val="3764198832"/>
       </p:ext>
     </p:extLst>
   </p:cSld>
@@ -3145,250 +3275,7 @@
           <a:bodyPr/>
           <a:lstStyle/>
           <a:p>
-            <a:r>
-              <a:rPr lang="en-US" sz="1200" kern="1200" dirty="0" smtClean="0">
-                <a:solidFill>
-                  <a:schemeClr val="tx1"/>
-                </a:solidFill>
-                <a:cs typeface="+mn-cs"/>
-              </a:rPr>
-              <a:t>C programmers think memory management is too important to be left to the computer. Lisp programmers think memory management is too important to be left to the user.</a:t>
-            </a:r>
-          </a:p>
-          <a:p>
-            <a:r>
-              <a:rPr lang="en-US" sz="1200" kern="1200" dirty="0" smtClean="0">
-                <a:solidFill>
-                  <a:schemeClr val="tx1"/>
-                </a:solidFill>
-                <a:cs typeface="+mn-cs"/>
-              </a:rPr>
-              <a:t>(from Ellis and </a:t>
-            </a:r>
-            <a:r>
-              <a:rPr lang="en-US" sz="1200" kern="1200" dirty="0" err="1" smtClean="0">
-                <a:solidFill>
-                  <a:schemeClr val="tx1"/>
-                </a:solidFill>
-                <a:cs typeface="+mn-cs"/>
-              </a:rPr>
-              <a:t>Stroustrup's</a:t>
-            </a:r>
-            <a:r>
-              <a:rPr lang="en-US" sz="1200" kern="1200" dirty="0" smtClean="0">
-                <a:solidFill>
-                  <a:schemeClr val="tx1"/>
-                </a:solidFill>
-                <a:cs typeface="+mn-cs"/>
-              </a:rPr>
-              <a:t> </a:t>
-            </a:r>
-            <a:r>
-              <a:rPr lang="en-US" sz="1200" i="1" kern="1200" dirty="0" smtClean="0">
-                <a:solidFill>
-                  <a:schemeClr val="tx1"/>
-                </a:solidFill>
-                <a:cs typeface="+mn-cs"/>
-              </a:rPr>
-              <a:t>The Annotated C++ Reference Manual</a:t>
-            </a:r>
-            <a:r>
-              <a:rPr lang="en-US" sz="1200" i="0" kern="1200" dirty="0" smtClean="0">
-                <a:solidFill>
-                  <a:schemeClr val="tx1"/>
-                </a:solidFill>
-                <a:cs typeface="+mn-cs"/>
-              </a:rPr>
-              <a:t>)</a:t>
-            </a:r>
-          </a:p>
-          <a:p>
-            <a:pPr marL="0" marR="0" indent="0" algn="l" defTabSz="914400" rtl="0" eaLnBrk="0" fontAlgn="base" latinLnBrk="0" hangingPunct="0">
-              <a:lnSpc>
-                <a:spcPct val="100000"/>
-              </a:lnSpc>
-              <a:spcBef>
-                <a:spcPct val="30000"/>
-              </a:spcBef>
-              <a:spcAft>
-                <a:spcPct val="0"/>
-              </a:spcAft>
-              <a:buClrTx/>
-              <a:buSzTx/>
-              <a:buFontTx/>
-              <a:buNone/>
-              <a:tabLst/>
-              <a:defRPr/>
-            </a:pPr>
-            <a:endParaRPr lang="en-US" sz="1200" i="1" kern="1200" dirty="0" smtClean="0">
-              <a:solidFill>
-                <a:schemeClr val="dk1"/>
-              </a:solidFill>
-              <a:cs typeface="+mn-cs"/>
-            </a:endParaRPr>
-          </a:p>
-          <a:p>
-            <a:pPr marL="0" marR="0" indent="0" algn="l" defTabSz="914400" rtl="0" eaLnBrk="0" fontAlgn="base" latinLnBrk="0" hangingPunct="0">
-              <a:lnSpc>
-                <a:spcPct val="100000"/>
-              </a:lnSpc>
-              <a:spcBef>
-                <a:spcPct val="30000"/>
-              </a:spcBef>
-              <a:spcAft>
-                <a:spcPct val="0"/>
-              </a:spcAft>
-              <a:buClrTx/>
-              <a:buSzTx/>
-              <a:buFontTx/>
-              <a:buNone/>
-              <a:tabLst/>
-              <a:defRPr/>
-            </a:pPr>
-            <a:r>
-              <a:rPr lang="en-US" sz="1200" i="1" kern="1200" dirty="0" smtClean="0">
-                <a:solidFill>
-                  <a:schemeClr val="dk1"/>
-                </a:solidFill>
-                <a:cs typeface="+mn-cs"/>
-              </a:rPr>
-              <a:t>Go To Statement Considered Harmful</a:t>
-            </a:r>
-            <a:r>
-              <a:rPr lang="en-US" sz="1200" i="0" kern="1200" baseline="0" dirty="0" smtClean="0">
-                <a:solidFill>
-                  <a:schemeClr val="dk1"/>
-                </a:solidFill>
-                <a:cs typeface="+mn-cs"/>
-              </a:rPr>
-              <a:t> </a:t>
-            </a:r>
-            <a:r>
-              <a:rPr lang="en-US" sz="1200" i="0" kern="1200" baseline="0" dirty="0" err="1" smtClean="0">
-                <a:solidFill>
-                  <a:schemeClr val="dk1"/>
-                </a:solidFill>
-                <a:cs typeface="+mn-cs"/>
-              </a:rPr>
-              <a:t>Dijkstra</a:t>
-            </a:r>
-            <a:r>
-              <a:rPr lang="en-US" sz="1200" i="0" kern="1200" baseline="0" dirty="0" smtClean="0">
-                <a:solidFill>
-                  <a:schemeClr val="dk1"/>
-                </a:solidFill>
-                <a:cs typeface="+mn-cs"/>
-              </a:rPr>
-              <a:t> 1968</a:t>
-            </a:r>
-          </a:p>
-          <a:p>
-            <a:pPr marL="0" marR="0" indent="0" algn="l" defTabSz="914400" rtl="0" eaLnBrk="0" fontAlgn="base" latinLnBrk="0" hangingPunct="0">
-              <a:lnSpc>
-                <a:spcPct val="100000"/>
-              </a:lnSpc>
-              <a:spcBef>
-                <a:spcPct val="30000"/>
-              </a:spcBef>
-              <a:spcAft>
-                <a:spcPct val="0"/>
-              </a:spcAft>
-              <a:buClrTx/>
-              <a:buSzTx/>
-              <a:buFontTx/>
-              <a:buNone/>
-              <a:tabLst/>
-              <a:defRPr/>
-            </a:pPr>
-            <a:endParaRPr lang="en-US" sz="1200" i="0" kern="1200" baseline="0" dirty="0" smtClean="0">
-              <a:solidFill>
-                <a:schemeClr val="dk1"/>
-              </a:solidFill>
-              <a:cs typeface="+mn-cs"/>
-            </a:endParaRPr>
-          </a:p>
-          <a:p>
-            <a:pPr marL="0" marR="0" indent="0" algn="l" defTabSz="914400" rtl="0" eaLnBrk="0" fontAlgn="base" latinLnBrk="0" hangingPunct="0">
-              <a:lnSpc>
-                <a:spcPct val="100000"/>
-              </a:lnSpc>
-              <a:spcBef>
-                <a:spcPct val="30000"/>
-              </a:spcBef>
-              <a:spcAft>
-                <a:spcPct val="0"/>
-              </a:spcAft>
-              <a:buClrTx/>
-              <a:buSzTx/>
-              <a:buFontTx/>
-              <a:buNone/>
-              <a:tabLst/>
-              <a:defRPr/>
-            </a:pPr>
-            <a:r>
-              <a:rPr lang="en-US" sz="1200" i="0" kern="1200" baseline="0" dirty="0" err="1" smtClean="0">
-                <a:solidFill>
-                  <a:schemeClr val="dk1"/>
-                </a:solidFill>
-                <a:cs typeface="+mn-cs"/>
-              </a:rPr>
-              <a:t>TDDers</a:t>
-            </a:r>
-            <a:r>
-              <a:rPr lang="en-US" sz="1200" i="0" kern="1200" baseline="0" dirty="0" smtClean="0">
-                <a:solidFill>
-                  <a:schemeClr val="dk1"/>
-                </a:solidFill>
-                <a:cs typeface="+mn-cs"/>
-              </a:rPr>
-              <a:t> will know that side-effects, ambient context </a:t>
-            </a:r>
-            <a:r>
-              <a:rPr lang="en-US" sz="1200" i="1" kern="1200" baseline="0" dirty="0" err="1" smtClean="0">
-                <a:solidFill>
-                  <a:schemeClr val="dk1"/>
-                </a:solidFill>
-                <a:cs typeface="+mn-cs"/>
-              </a:rPr>
-              <a:t>etc</a:t>
-            </a:r>
-            <a:r>
-              <a:rPr lang="en-US" sz="1200" i="0" kern="1200" baseline="0" dirty="0" smtClean="0">
-                <a:solidFill>
-                  <a:schemeClr val="dk1"/>
-                </a:solidFill>
-                <a:cs typeface="+mn-cs"/>
-              </a:rPr>
-              <a:t> is ugly</a:t>
-            </a:r>
-          </a:p>
-          <a:p>
-            <a:pPr marL="0" marR="0" indent="0" algn="l" defTabSz="914400" rtl="0" eaLnBrk="0" fontAlgn="base" latinLnBrk="0" hangingPunct="0">
-              <a:lnSpc>
-                <a:spcPct val="100000"/>
-              </a:lnSpc>
-              <a:spcBef>
-                <a:spcPct val="30000"/>
-              </a:spcBef>
-              <a:spcAft>
-                <a:spcPct val="0"/>
-              </a:spcAft>
-              <a:buClrTx/>
-              <a:buSzTx/>
-              <a:buFontTx/>
-              <a:buNone/>
-              <a:tabLst/>
-              <a:defRPr/>
-            </a:pPr>
-            <a:r>
-              <a:rPr lang="en-US" sz="1200" i="0" kern="1200" baseline="0" dirty="0" smtClean="0">
-                <a:solidFill>
-                  <a:schemeClr val="dk1"/>
-                </a:solidFill>
-                <a:cs typeface="+mn-cs"/>
-              </a:rPr>
-              <a:t>Patterns deal with this, e.g. “Single responsibility principle”</a:t>
-            </a:r>
+            <a:endParaRPr lang="en-US" dirty="0"/>
           </a:p>
         </p:txBody>
       </p:sp>
@@ -3415,7 +3302,7 @@
               <a:pPr>
                 <a:defRPr/>
               </a:pPr>
-              <a:t>40</a:t>
+              <a:t>38</a:t>
             </a:fld>
             <a:endParaRPr lang="da-DK"/>
           </a:p>
@@ -3424,7 +3311,7 @@
     </p:spTree>
     <p:extLst>
       <p:ext uri="{BB962C8B-B14F-4D97-AF65-F5344CB8AC3E}">
-        <p14:creationId xmlns:p14="http://schemas.microsoft.com/office/powerpoint/2010/main" val="3667101230"/>
+        <p14:creationId xmlns:p14="http://schemas.microsoft.com/office/powerpoint/2010/main" val="1398679766"/>
       </p:ext>
     </p:extLst>
   </p:cSld>
@@ -3479,22 +3366,249 @@
           <a:lstStyle/>
           <a:p>
             <a:r>
-              <a:rPr lang="en-US" dirty="0" smtClean="0"/>
-              <a:t>Known from Python,</a:t>
-            </a:r>
-            <a:r>
-              <a:rPr lang="en-US" baseline="0" dirty="0" smtClean="0"/>
-              <a:t> Ruby</a:t>
-            </a:r>
-          </a:p>
-          <a:p>
-            <a:r>
-              <a:rPr lang="en-US" baseline="0" dirty="0" smtClean="0"/>
-              <a:t>You don’t need the ghastly out parameters in C#</a:t>
-            </a:r>
-          </a:p>
-          <a:p>
-            <a:endParaRPr lang="en-US" dirty="0"/>
+              <a:rPr lang="en-US" sz="1200" kern="1200" dirty="0" smtClean="0">
+                <a:solidFill>
+                  <a:schemeClr val="tx1"/>
+                </a:solidFill>
+                <a:cs typeface="+mn-cs"/>
+              </a:rPr>
+              <a:t>C programmers think memory management is too important to be left to the computer. Lisp programmers think memory management is too important to be left to the user.</a:t>
+            </a:r>
+          </a:p>
+          <a:p>
+            <a:r>
+              <a:rPr lang="en-US" sz="1200" kern="1200" dirty="0" smtClean="0">
+                <a:solidFill>
+                  <a:schemeClr val="tx1"/>
+                </a:solidFill>
+                <a:cs typeface="+mn-cs"/>
+              </a:rPr>
+              <a:t>(from Ellis and </a:t>
+            </a:r>
+            <a:r>
+              <a:rPr lang="en-US" sz="1200" kern="1200" dirty="0" err="1" smtClean="0">
+                <a:solidFill>
+                  <a:schemeClr val="tx1"/>
+                </a:solidFill>
+                <a:cs typeface="+mn-cs"/>
+              </a:rPr>
+              <a:t>Stroustrup's</a:t>
+            </a:r>
+            <a:r>
+              <a:rPr lang="en-US" sz="1200" kern="1200" dirty="0" smtClean="0">
+                <a:solidFill>
+                  <a:schemeClr val="tx1"/>
+                </a:solidFill>
+                <a:cs typeface="+mn-cs"/>
+              </a:rPr>
+              <a:t> </a:t>
+            </a:r>
+            <a:r>
+              <a:rPr lang="en-US" sz="1200" i="1" kern="1200" dirty="0" smtClean="0">
+                <a:solidFill>
+                  <a:schemeClr val="tx1"/>
+                </a:solidFill>
+                <a:cs typeface="+mn-cs"/>
+              </a:rPr>
+              <a:t>The Annotated C++ Reference Manual</a:t>
+            </a:r>
+            <a:r>
+              <a:rPr lang="en-US" sz="1200" i="0" kern="1200" dirty="0" smtClean="0">
+                <a:solidFill>
+                  <a:schemeClr val="tx1"/>
+                </a:solidFill>
+                <a:cs typeface="+mn-cs"/>
+              </a:rPr>
+              <a:t>)</a:t>
+            </a:r>
+          </a:p>
+          <a:p>
+            <a:pPr marL="0" marR="0" indent="0" algn="l" defTabSz="914400" rtl="0" eaLnBrk="0" fontAlgn="base" latinLnBrk="0" hangingPunct="0">
+              <a:lnSpc>
+                <a:spcPct val="100000"/>
+              </a:lnSpc>
+              <a:spcBef>
+                <a:spcPct val="30000"/>
+              </a:spcBef>
+              <a:spcAft>
+                <a:spcPct val="0"/>
+              </a:spcAft>
+              <a:buClrTx/>
+              <a:buSzTx/>
+              <a:buFontTx/>
+              <a:buNone/>
+              <a:tabLst/>
+              <a:defRPr/>
+            </a:pPr>
+            <a:endParaRPr lang="en-US" sz="1200" i="1" kern="1200" dirty="0" smtClean="0">
+              <a:solidFill>
+                <a:schemeClr val="dk1"/>
+              </a:solidFill>
+              <a:cs typeface="+mn-cs"/>
+            </a:endParaRPr>
+          </a:p>
+          <a:p>
+            <a:pPr marL="0" marR="0" indent="0" algn="l" defTabSz="914400" rtl="0" eaLnBrk="0" fontAlgn="base" latinLnBrk="0" hangingPunct="0">
+              <a:lnSpc>
+                <a:spcPct val="100000"/>
+              </a:lnSpc>
+              <a:spcBef>
+                <a:spcPct val="30000"/>
+              </a:spcBef>
+              <a:spcAft>
+                <a:spcPct val="0"/>
+              </a:spcAft>
+              <a:buClrTx/>
+              <a:buSzTx/>
+              <a:buFontTx/>
+              <a:buNone/>
+              <a:tabLst/>
+              <a:defRPr/>
+            </a:pPr>
+            <a:r>
+              <a:rPr lang="en-US" sz="1200" i="1" kern="1200" dirty="0" smtClean="0">
+                <a:solidFill>
+                  <a:schemeClr val="dk1"/>
+                </a:solidFill>
+                <a:cs typeface="+mn-cs"/>
+              </a:rPr>
+              <a:t>Go To Statement Considered Harmful</a:t>
+            </a:r>
+            <a:r>
+              <a:rPr lang="en-US" sz="1200" i="0" kern="1200" baseline="0" dirty="0" smtClean="0">
+                <a:solidFill>
+                  <a:schemeClr val="dk1"/>
+                </a:solidFill>
+                <a:cs typeface="+mn-cs"/>
+              </a:rPr>
+              <a:t> </a:t>
+            </a:r>
+            <a:r>
+              <a:rPr lang="en-US" sz="1200" i="0" kern="1200" baseline="0" dirty="0" err="1" smtClean="0">
+                <a:solidFill>
+                  <a:schemeClr val="dk1"/>
+                </a:solidFill>
+                <a:cs typeface="+mn-cs"/>
+              </a:rPr>
+              <a:t>Dijkstra</a:t>
+            </a:r>
+            <a:r>
+              <a:rPr lang="en-US" sz="1200" i="0" kern="1200" baseline="0" dirty="0" smtClean="0">
+                <a:solidFill>
+                  <a:schemeClr val="dk1"/>
+                </a:solidFill>
+                <a:cs typeface="+mn-cs"/>
+              </a:rPr>
+              <a:t> 1968</a:t>
+            </a:r>
+          </a:p>
+          <a:p>
+            <a:pPr marL="0" marR="0" indent="0" algn="l" defTabSz="914400" rtl="0" eaLnBrk="0" fontAlgn="base" latinLnBrk="0" hangingPunct="0">
+              <a:lnSpc>
+                <a:spcPct val="100000"/>
+              </a:lnSpc>
+              <a:spcBef>
+                <a:spcPct val="30000"/>
+              </a:spcBef>
+              <a:spcAft>
+                <a:spcPct val="0"/>
+              </a:spcAft>
+              <a:buClrTx/>
+              <a:buSzTx/>
+              <a:buFontTx/>
+              <a:buNone/>
+              <a:tabLst/>
+              <a:defRPr/>
+            </a:pPr>
+            <a:endParaRPr lang="en-US" sz="1200" i="0" kern="1200" baseline="0" dirty="0" smtClean="0">
+              <a:solidFill>
+                <a:schemeClr val="dk1"/>
+              </a:solidFill>
+              <a:cs typeface="+mn-cs"/>
+            </a:endParaRPr>
+          </a:p>
+          <a:p>
+            <a:pPr marL="0" marR="0" indent="0" algn="l" defTabSz="914400" rtl="0" eaLnBrk="0" fontAlgn="base" latinLnBrk="0" hangingPunct="0">
+              <a:lnSpc>
+                <a:spcPct val="100000"/>
+              </a:lnSpc>
+              <a:spcBef>
+                <a:spcPct val="30000"/>
+              </a:spcBef>
+              <a:spcAft>
+                <a:spcPct val="0"/>
+              </a:spcAft>
+              <a:buClrTx/>
+              <a:buSzTx/>
+              <a:buFontTx/>
+              <a:buNone/>
+              <a:tabLst/>
+              <a:defRPr/>
+            </a:pPr>
+            <a:r>
+              <a:rPr lang="en-US" sz="1200" i="0" kern="1200" baseline="0" dirty="0" err="1" smtClean="0">
+                <a:solidFill>
+                  <a:schemeClr val="dk1"/>
+                </a:solidFill>
+                <a:cs typeface="+mn-cs"/>
+              </a:rPr>
+              <a:t>TDDers</a:t>
+            </a:r>
+            <a:r>
+              <a:rPr lang="en-US" sz="1200" i="0" kern="1200" baseline="0" dirty="0" smtClean="0">
+                <a:solidFill>
+                  <a:schemeClr val="dk1"/>
+                </a:solidFill>
+                <a:cs typeface="+mn-cs"/>
+              </a:rPr>
+              <a:t> will know that side-effects, ambient context </a:t>
+            </a:r>
+            <a:r>
+              <a:rPr lang="en-US" sz="1200" i="1" kern="1200" baseline="0" dirty="0" err="1" smtClean="0">
+                <a:solidFill>
+                  <a:schemeClr val="dk1"/>
+                </a:solidFill>
+                <a:cs typeface="+mn-cs"/>
+              </a:rPr>
+              <a:t>etc</a:t>
+            </a:r>
+            <a:r>
+              <a:rPr lang="en-US" sz="1200" i="0" kern="1200" baseline="0" dirty="0" smtClean="0">
+                <a:solidFill>
+                  <a:schemeClr val="dk1"/>
+                </a:solidFill>
+                <a:cs typeface="+mn-cs"/>
+              </a:rPr>
+              <a:t> is ugly</a:t>
+            </a:r>
+          </a:p>
+          <a:p>
+            <a:pPr marL="0" marR="0" indent="0" algn="l" defTabSz="914400" rtl="0" eaLnBrk="0" fontAlgn="base" latinLnBrk="0" hangingPunct="0">
+              <a:lnSpc>
+                <a:spcPct val="100000"/>
+              </a:lnSpc>
+              <a:spcBef>
+                <a:spcPct val="30000"/>
+              </a:spcBef>
+              <a:spcAft>
+                <a:spcPct val="0"/>
+              </a:spcAft>
+              <a:buClrTx/>
+              <a:buSzTx/>
+              <a:buFontTx/>
+              <a:buNone/>
+              <a:tabLst/>
+              <a:defRPr/>
+            </a:pPr>
+            <a:r>
+              <a:rPr lang="en-US" sz="1200" i="0" kern="1200" baseline="0" dirty="0" smtClean="0">
+                <a:solidFill>
+                  <a:schemeClr val="dk1"/>
+                </a:solidFill>
+                <a:cs typeface="+mn-cs"/>
+              </a:rPr>
+              <a:t>Patterns deal with this, e.g. “Single responsibility principle”</a:t>
+            </a:r>
           </a:p>
         </p:txBody>
       </p:sp>
@@ -3521,7 +3635,7 @@
               <a:pPr>
                 <a:defRPr/>
               </a:pPr>
-              <a:t>48</a:t>
+              <a:t>40</a:t>
             </a:fld>
             <a:endParaRPr lang="da-DK"/>
           </a:p>
@@ -3530,7 +3644,7 @@
     </p:spTree>
     <p:extLst>
       <p:ext uri="{BB962C8B-B14F-4D97-AF65-F5344CB8AC3E}">
-        <p14:creationId xmlns:p14="http://schemas.microsoft.com/office/powerpoint/2010/main" val="4050153970"/>
+        <p14:creationId xmlns:p14="http://schemas.microsoft.com/office/powerpoint/2010/main" val="3667101230"/>
       </p:ext>
     </p:extLst>
   </p:cSld>
@@ -3584,6 +3698,148 @@
           <a:bodyPr/>
           <a:lstStyle/>
           <a:p>
+            <a:pPr marL="0" marR="0" indent="0" algn="l" defTabSz="914400" rtl="0" eaLnBrk="0" fontAlgn="base" latinLnBrk="0" hangingPunct="0">
+              <a:lnSpc>
+                <a:spcPct val="100000"/>
+              </a:lnSpc>
+              <a:spcBef>
+                <a:spcPct val="30000"/>
+              </a:spcBef>
+              <a:spcAft>
+                <a:spcPct val="0"/>
+              </a:spcAft>
+              <a:buClrTx/>
+              <a:buSzTx/>
+              <a:buFontTx/>
+              <a:buNone/>
+              <a:tabLst/>
+              <a:defRPr/>
+            </a:pPr>
+            <a:r>
+              <a:rPr lang="en-US" dirty="0" err="1" smtClean="0"/>
+              <a:t>Greenspuns</a:t>
+            </a:r>
+            <a:r>
+              <a:rPr lang="en-US" dirty="0" smtClean="0"/>
+              <a:t> 10</a:t>
+            </a:r>
+            <a:r>
+              <a:rPr lang="en-US" baseline="30000" dirty="0" smtClean="0"/>
+              <a:t>th</a:t>
+            </a:r>
+            <a:r>
+              <a:rPr lang="en-US" dirty="0" smtClean="0"/>
+              <a:t> rule:</a:t>
+            </a:r>
+          </a:p>
+          <a:p>
+            <a:pPr marL="0" marR="0" indent="0" algn="l" defTabSz="914400" rtl="0" eaLnBrk="0" fontAlgn="base" latinLnBrk="0" hangingPunct="0">
+              <a:lnSpc>
+                <a:spcPct val="100000"/>
+              </a:lnSpc>
+              <a:spcBef>
+                <a:spcPct val="30000"/>
+              </a:spcBef>
+              <a:spcAft>
+                <a:spcPct val="0"/>
+              </a:spcAft>
+              <a:buClrTx/>
+              <a:buSzTx/>
+              <a:buFontTx/>
+              <a:buNone/>
+              <a:tabLst/>
+              <a:defRPr/>
+            </a:pPr>
+            <a:endParaRPr lang="en-US" dirty="0" smtClean="0"/>
+          </a:p>
+          <a:p>
+            <a:pPr marL="0" marR="0" indent="0" algn="l" defTabSz="914400" rtl="0" eaLnBrk="0" fontAlgn="base" latinLnBrk="0" hangingPunct="0">
+              <a:lnSpc>
+                <a:spcPct val="100000"/>
+              </a:lnSpc>
+              <a:spcBef>
+                <a:spcPct val="30000"/>
+              </a:spcBef>
+              <a:spcAft>
+                <a:spcPct val="0"/>
+              </a:spcAft>
+              <a:buClrTx/>
+              <a:buSzTx/>
+              <a:buFontTx/>
+              <a:buNone/>
+              <a:tabLst/>
+              <a:defRPr/>
+            </a:pPr>
+            <a:r>
+              <a:rPr lang="en-US" dirty="0" smtClean="0"/>
+              <a:t>Any sufficiently complicated C or Fortran program contains an ad hoc, informally-specified, bug-ridden, slow implementation of half of Common Lisp.</a:t>
+            </a:r>
+          </a:p>
+          <a:p>
+            <a:pPr marL="0" marR="0" indent="0" algn="l" defTabSz="914400" rtl="0" eaLnBrk="0" fontAlgn="base" latinLnBrk="0" hangingPunct="0">
+              <a:lnSpc>
+                <a:spcPct val="100000"/>
+              </a:lnSpc>
+              <a:spcBef>
+                <a:spcPct val="30000"/>
+              </a:spcBef>
+              <a:spcAft>
+                <a:spcPct val="0"/>
+              </a:spcAft>
+              <a:buClrTx/>
+              <a:buSzTx/>
+              <a:buFontTx/>
+              <a:buNone/>
+              <a:tabLst/>
+              <a:defRPr/>
+            </a:pPr>
+            <a:endParaRPr lang="en-US" dirty="0" smtClean="0"/>
+          </a:p>
+          <a:p>
+            <a:pPr marL="0" marR="0" indent="0" algn="l" defTabSz="914400" rtl="0" eaLnBrk="0" fontAlgn="base" latinLnBrk="0" hangingPunct="0">
+              <a:lnSpc>
+                <a:spcPct val="100000"/>
+              </a:lnSpc>
+              <a:spcBef>
+                <a:spcPct val="30000"/>
+              </a:spcBef>
+              <a:spcAft>
+                <a:spcPct val="0"/>
+              </a:spcAft>
+              <a:buClrTx/>
+              <a:buSzTx/>
+              <a:buFontTx/>
+              <a:buNone/>
+              <a:tabLst/>
+              <a:defRPr/>
+            </a:pPr>
+            <a:r>
+              <a:rPr lang="en-US" dirty="0" smtClean="0"/>
+              <a:t>Why</a:t>
+            </a:r>
+            <a:r>
+              <a:rPr lang="en-US" baseline="0" dirty="0" smtClean="0"/>
+              <a:t> not just embed a proper one?</a:t>
+            </a:r>
+          </a:p>
+          <a:p>
+            <a:pPr marL="0" marR="0" indent="0" algn="l" defTabSz="914400" rtl="0" eaLnBrk="0" fontAlgn="base" latinLnBrk="0" hangingPunct="0">
+              <a:lnSpc>
+                <a:spcPct val="100000"/>
+              </a:lnSpc>
+              <a:spcBef>
+                <a:spcPct val="30000"/>
+              </a:spcBef>
+              <a:spcAft>
+                <a:spcPct val="0"/>
+              </a:spcAft>
+              <a:buClrTx/>
+              <a:buSzTx/>
+              <a:buFontTx/>
+              <a:buNone/>
+              <a:tabLst/>
+              <a:defRPr/>
+            </a:pPr>
             <a:endParaRPr lang="en-US" dirty="0"/>
           </a:p>
         </p:txBody>
@@ -3611,16 +3867,16 @@
               <a:pPr>
                 <a:defRPr/>
               </a:pPr>
-              <a:t>49</a:t>
+              <a:t>41</a:t>
             </a:fld>
-            <a:endParaRPr lang="da-DK"/>
+            <a:endParaRPr lang="da-DK" dirty="0"/>
           </a:p>
         </p:txBody>
       </p:sp>
     </p:spTree>
     <p:extLst>
       <p:ext uri="{BB962C8B-B14F-4D97-AF65-F5344CB8AC3E}">
-        <p14:creationId xmlns:p14="http://schemas.microsoft.com/office/powerpoint/2010/main" val="1274638022"/>
+        <p14:creationId xmlns:p14="http://schemas.microsoft.com/office/powerpoint/2010/main" val="1279188839"/>
       </p:ext>
     </p:extLst>
   </p:cSld>
@@ -3674,6 +3930,131 @@
           <a:bodyPr/>
           <a:lstStyle/>
           <a:p>
+            <a:pPr marL="0" marR="0" indent="0" algn="l" defTabSz="914400" rtl="0" eaLnBrk="0" fontAlgn="base" latinLnBrk="0" hangingPunct="0">
+              <a:lnSpc>
+                <a:spcPct val="100000"/>
+              </a:lnSpc>
+              <a:spcBef>
+                <a:spcPct val="30000"/>
+              </a:spcBef>
+              <a:spcAft>
+                <a:spcPct val="0"/>
+              </a:spcAft>
+              <a:buClrTx/>
+              <a:buSzTx/>
+              <a:buFontTx/>
+              <a:buNone/>
+              <a:tabLst/>
+              <a:defRPr/>
+            </a:pPr>
+            <a:r>
+              <a:rPr lang="en-US" dirty="0" err="1" smtClean="0"/>
+              <a:t>Greenspuns</a:t>
+            </a:r>
+            <a:r>
+              <a:rPr lang="en-US" dirty="0" smtClean="0"/>
+              <a:t> 10</a:t>
+            </a:r>
+            <a:r>
+              <a:rPr lang="en-US" baseline="30000" dirty="0" smtClean="0"/>
+              <a:t>th</a:t>
+            </a:r>
+            <a:r>
+              <a:rPr lang="en-US" dirty="0" smtClean="0"/>
+              <a:t> rule:</a:t>
+            </a:r>
+          </a:p>
+          <a:p>
+            <a:pPr marL="0" marR="0" indent="0" algn="l" defTabSz="914400" rtl="0" eaLnBrk="0" fontAlgn="base" latinLnBrk="0" hangingPunct="0">
+              <a:lnSpc>
+                <a:spcPct val="100000"/>
+              </a:lnSpc>
+              <a:spcBef>
+                <a:spcPct val="30000"/>
+              </a:spcBef>
+              <a:spcAft>
+                <a:spcPct val="0"/>
+              </a:spcAft>
+              <a:buClrTx/>
+              <a:buSzTx/>
+              <a:buFontTx/>
+              <a:buNone/>
+              <a:tabLst/>
+              <a:defRPr/>
+            </a:pPr>
+            <a:endParaRPr lang="en-US" dirty="0" smtClean="0"/>
+          </a:p>
+          <a:p>
+            <a:pPr marL="0" marR="0" indent="0" algn="l" defTabSz="914400" rtl="0" eaLnBrk="0" fontAlgn="base" latinLnBrk="0" hangingPunct="0">
+              <a:lnSpc>
+                <a:spcPct val="100000"/>
+              </a:lnSpc>
+              <a:spcBef>
+                <a:spcPct val="30000"/>
+              </a:spcBef>
+              <a:spcAft>
+                <a:spcPct val="0"/>
+              </a:spcAft>
+              <a:buClrTx/>
+              <a:buSzTx/>
+              <a:buFontTx/>
+              <a:buNone/>
+              <a:tabLst/>
+              <a:defRPr/>
+            </a:pPr>
+            <a:r>
+              <a:rPr lang="en-US" dirty="0" smtClean="0"/>
+              <a:t>Any sufficiently complicated C or Fortran program contains an ad hoc, informally-specified, bug-ridden, slow implementation of half of Common Lisp.</a:t>
+            </a:r>
+          </a:p>
+          <a:p>
+            <a:pPr marL="0" marR="0" indent="0" algn="l" defTabSz="914400" rtl="0" eaLnBrk="0" fontAlgn="base" latinLnBrk="0" hangingPunct="0">
+              <a:lnSpc>
+                <a:spcPct val="100000"/>
+              </a:lnSpc>
+              <a:spcBef>
+                <a:spcPct val="30000"/>
+              </a:spcBef>
+              <a:spcAft>
+                <a:spcPct val="0"/>
+              </a:spcAft>
+              <a:buClrTx/>
+              <a:buSzTx/>
+              <a:buFontTx/>
+              <a:buNone/>
+              <a:tabLst/>
+              <a:defRPr/>
+            </a:pPr>
+            <a:endParaRPr lang="en-US" dirty="0" smtClean="0"/>
+          </a:p>
+          <a:p>
+            <a:pPr marL="0" marR="0" indent="0" algn="l" defTabSz="914400" rtl="0" eaLnBrk="0" fontAlgn="base" latinLnBrk="0" hangingPunct="0">
+              <a:lnSpc>
+                <a:spcPct val="100000"/>
+              </a:lnSpc>
+              <a:spcBef>
+                <a:spcPct val="30000"/>
+              </a:spcBef>
+              <a:spcAft>
+                <a:spcPct val="0"/>
+              </a:spcAft>
+              <a:buClrTx/>
+              <a:buSzTx/>
+              <a:buFontTx/>
+              <a:buNone/>
+              <a:tabLst/>
+              <a:defRPr/>
+            </a:pPr>
+            <a:r>
+              <a:rPr lang="en-US" dirty="0" smtClean="0"/>
+              <a:t>Why</a:t>
+            </a:r>
+            <a:r>
+              <a:rPr lang="en-US" baseline="0" dirty="0" smtClean="0"/>
+              <a:t> not just embed a proper one?</a:t>
+            </a:r>
+          </a:p>
+          <a:p>
             <a:endParaRPr lang="en-US" dirty="0"/>
           </a:p>
         </p:txBody>
@@ -3701,16 +4082,16 @@
               <a:pPr>
                 <a:defRPr/>
               </a:pPr>
-              <a:t>50</a:t>
+              <a:t>45</a:t>
             </a:fld>
-            <a:endParaRPr lang="da-DK"/>
+            <a:endParaRPr lang="da-DK" dirty="0"/>
           </a:p>
         </p:txBody>
       </p:sp>
     </p:spTree>
     <p:extLst>
       <p:ext uri="{BB962C8B-B14F-4D97-AF65-F5344CB8AC3E}">
-        <p14:creationId xmlns:p14="http://schemas.microsoft.com/office/powerpoint/2010/main" val="1274638022"/>
+        <p14:creationId xmlns:p14="http://schemas.microsoft.com/office/powerpoint/2010/main" val="3884833014"/>
       </p:ext>
     </p:extLst>
   </p:cSld>
@@ -3766,12 +4147,20 @@
           <a:p>
             <a:r>
               <a:rPr lang="en-US" dirty="0" smtClean="0"/>
-              <a:t>Extensible</a:t>
+              <a:t>Known from Python,</a:t>
             </a:r>
             <a:r>
               <a:rPr lang="en-US" baseline="0" dirty="0" smtClean="0"/>
-              <a:t> without requiring source code changes</a:t>
-            </a:r>
+              <a:t> Ruby</a:t>
+            </a:r>
+          </a:p>
+          <a:p>
+            <a:r>
+              <a:rPr lang="en-US" baseline="0" dirty="0" smtClean="0"/>
+              <a:t>You don’t need the ghastly out parameters in C#</a:t>
+            </a:r>
+          </a:p>
+          <a:p>
             <a:endParaRPr lang="en-US" dirty="0"/>
           </a:p>
         </p:txBody>
@@ -3799,7 +4188,7 @@
               <a:pPr>
                 <a:defRPr/>
               </a:pPr>
-              <a:t>53</a:t>
+              <a:t>48</a:t>
             </a:fld>
             <a:endParaRPr lang="da-DK"/>
           </a:p>
@@ -3808,7 +4197,7 @@
     </p:spTree>
     <p:extLst>
       <p:ext uri="{BB962C8B-B14F-4D97-AF65-F5344CB8AC3E}">
-        <p14:creationId xmlns:p14="http://schemas.microsoft.com/office/powerpoint/2010/main" val="142198490"/>
+        <p14:creationId xmlns:p14="http://schemas.microsoft.com/office/powerpoint/2010/main" val="4050153970"/>
       </p:ext>
     </p:extLst>
   </p:cSld>
@@ -3862,10 +4251,6 @@
           <a:bodyPr/>
           <a:lstStyle/>
           <a:p>
-            <a:r>
-              <a:rPr lang="en-US" dirty="0" smtClean="0"/>
-              <a:t>Immutability: closed for modification</a:t>
-            </a:r>
             <a:endParaRPr lang="en-US" dirty="0"/>
           </a:p>
         </p:txBody>
@@ -3893,7 +4278,7 @@
               <a:pPr>
                 <a:defRPr/>
               </a:pPr>
-              <a:t>54</a:t>
+              <a:t>49</a:t>
             </a:fld>
             <a:endParaRPr lang="da-DK"/>
           </a:p>
@@ -3902,7 +4287,7 @@
     </p:spTree>
     <p:extLst>
       <p:ext uri="{BB962C8B-B14F-4D97-AF65-F5344CB8AC3E}">
-        <p14:creationId xmlns:p14="http://schemas.microsoft.com/office/powerpoint/2010/main" val="142198490"/>
+        <p14:creationId xmlns:p14="http://schemas.microsoft.com/office/powerpoint/2010/main" val="1274638022"/>
       </p:ext>
     </p:extLst>
   </p:cSld>
@@ -3956,26 +4341,7 @@
           <a:bodyPr/>
           <a:lstStyle/>
           <a:p>
-            <a:r>
-              <a:rPr lang="en-US" dirty="0" smtClean="0"/>
-              <a:t>Client-specific interfaces</a:t>
-            </a:r>
-          </a:p>
-          <a:p>
-            <a:r>
-              <a:rPr lang="en-US" dirty="0" smtClean="0"/>
-              <a:t>Can be extended after-the-fact</a:t>
-            </a:r>
-          </a:p>
-          <a:p>
-            <a:r>
-              <a:rPr lang="en-US" dirty="0" smtClean="0"/>
-              <a:t>You can add your own protocol</a:t>
-            </a:r>
-            <a:r>
-              <a:rPr lang="en-US" baseline="0" dirty="0" smtClean="0"/>
-              <a:t>s to someone else’s code (class) without accessing the source code</a:t>
-            </a:r>
+            <a:endParaRPr lang="en-US" dirty="0"/>
           </a:p>
         </p:txBody>
       </p:sp>
@@ -4002,7 +4368,7 @@
               <a:pPr>
                 <a:defRPr/>
               </a:pPr>
-              <a:t>56</a:t>
+              <a:t>50</a:t>
             </a:fld>
             <a:endParaRPr lang="da-DK"/>
           </a:p>
@@ -4011,7 +4377,7 @@
     </p:spTree>
     <p:extLst>
       <p:ext uri="{BB962C8B-B14F-4D97-AF65-F5344CB8AC3E}">
-        <p14:creationId xmlns:p14="http://schemas.microsoft.com/office/powerpoint/2010/main" val="2965771350"/>
+        <p14:creationId xmlns:p14="http://schemas.microsoft.com/office/powerpoint/2010/main" val="1274638022"/>
       </p:ext>
     </p:extLst>
   </p:cSld>
@@ -4112,6 +4478,307 @@
 </file>
 
 <file path=ppt/notesSlides/notesSlide30.xml><?xml version="1.0" encoding="utf-8"?>
+<p:notes xmlns:a="http://schemas.openxmlformats.org/drawingml/2006/main" xmlns:r="http://schemas.openxmlformats.org/officeDocument/2006/relationships" xmlns:p="http://schemas.openxmlformats.org/presentationml/2006/main">
+  <p:cSld>
+    <p:spTree>
+      <p:nvGrpSpPr>
+        <p:cNvPr id="1" name=""/>
+        <p:cNvGrpSpPr/>
+        <p:nvPr/>
+      </p:nvGrpSpPr>
+      <p:grpSpPr>
+        <a:xfrm>
+          <a:off x="0" y="0"/>
+          <a:ext cx="0" cy="0"/>
+          <a:chOff x="0" y="0"/>
+          <a:chExt cx="0" cy="0"/>
+        </a:xfrm>
+      </p:grpSpPr>
+      <p:sp>
+        <p:nvSpPr>
+          <p:cNvPr id="2" name="Slide Image Placeholder 1"/>
+          <p:cNvSpPr>
+            <a:spLocks noGrp="1" noRot="1" noChangeAspect="1"/>
+          </p:cNvSpPr>
+          <p:nvPr>
+            <p:ph type="sldImg"/>
+          </p:nvPr>
+        </p:nvSpPr>
+        <p:spPr/>
+      </p:sp>
+      <p:sp>
+        <p:nvSpPr>
+          <p:cNvPr id="3" name="Notes Placeholder 2"/>
+          <p:cNvSpPr>
+            <a:spLocks noGrp="1"/>
+          </p:cNvSpPr>
+          <p:nvPr>
+            <p:ph type="body" idx="1"/>
+          </p:nvPr>
+        </p:nvSpPr>
+        <p:spPr/>
+        <p:txBody>
+          <a:bodyPr/>
+          <a:lstStyle/>
+          <a:p>
+            <a:r>
+              <a:rPr lang="en-US" dirty="0" smtClean="0"/>
+              <a:t>Extensible</a:t>
+            </a:r>
+            <a:r>
+              <a:rPr lang="en-US" baseline="0" dirty="0" smtClean="0"/>
+              <a:t> without requiring source code changes</a:t>
+            </a:r>
+            <a:endParaRPr lang="en-US" dirty="0"/>
+          </a:p>
+        </p:txBody>
+      </p:sp>
+      <p:sp>
+        <p:nvSpPr>
+          <p:cNvPr id="4" name="Slide Number Placeholder 3"/>
+          <p:cNvSpPr>
+            <a:spLocks noGrp="1"/>
+          </p:cNvSpPr>
+          <p:nvPr>
+            <p:ph type="sldNum" sz="quarter" idx="10"/>
+          </p:nvPr>
+        </p:nvSpPr>
+        <p:spPr/>
+        <p:txBody>
+          <a:bodyPr/>
+          <a:lstStyle/>
+          <a:p>
+            <a:pPr>
+              <a:defRPr/>
+            </a:pPr>
+            <a:fld id="{60EC053B-FF40-46F6-AC4C-68A56B25ACCB}" type="slidenum">
+              <a:rPr lang="da-DK" smtClean="0"/>
+              <a:pPr>
+                <a:defRPr/>
+              </a:pPr>
+              <a:t>53</a:t>
+            </a:fld>
+            <a:endParaRPr lang="da-DK"/>
+          </a:p>
+        </p:txBody>
+      </p:sp>
+    </p:spTree>
+    <p:extLst>
+      <p:ext uri="{BB962C8B-B14F-4D97-AF65-F5344CB8AC3E}">
+        <p14:creationId xmlns:p14="http://schemas.microsoft.com/office/powerpoint/2010/main" val="142198490"/>
+      </p:ext>
+    </p:extLst>
+  </p:cSld>
+  <p:clrMapOvr>
+    <a:masterClrMapping/>
+  </p:clrMapOvr>
+</p:notes>
+</file>
+
+<file path=ppt/notesSlides/notesSlide31.xml><?xml version="1.0" encoding="utf-8"?>
+<p:notes xmlns:a="http://schemas.openxmlformats.org/drawingml/2006/main" xmlns:r="http://schemas.openxmlformats.org/officeDocument/2006/relationships" xmlns:p="http://schemas.openxmlformats.org/presentationml/2006/main">
+  <p:cSld>
+    <p:spTree>
+      <p:nvGrpSpPr>
+        <p:cNvPr id="1" name=""/>
+        <p:cNvGrpSpPr/>
+        <p:nvPr/>
+      </p:nvGrpSpPr>
+      <p:grpSpPr>
+        <a:xfrm>
+          <a:off x="0" y="0"/>
+          <a:ext cx="0" cy="0"/>
+          <a:chOff x="0" y="0"/>
+          <a:chExt cx="0" cy="0"/>
+        </a:xfrm>
+      </p:grpSpPr>
+      <p:sp>
+        <p:nvSpPr>
+          <p:cNvPr id="2" name="Slide Image Placeholder 1"/>
+          <p:cNvSpPr>
+            <a:spLocks noGrp="1" noRot="1" noChangeAspect="1"/>
+          </p:cNvSpPr>
+          <p:nvPr>
+            <p:ph type="sldImg"/>
+          </p:nvPr>
+        </p:nvSpPr>
+        <p:spPr/>
+      </p:sp>
+      <p:sp>
+        <p:nvSpPr>
+          <p:cNvPr id="3" name="Notes Placeholder 2"/>
+          <p:cNvSpPr>
+            <a:spLocks noGrp="1"/>
+          </p:cNvSpPr>
+          <p:nvPr>
+            <p:ph type="body" idx="1"/>
+          </p:nvPr>
+        </p:nvSpPr>
+        <p:spPr/>
+        <p:txBody>
+          <a:bodyPr/>
+          <a:lstStyle/>
+          <a:p>
+            <a:r>
+              <a:rPr lang="en-US" dirty="0" smtClean="0"/>
+              <a:t>Immutability: closed for modification</a:t>
+            </a:r>
+            <a:endParaRPr lang="en-US" dirty="0"/>
+          </a:p>
+        </p:txBody>
+      </p:sp>
+      <p:sp>
+        <p:nvSpPr>
+          <p:cNvPr id="4" name="Slide Number Placeholder 3"/>
+          <p:cNvSpPr>
+            <a:spLocks noGrp="1"/>
+          </p:cNvSpPr>
+          <p:nvPr>
+            <p:ph type="sldNum" sz="quarter" idx="10"/>
+          </p:nvPr>
+        </p:nvSpPr>
+        <p:spPr/>
+        <p:txBody>
+          <a:bodyPr/>
+          <a:lstStyle/>
+          <a:p>
+            <a:pPr>
+              <a:defRPr/>
+            </a:pPr>
+            <a:fld id="{60EC053B-FF40-46F6-AC4C-68A56B25ACCB}" type="slidenum">
+              <a:rPr lang="da-DK" smtClean="0"/>
+              <a:pPr>
+                <a:defRPr/>
+              </a:pPr>
+              <a:t>54</a:t>
+            </a:fld>
+            <a:endParaRPr lang="da-DK"/>
+          </a:p>
+        </p:txBody>
+      </p:sp>
+    </p:spTree>
+    <p:extLst>
+      <p:ext uri="{BB962C8B-B14F-4D97-AF65-F5344CB8AC3E}">
+        <p14:creationId xmlns:p14="http://schemas.microsoft.com/office/powerpoint/2010/main" val="142198490"/>
+      </p:ext>
+    </p:extLst>
+  </p:cSld>
+  <p:clrMapOvr>
+    <a:masterClrMapping/>
+  </p:clrMapOvr>
+</p:notes>
+</file>
+
+<file path=ppt/notesSlides/notesSlide32.xml><?xml version="1.0" encoding="utf-8"?>
+<p:notes xmlns:a="http://schemas.openxmlformats.org/drawingml/2006/main" xmlns:r="http://schemas.openxmlformats.org/officeDocument/2006/relationships" xmlns:p="http://schemas.openxmlformats.org/presentationml/2006/main">
+  <p:cSld>
+    <p:spTree>
+      <p:nvGrpSpPr>
+        <p:cNvPr id="1" name=""/>
+        <p:cNvGrpSpPr/>
+        <p:nvPr/>
+      </p:nvGrpSpPr>
+      <p:grpSpPr>
+        <a:xfrm>
+          <a:off x="0" y="0"/>
+          <a:ext cx="0" cy="0"/>
+          <a:chOff x="0" y="0"/>
+          <a:chExt cx="0" cy="0"/>
+        </a:xfrm>
+      </p:grpSpPr>
+      <p:sp>
+        <p:nvSpPr>
+          <p:cNvPr id="2" name="Slide Image Placeholder 1"/>
+          <p:cNvSpPr>
+            <a:spLocks noGrp="1" noRot="1" noChangeAspect="1"/>
+          </p:cNvSpPr>
+          <p:nvPr>
+            <p:ph type="sldImg"/>
+          </p:nvPr>
+        </p:nvSpPr>
+        <p:spPr/>
+      </p:sp>
+      <p:sp>
+        <p:nvSpPr>
+          <p:cNvPr id="3" name="Notes Placeholder 2"/>
+          <p:cNvSpPr>
+            <a:spLocks noGrp="1"/>
+          </p:cNvSpPr>
+          <p:nvPr>
+            <p:ph type="body" idx="1"/>
+          </p:nvPr>
+        </p:nvSpPr>
+        <p:spPr/>
+        <p:txBody>
+          <a:bodyPr/>
+          <a:lstStyle/>
+          <a:p>
+            <a:r>
+              <a:rPr lang="en-US" dirty="0" smtClean="0"/>
+              <a:t>Client-specific interfaces</a:t>
+            </a:r>
+          </a:p>
+          <a:p>
+            <a:r>
+              <a:rPr lang="en-US" dirty="0" smtClean="0"/>
+              <a:t>Can be extended after-the-fact</a:t>
+            </a:r>
+          </a:p>
+          <a:p>
+            <a:r>
+              <a:rPr lang="en-US" dirty="0" smtClean="0"/>
+              <a:t>You can add your own protocol</a:t>
+            </a:r>
+            <a:r>
+              <a:rPr lang="en-US" baseline="0" dirty="0" smtClean="0"/>
+              <a:t>s to someone else’s code (class) without accessing the source code</a:t>
+            </a:r>
+          </a:p>
+        </p:txBody>
+      </p:sp>
+      <p:sp>
+        <p:nvSpPr>
+          <p:cNvPr id="4" name="Slide Number Placeholder 3"/>
+          <p:cNvSpPr>
+            <a:spLocks noGrp="1"/>
+          </p:cNvSpPr>
+          <p:nvPr>
+            <p:ph type="sldNum" sz="quarter" idx="10"/>
+          </p:nvPr>
+        </p:nvSpPr>
+        <p:spPr/>
+        <p:txBody>
+          <a:bodyPr/>
+          <a:lstStyle/>
+          <a:p>
+            <a:pPr>
+              <a:defRPr/>
+            </a:pPr>
+            <a:fld id="{60EC053B-FF40-46F6-AC4C-68A56B25ACCB}" type="slidenum">
+              <a:rPr lang="da-DK" smtClean="0"/>
+              <a:pPr>
+                <a:defRPr/>
+              </a:pPr>
+              <a:t>56</a:t>
+            </a:fld>
+            <a:endParaRPr lang="da-DK"/>
+          </a:p>
+        </p:txBody>
+      </p:sp>
+    </p:spTree>
+    <p:extLst>
+      <p:ext uri="{BB962C8B-B14F-4D97-AF65-F5344CB8AC3E}">
+        <p14:creationId xmlns:p14="http://schemas.microsoft.com/office/powerpoint/2010/main" val="2965771350"/>
+      </p:ext>
+    </p:extLst>
+  </p:cSld>
+  <p:clrMapOvr>
+    <a:masterClrMapping/>
+  </p:clrMapOvr>
+</p:notes>
+</file>
+
+<file path=ppt/notesSlides/notesSlide33.xml><?xml version="1.0" encoding="utf-8"?>
 <p:notes xmlns:a="http://schemas.openxmlformats.org/drawingml/2006/main" xmlns:r="http://schemas.openxmlformats.org/officeDocument/2006/relationships" xmlns:p="http://schemas.openxmlformats.org/presentationml/2006/main">
   <p:cSld>
     <p:spTree>
@@ -7541,8 +8208,8 @@
         </p:nvSpPr>
         <p:spPr bwMode="auto">
           <a:xfrm>
-            <a:off x="0" y="27384"/>
-            <a:ext cx="9144000" cy="6858000"/>
+            <a:off x="0" y="0"/>
+            <a:ext cx="9144000" cy="6885384"/>
           </a:xfrm>
           <a:prstGeom prst="rect">
             <a:avLst/>
@@ -7664,7 +8331,27 @@
                 <a:latin typeface="Neo Sans Std" pitchFamily="34" charset="0"/>
                 <a:ea typeface="Neo Sans Std"/>
               </a:rPr>
-              <a:t>NDC 2011, Oslo, June 10th,, 2011</a:t>
+              <a:t>NDC 2011, Oslo, June </a:t>
+            </a:r>
+            <a:r>
+              <a:rPr lang="da-DK" dirty="0" smtClean="0">
+                <a:solidFill>
+                  <a:srgbClr val="6D6F71"/>
+                </a:solidFill>
+                <a:latin typeface="Neo Sans Std" pitchFamily="34" charset="0"/>
+                <a:ea typeface="Neo Sans Std"/>
+              </a:rPr>
+              <a:t>10, </a:t>
+            </a:r>
+            <a:r>
+              <a:rPr lang="da-DK" dirty="0" smtClean="0">
+                <a:solidFill>
+                  <a:srgbClr val="6D6F71"/>
+                </a:solidFill>
+                <a:latin typeface="Neo Sans Std" pitchFamily="34" charset="0"/>
+                <a:ea typeface="Neo Sans Std"/>
+              </a:rPr>
+              <a:t>2011</a:t>
             </a:r>
             <a:endParaRPr lang="da-DK" sz="2800" dirty="0">
               <a:solidFill>
@@ -8098,12 +8785,8 @@
           </a:p>
           <a:p>
             <a:r>
-              <a:rPr lang="da-DK" dirty="0" err="1" smtClean="0"/>
-              <a:t>Threading</a:t>
-            </a:r>
-            <a:r>
               <a:rPr lang="da-DK" dirty="0" smtClean="0"/>
-              <a:t> </a:t>
+              <a:t>Thread </a:t>
             </a:r>
             <a:r>
               <a:rPr lang="da-DK" dirty="0" err="1" smtClean="0"/>
@@ -9111,6 +9794,13 @@
   <p:clrMapOvr>
     <a:masterClrMapping/>
   </p:clrMapOvr>
+  <p:timing>
+    <p:tnLst>
+      <p:par>
+        <p:cTn xmlns:p14="http://schemas.microsoft.com/office/powerpoint/2010/main" id="1" dur="indefinite" restart="never" nodeType="tmRoot"/>
+      </p:par>
+    </p:tnLst>
+  </p:timing>
 </p:sld>
 </file>
 
@@ -13965,7 +14655,7 @@
         </p:nvSpPr>
         <p:spPr>
           <a:xfrm>
-            <a:off x="2123728" y="5445224"/>
+            <a:off x="2627784" y="5445224"/>
             <a:ext cx="1656184" cy="584776"/>
           </a:xfrm>
           <a:prstGeom prst="rect">
@@ -14114,124 +14804,6 @@
               </a:rPr>
               <a:t>…</a:t>
             </a:r>
-          </a:p>
-        </p:txBody>
-      </p:sp>
-      <p:sp>
-        <p:nvSpPr>
-          <p:cNvPr id="19" name="TextBox 18"/>
-          <p:cNvSpPr txBox="1"/>
-          <p:nvPr/>
-        </p:nvSpPr>
-        <p:spPr>
-          <a:xfrm>
-            <a:off x="1043608" y="2564904"/>
-            <a:ext cx="1296144" cy="338554"/>
-          </a:xfrm>
-          <a:prstGeom prst="rect">
-            <a:avLst/>
-          </a:prstGeom>
-          <a:noFill/>
-        </p:spPr>
-        <p:txBody>
-          <a:bodyPr wrap="square" rtlCol="0">
-            <a:spAutoFit/>
-          </a:bodyPr>
-          <a:lstStyle/>
-          <a:p>
-            <a:r>
-              <a:rPr lang="en-US" sz="1600" dirty="0" smtClean="0">
-                <a:latin typeface="Neo Sans Std"/>
-                <a:cs typeface="Neo Sans Std"/>
-              </a:rPr>
-              <a:t>…</a:t>
-            </a:r>
-          </a:p>
-        </p:txBody>
-      </p:sp>
-      <p:sp>
-        <p:nvSpPr>
-          <p:cNvPr id="20" name="TextBox 19"/>
-          <p:cNvSpPr txBox="1"/>
-          <p:nvPr/>
-        </p:nvSpPr>
-        <p:spPr>
-          <a:xfrm>
-            <a:off x="899592" y="2276872"/>
-            <a:ext cx="1152128" cy="338554"/>
-          </a:xfrm>
-          <a:prstGeom prst="rect">
-            <a:avLst/>
-          </a:prstGeom>
-          <a:noFill/>
-        </p:spPr>
-        <p:txBody>
-          <a:bodyPr wrap="square" rtlCol="0">
-            <a:spAutoFit/>
-          </a:bodyPr>
-          <a:lstStyle/>
-          <a:p>
-            <a:r>
-              <a:rPr lang="en-US" sz="1600" dirty="0" smtClean="0">
-                <a:latin typeface="Neo Sans Std"/>
-                <a:cs typeface="Neo Sans Std"/>
-              </a:rPr>
-              <a:t>In-</a:t>
-            </a:r>
-            <a:r>
-              <a:rPr lang="en-US" sz="1600" dirty="0" err="1" smtClean="0">
-                <a:latin typeface="Neo Sans Std"/>
-                <a:cs typeface="Neo Sans Std"/>
-              </a:rPr>
-              <a:t>proc</a:t>
-            </a:r>
-            <a:endParaRPr lang="en-US" sz="1600" dirty="0" smtClean="0">
-              <a:latin typeface="Neo Sans Std"/>
-              <a:cs typeface="Neo Sans Std"/>
-            </a:endParaRPr>
-          </a:p>
-        </p:txBody>
-      </p:sp>
-      <p:sp>
-        <p:nvSpPr>
-          <p:cNvPr id="21" name="TextBox 20"/>
-          <p:cNvSpPr txBox="1"/>
-          <p:nvPr/>
-        </p:nvSpPr>
-        <p:spPr>
-          <a:xfrm>
-            <a:off x="6804248" y="2276872"/>
-            <a:ext cx="1152128" cy="338554"/>
-          </a:xfrm>
-          <a:prstGeom prst="rect">
-            <a:avLst/>
-          </a:prstGeom>
-          <a:noFill/>
-        </p:spPr>
-        <p:txBody>
-          <a:bodyPr wrap="square" rtlCol="0">
-            <a:spAutoFit/>
-          </a:bodyPr>
-          <a:lstStyle/>
-          <a:p>
-            <a:r>
-              <a:rPr lang="en-US" sz="1600" dirty="0" smtClean="0">
-                <a:latin typeface="Neo Sans Std"/>
-                <a:cs typeface="Neo Sans Std"/>
-              </a:rPr>
-              <a:t>Inter-</a:t>
-            </a:r>
-            <a:r>
-              <a:rPr lang="en-US" sz="1600" dirty="0" err="1" smtClean="0">
-                <a:latin typeface="Neo Sans Std"/>
-                <a:cs typeface="Neo Sans Std"/>
-              </a:rPr>
-              <a:t>proc</a:t>
-            </a:r>
-            <a:endParaRPr lang="en-US" sz="1600" dirty="0" smtClean="0">
-              <a:latin typeface="Neo Sans Std"/>
-              <a:cs typeface="Neo Sans Std"/>
-            </a:endParaRPr>
           </a:p>
         </p:txBody>
       </p:sp>
@@ -15145,6 +15717,13 @@
   <p:clrMapOvr>
     <a:masterClrMapping/>
   </p:clrMapOvr>
+  <p:timing>
+    <p:tnLst>
+      <p:par>
+        <p:cTn xmlns:p14="http://schemas.microsoft.com/office/powerpoint/2010/main" id="1" dur="indefinite" restart="never" nodeType="tmRoot"/>
+      </p:par>
+    </p:tnLst>
+  </p:timing>
 </p:sld>
 </file>
 
@@ -15173,8 +15752,8 @@
         </p:nvSpPr>
         <p:spPr bwMode="auto">
           <a:xfrm>
-            <a:off x="1691680" y="1988840"/>
-            <a:ext cx="1080120" cy="3816424"/>
+            <a:off x="1691680" y="2132856"/>
+            <a:ext cx="1080120" cy="3168352"/>
           </a:xfrm>
           <a:prstGeom prst="rect">
             <a:avLst/>
@@ -15267,7 +15846,7 @@
         </p:nvSpPr>
         <p:spPr bwMode="auto">
           <a:xfrm>
-            <a:off x="3419872" y="4481500"/>
+            <a:off x="3419872" y="4221088"/>
             <a:ext cx="1656184" cy="685800"/>
           </a:xfrm>
           <a:prstGeom prst="rect">
@@ -15336,7 +15915,7 @@
         </p:nvSpPr>
         <p:spPr bwMode="auto">
           <a:xfrm>
-            <a:off x="179512" y="2458988"/>
+            <a:off x="179512" y="2603190"/>
             <a:ext cx="1457672" cy="609600"/>
           </a:xfrm>
           <a:prstGeom prst="ellipse">
@@ -15382,7 +15961,7 @@
         </p:nvSpPr>
         <p:spPr bwMode="auto">
           <a:xfrm>
-            <a:off x="3563888" y="4557700"/>
+            <a:off x="3563888" y="4297288"/>
             <a:ext cx="1287760" cy="533400"/>
           </a:xfrm>
           <a:prstGeom prst="rect">
@@ -15454,8 +16033,8 @@
         </p:nvCxnSpPr>
         <p:spPr bwMode="auto">
           <a:xfrm>
-            <a:off x="2555776" y="4797152"/>
-            <a:ext cx="864096" cy="27248"/>
+            <a:off x="2555776" y="4558748"/>
+            <a:ext cx="864096" cy="5240"/>
           </a:xfrm>
           <a:prstGeom prst="straightConnector1">
             <a:avLst/>
@@ -15483,7 +16062,7 @@
         </p:nvSpPr>
         <p:spPr bwMode="auto">
           <a:xfrm>
-            <a:off x="3347864" y="2420888"/>
+            <a:off x="3347864" y="2564904"/>
             <a:ext cx="1728192" cy="685800"/>
           </a:xfrm>
           <a:prstGeom prst="rect">
@@ -15552,7 +16131,7 @@
         </p:nvSpPr>
         <p:spPr bwMode="auto">
           <a:xfrm>
-            <a:off x="179512" y="4519600"/>
+            <a:off x="179512" y="4253948"/>
             <a:ext cx="1457672" cy="609600"/>
           </a:xfrm>
           <a:prstGeom prst="ellipse">
@@ -15598,7 +16177,7 @@
         </p:nvSpPr>
         <p:spPr bwMode="auto">
           <a:xfrm>
-            <a:off x="3563888" y="2497088"/>
+            <a:off x="3563888" y="2641104"/>
             <a:ext cx="1287760" cy="533400"/>
           </a:xfrm>
           <a:prstGeom prst="rect">
@@ -15667,8 +16246,8 @@
         </p:nvSpPr>
         <p:spPr bwMode="auto">
           <a:xfrm>
-            <a:off x="5940152" y="1988840"/>
-            <a:ext cx="1080120" cy="3816424"/>
+            <a:off x="5940152" y="2132856"/>
+            <a:ext cx="1080120" cy="3168352"/>
           </a:xfrm>
           <a:prstGeom prst="rect">
             <a:avLst/>
@@ -15733,7 +16312,7 @@
         </p:nvSpPr>
         <p:spPr bwMode="auto">
           <a:xfrm>
-            <a:off x="7164288" y="2458988"/>
+            <a:off x="7164288" y="2603190"/>
             <a:ext cx="1457672" cy="609600"/>
           </a:xfrm>
           <a:prstGeom prst="ellipse">
@@ -15779,7 +16358,7 @@
         </p:nvSpPr>
         <p:spPr bwMode="auto">
           <a:xfrm>
-            <a:off x="7164288" y="4519600"/>
+            <a:off x="7164288" y="4253948"/>
             <a:ext cx="1457672" cy="609600"/>
           </a:xfrm>
           <a:prstGeom prst="ellipse">
@@ -15828,8 +16407,8 @@
         </p:nvCxnSpPr>
         <p:spPr bwMode="auto">
           <a:xfrm flipH="1">
-            <a:off x="5076056" y="2984597"/>
-            <a:ext cx="1200487" cy="1839803"/>
+            <a:off x="5076056" y="3111659"/>
+            <a:ext cx="1200487" cy="1452329"/>
           </a:xfrm>
           <a:prstGeom prst="straightConnector1">
             <a:avLst/>
@@ -15860,8 +16439,8 @@
         </p:nvCxnSpPr>
         <p:spPr bwMode="auto">
           <a:xfrm flipH="1" flipV="1">
-            <a:off x="5076056" y="2763788"/>
-            <a:ext cx="1200487" cy="1829695"/>
+            <a:off x="5076056" y="2907804"/>
+            <a:ext cx="1200487" cy="1447275"/>
           </a:xfrm>
           <a:prstGeom prst="straightConnector1">
             <a:avLst/>
@@ -15889,7 +16468,7 @@
         </p:nvSpPr>
         <p:spPr bwMode="auto">
           <a:xfrm>
-            <a:off x="1979712" y="2492896"/>
+            <a:off x="1979712" y="2619958"/>
             <a:ext cx="576064" cy="576064"/>
           </a:xfrm>
           <a:prstGeom prst="ellipse">
@@ -15955,7 +16534,7 @@
         </p:nvSpPr>
         <p:spPr bwMode="auto">
           <a:xfrm>
-            <a:off x="1979712" y="4509120"/>
+            <a:off x="1979712" y="4270716"/>
             <a:ext cx="576064" cy="576064"/>
           </a:xfrm>
           <a:prstGeom prst="ellipse">
@@ -16021,7 +16600,7 @@
         </p:nvSpPr>
         <p:spPr bwMode="auto">
           <a:xfrm>
-            <a:off x="6192180" y="2492896"/>
+            <a:off x="6192180" y="2619958"/>
             <a:ext cx="576064" cy="576064"/>
           </a:xfrm>
           <a:prstGeom prst="ellipse">
@@ -16087,7 +16666,7 @@
         </p:nvSpPr>
         <p:spPr bwMode="auto">
           <a:xfrm>
-            <a:off x="6192180" y="4509120"/>
+            <a:off x="6192180" y="4270716"/>
             <a:ext cx="576064" cy="576064"/>
           </a:xfrm>
           <a:prstGeom prst="ellipse">
@@ -16156,8 +16735,8 @@
         </p:nvCxnSpPr>
         <p:spPr bwMode="auto">
           <a:xfrm flipV="1">
-            <a:off x="2555776" y="2763788"/>
-            <a:ext cx="792088" cy="17140"/>
+            <a:off x="2555776" y="2907804"/>
+            <a:ext cx="792088" cy="186"/>
           </a:xfrm>
           <a:prstGeom prst="straightConnector1">
             <a:avLst/>
@@ -16185,7 +16764,7 @@
         </p:nvSpPr>
         <p:spPr>
           <a:xfrm>
-            <a:off x="1907704" y="1700808"/>
+            <a:off x="1907704" y="1844824"/>
             <a:ext cx="659155" cy="338554"/>
           </a:xfrm>
           <a:prstGeom prst="rect">
@@ -16221,7 +16800,7 @@
         </p:nvSpPr>
         <p:spPr>
           <a:xfrm>
-            <a:off x="6156176" y="1700808"/>
+            <a:off x="6156176" y="1844824"/>
             <a:ext cx="713015" cy="338554"/>
           </a:xfrm>
           <a:prstGeom prst="rect">
@@ -16243,6 +16822,142 @@
               <a:t>state’</a:t>
             </a:r>
             <a:endParaRPr lang="en-US" sz="1600" dirty="0">
+              <a:latin typeface="Neo Sans Std"/>
+              <a:cs typeface="Neo Sans Std"/>
+            </a:endParaRPr>
+          </a:p>
+        </p:txBody>
+      </p:sp>
+      <p:sp>
+        <p:nvSpPr>
+          <p:cNvPr id="32" name="TextBox 31"/>
+          <p:cNvSpPr txBox="1"/>
+          <p:nvPr/>
+        </p:nvSpPr>
+        <p:spPr>
+          <a:xfrm>
+            <a:off x="4644008" y="5517232"/>
+            <a:ext cx="1440160" cy="830997"/>
+          </a:xfrm>
+          <a:prstGeom prst="rect">
+            <a:avLst/>
+          </a:prstGeom>
+          <a:noFill/>
+        </p:spPr>
+        <p:txBody>
+          <a:bodyPr wrap="square" rtlCol="0">
+            <a:spAutoFit/>
+          </a:bodyPr>
+          <a:lstStyle/>
+          <a:p>
+            <a:r>
+              <a:rPr lang="en-US" sz="1200" b="1" dirty="0" smtClean="0">
+                <a:latin typeface="Neo Sans Std"/>
+                <a:cs typeface="Neo Sans Std"/>
+              </a:rPr>
+              <a:t>A</a:t>
+            </a:r>
+            <a:r>
+              <a:rPr lang="en-US" sz="1200" dirty="0" smtClean="0">
+                <a:latin typeface="Neo Sans Std"/>
+                <a:cs typeface="Neo Sans Std"/>
+              </a:rPr>
+              <a:t>tomic</a:t>
+            </a:r>
+            <a:endParaRPr lang="en-US" sz="1200" dirty="0" smtClean="0">
+              <a:latin typeface="Neo Sans Std"/>
+              <a:cs typeface="Neo Sans Std"/>
+            </a:endParaRPr>
+          </a:p>
+          <a:p>
+            <a:r>
+              <a:rPr lang="en-US" sz="1200" b="1" dirty="0" smtClean="0">
+                <a:latin typeface="Neo Sans Std"/>
+                <a:cs typeface="Neo Sans Std"/>
+              </a:rPr>
+              <a:t>C</a:t>
+            </a:r>
+            <a:r>
+              <a:rPr lang="en-US" sz="1200" dirty="0" smtClean="0">
+                <a:latin typeface="Neo Sans Std"/>
+                <a:cs typeface="Neo Sans Std"/>
+              </a:rPr>
+              <a:t>onsistent</a:t>
+            </a:r>
+          </a:p>
+          <a:p>
+            <a:r>
+              <a:rPr lang="en-US" sz="1200" b="1" dirty="0" smtClean="0">
+                <a:latin typeface="Neo Sans Std"/>
+                <a:cs typeface="Neo Sans Std"/>
+              </a:rPr>
+              <a:t>I</a:t>
+            </a:r>
+            <a:r>
+              <a:rPr lang="en-US" sz="1200" dirty="0" smtClean="0">
+                <a:latin typeface="Neo Sans Std"/>
+                <a:cs typeface="Neo Sans Std"/>
+              </a:rPr>
+              <a:t>solated</a:t>
+            </a:r>
+          </a:p>
+          <a:p>
+            <a:r>
+              <a:rPr lang="en-US" sz="1200" strike="sngStrike" dirty="0" smtClean="0">
+                <a:latin typeface="Neo Sans Std"/>
+                <a:cs typeface="Neo Sans Std"/>
+              </a:rPr>
+              <a:t>Durable</a:t>
+            </a:r>
+          </a:p>
+        </p:txBody>
+      </p:sp>
+      <p:sp>
+        <p:nvSpPr>
+          <p:cNvPr id="33" name="TextBox 32"/>
+          <p:cNvSpPr txBox="1"/>
+          <p:nvPr/>
+        </p:nvSpPr>
+        <p:spPr>
+          <a:xfrm>
+            <a:off x="2915816" y="5517232"/>
+            <a:ext cx="1584176" cy="461665"/>
+          </a:xfrm>
+          <a:prstGeom prst="rect">
+            <a:avLst/>
+          </a:prstGeom>
+          <a:noFill/>
+        </p:spPr>
+        <p:txBody>
+          <a:bodyPr wrap="square" rtlCol="0">
+            <a:spAutoFit/>
+          </a:bodyPr>
+          <a:lstStyle/>
+          <a:p>
+            <a:r>
+              <a:rPr lang="en-US" sz="1200" dirty="0">
+                <a:latin typeface="Neo Sans Std"/>
+                <a:cs typeface="Neo Sans Std"/>
+              </a:rPr>
+              <a:t>Multi-Version </a:t>
+            </a:r>
+          </a:p>
+          <a:p>
+            <a:r>
+              <a:rPr lang="en-US" sz="1200" dirty="0">
+                <a:latin typeface="Neo Sans Std"/>
+                <a:cs typeface="Neo Sans Std"/>
+              </a:rPr>
+              <a:t>Concurrency </a:t>
+            </a:r>
+            <a:r>
+              <a:rPr lang="en-US" sz="1200" dirty="0" smtClean="0">
+                <a:latin typeface="Neo Sans Std"/>
+                <a:cs typeface="Neo Sans Std"/>
+              </a:rPr>
+              <a:t>Control</a:t>
+            </a:r>
+            <a:endParaRPr lang="en-US" sz="1200" dirty="0">
               <a:latin typeface="Neo Sans Std"/>
               <a:cs typeface="Neo Sans Std"/>
             </a:endParaRPr>
@@ -17985,11 +18700,7 @@
           <a:p>
             <a:r>
               <a:rPr lang="en-US" dirty="0" smtClean="0"/>
-              <a:t>STM </a:t>
-            </a:r>
-            <a:r>
-              <a:rPr lang="en-US" dirty="0" smtClean="0"/>
-              <a:t>Example</a:t>
+              <a:t>STM Example</a:t>
             </a:r>
             <a:endParaRPr lang="en-US" dirty="0"/>
           </a:p>
@@ -20355,110 +21066,116 @@
           </a:p>
         </p:txBody>
       </p:sp>
-      <p:sp>
-        <p:nvSpPr>
-          <p:cNvPr id="18" name="TextBox 17"/>
-          <p:cNvSpPr txBox="1"/>
-          <p:nvPr/>
-        </p:nvSpPr>
-        <p:spPr>
-          <a:xfrm>
-            <a:off x="7092280" y="1916832"/>
-            <a:ext cx="1584176" cy="1384995"/>
-          </a:xfrm>
-          <a:prstGeom prst="rect">
-            <a:avLst/>
-          </a:prstGeom>
-          <a:noFill/>
-        </p:spPr>
-        <p:txBody>
-          <a:bodyPr wrap="square" rtlCol="0">
-            <a:spAutoFit/>
-          </a:bodyPr>
-          <a:lstStyle/>
-          <a:p>
-            <a:r>
-              <a:rPr lang="en-US" sz="1200" dirty="0" smtClean="0">
-                <a:latin typeface="Neo Sans Std"/>
-                <a:cs typeface="Neo Sans Std"/>
-              </a:rPr>
-              <a:t>Multi-Version </a:t>
-            </a:r>
-          </a:p>
-          <a:p>
-            <a:r>
-              <a:rPr lang="en-US" sz="1200" dirty="0" smtClean="0">
-                <a:latin typeface="Neo Sans Std"/>
-                <a:cs typeface="Neo Sans Std"/>
-              </a:rPr>
-              <a:t>Concurrency Control</a:t>
-            </a:r>
-          </a:p>
-          <a:p>
-            <a:endParaRPr lang="en-US" sz="1200" dirty="0">
-              <a:latin typeface="Neo Sans Std"/>
-              <a:cs typeface="Neo Sans Std"/>
-            </a:endParaRPr>
-          </a:p>
-          <a:p>
-            <a:r>
-              <a:rPr lang="en-US" sz="1200" b="1" dirty="0">
-                <a:latin typeface="Neo Sans Std"/>
-                <a:cs typeface="Neo Sans Std"/>
-              </a:rPr>
-              <a:t>A</a:t>
-            </a:r>
-            <a:r>
-              <a:rPr lang="en-US" sz="1200" dirty="0" smtClean="0">
-                <a:latin typeface="Neo Sans Std"/>
-                <a:cs typeface="Neo Sans Std"/>
-              </a:rPr>
-              <a:t>tomic</a:t>
-            </a:r>
-          </a:p>
-          <a:p>
-            <a:r>
-              <a:rPr lang="en-US" sz="1200" b="1" dirty="0" smtClean="0">
-                <a:latin typeface="Neo Sans Std"/>
-                <a:cs typeface="Neo Sans Std"/>
-              </a:rPr>
-              <a:t>C</a:t>
-            </a:r>
-            <a:r>
-              <a:rPr lang="en-US" sz="1200" dirty="0" smtClean="0">
-                <a:latin typeface="Neo Sans Std"/>
-                <a:cs typeface="Neo Sans Std"/>
-              </a:rPr>
-              <a:t>onsistent</a:t>
-            </a:r>
-          </a:p>
-          <a:p>
-            <a:r>
-              <a:rPr lang="en-US" sz="1200" b="1" dirty="0" smtClean="0">
-                <a:latin typeface="Neo Sans Std"/>
-                <a:cs typeface="Neo Sans Std"/>
-              </a:rPr>
-              <a:t>I</a:t>
-            </a:r>
-            <a:r>
-              <a:rPr lang="en-US" sz="1200" dirty="0" smtClean="0">
-                <a:latin typeface="Neo Sans Std"/>
-                <a:cs typeface="Neo Sans Std"/>
-              </a:rPr>
-              <a:t>solated</a:t>
-            </a:r>
-          </a:p>
-          <a:p>
-            <a:r>
-              <a:rPr lang="en-US" sz="1200" strike="sngStrike" dirty="0" smtClean="0">
-                <a:latin typeface="Neo Sans Std"/>
-                <a:cs typeface="Neo Sans Std"/>
-              </a:rPr>
-              <a:t>Durable</a:t>
-            </a:r>
-          </a:p>
-        </p:txBody>
-      </p:sp>
+      <p:graphicFrame>
+        <p:nvGraphicFramePr>
+          <p:cNvPr id="5" name="Table 4"/>
+          <p:cNvGraphicFramePr>
+            <a:graphicFrameLocks noGrp="1"/>
+          </p:cNvGraphicFramePr>
+          <p:nvPr>
+            <p:extLst>
+              <p:ext uri="{D42A27DB-BD31-4B8C-83A1-F6EECF244321}">
+                <p14:modId xmlns:p14="http://schemas.microsoft.com/office/powerpoint/2010/main" val="1947158055"/>
+              </p:ext>
+            </p:extLst>
+          </p:nvPr>
+        </p:nvGraphicFramePr>
+        <p:xfrm>
+          <a:off x="5364088" y="1628800"/>
+          <a:ext cx="1512168" cy="968505"/>
+        </p:xfrm>
+        <a:graphic>
+          <a:graphicData uri="http://schemas.openxmlformats.org/drawingml/2006/table">
+            <a:tbl>
+              <a:tblPr firstRow="1" bandRow="1">
+                <a:tableStyleId>{5C22544A-7EE6-4342-B048-85BDC9FD1C3A}</a:tableStyleId>
+              </a:tblPr>
+              <a:tblGrid>
+                <a:gridCol w="792088"/>
+                <a:gridCol w="720080"/>
+              </a:tblGrid>
+              <a:tr h="322835">
+                <a:tc>
+                  <a:txBody>
+                    <a:bodyPr/>
+                    <a:lstStyle/>
+                    <a:p>
+                      <a:r>
+                        <a:rPr lang="en-US" sz="1100" dirty="0" smtClean="0"/>
+                        <a:t>:amount</a:t>
+                      </a:r>
+                      <a:endParaRPr lang="en-US" sz="1100" dirty="0"/>
+                    </a:p>
+                  </a:txBody>
+                  <a:tcPr/>
+                </a:tc>
+                <a:tc>
+                  <a:txBody>
+                    <a:bodyPr/>
+                    <a:lstStyle/>
+                    <a:p>
+                      <a:r>
+                        <a:rPr lang="en-US" sz="1100" dirty="0" smtClean="0"/>
+                        <a:t>:</a:t>
+                      </a:r>
+                      <a:r>
+                        <a:rPr lang="en-US" sz="1100" dirty="0" err="1" smtClean="0"/>
+                        <a:t>msg</a:t>
+                      </a:r>
+                      <a:endParaRPr lang="en-US" sz="1100" dirty="0"/>
+                    </a:p>
+                  </a:txBody>
+                  <a:tcPr/>
+                </a:tc>
+              </a:tr>
+              <a:tr h="322835">
+                <a:tc>
+                  <a:txBody>
+                    <a:bodyPr/>
+                    <a:lstStyle/>
+                    <a:p>
+                      <a:endParaRPr lang="en-US" sz="1100" dirty="0"/>
+                    </a:p>
+                  </a:txBody>
+                  <a:tcPr/>
+                </a:tc>
+                <a:tc>
+                  <a:txBody>
+                    <a:bodyPr/>
+                    <a:lstStyle/>
+                    <a:p>
+                      <a:endParaRPr lang="en-US" sz="1100"/>
+                    </a:p>
+                  </a:txBody>
+                  <a:tcPr/>
+                </a:tc>
+              </a:tr>
+              <a:tr h="322835">
+                <a:tc>
+                  <a:txBody>
+                    <a:bodyPr/>
+                    <a:lstStyle/>
+                    <a:p>
+                      <a:endParaRPr lang="en-US" sz="1100"/>
+                    </a:p>
+                  </a:txBody>
+                  <a:tcPr/>
+                </a:tc>
+                <a:tc>
+                  <a:txBody>
+                    <a:bodyPr/>
+                    <a:lstStyle/>
+                    <a:p>
+                      <a:endParaRPr lang="en-US" sz="1100" dirty="0"/>
+                    </a:p>
+                  </a:txBody>
+                  <a:tcPr/>
+                </a:tc>
+              </a:tr>
+            </a:tbl>
+          </a:graphicData>
+        </a:graphic>
+      </p:graphicFrame>
     </p:spTree>
     <p:extLst>
       <p:ext uri="{BB962C8B-B14F-4D97-AF65-F5344CB8AC3E}">
@@ -21254,6 +21971,13 @@
   <p:clrMapOvr>
     <a:masterClrMapping/>
   </p:clrMapOvr>
+  <p:timing>
+    <p:tnLst>
+      <p:par>
+        <p:cTn xmlns:p14="http://schemas.microsoft.com/office/powerpoint/2010/main" id="1" dur="indefinite" restart="never" nodeType="tmRoot"/>
+      </p:par>
+    </p:tnLst>
+  </p:timing>
 </p:sld>
 </file>
 
@@ -21622,10 +22346,15 @@
             <p:ph sz="half" idx="1"/>
           </p:nvPr>
         </p:nvSpPr>
-        <p:spPr/>
+        <p:spPr>
+          <a:xfrm>
+            <a:off x="685800" y="1981200"/>
+            <a:ext cx="3094112" cy="4114800"/>
+          </a:xfrm>
+        </p:spPr>
         <p:txBody>
           <a:bodyPr>
-            <a:normAutofit lnSpcReduction="10000"/>
+            <a:normAutofit/>
           </a:bodyPr>
           <a:lstStyle/>
           <a:p>
@@ -21856,6 +22585,121 @@
             <a:r>
               <a:rPr lang="en-US" sz="1400" dirty="0" err="1">
                 <a:solidFill>
+                  <a:prstClr val="black"/>
+                </a:solidFill>
+                <a:latin typeface="Consolas"/>
+              </a:rPr>
+              <a:t>defrecord</a:t>
+            </a:r>
+            <a:r>
+              <a:rPr lang="en-US" sz="1400" dirty="0">
+                <a:solidFill>
+                  <a:srgbClr val="1C1C14"/>
+                </a:solidFill>
+                <a:latin typeface="Consolas"/>
+              </a:rPr>
+              <a:t> </a:t>
+            </a:r>
+            <a:r>
+              <a:rPr lang="en-US" sz="1400" dirty="0">
+                <a:solidFill>
+                  <a:prstClr val="black"/>
+                </a:solidFill>
+                <a:latin typeface="Consolas"/>
+              </a:rPr>
+              <a:t>Conference</a:t>
+            </a:r>
+            <a:r>
+              <a:rPr lang="en-US" sz="1400" dirty="0">
+                <a:solidFill>
+                  <a:srgbClr val="1C1C14"/>
+                </a:solidFill>
+                <a:latin typeface="Consolas"/>
+              </a:rPr>
+              <a:t> </a:t>
+            </a:r>
+            <a:r>
+              <a:rPr lang="en-US" sz="1400" b="1" dirty="0">
+                <a:solidFill>
+                  <a:srgbClr val="5E1445"/>
+                </a:solidFill>
+                <a:latin typeface="Consolas-Bold"/>
+              </a:rPr>
+              <a:t>[</a:t>
+            </a:r>
+            <a:r>
+              <a:rPr lang="en-US" sz="1400" dirty="0">
+                <a:solidFill>
+                  <a:prstClr val="black"/>
+                </a:solidFill>
+                <a:latin typeface="Consolas"/>
+              </a:rPr>
+              <a:t>name</a:t>
+            </a:r>
+            <a:r>
+              <a:rPr lang="en-US" sz="1400" dirty="0">
+                <a:solidFill>
+                  <a:srgbClr val="1C1C14"/>
+                </a:solidFill>
+                <a:latin typeface="Consolas"/>
+              </a:rPr>
+              <a:t> </a:t>
+            </a:r>
+            <a:r>
+              <a:rPr lang="en-US" sz="1400" dirty="0">
+                <a:solidFill>
+                  <a:prstClr val="black"/>
+                </a:solidFill>
+                <a:latin typeface="Consolas"/>
+              </a:rPr>
+              <a:t>year</a:t>
+            </a:r>
+            <a:r>
+              <a:rPr lang="en-US" sz="1400" b="1" dirty="0">
+                <a:solidFill>
+                  <a:srgbClr val="5E1445"/>
+                </a:solidFill>
+                <a:latin typeface="Consolas-Bold"/>
+              </a:rPr>
+              <a:t>]</a:t>
+            </a:r>
+            <a:r>
+              <a:rPr lang="en-US" sz="1400" b="1" dirty="0" smtClean="0">
+                <a:solidFill>
+                  <a:srgbClr val="5E1445"/>
+                </a:solidFill>
+                <a:latin typeface="Consolas-Bold"/>
+              </a:rPr>
+              <a:t>)</a:t>
+            </a:r>
+          </a:p>
+          <a:p>
+            <a:pPr marL="0" indent="0">
+              <a:buNone/>
+            </a:pPr>
+            <a:endParaRPr lang="en-US" sz="1400" b="1" dirty="0" smtClean="0">
+              <a:solidFill>
+                <a:srgbClr val="5E1445"/>
+              </a:solidFill>
+              <a:latin typeface="Consolas-Bold"/>
+            </a:endParaRPr>
+          </a:p>
+          <a:p>
+            <a:pPr marL="0" indent="0">
+              <a:buNone/>
+            </a:pPr>
+            <a:r>
+              <a:rPr lang="en-US" sz="1400" b="1" dirty="0" smtClean="0">
+                <a:solidFill>
+                  <a:srgbClr val="5E1445"/>
+                </a:solidFill>
+                <a:latin typeface="Consolas-Bold"/>
+              </a:rPr>
+              <a:t>(</a:t>
+            </a:r>
+            <a:r>
+              <a:rPr lang="en-US" sz="1400" dirty="0" err="1">
+                <a:solidFill>
                   <a:srgbClr val="515151"/>
                 </a:solidFill>
                 <a:latin typeface="Consolas"/>
@@ -22207,13 +23051,22 @@
               <a:buNone/>
             </a:pPr>
             <a:r>
+              <a:rPr lang="en-US" sz="1400" dirty="0" smtClean="0">
+                <a:solidFill>
+                  <a:srgbClr val="1C1C14"/>
+                </a:solidFill>
+                <a:latin typeface="PalatinoLinotype-Roman"/>
+              </a:rPr>
+              <a:t>;; Records </a:t>
+            </a:r>
+            <a:r>
               <a:rPr lang="en-US" sz="1400" dirty="0">
                 <a:solidFill>
                   <a:srgbClr val="1C1C14"/>
                 </a:solidFill>
                 <a:latin typeface="PalatinoLinotype-Roman"/>
               </a:rPr>
-              <a:t>Records works with common </a:t>
+              <a:t>works with common </a:t>
             </a:r>
             <a:r>
               <a:rPr lang="en-US" sz="1400" dirty="0" smtClean="0">
@@ -22488,7 +23341,16 @@
                 </a:solidFill>
                 <a:latin typeface="PalatinoLinotype-Roman"/>
               </a:rPr>
-              <a:t>Conference </a:t>
+              <a:t>;; Their </a:t>
+            </a:r>
+            <a:r>
+              <a:rPr lang="en-US" sz="1400" dirty="0" smtClean="0">
+                <a:solidFill>
+                  <a:srgbClr val="1C1C14"/>
+                </a:solidFill>
+                <a:latin typeface="PalatinoLinotype-Roman"/>
+              </a:rPr>
+              <a:t>fields </a:t>
             </a:r>
             <a:r>
               <a:rPr lang="en-US" sz="1400" dirty="0">
@@ -22497,7 +23359,7 @@
                 </a:solidFill>
                 <a:latin typeface="PalatinoLinotype-Roman"/>
               </a:rPr>
-              <a:t>fields have map semantics	</a:t>
+              <a:t>have map semantics	</a:t>
             </a:r>
             <a:endParaRPr lang="en-US" sz="1400" dirty="0" smtClean="0">
               <a:solidFill>
@@ -22578,13 +23440,22 @@
               <a:buNone/>
             </a:pPr>
             <a:r>
+              <a:rPr lang="en-US" sz="1400" dirty="0" smtClean="0">
+                <a:solidFill>
+                  <a:srgbClr val="1C1C14"/>
+                </a:solidFill>
+                <a:latin typeface="PalatinoLinotype-Roman"/>
+              </a:rPr>
+              <a:t>;; A </a:t>
+            </a:r>
+            <a:r>
               <a:rPr lang="en-US" sz="1400" dirty="0">
                 <a:solidFill>
                   <a:srgbClr val="1C1C14"/>
                 </a:solidFill>
                 <a:latin typeface="PalatinoLinotype-Roman"/>
               </a:rPr>
-              <a:t>A record is also a map of its </a:t>
+              <a:t>record is also a map of its </a:t>
             </a:r>
             <a:r>
               <a:rPr lang="en-US" sz="1400" dirty="0" smtClean="0">
@@ -22992,7 +23863,6 @@
               <a:rPr lang="en-US" dirty="0"/>
               <a:t>How would you do object diff and patch in C#?</a:t>
             </a:r>
-            <a:endParaRPr lang="en-US" dirty="0"/>
           </a:p>
         </p:txBody>
       </p:sp>
@@ -23025,6 +23895,13 @@
   <p:clrMapOvr>
     <a:masterClrMapping/>
   </p:clrMapOvr>
+  <p:timing>
+    <p:tnLst>
+      <p:par>
+        <p:cTn xmlns:p14="http://schemas.microsoft.com/office/powerpoint/2010/main" id="1" dur="indefinite" restart="never" nodeType="tmRoot"/>
+      </p:par>
+    </p:tnLst>
+  </p:timing>
 </p:sld>
 </file>
 
@@ -24356,7 +25233,7 @@
               <a:t> </a:t>
             </a:r>
             <a:r>
-              <a:rPr lang="en-US" sz="1800" b="1" dirty="0">
+              <a:rPr lang="en-US" sz="1800" b="1" dirty="0" smtClean="0">
                 <a:solidFill>
                   <a:srgbClr val="5E1445"/>
                 </a:solidFill>
@@ -24365,25 +25242,16 @@
               <a:t>(</a:t>
             </a:r>
             <a:r>
-              <a:rPr lang="en-US" sz="1800" dirty="0">
+              <a:rPr lang="en-US" sz="1800" dirty="0" smtClean="0">
                 <a:solidFill>
                   <a:srgbClr val="E03186"/>
                 </a:solidFill>
                 <a:latin typeface="Consolas"/>
               </a:rPr>
-              <a:t>remove</a:t>
-            </a:r>
-            <a:r>
-              <a:rPr lang="en-US" sz="1800" dirty="0">
-                <a:solidFill>
-                  <a:srgbClr val="1C1C14"/>
-                </a:solidFill>
-                <a:latin typeface="Consolas"/>
-              </a:rPr>
-              <a:t> </a:t>
-            </a:r>
-            <a:r>
-              <a:rPr lang="en-US" sz="1800" b="1" dirty="0">
+              <a:t>filter </a:t>
+            </a:r>
+            <a:r>
+              <a:rPr lang="en-US" sz="1800" b="1" dirty="0" smtClean="0">
                 <a:solidFill>
                   <a:srgbClr val="5E1445"/>
                 </a:solidFill>
@@ -24457,7 +25325,7 @@
               <a:t>                          </a:t>
             </a:r>
             <a:r>
-              <a:rPr lang="en-US" sz="1800" b="1" dirty="0">
+              <a:rPr lang="en-US" sz="1800" b="1" dirty="0" smtClean="0">
                 <a:solidFill>
                   <a:srgbClr val="5E1445"/>
                 </a:solidFill>
@@ -24472,10 +25340,10 @@
                 </a:solidFill>
                 <a:latin typeface="Consolas"/>
               </a:rPr>
-              <a:t>=</a:t>
-            </a:r>
-            <a:r>
-              <a:rPr lang="en-US" sz="1800" dirty="0">
+              <a:t>not=</a:t>
+            </a:r>
+            <a:r>
+              <a:rPr lang="en-US" sz="1800" dirty="0" smtClean="0">
                 <a:solidFill>
                   <a:srgbClr val="1C1C14"/>
                 </a:solidFill>
@@ -25330,52 +26198,52 @@
               <a:t> </a:t>
             </a:r>
             <a:r>
+              <a:rPr lang="en-US" sz="1800" dirty="0" smtClean="0">
+                <a:solidFill>
+                  <a:srgbClr val="3C8203"/>
+                </a:solidFill>
+                <a:latin typeface="Consolas"/>
+              </a:rPr>
+              <a:t>1.44</a:t>
+            </a:r>
+            <a:r>
+              <a:rPr lang="en-US" sz="1800" dirty="0" smtClean="0">
+                <a:solidFill>
+                  <a:prstClr val="black"/>
+                </a:solidFill>
+                <a:latin typeface="Consolas"/>
+              </a:rPr>
+              <a:t>, </a:t>
+            </a:r>
+            <a:r>
               <a:rPr lang="en-US" sz="1800" dirty="0">
                 <a:solidFill>
+                  <a:srgbClr val="1657BD"/>
+                </a:solidFill>
+                <a:latin typeface="Consolas"/>
+              </a:rPr>
+              <a:t>:ask</a:t>
+            </a:r>
+            <a:r>
+              <a:rPr lang="en-US" sz="1800" dirty="0">
+                <a:solidFill>
+                  <a:srgbClr val="1C1C14"/>
+                </a:solidFill>
+                <a:latin typeface="Consolas"/>
+              </a:rPr>
+              <a:t> </a:t>
+            </a:r>
+            <a:r>
+              <a:rPr lang="en-US" sz="1800" dirty="0" smtClean="0">
+                <a:solidFill>
                   <a:srgbClr val="3C8203"/>
                 </a:solidFill>
                 <a:latin typeface="Consolas"/>
               </a:rPr>
-              <a:t>1.45</a:t>
-            </a:r>
-            <a:r>
-              <a:rPr lang="en-US" sz="1800" dirty="0">
-                <a:solidFill>
-                  <a:prstClr val="black"/>
-                </a:solidFill>
-                <a:latin typeface="Consolas"/>
-              </a:rPr>
-              <a:t>, </a:t>
-            </a:r>
-            <a:r>
-              <a:rPr lang="en-US" sz="1800" dirty="0">
-                <a:solidFill>
-                  <a:srgbClr val="1657BD"/>
-                </a:solidFill>
-                <a:latin typeface="Consolas"/>
-              </a:rPr>
-              <a:t>:ask</a:t>
-            </a:r>
-            <a:r>
-              <a:rPr lang="en-US" sz="1800" dirty="0">
-                <a:solidFill>
-                  <a:srgbClr val="1C1C14"/>
-                </a:solidFill>
-                <a:latin typeface="Consolas"/>
-              </a:rPr>
-              <a:t> </a:t>
-            </a:r>
-            <a:r>
-              <a:rPr lang="en-US" sz="1800" dirty="0" smtClean="0">
-                <a:solidFill>
-                  <a:srgbClr val="3C8203"/>
-                </a:solidFill>
-                <a:latin typeface="Consolas"/>
-              </a:rPr>
-              <a:t>1.46</a:t>
-            </a:r>
-            <a:r>
-              <a:rPr lang="en-US" sz="1800" b="1" dirty="0">
+              <a:t>1.47</a:t>
+            </a:r>
+            <a:r>
+              <a:rPr lang="en-US" sz="1800" b="1" dirty="0" smtClean="0">
                 <a:solidFill>
                   <a:srgbClr val="5E1445"/>
                 </a:solidFill>
@@ -25383,6 +26251,12 @@
               </a:rPr>
               <a:t>}</a:t>
             </a:r>
+            <a:endParaRPr lang="en-US" sz="1800" b="1" dirty="0">
+              <a:solidFill>
+                <a:srgbClr val="5E1445"/>
+              </a:solidFill>
+              <a:latin typeface="Consolas-Bold"/>
+            </a:endParaRPr>
           </a:p>
         </p:txBody>
       </p:sp>
@@ -27100,7 +27974,7 @@
             <a:pPr marL="0" indent="0">
               <a:buNone/>
             </a:pPr>
-            <a:endParaRPr lang="en-US" dirty="0"/>
+            <a:endParaRPr lang="en-US" dirty="0" smtClean="0"/>
           </a:p>
           <a:p>
             <a:pPr marL="0" indent="0">
@@ -29045,46 +29919,46 @@
               <a:buNone/>
             </a:pPr>
             <a:r>
+              <a:rPr lang="en-US" sz="1600" b="1" dirty="0">
+                <a:solidFill>
+                  <a:srgbClr val="5E1445"/>
+                </a:solidFill>
+                <a:latin typeface="Consolas-Bold"/>
+              </a:rPr>
+              <a:t>(</a:t>
+            </a:r>
+            <a:r>
+              <a:rPr lang="en-US" sz="1600" dirty="0" err="1">
+                <a:solidFill>
+                  <a:srgbClr val="E03186"/>
+                </a:solidFill>
+                <a:latin typeface="Consolas"/>
+              </a:rPr>
+              <a:t>defmacro</a:t>
+            </a:r>
+            <a:r>
               <a:rPr lang="en-US" sz="1600" dirty="0">
                 <a:solidFill>
+                  <a:srgbClr val="1C1C14"/>
+                </a:solidFill>
+                <a:latin typeface="Consolas"/>
+              </a:rPr>
+              <a:t> </a:t>
+            </a:r>
+            <a:r>
+              <a:rPr lang="en-US" sz="1600" dirty="0">
+                <a:solidFill>
                   <a:prstClr val="black"/>
                 </a:solidFill>
-                <a:latin typeface="Courier"/>
-              </a:rPr>
-              <a:t>(</a:t>
-            </a:r>
-            <a:r>
-              <a:rPr lang="en-US" sz="1600" dirty="0" err="1">
-                <a:solidFill>
-                  <a:srgbClr val="5D196C"/>
-                </a:solidFill>
-                <a:latin typeface="Courier"/>
-              </a:rPr>
-              <a:t>defmacro</a:t>
-            </a:r>
-            <a:r>
-              <a:rPr lang="en-US" sz="1600" dirty="0">
-                <a:solidFill>
-                  <a:prstClr val="black"/>
-                </a:solidFill>
-                <a:latin typeface="Courier"/>
-              </a:rPr>
-              <a:t> </a:t>
-            </a:r>
-            <a:r>
-              <a:rPr lang="en-US" sz="1600" dirty="0" smtClean="0">
-                <a:solidFill>
-                  <a:srgbClr val="0029FA"/>
-                </a:solidFill>
-                <a:latin typeface="Courier"/>
+                <a:latin typeface="Consolas"/>
               </a:rPr>
               <a:t>unless</a:t>
             </a:r>
             <a:endParaRPr lang="en-US" sz="1600" dirty="0">
               <a:solidFill>
-                <a:prstClr val="black"/>
+                <a:srgbClr val="1C1C14"/>
               </a:solidFill>
-              <a:latin typeface="Courier"/>
+              <a:latin typeface="Consolas"/>
             </a:endParaRPr>
           </a:p>
           <a:p>
@@ -29092,121 +29966,82 @@
               <a:buNone/>
             </a:pPr>
             <a:r>
-              <a:rPr lang="en-US" sz="1100" dirty="0">
+              <a:rPr lang="en-US" sz="1600" dirty="0">
+                <a:solidFill>
+                  <a:srgbClr val="1C1C14"/>
+                </a:solidFill>
+                <a:latin typeface="Consolas"/>
+              </a:rPr>
+              <a:t>  </a:t>
+            </a:r>
+            <a:r>
+              <a:rPr lang="en-US" sz="1600" b="1" dirty="0">
+                <a:solidFill>
+                  <a:srgbClr val="5E1445"/>
+                </a:solidFill>
+                <a:latin typeface="Consolas-Bold"/>
+              </a:rPr>
+              <a:t>[</a:t>
+            </a:r>
+            <a:r>
+              <a:rPr lang="en-US" sz="1600" dirty="0">
+                <a:solidFill>
+                  <a:srgbClr val="E03186"/>
+                </a:solidFill>
+                <a:latin typeface="Consolas"/>
+              </a:rPr>
+              <a:t>test</a:t>
+            </a:r>
+            <a:r>
+              <a:rPr lang="en-US" sz="1600" dirty="0">
+                <a:solidFill>
+                  <a:srgbClr val="1C1C14"/>
+                </a:solidFill>
+                <a:latin typeface="Consolas"/>
+              </a:rPr>
+              <a:t> </a:t>
+            </a:r>
+            <a:r>
+              <a:rPr lang="en-US" sz="1600" b="1" dirty="0">
+                <a:solidFill>
+                  <a:srgbClr val="5E1445"/>
+                </a:solidFill>
+                <a:latin typeface="Consolas-Bold"/>
+              </a:rPr>
+              <a:t>&amp;</a:t>
+            </a:r>
+            <a:r>
+              <a:rPr lang="en-US" sz="1600" dirty="0">
+                <a:solidFill>
+                  <a:srgbClr val="1C1C14"/>
+                </a:solidFill>
+                <a:latin typeface="Consolas"/>
+              </a:rPr>
+              <a:t> </a:t>
+            </a:r>
+            <a:r>
+              <a:rPr lang="en-US" sz="1600" dirty="0">
                 <a:solidFill>
                   <a:prstClr val="black"/>
                 </a:solidFill>
-                <a:latin typeface="Courier"/>
-              </a:rPr>
-              <a:t>  </a:t>
-            </a:r>
-            <a:r>
-              <a:rPr lang="en-US" sz="1100" dirty="0">
-                <a:solidFill>
-                  <a:srgbClr val="6A2243"/>
-                </a:solidFill>
-                <a:latin typeface="Courier"/>
-              </a:rPr>
-              <a:t>"Evaluates test. If logical false, evaluates body in an implicit do."</a:t>
-            </a:r>
-            <a:endParaRPr lang="en-US" sz="1100" dirty="0">
-              <a:solidFill>
-                <a:prstClr val="black"/>
-              </a:solidFill>
-              <a:latin typeface="Courier"/>
-            </a:endParaRPr>
-          </a:p>
-          <a:p>
-            <a:pPr marL="0" indent="0">
-              <a:buNone/>
-            </a:pPr>
-            <a:r>
-              <a:rPr lang="en-US" sz="1600" dirty="0" smtClean="0">
-                <a:solidFill>
-                  <a:prstClr val="black"/>
-                </a:solidFill>
-                <a:latin typeface="Courier"/>
-              </a:rPr>
-              <a:t>  [test &amp; body]</a:t>
-            </a:r>
-          </a:p>
-          <a:p>
-            <a:pPr marL="0" indent="0">
-              <a:buNone/>
-            </a:pPr>
-            <a:r>
-              <a:rPr lang="en-US" sz="1600" dirty="0" smtClean="0">
-                <a:solidFill>
-                  <a:prstClr val="black"/>
-                </a:solidFill>
-                <a:latin typeface="Courier"/>
-              </a:rPr>
-              <a:t>    </a:t>
-            </a:r>
-            <a:r>
-              <a:rPr lang="en-US" sz="1600" dirty="0">
-                <a:solidFill>
-                  <a:prstClr val="black"/>
-                </a:solidFill>
-                <a:latin typeface="Courier"/>
-              </a:rPr>
-              <a:t>(</a:t>
-            </a:r>
-            <a:r>
-              <a:rPr lang="en-US" sz="1600" dirty="0">
-                <a:solidFill>
-                  <a:srgbClr val="5B3178"/>
-                </a:solidFill>
-                <a:latin typeface="Courier"/>
-              </a:rPr>
-              <a:t>list</a:t>
-            </a:r>
-            <a:r>
-              <a:rPr lang="en-US" sz="1600" dirty="0">
-                <a:solidFill>
-                  <a:prstClr val="black"/>
-                </a:solidFill>
-                <a:latin typeface="Courier"/>
-              </a:rPr>
-              <a:t> 'if test nil (</a:t>
-            </a:r>
-            <a:r>
-              <a:rPr lang="en-US" sz="1600" dirty="0">
-                <a:solidFill>
-                  <a:srgbClr val="5B3178"/>
-                </a:solidFill>
-                <a:latin typeface="Courier"/>
-              </a:rPr>
-              <a:t>cons</a:t>
-            </a:r>
-            <a:r>
-              <a:rPr lang="en-US" sz="1600" dirty="0">
-                <a:solidFill>
-                  <a:prstClr val="black"/>
-                </a:solidFill>
-                <a:latin typeface="Courier"/>
-              </a:rPr>
-              <a:t> 'do body))</a:t>
-            </a:r>
-            <a:r>
-              <a:rPr lang="en-US" sz="1600" dirty="0" smtClean="0">
-                <a:solidFill>
-                  <a:prstClr val="black"/>
-                </a:solidFill>
-                <a:latin typeface="Courier"/>
-              </a:rPr>
-              <a:t>)</a:t>
-            </a:r>
-          </a:p>
-          <a:p>
-            <a:pPr marL="0" indent="0">
-              <a:buNone/>
-            </a:pPr>
+                <a:latin typeface="Consolas"/>
+              </a:rPr>
+              <a:t>body</a:t>
+            </a:r>
+            <a:r>
+              <a:rPr lang="en-US" sz="1600" b="1" dirty="0">
+                <a:solidFill>
+                  <a:srgbClr val="5E1445"/>
+                </a:solidFill>
+                <a:latin typeface="Consolas-Bold"/>
+              </a:rPr>
+              <a:t>]</a:t>
+            </a:r>
             <a:endParaRPr lang="en-US" sz="1600" dirty="0">
               <a:solidFill>
-                <a:prstClr val="black"/>
+                <a:srgbClr val="1C1C14"/>
               </a:solidFill>
-              <a:latin typeface="Courier"/>
+              <a:latin typeface="Consolas"/>
             </a:endParaRPr>
           </a:p>
           <a:p>
@@ -29214,13 +30049,166 @@
               <a:buNone/>
             </a:pPr>
             <a:r>
-              <a:rPr lang="en-US" sz="1600" dirty="0" smtClean="0">
+              <a:rPr lang="en-US" sz="1600" dirty="0">
+                <a:solidFill>
+                  <a:srgbClr val="1C1C14"/>
+                </a:solidFill>
+                <a:latin typeface="Consolas"/>
+              </a:rPr>
+              <a:t>  </a:t>
+            </a:r>
+            <a:r>
+              <a:rPr lang="en-US" sz="1600" b="1" dirty="0">
+                <a:solidFill>
+                  <a:srgbClr val="5E1445"/>
+                </a:solidFill>
+                <a:latin typeface="Consolas-Bold"/>
+              </a:rPr>
+              <a:t>(</a:t>
+            </a:r>
+            <a:r>
+              <a:rPr lang="en-US" sz="1600" dirty="0">
+                <a:solidFill>
+                  <a:srgbClr val="E03186"/>
+                </a:solidFill>
+                <a:latin typeface="Consolas"/>
+              </a:rPr>
+              <a:t>list</a:t>
+            </a:r>
+            <a:r>
+              <a:rPr lang="en-US" sz="1600" dirty="0">
+                <a:solidFill>
+                  <a:srgbClr val="1C1C14"/>
+                </a:solidFill>
+                <a:latin typeface="Consolas"/>
+              </a:rPr>
+              <a:t> </a:t>
+            </a:r>
+            <a:r>
+              <a:rPr lang="en-US" sz="1600" dirty="0">
+                <a:solidFill>
+                  <a:srgbClr val="6D6D6D"/>
+                </a:solidFill>
+                <a:latin typeface="Consolas"/>
+              </a:rPr>
+              <a:t>'if</a:t>
+            </a:r>
+            <a:r>
+              <a:rPr lang="en-US" sz="1600" dirty="0">
+                <a:solidFill>
+                  <a:srgbClr val="1C1C14"/>
+                </a:solidFill>
+                <a:latin typeface="Consolas"/>
+              </a:rPr>
+              <a:t> </a:t>
+            </a:r>
+            <a:r>
+              <a:rPr lang="en-US" sz="1600" dirty="0">
+                <a:solidFill>
+                  <a:srgbClr val="E03186"/>
+                </a:solidFill>
+                <a:latin typeface="Consolas"/>
+              </a:rPr>
+              <a:t>test</a:t>
+            </a:r>
+            <a:r>
+              <a:rPr lang="en-US" sz="1600" dirty="0">
+                <a:solidFill>
+                  <a:srgbClr val="1C1C14"/>
+                </a:solidFill>
+                <a:latin typeface="Consolas"/>
+              </a:rPr>
+              <a:t> </a:t>
+            </a:r>
+            <a:r>
+              <a:rPr lang="en-US" sz="1600" dirty="0">
+                <a:solidFill>
+                  <a:srgbClr val="3C8203"/>
+                </a:solidFill>
+                <a:latin typeface="Consolas"/>
+              </a:rPr>
+              <a:t>nil</a:t>
+            </a:r>
+            <a:r>
+              <a:rPr lang="en-US" sz="1600" dirty="0">
+                <a:solidFill>
+                  <a:srgbClr val="1C1C14"/>
+                </a:solidFill>
+                <a:latin typeface="Consolas"/>
+              </a:rPr>
+              <a:t> </a:t>
+            </a:r>
+            <a:r>
+              <a:rPr lang="en-US" sz="1600" b="1" dirty="0">
+                <a:solidFill>
+                  <a:srgbClr val="5E1445"/>
+                </a:solidFill>
+                <a:latin typeface="Consolas-Bold"/>
+              </a:rPr>
+              <a:t>(</a:t>
+            </a:r>
+            <a:r>
+              <a:rPr lang="en-US" sz="1600" dirty="0">
+                <a:solidFill>
+                  <a:srgbClr val="E03186"/>
+                </a:solidFill>
+                <a:latin typeface="Consolas"/>
+              </a:rPr>
+              <a:t>cons</a:t>
+            </a:r>
+            <a:r>
+              <a:rPr lang="en-US" sz="1600" dirty="0">
+                <a:solidFill>
+                  <a:srgbClr val="1C1C14"/>
+                </a:solidFill>
+                <a:latin typeface="Consolas"/>
+              </a:rPr>
+              <a:t> </a:t>
+            </a:r>
+            <a:r>
+              <a:rPr lang="en-US" sz="1600" dirty="0">
+                <a:solidFill>
+                  <a:srgbClr val="6D6D6D"/>
+                </a:solidFill>
+                <a:latin typeface="Consolas"/>
+              </a:rPr>
+              <a:t>'do</a:t>
+            </a:r>
+            <a:r>
+              <a:rPr lang="en-US" sz="1600" dirty="0">
+                <a:solidFill>
+                  <a:srgbClr val="1C1C14"/>
+                </a:solidFill>
+                <a:latin typeface="Consolas"/>
+              </a:rPr>
+              <a:t> </a:t>
+            </a:r>
+            <a:r>
+              <a:rPr lang="en-US" sz="1600" dirty="0">
                 <a:solidFill>
                   <a:prstClr val="black"/>
                 </a:solidFill>
-                <a:latin typeface="Courier"/>
-              </a:rPr>
-              <a:t>(macroexpand-1 </a:t>
+                <a:latin typeface="Consolas"/>
+              </a:rPr>
+              <a:t>body</a:t>
+            </a:r>
+            <a:r>
+              <a:rPr lang="en-US" sz="1600" b="1" dirty="0">
+                <a:solidFill>
+                  <a:srgbClr val="5E1445"/>
+                </a:solidFill>
+                <a:latin typeface="Consolas-Bold"/>
+              </a:rPr>
+              <a:t>))</a:t>
+            </a:r>
+            <a:r>
+              <a:rPr lang="en-US" sz="1600" b="1" dirty="0" smtClean="0">
+                <a:solidFill>
+                  <a:srgbClr val="5E1445"/>
+                </a:solidFill>
+                <a:latin typeface="Consolas-Bold"/>
+              </a:rPr>
+              <a:t>)</a:t>
             </a:r>
           </a:p>
           <a:p>
@@ -29230,88 +30218,11 @@
             <a:r>
               <a:rPr lang="en-US" sz="1600" dirty="0">
                 <a:solidFill>
-                  <a:prstClr val="black"/>
-                </a:solidFill>
-                <a:latin typeface="Courier"/>
-              </a:rPr>
-              <a:t>	</a:t>
-            </a:r>
-            <a:r>
-              <a:rPr lang="en-US" sz="1600" dirty="0" smtClean="0">
-                <a:solidFill>
-                  <a:prstClr val="black"/>
-                </a:solidFill>
-                <a:latin typeface="Courier"/>
-              </a:rPr>
-              <a:t>(unless (</a:t>
-            </a:r>
-            <a:r>
-              <a:rPr lang="en-US" sz="1600" dirty="0" err="1" smtClean="0">
-                <a:solidFill>
-                  <a:prstClr val="black"/>
-                </a:solidFill>
-                <a:latin typeface="Courier"/>
-              </a:rPr>
-              <a:t>neg</a:t>
-            </a:r>
-            <a:r>
-              <a:rPr lang="en-US" sz="1600" dirty="0" smtClean="0">
-                <a:solidFill>
-                  <a:prstClr val="black"/>
-                </a:solidFill>
-                <a:latin typeface="Courier"/>
-              </a:rPr>
-              <a:t>? x)</a:t>
-            </a:r>
-          </a:p>
-          <a:p>
-            <a:pPr marL="0" indent="0">
-              <a:buNone/>
-            </a:pPr>
-            <a:r>
-              <a:rPr lang="en-US" sz="1600" dirty="0" smtClean="0">
-                <a:solidFill>
-                  <a:prstClr val="black"/>
-                </a:solidFill>
-                <a:latin typeface="Courier"/>
-              </a:rPr>
-              <a:t>		(</a:t>
-            </a:r>
-            <a:r>
-              <a:rPr lang="en-US" sz="1600" dirty="0" err="1" smtClean="0">
-                <a:solidFill>
-                  <a:prstClr val="black"/>
-                </a:solidFill>
-                <a:latin typeface="Courier"/>
-              </a:rPr>
-              <a:t>println</a:t>
-            </a:r>
-            <a:r>
-              <a:rPr lang="en-US" sz="1600" dirty="0" smtClean="0">
-                <a:solidFill>
-                  <a:prstClr val="black"/>
-                </a:solidFill>
-                <a:latin typeface="Courier"/>
-              </a:rPr>
-              <a:t> “x is non-</a:t>
-            </a:r>
-            <a:r>
-              <a:rPr lang="en-US" sz="1600" dirty="0" err="1" smtClean="0">
-                <a:solidFill>
-                  <a:prstClr val="black"/>
-                </a:solidFill>
-                <a:latin typeface="Courier"/>
-              </a:rPr>
-              <a:t>neg</a:t>
-            </a:r>
-            <a:r>
-              <a:rPr lang="en-US" sz="1600" dirty="0" smtClean="0">
-                <a:solidFill>
-                  <a:prstClr val="black"/>
-                </a:solidFill>
-                <a:latin typeface="Courier"/>
-              </a:rPr>
-              <a:t>”))</a:t>
+                  <a:srgbClr val="1C1C14"/>
+                </a:solidFill>
+                <a:latin typeface="Consolas"/>
+              </a:rPr>
+              <a:t>		</a:t>
             </a:r>
           </a:p>
           <a:p>
@@ -29320,125 +30231,489 @@
             </a:pPr>
             <a:endParaRPr lang="en-US" sz="1600" dirty="0" smtClean="0">
               <a:solidFill>
-                <a:prstClr val="black"/>
+                <a:srgbClr val="1C1C14"/>
               </a:solidFill>
-              <a:latin typeface="Courier"/>
+              <a:latin typeface="Consolas"/>
             </a:endParaRPr>
           </a:p>
           <a:p>
-            <a:pPr>
-              <a:buFont typeface="Symbol" charset="0"/>
-              <a:buChar char=""/>
+            <a:pPr marL="0" indent="0">
+              <a:buNone/>
+            </a:pPr>
+            <a:r>
+              <a:rPr lang="en-US" sz="1600" b="1" dirty="0" smtClean="0">
+                <a:solidFill>
+                  <a:srgbClr val="5E1445"/>
+                </a:solidFill>
+                <a:latin typeface="Consolas-Bold"/>
+              </a:rPr>
+              <a:t>(</a:t>
+            </a:r>
+            <a:r>
+              <a:rPr lang="en-US" sz="1600" dirty="0">
+                <a:solidFill>
+                  <a:srgbClr val="E03186"/>
+                </a:solidFill>
+                <a:latin typeface="Consolas"/>
+              </a:rPr>
+              <a:t>macroexpand-1</a:t>
+            </a:r>
+            <a:r>
+              <a:rPr lang="en-US" sz="1600" dirty="0">
+                <a:solidFill>
+                  <a:srgbClr val="1C1C14"/>
+                </a:solidFill>
+                <a:latin typeface="Consolas"/>
+              </a:rPr>
+              <a:t> </a:t>
+            </a:r>
+            <a:r>
+              <a:rPr lang="en-US" sz="1600" b="1" dirty="0">
+                <a:solidFill>
+                  <a:srgbClr val="5E1445"/>
+                </a:solidFill>
+                <a:latin typeface="Consolas-Bold"/>
+              </a:rPr>
+              <a:t>'(</a:t>
+            </a:r>
+            <a:r>
+              <a:rPr lang="en-US" sz="1600" dirty="0">
+                <a:solidFill>
+                  <a:prstClr val="black"/>
+                </a:solidFill>
+                <a:latin typeface="Consolas"/>
+              </a:rPr>
+              <a:t>unless</a:t>
+            </a:r>
+            <a:r>
+              <a:rPr lang="en-US" sz="1600" dirty="0">
+                <a:solidFill>
+                  <a:srgbClr val="1C1C14"/>
+                </a:solidFill>
+                <a:latin typeface="Consolas"/>
+              </a:rPr>
+              <a:t> </a:t>
+            </a:r>
+            <a:r>
+              <a:rPr lang="en-US" sz="1600" b="1" dirty="0">
+                <a:solidFill>
+                  <a:srgbClr val="5E1445"/>
+                </a:solidFill>
+                <a:latin typeface="Consolas-Bold"/>
+              </a:rPr>
+              <a:t>(</a:t>
+            </a:r>
+            <a:r>
+              <a:rPr lang="en-US" sz="1600" dirty="0" err="1">
+                <a:solidFill>
+                  <a:srgbClr val="E03186"/>
+                </a:solidFill>
+                <a:latin typeface="Consolas"/>
+              </a:rPr>
+              <a:t>neg</a:t>
+            </a:r>
+            <a:r>
+              <a:rPr lang="en-US" sz="1600" dirty="0">
+                <a:solidFill>
+                  <a:srgbClr val="E03186"/>
+                </a:solidFill>
+                <a:latin typeface="Consolas"/>
+              </a:rPr>
+              <a:t>?</a:t>
+            </a:r>
+            <a:r>
+              <a:rPr lang="en-US" sz="1600" dirty="0">
+                <a:solidFill>
+                  <a:srgbClr val="1C1C14"/>
+                </a:solidFill>
+                <a:latin typeface="Consolas"/>
+              </a:rPr>
+              <a:t> </a:t>
+            </a:r>
+            <a:r>
+              <a:rPr lang="en-US" sz="1600" dirty="0">
+                <a:solidFill>
+                  <a:prstClr val="black"/>
+                </a:solidFill>
+                <a:latin typeface="Consolas"/>
+              </a:rPr>
+              <a:t>x</a:t>
+            </a:r>
+            <a:r>
+              <a:rPr lang="en-US" sz="1600" b="1" dirty="0">
+                <a:solidFill>
+                  <a:srgbClr val="5E1445"/>
+                </a:solidFill>
+                <a:latin typeface="Consolas-Bold"/>
+              </a:rPr>
+              <a:t>)</a:t>
+            </a:r>
+            <a:endParaRPr lang="en-US" sz="1600" dirty="0">
+              <a:solidFill>
+                <a:srgbClr val="1C1C14"/>
+              </a:solidFill>
+              <a:latin typeface="Consolas"/>
+            </a:endParaRPr>
+          </a:p>
+          <a:p>
+            <a:pPr marL="0" indent="0">
+              <a:buNone/>
+            </a:pPr>
+            <a:r>
+              <a:rPr lang="en-US" sz="1600" dirty="0">
+                <a:solidFill>
+                  <a:srgbClr val="1C1C14"/>
+                </a:solidFill>
+                <a:latin typeface="Consolas"/>
+              </a:rPr>
+              <a:t>                        </a:t>
+            </a:r>
+            <a:r>
+              <a:rPr lang="en-US" sz="1600" b="1" dirty="0">
+                <a:solidFill>
+                  <a:srgbClr val="5E1445"/>
+                </a:solidFill>
+                <a:latin typeface="Consolas-Bold"/>
+              </a:rPr>
+              <a:t>(</a:t>
+            </a:r>
+            <a:r>
+              <a:rPr lang="en-US" sz="1600" dirty="0" err="1">
+                <a:solidFill>
+                  <a:srgbClr val="E03186"/>
+                </a:solidFill>
+                <a:latin typeface="Consolas"/>
+              </a:rPr>
+              <a:t>println</a:t>
+            </a:r>
+            <a:r>
+              <a:rPr lang="en-US" sz="1600" dirty="0">
+                <a:solidFill>
+                  <a:srgbClr val="1C1C14"/>
+                </a:solidFill>
+                <a:latin typeface="Consolas"/>
+              </a:rPr>
+              <a:t> </a:t>
+            </a:r>
+            <a:r>
+              <a:rPr lang="en-US" sz="1600" dirty="0">
+                <a:solidFill>
+                  <a:srgbClr val="0029FA"/>
+                </a:solidFill>
+                <a:latin typeface="Consolas"/>
+              </a:rPr>
+              <a:t>"x is non-</a:t>
+            </a:r>
+            <a:r>
+              <a:rPr lang="en-US" sz="1600" dirty="0" err="1">
+                <a:solidFill>
+                  <a:srgbClr val="0029FA"/>
+                </a:solidFill>
+                <a:latin typeface="Consolas"/>
+              </a:rPr>
+              <a:t>neg</a:t>
+            </a:r>
+            <a:r>
+              <a:rPr lang="en-US" sz="1600" dirty="0">
+                <a:solidFill>
+                  <a:srgbClr val="0029FA"/>
+                </a:solidFill>
+                <a:latin typeface="Consolas"/>
+              </a:rPr>
+              <a:t>"</a:t>
+            </a:r>
+            <a:r>
+              <a:rPr lang="en-US" sz="1600" b="1" dirty="0">
+                <a:solidFill>
+                  <a:srgbClr val="5E1445"/>
+                </a:solidFill>
+                <a:latin typeface="Consolas-Bold"/>
+              </a:rPr>
+              <a:t>)))</a:t>
+            </a:r>
+            <a:endParaRPr lang="en-US" sz="1600" dirty="0">
+              <a:solidFill>
+                <a:srgbClr val="1C1C14"/>
+              </a:solidFill>
+              <a:latin typeface="Consolas"/>
+            </a:endParaRPr>
+          </a:p>
+          <a:p>
+            <a:pPr marL="0" indent="0">
+              <a:buNone/>
+            </a:pPr>
+            <a:r>
+              <a:rPr lang="en-US" sz="1600" dirty="0">
+                <a:solidFill>
+                  <a:srgbClr val="1C1C14"/>
+                </a:solidFill>
+                <a:latin typeface="Consolas"/>
+              </a:rPr>
+              <a:t> </a:t>
+            </a:r>
+          </a:p>
+          <a:p>
+            <a:pPr marL="0" indent="0">
+              <a:buNone/>
             </a:pPr>
             <a:r>
               <a:rPr lang="en-US" sz="1600" dirty="0" smtClean="0">
                 <a:solidFill>
+                  <a:srgbClr val="3051AE"/>
+                </a:solidFill>
+                <a:latin typeface="Consolas"/>
+              </a:rPr>
+              <a:t>;</a:t>
+            </a:r>
+            <a:r>
+              <a:rPr lang="en-US" sz="1600" dirty="0">
+                <a:solidFill>
+                  <a:srgbClr val="3051AE"/>
+                </a:solidFill>
+                <a:latin typeface="Consolas"/>
+              </a:rPr>
+              <a:t>; expands to</a:t>
+            </a:r>
+            <a:endParaRPr lang="en-US" sz="1600" dirty="0">
+              <a:solidFill>
+                <a:srgbClr val="1C1C14"/>
+              </a:solidFill>
+              <a:latin typeface="Consolas"/>
+            </a:endParaRPr>
+          </a:p>
+          <a:p>
+            <a:pPr marL="0" indent="0">
+              <a:buNone/>
+            </a:pPr>
+            <a:r>
+              <a:rPr lang="en-US" sz="1600" b="1" dirty="0" smtClean="0">
+                <a:solidFill>
+                  <a:srgbClr val="5E1445"/>
+                </a:solidFill>
+                <a:latin typeface="Consolas-Bold"/>
+              </a:rPr>
+              <a:t>(</a:t>
+            </a:r>
+            <a:r>
+              <a:rPr lang="en-US" sz="1600" dirty="0">
+                <a:solidFill>
+                  <a:srgbClr val="515151"/>
+                </a:solidFill>
+                <a:latin typeface="Consolas"/>
+              </a:rPr>
+              <a:t>if</a:t>
+            </a:r>
+            <a:r>
+              <a:rPr lang="en-US" sz="1600" dirty="0">
+                <a:solidFill>
+                  <a:srgbClr val="1C1C14"/>
+                </a:solidFill>
+                <a:latin typeface="Consolas"/>
+              </a:rPr>
+              <a:t> </a:t>
+            </a:r>
+            <a:r>
+              <a:rPr lang="en-US" sz="1600" b="1" dirty="0">
+                <a:solidFill>
+                  <a:srgbClr val="5E1445"/>
+                </a:solidFill>
+                <a:latin typeface="Consolas-Bold"/>
+              </a:rPr>
+              <a:t>(</a:t>
+            </a:r>
+            <a:r>
+              <a:rPr lang="en-US" sz="1600" dirty="0" err="1">
+                <a:solidFill>
+                  <a:srgbClr val="E03186"/>
+                </a:solidFill>
+                <a:latin typeface="Consolas"/>
+              </a:rPr>
+              <a:t>neg</a:t>
+            </a:r>
+            <a:r>
+              <a:rPr lang="en-US" sz="1600" dirty="0">
+                <a:solidFill>
+                  <a:srgbClr val="E03186"/>
+                </a:solidFill>
+                <a:latin typeface="Consolas"/>
+              </a:rPr>
+              <a:t>?</a:t>
+            </a:r>
+            <a:r>
+              <a:rPr lang="en-US" sz="1600" dirty="0">
+                <a:solidFill>
+                  <a:srgbClr val="1C1C14"/>
+                </a:solidFill>
+                <a:latin typeface="Consolas"/>
+              </a:rPr>
+              <a:t> </a:t>
+            </a:r>
+            <a:r>
+              <a:rPr lang="en-US" sz="1600" dirty="0">
+                <a:solidFill>
                   <a:prstClr val="black"/>
                 </a:solidFill>
-                <a:latin typeface="Courier"/>
-              </a:rPr>
-              <a:t>(if (</a:t>
-            </a:r>
-            <a:r>
-              <a:rPr lang="en-US" sz="1600" dirty="0" err="1" smtClean="0">
-                <a:solidFill>
-                  <a:prstClr val="black"/>
-                </a:solidFill>
-                <a:latin typeface="Courier"/>
+                <a:latin typeface="Consolas"/>
+              </a:rPr>
+              <a:t>x</a:t>
+            </a:r>
+            <a:r>
+              <a:rPr lang="en-US" sz="1600" b="1" dirty="0">
+                <a:solidFill>
+                  <a:srgbClr val="5E1445"/>
+                </a:solidFill>
+                <a:latin typeface="Consolas-Bold"/>
+              </a:rPr>
+              <a:t>)</a:t>
+            </a:r>
+            <a:r>
+              <a:rPr lang="en-US" sz="1600" dirty="0">
+                <a:solidFill>
+                  <a:srgbClr val="1C1C14"/>
+                </a:solidFill>
+                <a:latin typeface="Consolas"/>
+              </a:rPr>
+              <a:t> </a:t>
+            </a:r>
+            <a:r>
+              <a:rPr lang="en-US" sz="1600" dirty="0">
+                <a:solidFill>
+                  <a:srgbClr val="3C8203"/>
+                </a:solidFill>
+                <a:latin typeface="Consolas"/>
+              </a:rPr>
+              <a:t>nil</a:t>
+            </a:r>
+            <a:r>
+              <a:rPr lang="en-US" sz="1600" dirty="0">
+                <a:solidFill>
+                  <a:srgbClr val="1C1C14"/>
+                </a:solidFill>
+                <a:latin typeface="Consolas"/>
+              </a:rPr>
+              <a:t> </a:t>
+            </a:r>
+            <a:r>
+              <a:rPr lang="en-US" sz="1600" b="1" dirty="0">
+                <a:solidFill>
+                  <a:srgbClr val="5E1445"/>
+                </a:solidFill>
+                <a:latin typeface="Consolas-Bold"/>
+              </a:rPr>
+              <a:t>(</a:t>
+            </a:r>
+            <a:r>
+              <a:rPr lang="en-US" sz="1600" dirty="0">
+                <a:solidFill>
+                  <a:srgbClr val="515151"/>
+                </a:solidFill>
+                <a:latin typeface="Consolas"/>
+              </a:rPr>
+              <a:t>do</a:t>
+            </a:r>
+            <a:r>
+              <a:rPr lang="en-US" sz="1600" dirty="0">
+                <a:solidFill>
+                  <a:srgbClr val="1C1C14"/>
+                </a:solidFill>
+                <a:latin typeface="Consolas"/>
+              </a:rPr>
+              <a:t> </a:t>
+            </a:r>
+            <a:r>
+              <a:rPr lang="en-US" sz="1600" b="1" dirty="0">
+                <a:solidFill>
+                  <a:srgbClr val="5E1445"/>
+                </a:solidFill>
+                <a:latin typeface="Consolas-Bold"/>
+              </a:rPr>
+              <a:t>(</a:t>
+            </a:r>
+            <a:r>
+              <a:rPr lang="en-US" sz="1600" dirty="0" err="1">
+                <a:solidFill>
+                  <a:srgbClr val="E03186"/>
+                </a:solidFill>
+                <a:latin typeface="Consolas"/>
+              </a:rPr>
+              <a:t>println</a:t>
+            </a:r>
+            <a:r>
+              <a:rPr lang="en-US" sz="1600" dirty="0">
+                <a:solidFill>
+                  <a:srgbClr val="1C1C14"/>
+                </a:solidFill>
+                <a:latin typeface="Consolas"/>
+              </a:rPr>
+              <a:t> </a:t>
+            </a:r>
+            <a:r>
+              <a:rPr lang="en-US" sz="1600" dirty="0">
+                <a:solidFill>
+                  <a:srgbClr val="0029FA"/>
+                </a:solidFill>
+                <a:latin typeface="Consolas"/>
+              </a:rPr>
+              <a:t>"x is non-</a:t>
+            </a:r>
+            <a:r>
+              <a:rPr lang="en-US" sz="1600" dirty="0" err="1">
+                <a:solidFill>
+                  <a:srgbClr val="0029FA"/>
+                </a:solidFill>
+                <a:latin typeface="Consolas"/>
               </a:rPr>
               <a:t>neg</a:t>
             </a:r>
             <a:r>
+              <a:rPr lang="en-US" sz="1600" dirty="0">
+                <a:solidFill>
+                  <a:srgbClr val="0029FA"/>
+                </a:solidFill>
+                <a:latin typeface="Consolas"/>
+              </a:rPr>
+              <a:t>"</a:t>
+            </a:r>
+            <a:r>
+              <a:rPr lang="en-US" sz="1600" b="1" dirty="0">
+                <a:solidFill>
+                  <a:srgbClr val="5E1445"/>
+                </a:solidFill>
+                <a:latin typeface="Consolas-Bold"/>
+              </a:rPr>
+              <a:t>)))</a:t>
+            </a:r>
+            <a:endParaRPr lang="en-US" sz="1600" dirty="0">
+              <a:solidFill>
+                <a:srgbClr val="1C1C14"/>
+              </a:solidFill>
+              <a:latin typeface="Consolas"/>
+            </a:endParaRPr>
+          </a:p>
+          <a:p>
+            <a:pPr marL="0" indent="0">
+              <a:buNone/>
+            </a:pPr>
+            <a:r>
               <a:rPr lang="en-US" sz="1600" dirty="0" smtClean="0">
                 <a:solidFill>
-                  <a:prstClr val="black"/>
-                </a:solidFill>
-                <a:latin typeface="Courier"/>
-              </a:rPr>
-              <a:t>? x) </a:t>
+                  <a:srgbClr val="1C1C14"/>
+                </a:solidFill>
+                <a:latin typeface="Consolas"/>
+              </a:rPr>
+              <a:t>   </a:t>
             </a:r>
           </a:p>
           <a:p>
             <a:pPr marL="0" indent="0">
               <a:buNone/>
             </a:pPr>
-            <a:r>
-              <a:rPr lang="en-US" sz="1600" dirty="0" smtClean="0">
-                <a:solidFill>
-                  <a:prstClr val="black"/>
-                </a:solidFill>
-                <a:latin typeface="Courier"/>
-              </a:rPr>
-              <a:t>       nil </a:t>
-            </a:r>
-          </a:p>
-          <a:p>
-            <a:pPr marL="0" indent="0">
-              <a:buNone/>
-            </a:pPr>
-            <a:r>
-              <a:rPr lang="en-US" sz="1600" dirty="0" smtClean="0">
-                <a:solidFill>
-                  <a:prstClr val="black"/>
-                </a:solidFill>
-                <a:latin typeface="Courier"/>
-              </a:rPr>
-              <a:t>       (do (</a:t>
-            </a:r>
-            <a:r>
-              <a:rPr lang="en-US" sz="1600" dirty="0" err="1" smtClean="0">
-                <a:solidFill>
-                  <a:prstClr val="black"/>
-                </a:solidFill>
-                <a:latin typeface="Courier"/>
-              </a:rPr>
-              <a:t>println</a:t>
-            </a:r>
-            <a:r>
-              <a:rPr lang="en-US" sz="1600" dirty="0" smtClean="0">
-                <a:solidFill>
-                  <a:prstClr val="black"/>
-                </a:solidFill>
-                <a:latin typeface="Courier"/>
-              </a:rPr>
-              <a:t> “x is non-</a:t>
-            </a:r>
-            <a:r>
-              <a:rPr lang="en-US" sz="1600" dirty="0" err="1" smtClean="0">
-                <a:solidFill>
-                  <a:prstClr val="black"/>
-                </a:solidFill>
-                <a:latin typeface="Courier"/>
-              </a:rPr>
-              <a:t>neg</a:t>
-            </a:r>
-            <a:r>
-              <a:rPr lang="en-US" sz="1600" dirty="0" smtClean="0">
-                <a:solidFill>
-                  <a:prstClr val="black"/>
-                </a:solidFill>
-                <a:latin typeface="Courier"/>
-              </a:rPr>
-              <a:t>”)</a:t>
-            </a:r>
-            <a:r>
-              <a:rPr lang="en-US" sz="1600" dirty="0">
-                <a:solidFill>
-                  <a:prstClr val="black"/>
-                </a:solidFill>
-                <a:latin typeface="Courier"/>
-              </a:rPr>
-              <a:t>)</a:t>
-            </a:r>
-            <a:r>
-              <a:rPr lang="en-US" sz="1600" dirty="0" smtClean="0">
-                <a:solidFill>
-                  <a:prstClr val="black"/>
-                </a:solidFill>
-                <a:latin typeface="Courier"/>
-              </a:rPr>
-              <a:t>)</a:t>
-            </a:r>
+            <a:endParaRPr lang="en-US" sz="1600" b="1" dirty="0" smtClean="0">
+              <a:solidFill>
+                <a:srgbClr val="5E1445"/>
+              </a:solidFill>
+              <a:latin typeface="Consolas-Bold"/>
+            </a:endParaRPr>
           </a:p>
           <a:p>
             <a:pPr marL="0" indent="0">
@@ -29463,7 +30738,17 @@
                 <a:latin typeface="Neo Sans Std"/>
                 <a:cs typeface="Neo Sans Std"/>
               </a:rPr>
-              <a:t>* Actually, this is the Clojure when-not macro</a:t>
+              <a:t>* </a:t>
+            </a:r>
+            <a:r>
+              <a:rPr lang="en-US" sz="1400" dirty="0" smtClean="0">
+                <a:solidFill>
+                  <a:prstClr val="black"/>
+                </a:solidFill>
+                <a:latin typeface="Neo Sans Std"/>
+                <a:cs typeface="Neo Sans Std"/>
+              </a:rPr>
+              <a:t>Actually, this is the Clojure when-not macro</a:t>
             </a:r>
           </a:p>
         </p:txBody>
@@ -29636,6 +30921,13 @@
   <p:clrMapOvr>
     <a:masterClrMapping/>
   </p:clrMapOvr>
+  <p:timing>
+    <p:tnLst>
+      <p:par>
+        <p:cTn xmlns:p14="http://schemas.microsoft.com/office/powerpoint/2010/main" id="1" dur="indefinite" restart="never" nodeType="tmRoot"/>
+      </p:par>
+    </p:tnLst>
+  </p:timing>
 </p:sld>
 </file>
 
@@ -30610,13 +31902,8 @@
             </a:r>
             <a:r>
               <a:rPr lang="en-US" dirty="0" smtClean="0"/>
-              <a:t> (</a:t>
-            </a:r>
-            <a:r>
-              <a:rPr lang="en-US" dirty="0" smtClean="0"/>
-              <a:t>ditto)</a:t>
-            </a:r>
-            <a:endParaRPr lang="en-US" dirty="0" smtClean="0"/>
+              <a:t> (ditto)</a:t>
+            </a:r>
           </a:p>
           <a:p>
             <a:r>
@@ -31267,15 +32554,11 @@
             </a:r>
             <a:r>
               <a:rPr lang="da-DK" dirty="0" smtClean="0"/>
-              <a:t> the </a:t>
-            </a:r>
-            <a:r>
-              <a:rPr lang="da-DK" dirty="0" err="1" smtClean="0"/>
-              <a:t>Clojure</a:t>
+              <a:t> </a:t>
             </a:r>
             <a:r>
               <a:rPr lang="da-DK" dirty="0" smtClean="0"/>
-              <a:t> data </a:t>
+              <a:t>the Clojure data </a:t>
             </a:r>
             <a:r>
               <a:rPr lang="da-DK" dirty="0" err="1" smtClean="0"/>

--- a/Top Things to Learn From Clojure.pptx
+++ b/Top Things to Learn From Clojure.pptx
@@ -5,10 +5,10 @@
     <p:sldMasterId id="2147483669" r:id="rId4"/>
   </p:sldMasterIdLst>
   <p:notesMasterIdLst>
-    <p:notesMasterId r:id="rId65"/>
+    <p:notesMasterId r:id="rId51"/>
   </p:notesMasterIdLst>
   <p:handoutMasterIdLst>
-    <p:handoutMasterId r:id="rId66"/>
+    <p:handoutMasterId r:id="rId52"/>
   </p:handoutMasterIdLst>
   <p:sldIdLst>
     <p:sldId id="258" r:id="rId5"/>
@@ -57,20 +57,6 @@
     <p:sldId id="380" r:id="rId48"/>
     <p:sldId id="286" r:id="rId49"/>
     <p:sldId id="313" r:id="rId50"/>
-    <p:sldId id="287" r:id="rId51"/>
-    <p:sldId id="285" r:id="rId52"/>
-    <p:sldId id="317" r:id="rId53"/>
-    <p:sldId id="362" r:id="rId54"/>
-    <p:sldId id="363" r:id="rId55"/>
-    <p:sldId id="364" r:id="rId56"/>
-    <p:sldId id="365" r:id="rId57"/>
-    <p:sldId id="366" r:id="rId58"/>
-    <p:sldId id="367" r:id="rId59"/>
-    <p:sldId id="385" r:id="rId60"/>
-    <p:sldId id="369" r:id="rId61"/>
-    <p:sldId id="370" r:id="rId62"/>
-    <p:sldId id="371" r:id="rId63"/>
-    <p:sldId id="372" r:id="rId64"/>
   </p:sldIdLst>
   <p:sldSz cx="9144000" cy="6858000" type="screen4x3"/>
   <p:notesSz cx="6858000" cy="9144000"/>
@@ -5224,853 +5210,6 @@
     <p:extLst>
       <p:ext uri="{BB962C8B-B14F-4D97-AF65-F5344CB8AC3E}">
         <p14:creationId xmlns:p14="http://schemas.microsoft.com/office/powerpoint/2010/main" val="1090623635"/>
-      </p:ext>
-    </p:extLst>
-  </p:cSld>
-  <p:clrMapOvr>
-    <a:masterClrMapping/>
-  </p:clrMapOvr>
-</p:notes>
-</file>
-
-<file path=ppt/notesSlides/notesSlide33.xml><?xml version="1.0" encoding="utf-8"?>
-<p:notes xmlns:a="http://schemas.openxmlformats.org/drawingml/2006/main" xmlns:r="http://schemas.openxmlformats.org/officeDocument/2006/relationships" xmlns:p="http://schemas.openxmlformats.org/presentationml/2006/main">
-  <p:cSld>
-    <p:spTree>
-      <p:nvGrpSpPr>
-        <p:cNvPr id="1" name=""/>
-        <p:cNvGrpSpPr/>
-        <p:nvPr/>
-      </p:nvGrpSpPr>
-      <p:grpSpPr>
-        <a:xfrm>
-          <a:off x="0" y="0"/>
-          <a:ext cx="0" cy="0"/>
-          <a:chOff x="0" y="0"/>
-          <a:chExt cx="0" cy="0"/>
-        </a:xfrm>
-      </p:grpSpPr>
-      <p:sp>
-        <p:nvSpPr>
-          <p:cNvPr id="2" name="Slide Image Placeholder 1"/>
-          <p:cNvSpPr>
-            <a:spLocks noGrp="1" noRot="1" noChangeAspect="1"/>
-          </p:cNvSpPr>
-          <p:nvPr>
-            <p:ph type="sldImg"/>
-          </p:nvPr>
-        </p:nvSpPr>
-        <p:spPr/>
-      </p:sp>
-      <p:sp>
-        <p:nvSpPr>
-          <p:cNvPr id="3" name="Notes Placeholder 2"/>
-          <p:cNvSpPr>
-            <a:spLocks noGrp="1"/>
-          </p:cNvSpPr>
-          <p:nvPr>
-            <p:ph type="body" idx="1"/>
-          </p:nvPr>
-        </p:nvSpPr>
-        <p:spPr/>
-        <p:txBody>
-          <a:bodyPr/>
-          <a:lstStyle/>
-          <a:p>
-            <a:pPr marL="0" marR="0" indent="0" algn="l" defTabSz="914400" rtl="0" eaLnBrk="0" fontAlgn="base" latinLnBrk="0" hangingPunct="0">
-              <a:lnSpc>
-                <a:spcPct val="100000"/>
-              </a:lnSpc>
-              <a:spcBef>
-                <a:spcPct val="30000"/>
-              </a:spcBef>
-              <a:spcAft>
-                <a:spcPct val="0"/>
-              </a:spcAft>
-              <a:buClrTx/>
-              <a:buSzTx/>
-              <a:buFontTx/>
-              <a:buNone/>
-              <a:tabLst/>
-              <a:defRPr/>
-            </a:pPr>
-            <a:r>
-              <a:rPr lang="en-US" dirty="0" err="1" smtClean="0"/>
-              <a:t>Greenspuns</a:t>
-            </a:r>
-            <a:r>
-              <a:rPr lang="en-US" dirty="0" smtClean="0"/>
-              <a:t> 10</a:t>
-            </a:r>
-            <a:r>
-              <a:rPr lang="en-US" baseline="30000" dirty="0" smtClean="0"/>
-              <a:t>th</a:t>
-            </a:r>
-            <a:r>
-              <a:rPr lang="en-US" dirty="0" smtClean="0"/>
-              <a:t> rule:</a:t>
-            </a:r>
-          </a:p>
-          <a:p>
-            <a:pPr marL="0" marR="0" indent="0" algn="l" defTabSz="914400" rtl="0" eaLnBrk="0" fontAlgn="base" latinLnBrk="0" hangingPunct="0">
-              <a:lnSpc>
-                <a:spcPct val="100000"/>
-              </a:lnSpc>
-              <a:spcBef>
-                <a:spcPct val="30000"/>
-              </a:spcBef>
-              <a:spcAft>
-                <a:spcPct val="0"/>
-              </a:spcAft>
-              <a:buClrTx/>
-              <a:buSzTx/>
-              <a:buFontTx/>
-              <a:buNone/>
-              <a:tabLst/>
-              <a:defRPr/>
-            </a:pPr>
-            <a:endParaRPr lang="en-US" dirty="0" smtClean="0"/>
-          </a:p>
-          <a:p>
-            <a:pPr marL="0" marR="0" indent="0" algn="l" defTabSz="914400" rtl="0" eaLnBrk="0" fontAlgn="base" latinLnBrk="0" hangingPunct="0">
-              <a:lnSpc>
-                <a:spcPct val="100000"/>
-              </a:lnSpc>
-              <a:spcBef>
-                <a:spcPct val="30000"/>
-              </a:spcBef>
-              <a:spcAft>
-                <a:spcPct val="0"/>
-              </a:spcAft>
-              <a:buClrTx/>
-              <a:buSzTx/>
-              <a:buFontTx/>
-              <a:buNone/>
-              <a:tabLst/>
-              <a:defRPr/>
-            </a:pPr>
-            <a:r>
-              <a:rPr lang="en-US" dirty="0" smtClean="0"/>
-              <a:t>Any sufficiently complicated C or Fortran program contains an ad hoc, informally-specified, bug-ridden, slow implementation of half of Common Lisp.</a:t>
-            </a:r>
-          </a:p>
-          <a:p>
-            <a:pPr marL="0" marR="0" indent="0" algn="l" defTabSz="914400" rtl="0" eaLnBrk="0" fontAlgn="base" latinLnBrk="0" hangingPunct="0">
-              <a:lnSpc>
-                <a:spcPct val="100000"/>
-              </a:lnSpc>
-              <a:spcBef>
-                <a:spcPct val="30000"/>
-              </a:spcBef>
-              <a:spcAft>
-                <a:spcPct val="0"/>
-              </a:spcAft>
-              <a:buClrTx/>
-              <a:buSzTx/>
-              <a:buFontTx/>
-              <a:buNone/>
-              <a:tabLst/>
-              <a:defRPr/>
-            </a:pPr>
-            <a:endParaRPr lang="en-US" dirty="0" smtClean="0"/>
-          </a:p>
-          <a:p>
-            <a:pPr marL="0" marR="0" indent="0" algn="l" defTabSz="914400" rtl="0" eaLnBrk="0" fontAlgn="base" latinLnBrk="0" hangingPunct="0">
-              <a:lnSpc>
-                <a:spcPct val="100000"/>
-              </a:lnSpc>
-              <a:spcBef>
-                <a:spcPct val="30000"/>
-              </a:spcBef>
-              <a:spcAft>
-                <a:spcPct val="0"/>
-              </a:spcAft>
-              <a:buClrTx/>
-              <a:buSzTx/>
-              <a:buFontTx/>
-              <a:buNone/>
-              <a:tabLst/>
-              <a:defRPr/>
-            </a:pPr>
-            <a:r>
-              <a:rPr lang="en-US" dirty="0" smtClean="0"/>
-              <a:t>Why</a:t>
-            </a:r>
-            <a:r>
-              <a:rPr lang="en-US" baseline="0" dirty="0" smtClean="0"/>
-              <a:t> not just embed a proper one?</a:t>
-            </a:r>
-          </a:p>
-          <a:p>
-            <a:endParaRPr lang="en-US" dirty="0"/>
-          </a:p>
-        </p:txBody>
-      </p:sp>
-      <p:sp>
-        <p:nvSpPr>
-          <p:cNvPr id="4" name="Slide Number Placeholder 3"/>
-          <p:cNvSpPr>
-            <a:spLocks noGrp="1"/>
-          </p:cNvSpPr>
-          <p:nvPr>
-            <p:ph type="sldNum" sz="quarter" idx="10"/>
-          </p:nvPr>
-        </p:nvSpPr>
-        <p:spPr/>
-        <p:txBody>
-          <a:bodyPr/>
-          <a:lstStyle/>
-          <a:p>
-            <a:pPr>
-              <a:defRPr/>
-            </a:pPr>
-            <a:fld id="{60EC053B-FF40-46F6-AC4C-68A56B25ACCB}" type="slidenum">
-              <a:rPr lang="da-DK" smtClean="0"/>
-              <a:pPr>
-                <a:defRPr/>
-              </a:pPr>
-              <a:t>48</a:t>
-            </a:fld>
-            <a:endParaRPr lang="da-DK" dirty="0"/>
-          </a:p>
-        </p:txBody>
-      </p:sp>
-    </p:spTree>
-    <p:extLst>
-      <p:ext uri="{BB962C8B-B14F-4D97-AF65-F5344CB8AC3E}">
-        <p14:creationId xmlns:p14="http://schemas.microsoft.com/office/powerpoint/2010/main" val="3884833014"/>
-      </p:ext>
-    </p:extLst>
-  </p:cSld>
-  <p:clrMapOvr>
-    <a:masterClrMapping/>
-  </p:clrMapOvr>
-</p:notes>
-</file>
-
-<file path=ppt/notesSlides/notesSlide34.xml><?xml version="1.0" encoding="utf-8"?>
-<p:notes xmlns:a="http://schemas.openxmlformats.org/drawingml/2006/main" xmlns:r="http://schemas.openxmlformats.org/officeDocument/2006/relationships" xmlns:p="http://schemas.openxmlformats.org/presentationml/2006/main">
-  <p:cSld>
-    <p:spTree>
-      <p:nvGrpSpPr>
-        <p:cNvPr id="1" name=""/>
-        <p:cNvGrpSpPr/>
-        <p:nvPr/>
-      </p:nvGrpSpPr>
-      <p:grpSpPr>
-        <a:xfrm>
-          <a:off x="0" y="0"/>
-          <a:ext cx="0" cy="0"/>
-          <a:chOff x="0" y="0"/>
-          <a:chExt cx="0" cy="0"/>
-        </a:xfrm>
-      </p:grpSpPr>
-      <p:sp>
-        <p:nvSpPr>
-          <p:cNvPr id="2" name="Slide Image Placeholder 1"/>
-          <p:cNvSpPr>
-            <a:spLocks noGrp="1" noRot="1" noChangeAspect="1"/>
-          </p:cNvSpPr>
-          <p:nvPr>
-            <p:ph type="sldImg"/>
-          </p:nvPr>
-        </p:nvSpPr>
-        <p:spPr/>
-      </p:sp>
-      <p:sp>
-        <p:nvSpPr>
-          <p:cNvPr id="3" name="Notes Placeholder 2"/>
-          <p:cNvSpPr>
-            <a:spLocks noGrp="1"/>
-          </p:cNvSpPr>
-          <p:nvPr>
-            <p:ph type="body" idx="1"/>
-          </p:nvPr>
-        </p:nvSpPr>
-        <p:spPr/>
-        <p:txBody>
-          <a:bodyPr/>
-          <a:lstStyle/>
-          <a:p>
-            <a:r>
-              <a:rPr lang="en-US" dirty="0" smtClean="0"/>
-              <a:t>Known from Python,</a:t>
-            </a:r>
-            <a:r>
-              <a:rPr lang="en-US" baseline="0" dirty="0" smtClean="0"/>
-              <a:t> Ruby</a:t>
-            </a:r>
-          </a:p>
-          <a:p>
-            <a:r>
-              <a:rPr lang="en-US" baseline="0" dirty="0" smtClean="0"/>
-              <a:t>You don’t need the ghastly out parameters in C#</a:t>
-            </a:r>
-          </a:p>
-          <a:p>
-            <a:endParaRPr lang="en-US" dirty="0"/>
-          </a:p>
-        </p:txBody>
-      </p:sp>
-      <p:sp>
-        <p:nvSpPr>
-          <p:cNvPr id="4" name="Slide Number Placeholder 3"/>
-          <p:cNvSpPr>
-            <a:spLocks noGrp="1"/>
-          </p:cNvSpPr>
-          <p:nvPr>
-            <p:ph type="sldNum" sz="quarter" idx="10"/>
-          </p:nvPr>
-        </p:nvSpPr>
-        <p:spPr/>
-        <p:txBody>
-          <a:bodyPr/>
-          <a:lstStyle/>
-          <a:p>
-            <a:pPr>
-              <a:defRPr/>
-            </a:pPr>
-            <a:fld id="{60EC053B-FF40-46F6-AC4C-68A56B25ACCB}" type="slidenum">
-              <a:rPr lang="da-DK" smtClean="0"/>
-              <a:pPr>
-                <a:defRPr/>
-              </a:pPr>
-              <a:t>51</a:t>
-            </a:fld>
-            <a:endParaRPr lang="da-DK"/>
-          </a:p>
-        </p:txBody>
-      </p:sp>
-    </p:spTree>
-    <p:extLst>
-      <p:ext uri="{BB962C8B-B14F-4D97-AF65-F5344CB8AC3E}">
-        <p14:creationId xmlns:p14="http://schemas.microsoft.com/office/powerpoint/2010/main" val="4050153970"/>
-      </p:ext>
-    </p:extLst>
-  </p:cSld>
-  <p:clrMapOvr>
-    <a:masterClrMapping/>
-  </p:clrMapOvr>
-</p:notes>
-</file>
-
-<file path=ppt/notesSlides/notesSlide35.xml><?xml version="1.0" encoding="utf-8"?>
-<p:notes xmlns:a="http://schemas.openxmlformats.org/drawingml/2006/main" xmlns:r="http://schemas.openxmlformats.org/officeDocument/2006/relationships" xmlns:p="http://schemas.openxmlformats.org/presentationml/2006/main">
-  <p:cSld>
-    <p:spTree>
-      <p:nvGrpSpPr>
-        <p:cNvPr id="1" name=""/>
-        <p:cNvGrpSpPr/>
-        <p:nvPr/>
-      </p:nvGrpSpPr>
-      <p:grpSpPr>
-        <a:xfrm>
-          <a:off x="0" y="0"/>
-          <a:ext cx="0" cy="0"/>
-          <a:chOff x="0" y="0"/>
-          <a:chExt cx="0" cy="0"/>
-        </a:xfrm>
-      </p:grpSpPr>
-      <p:sp>
-        <p:nvSpPr>
-          <p:cNvPr id="2" name="Slide Image Placeholder 1"/>
-          <p:cNvSpPr>
-            <a:spLocks noGrp="1" noRot="1" noChangeAspect="1"/>
-          </p:cNvSpPr>
-          <p:nvPr>
-            <p:ph type="sldImg"/>
-          </p:nvPr>
-        </p:nvSpPr>
-        <p:spPr/>
-      </p:sp>
-      <p:sp>
-        <p:nvSpPr>
-          <p:cNvPr id="3" name="Notes Placeholder 2"/>
-          <p:cNvSpPr>
-            <a:spLocks noGrp="1"/>
-          </p:cNvSpPr>
-          <p:nvPr>
-            <p:ph type="body" idx="1"/>
-          </p:nvPr>
-        </p:nvSpPr>
-        <p:spPr/>
-        <p:txBody>
-          <a:bodyPr/>
-          <a:lstStyle/>
-          <a:p>
-            <a:endParaRPr lang="en-US" dirty="0"/>
-          </a:p>
-        </p:txBody>
-      </p:sp>
-      <p:sp>
-        <p:nvSpPr>
-          <p:cNvPr id="4" name="Slide Number Placeholder 3"/>
-          <p:cNvSpPr>
-            <a:spLocks noGrp="1"/>
-          </p:cNvSpPr>
-          <p:nvPr>
-            <p:ph type="sldNum" sz="quarter" idx="10"/>
-          </p:nvPr>
-        </p:nvSpPr>
-        <p:spPr/>
-        <p:txBody>
-          <a:bodyPr/>
-          <a:lstStyle/>
-          <a:p>
-            <a:pPr>
-              <a:defRPr/>
-            </a:pPr>
-            <a:fld id="{60EC053B-FF40-46F6-AC4C-68A56B25ACCB}" type="slidenum">
-              <a:rPr lang="da-DK" smtClean="0"/>
-              <a:pPr>
-                <a:defRPr/>
-              </a:pPr>
-              <a:t>52</a:t>
-            </a:fld>
-            <a:endParaRPr lang="da-DK"/>
-          </a:p>
-        </p:txBody>
-      </p:sp>
-    </p:spTree>
-    <p:extLst>
-      <p:ext uri="{BB962C8B-B14F-4D97-AF65-F5344CB8AC3E}">
-        <p14:creationId xmlns:p14="http://schemas.microsoft.com/office/powerpoint/2010/main" val="1274638022"/>
-      </p:ext>
-    </p:extLst>
-  </p:cSld>
-  <p:clrMapOvr>
-    <a:masterClrMapping/>
-  </p:clrMapOvr>
-</p:notes>
-</file>
-
-<file path=ppt/notesSlides/notesSlide36.xml><?xml version="1.0" encoding="utf-8"?>
-<p:notes xmlns:a="http://schemas.openxmlformats.org/drawingml/2006/main" xmlns:r="http://schemas.openxmlformats.org/officeDocument/2006/relationships" xmlns:p="http://schemas.openxmlformats.org/presentationml/2006/main">
-  <p:cSld>
-    <p:spTree>
-      <p:nvGrpSpPr>
-        <p:cNvPr id="1" name=""/>
-        <p:cNvGrpSpPr/>
-        <p:nvPr/>
-      </p:nvGrpSpPr>
-      <p:grpSpPr>
-        <a:xfrm>
-          <a:off x="0" y="0"/>
-          <a:ext cx="0" cy="0"/>
-          <a:chOff x="0" y="0"/>
-          <a:chExt cx="0" cy="0"/>
-        </a:xfrm>
-      </p:grpSpPr>
-      <p:sp>
-        <p:nvSpPr>
-          <p:cNvPr id="2" name="Slide Image Placeholder 1"/>
-          <p:cNvSpPr>
-            <a:spLocks noGrp="1" noRot="1" noChangeAspect="1"/>
-          </p:cNvSpPr>
-          <p:nvPr>
-            <p:ph type="sldImg"/>
-          </p:nvPr>
-        </p:nvSpPr>
-        <p:spPr/>
-      </p:sp>
-      <p:sp>
-        <p:nvSpPr>
-          <p:cNvPr id="3" name="Notes Placeholder 2"/>
-          <p:cNvSpPr>
-            <a:spLocks noGrp="1"/>
-          </p:cNvSpPr>
-          <p:nvPr>
-            <p:ph type="body" idx="1"/>
-          </p:nvPr>
-        </p:nvSpPr>
-        <p:spPr/>
-        <p:txBody>
-          <a:bodyPr/>
-          <a:lstStyle/>
-          <a:p>
-            <a:endParaRPr lang="en-US" dirty="0"/>
-          </a:p>
-        </p:txBody>
-      </p:sp>
-      <p:sp>
-        <p:nvSpPr>
-          <p:cNvPr id="4" name="Slide Number Placeholder 3"/>
-          <p:cNvSpPr>
-            <a:spLocks noGrp="1"/>
-          </p:cNvSpPr>
-          <p:nvPr>
-            <p:ph type="sldNum" sz="quarter" idx="10"/>
-          </p:nvPr>
-        </p:nvSpPr>
-        <p:spPr/>
-        <p:txBody>
-          <a:bodyPr/>
-          <a:lstStyle/>
-          <a:p>
-            <a:pPr>
-              <a:defRPr/>
-            </a:pPr>
-            <a:fld id="{60EC053B-FF40-46F6-AC4C-68A56B25ACCB}" type="slidenum">
-              <a:rPr lang="da-DK" smtClean="0"/>
-              <a:pPr>
-                <a:defRPr/>
-              </a:pPr>
-              <a:t>53</a:t>
-            </a:fld>
-            <a:endParaRPr lang="da-DK"/>
-          </a:p>
-        </p:txBody>
-      </p:sp>
-    </p:spTree>
-    <p:extLst>
-      <p:ext uri="{BB962C8B-B14F-4D97-AF65-F5344CB8AC3E}">
-        <p14:creationId xmlns:p14="http://schemas.microsoft.com/office/powerpoint/2010/main" val="1274638022"/>
-      </p:ext>
-    </p:extLst>
-  </p:cSld>
-  <p:clrMapOvr>
-    <a:masterClrMapping/>
-  </p:clrMapOvr>
-</p:notes>
-</file>
-
-<file path=ppt/notesSlides/notesSlide37.xml><?xml version="1.0" encoding="utf-8"?>
-<p:notes xmlns:a="http://schemas.openxmlformats.org/drawingml/2006/main" xmlns:r="http://schemas.openxmlformats.org/officeDocument/2006/relationships" xmlns:p="http://schemas.openxmlformats.org/presentationml/2006/main">
-  <p:cSld>
-    <p:spTree>
-      <p:nvGrpSpPr>
-        <p:cNvPr id="1" name=""/>
-        <p:cNvGrpSpPr/>
-        <p:nvPr/>
-      </p:nvGrpSpPr>
-      <p:grpSpPr>
-        <a:xfrm>
-          <a:off x="0" y="0"/>
-          <a:ext cx="0" cy="0"/>
-          <a:chOff x="0" y="0"/>
-          <a:chExt cx="0" cy="0"/>
-        </a:xfrm>
-      </p:grpSpPr>
-      <p:sp>
-        <p:nvSpPr>
-          <p:cNvPr id="2" name="Slide Image Placeholder 1"/>
-          <p:cNvSpPr>
-            <a:spLocks noGrp="1" noRot="1" noChangeAspect="1"/>
-          </p:cNvSpPr>
-          <p:nvPr>
-            <p:ph type="sldImg"/>
-          </p:nvPr>
-        </p:nvSpPr>
-        <p:spPr/>
-      </p:sp>
-      <p:sp>
-        <p:nvSpPr>
-          <p:cNvPr id="3" name="Notes Placeholder 2"/>
-          <p:cNvSpPr>
-            <a:spLocks noGrp="1"/>
-          </p:cNvSpPr>
-          <p:nvPr>
-            <p:ph type="body" idx="1"/>
-          </p:nvPr>
-        </p:nvSpPr>
-        <p:spPr/>
-        <p:txBody>
-          <a:bodyPr/>
-          <a:lstStyle/>
-          <a:p>
-            <a:r>
-              <a:rPr lang="en-US" dirty="0" smtClean="0"/>
-              <a:t>Immutability: closed for modification</a:t>
-            </a:r>
-            <a:endParaRPr lang="en-US" dirty="0"/>
-          </a:p>
-        </p:txBody>
-      </p:sp>
-      <p:sp>
-        <p:nvSpPr>
-          <p:cNvPr id="4" name="Slide Number Placeholder 3"/>
-          <p:cNvSpPr>
-            <a:spLocks noGrp="1"/>
-          </p:cNvSpPr>
-          <p:nvPr>
-            <p:ph type="sldNum" sz="quarter" idx="10"/>
-          </p:nvPr>
-        </p:nvSpPr>
-        <p:spPr/>
-        <p:txBody>
-          <a:bodyPr/>
-          <a:lstStyle/>
-          <a:p>
-            <a:pPr>
-              <a:defRPr/>
-            </a:pPr>
-            <a:fld id="{60EC053B-FF40-46F6-AC4C-68A56B25ACCB}" type="slidenum">
-              <a:rPr lang="da-DK" smtClean="0"/>
-              <a:pPr>
-                <a:defRPr/>
-              </a:pPr>
-              <a:t>57</a:t>
-            </a:fld>
-            <a:endParaRPr lang="da-DK"/>
-          </a:p>
-        </p:txBody>
-      </p:sp>
-    </p:spTree>
-    <p:extLst>
-      <p:ext uri="{BB962C8B-B14F-4D97-AF65-F5344CB8AC3E}">
-        <p14:creationId xmlns:p14="http://schemas.microsoft.com/office/powerpoint/2010/main" val="142198490"/>
-      </p:ext>
-    </p:extLst>
-  </p:cSld>
-  <p:clrMapOvr>
-    <a:masterClrMapping/>
-  </p:clrMapOvr>
-</p:notes>
-</file>
-
-<file path=ppt/notesSlides/notesSlide38.xml><?xml version="1.0" encoding="utf-8"?>
-<p:notes xmlns:a="http://schemas.openxmlformats.org/drawingml/2006/main" xmlns:r="http://schemas.openxmlformats.org/officeDocument/2006/relationships" xmlns:p="http://schemas.openxmlformats.org/presentationml/2006/main">
-  <p:cSld>
-    <p:spTree>
-      <p:nvGrpSpPr>
-        <p:cNvPr id="1" name=""/>
-        <p:cNvGrpSpPr/>
-        <p:nvPr/>
-      </p:nvGrpSpPr>
-      <p:grpSpPr>
-        <a:xfrm>
-          <a:off x="0" y="0"/>
-          <a:ext cx="0" cy="0"/>
-          <a:chOff x="0" y="0"/>
-          <a:chExt cx="0" cy="0"/>
-        </a:xfrm>
-      </p:grpSpPr>
-      <p:sp>
-        <p:nvSpPr>
-          <p:cNvPr id="2" name="Slide Image Placeholder 1"/>
-          <p:cNvSpPr>
-            <a:spLocks noGrp="1" noRot="1" noChangeAspect="1"/>
-          </p:cNvSpPr>
-          <p:nvPr>
-            <p:ph type="sldImg"/>
-          </p:nvPr>
-        </p:nvSpPr>
-        <p:spPr/>
-      </p:sp>
-      <p:sp>
-        <p:nvSpPr>
-          <p:cNvPr id="3" name="Notes Placeholder 2"/>
-          <p:cNvSpPr>
-            <a:spLocks noGrp="1"/>
-          </p:cNvSpPr>
-          <p:nvPr>
-            <p:ph type="body" idx="1"/>
-          </p:nvPr>
-        </p:nvSpPr>
-        <p:spPr/>
-        <p:txBody>
-          <a:bodyPr/>
-          <a:lstStyle/>
-          <a:p>
-            <a:r>
-              <a:rPr lang="en-US" dirty="0" smtClean="0"/>
-              <a:t>Client-specific interfaces</a:t>
-            </a:r>
-          </a:p>
-          <a:p>
-            <a:r>
-              <a:rPr lang="en-US" dirty="0" smtClean="0"/>
-              <a:t>Can be extended after-the-fact</a:t>
-            </a:r>
-          </a:p>
-          <a:p>
-            <a:r>
-              <a:rPr lang="en-US" dirty="0" smtClean="0"/>
-              <a:t>You can add your own protocol</a:t>
-            </a:r>
-            <a:r>
-              <a:rPr lang="en-US" baseline="0" dirty="0" smtClean="0"/>
-              <a:t>s to someone else’s code (class) without accessing the source code</a:t>
-            </a:r>
-          </a:p>
-          <a:p>
-            <a:endParaRPr lang="en-US" baseline="0" dirty="0" smtClean="0"/>
-          </a:p>
-          <a:p>
-            <a:pPr marL="0" indent="0">
-              <a:buNone/>
-            </a:pPr>
-            <a:r>
-              <a:rPr lang="en-US" dirty="0" smtClean="0"/>
-              <a:t>Clojure defaults to extreme generalization</a:t>
-            </a:r>
-          </a:p>
-          <a:p>
-            <a:pPr marL="0" indent="0">
-              <a:buNone/>
-            </a:pPr>
-            <a:r>
-              <a:rPr lang="en-US" dirty="0" smtClean="0"/>
-              <a:t>ISP prefers specialization</a:t>
-            </a:r>
-          </a:p>
-          <a:p>
-            <a:endParaRPr lang="en-US" baseline="0" dirty="0" smtClean="0"/>
-          </a:p>
-          <a:p>
-            <a:r>
-              <a:rPr lang="en-US" baseline="0" dirty="0" smtClean="0"/>
-              <a:t>Principle still holds, but is extended </a:t>
-            </a:r>
-            <a:r>
-              <a:rPr lang="en-US" baseline="0" smtClean="0"/>
-              <a:t>to enable </a:t>
-            </a:r>
-            <a:r>
-              <a:rPr lang="en-US" baseline="0" dirty="0" smtClean="0"/>
-              <a:t>the consumers </a:t>
-            </a:r>
-            <a:r>
-              <a:rPr lang="en-US" baseline="0" smtClean="0"/>
-              <a:t>of libraries</a:t>
-            </a:r>
-          </a:p>
-          <a:p>
-            <a:endParaRPr lang="en-US" baseline="0" dirty="0" smtClean="0"/>
-          </a:p>
-        </p:txBody>
-      </p:sp>
-      <p:sp>
-        <p:nvSpPr>
-          <p:cNvPr id="4" name="Slide Number Placeholder 3"/>
-          <p:cNvSpPr>
-            <a:spLocks noGrp="1"/>
-          </p:cNvSpPr>
-          <p:nvPr>
-            <p:ph type="sldNum" sz="quarter" idx="10"/>
-          </p:nvPr>
-        </p:nvSpPr>
-        <p:spPr/>
-        <p:txBody>
-          <a:bodyPr/>
-          <a:lstStyle/>
-          <a:p>
-            <a:pPr>
-              <a:defRPr/>
-            </a:pPr>
-            <a:fld id="{60EC053B-FF40-46F6-AC4C-68A56B25ACCB}" type="slidenum">
-              <a:rPr lang="da-DK" smtClean="0"/>
-              <a:pPr>
-                <a:defRPr/>
-              </a:pPr>
-              <a:t>59</a:t>
-            </a:fld>
-            <a:endParaRPr lang="da-DK"/>
-          </a:p>
-        </p:txBody>
-      </p:sp>
-    </p:spTree>
-    <p:extLst>
-      <p:ext uri="{BB962C8B-B14F-4D97-AF65-F5344CB8AC3E}">
-        <p14:creationId xmlns:p14="http://schemas.microsoft.com/office/powerpoint/2010/main" val="2965771350"/>
-      </p:ext>
-    </p:extLst>
-  </p:cSld>
-  <p:clrMapOvr>
-    <a:masterClrMapping/>
-  </p:clrMapOvr>
-</p:notes>
-</file>
-
-<file path=ppt/notesSlides/notesSlide39.xml><?xml version="1.0" encoding="utf-8"?>
-<p:notes xmlns:a="http://schemas.openxmlformats.org/drawingml/2006/main" xmlns:r="http://schemas.openxmlformats.org/officeDocument/2006/relationships" xmlns:p="http://schemas.openxmlformats.org/presentationml/2006/main">
-  <p:cSld>
-    <p:spTree>
-      <p:nvGrpSpPr>
-        <p:cNvPr id="1" name=""/>
-        <p:cNvGrpSpPr/>
-        <p:nvPr/>
-      </p:nvGrpSpPr>
-      <p:grpSpPr>
-        <a:xfrm>
-          <a:off x="0" y="0"/>
-          <a:ext cx="0" cy="0"/>
-          <a:chOff x="0" y="0"/>
-          <a:chExt cx="0" cy="0"/>
-        </a:xfrm>
-      </p:grpSpPr>
-      <p:sp>
-        <p:nvSpPr>
-          <p:cNvPr id="2" name="Slide Image Placeholder 1"/>
-          <p:cNvSpPr>
-            <a:spLocks noGrp="1" noRot="1" noChangeAspect="1"/>
-          </p:cNvSpPr>
-          <p:nvPr>
-            <p:ph type="sldImg"/>
-          </p:nvPr>
-        </p:nvSpPr>
-        <p:spPr/>
-      </p:sp>
-      <p:sp>
-        <p:nvSpPr>
-          <p:cNvPr id="3" name="Notes Placeholder 2"/>
-          <p:cNvSpPr>
-            <a:spLocks noGrp="1"/>
-          </p:cNvSpPr>
-          <p:nvPr>
-            <p:ph type="body" idx="1"/>
-          </p:nvPr>
-        </p:nvSpPr>
-        <p:spPr/>
-        <p:txBody>
-          <a:bodyPr/>
-          <a:lstStyle/>
-          <a:p>
-            <a:r>
-              <a:rPr lang="en-US" dirty="0" smtClean="0"/>
-              <a:t>Client-</a:t>
-            </a:r>
-            <a:r>
-              <a:rPr lang="en-US" smtClean="0"/>
-              <a:t>specific interfaces</a:t>
-            </a:r>
-            <a:endParaRPr lang="en-US"/>
-          </a:p>
-        </p:txBody>
-      </p:sp>
-      <p:sp>
-        <p:nvSpPr>
-          <p:cNvPr id="4" name="Slide Number Placeholder 3"/>
-          <p:cNvSpPr>
-            <a:spLocks noGrp="1"/>
-          </p:cNvSpPr>
-          <p:nvPr>
-            <p:ph type="sldNum" sz="quarter" idx="10"/>
-          </p:nvPr>
-        </p:nvSpPr>
-        <p:spPr/>
-        <p:txBody>
-          <a:bodyPr/>
-          <a:lstStyle/>
-          <a:p>
-            <a:pPr>
-              <a:defRPr/>
-            </a:pPr>
-            <a:fld id="{60EC053B-FF40-46F6-AC4C-68A56B25ACCB}" type="slidenum">
-              <a:rPr lang="da-DK" smtClean="0"/>
-              <a:pPr>
-                <a:defRPr/>
-              </a:pPr>
-              <a:t>60</a:t>
-            </a:fld>
-            <a:endParaRPr lang="da-DK"/>
-          </a:p>
-        </p:txBody>
-      </p:sp>
-    </p:spTree>
-    <p:extLst>
-      <p:ext uri="{BB962C8B-B14F-4D97-AF65-F5344CB8AC3E}">
-        <p14:creationId xmlns:p14="http://schemas.microsoft.com/office/powerpoint/2010/main" val="2965771350"/>
       </p:ext>
     </p:extLst>
   </p:cSld>
@@ -38138,561 +37277,6 @@
 </p:sld>
 </file>
 
-<file path=ppt/slides/slide47.xml><?xml version="1.0" encoding="utf-8"?>
-<p:sld xmlns:a="http://schemas.openxmlformats.org/drawingml/2006/main" xmlns:r="http://schemas.openxmlformats.org/officeDocument/2006/relationships" xmlns:p="http://schemas.openxmlformats.org/presentationml/2006/main">
-  <p:cSld>
-    <p:spTree>
-      <p:nvGrpSpPr>
-        <p:cNvPr id="1" name=""/>
-        <p:cNvGrpSpPr/>
-        <p:nvPr/>
-      </p:nvGrpSpPr>
-      <p:grpSpPr>
-        <a:xfrm>
-          <a:off x="0" y="0"/>
-          <a:ext cx="0" cy="0"/>
-          <a:chOff x="0" y="0"/>
-          <a:chExt cx="0" cy="0"/>
-        </a:xfrm>
-      </p:grpSpPr>
-      <p:sp>
-        <p:nvSpPr>
-          <p:cNvPr id="2" name="Title 1"/>
-          <p:cNvSpPr>
-            <a:spLocks noGrp="1"/>
-          </p:cNvSpPr>
-          <p:nvPr>
-            <p:ph type="title"/>
-          </p:nvPr>
-        </p:nvSpPr>
-        <p:spPr/>
-        <p:txBody>
-          <a:bodyPr/>
-          <a:lstStyle/>
-          <a:p>
-            <a:r>
-              <a:rPr lang="en-US" dirty="0" smtClean="0"/>
-              <a:t>Extra slides</a:t>
-            </a:r>
-            <a:endParaRPr lang="en-US" dirty="0"/>
-          </a:p>
-        </p:txBody>
-      </p:sp>
-      <p:sp>
-        <p:nvSpPr>
-          <p:cNvPr id="3" name="Text Placeholder 2"/>
-          <p:cNvSpPr>
-            <a:spLocks noGrp="1"/>
-          </p:cNvSpPr>
-          <p:nvPr>
-            <p:ph type="body" idx="1"/>
-          </p:nvPr>
-        </p:nvSpPr>
-        <p:spPr/>
-        <p:txBody>
-          <a:bodyPr/>
-          <a:lstStyle/>
-          <a:p>
-            <a:endParaRPr lang="en-US"/>
-          </a:p>
-        </p:txBody>
-      </p:sp>
-    </p:spTree>
-    <p:extLst>
-      <p:ext uri="{BB962C8B-B14F-4D97-AF65-F5344CB8AC3E}">
-        <p14:creationId xmlns:p14="http://schemas.microsoft.com/office/powerpoint/2010/main" val="3769108761"/>
-      </p:ext>
-    </p:extLst>
-  </p:cSld>
-  <p:clrMapOvr>
-    <a:masterClrMapping/>
-  </p:clrMapOvr>
-  <p:timing>
-    <p:tnLst>
-      <p:par>
-        <p:cTn xmlns:p14="http://schemas.microsoft.com/office/powerpoint/2010/main" id="1" dur="indefinite" restart="never" nodeType="tmRoot"/>
-      </p:par>
-    </p:tnLst>
-  </p:timing>
-</p:sld>
-</file>
-
-<file path=ppt/slides/slide48.xml><?xml version="1.0" encoding="utf-8"?>
-<p:sld xmlns:a="http://schemas.openxmlformats.org/drawingml/2006/main" xmlns:r="http://schemas.openxmlformats.org/officeDocument/2006/relationships" xmlns:p="http://schemas.openxmlformats.org/presentationml/2006/main">
-  <p:cSld>
-    <p:spTree>
-      <p:nvGrpSpPr>
-        <p:cNvPr id="1" name=""/>
-        <p:cNvGrpSpPr/>
-        <p:nvPr/>
-      </p:nvGrpSpPr>
-      <p:grpSpPr>
-        <a:xfrm>
-          <a:off x="0" y="0"/>
-          <a:ext cx="0" cy="0"/>
-          <a:chOff x="0" y="0"/>
-          <a:chExt cx="0" cy="0"/>
-        </a:xfrm>
-      </p:grpSpPr>
-      <p:sp>
-        <p:nvSpPr>
-          <p:cNvPr id="4098" name="Rectangle 2"/>
-          <p:cNvSpPr>
-            <a:spLocks noGrp="1" noChangeArrowheads="1"/>
-          </p:cNvSpPr>
-          <p:nvPr>
-            <p:ph type="title"/>
-          </p:nvPr>
-        </p:nvSpPr>
-        <p:spPr>
-          <a:xfrm>
-            <a:off x="533400" y="1066800"/>
-            <a:ext cx="7855024" cy="685800"/>
-          </a:xfrm>
-        </p:spPr>
-        <p:txBody>
-          <a:bodyPr/>
-          <a:lstStyle/>
-          <a:p>
-            <a:pPr eaLnBrk="1" hangingPunct="1"/>
-            <a:r>
-              <a:rPr lang="da-DK" dirty="0" smtClean="0"/>
-              <a:t>Ideas for Experiments in </a:t>
-            </a:r>
-            <a:r>
-              <a:rPr lang="da-DK" dirty="0" err="1" smtClean="0"/>
-              <a:t>Interop</a:t>
-            </a:r>
-            <a:endParaRPr lang="da-DK" dirty="0" smtClean="0"/>
-          </a:p>
-        </p:txBody>
-      </p:sp>
-      <p:sp>
-        <p:nvSpPr>
-          <p:cNvPr id="4099" name="Rectangle 3"/>
-          <p:cNvSpPr>
-            <a:spLocks noGrp="1" noChangeArrowheads="1"/>
-          </p:cNvSpPr>
-          <p:nvPr>
-            <p:ph type="body" idx="1"/>
-          </p:nvPr>
-        </p:nvSpPr>
-        <p:spPr/>
-        <p:txBody>
-          <a:bodyPr/>
-          <a:lstStyle/>
-          <a:p>
-            <a:pPr eaLnBrk="1" hangingPunct="1"/>
-            <a:r>
-              <a:rPr lang="da-DK" dirty="0" err="1" smtClean="0"/>
-              <a:t>Use</a:t>
-            </a:r>
-            <a:r>
-              <a:rPr lang="da-DK" dirty="0" smtClean="0"/>
-              <a:t> the Clojure data </a:t>
-            </a:r>
-            <a:r>
-              <a:rPr lang="da-DK" dirty="0" err="1" smtClean="0"/>
-              <a:t>structures</a:t>
-            </a:r>
-            <a:r>
-              <a:rPr lang="da-DK" dirty="0" smtClean="0"/>
-              <a:t> in </a:t>
-            </a:r>
-            <a:r>
-              <a:rPr lang="da-DK" dirty="0" err="1" smtClean="0"/>
-              <a:t>you</a:t>
-            </a:r>
-            <a:r>
-              <a:rPr lang="da-DK" dirty="0" smtClean="0"/>
-              <a:t> C# or Java </a:t>
-            </a:r>
-            <a:r>
-              <a:rPr lang="da-DK" dirty="0" err="1" smtClean="0"/>
-              <a:t>project</a:t>
-            </a:r>
-            <a:endParaRPr lang="da-DK" dirty="0" smtClean="0"/>
-          </a:p>
-          <a:p>
-            <a:pPr eaLnBrk="1" hangingPunct="1"/>
-            <a:r>
-              <a:rPr lang="da-DK" dirty="0" err="1" smtClean="0"/>
-              <a:t>Use</a:t>
-            </a:r>
-            <a:r>
-              <a:rPr lang="da-DK" dirty="0" smtClean="0"/>
-              <a:t> </a:t>
-            </a:r>
-            <a:r>
-              <a:rPr lang="da-DK" dirty="0" err="1" smtClean="0"/>
-              <a:t>Clojure</a:t>
-            </a:r>
-            <a:r>
-              <a:rPr lang="da-DK" dirty="0" smtClean="0"/>
-              <a:t> with </a:t>
-            </a:r>
-            <a:r>
-              <a:rPr lang="da-DK" dirty="0" err="1" smtClean="0"/>
-              <a:t>macros</a:t>
-            </a:r>
-            <a:r>
-              <a:rPr lang="da-DK" dirty="0" smtClean="0"/>
-              <a:t> for </a:t>
-            </a:r>
-            <a:r>
-              <a:rPr lang="da-DK" dirty="0" err="1" smtClean="0"/>
-              <a:t>code</a:t>
-            </a:r>
-            <a:r>
-              <a:rPr lang="da-DK" dirty="0" smtClean="0"/>
-              <a:t> generation</a:t>
-            </a:r>
-          </a:p>
-          <a:p>
-            <a:pPr eaLnBrk="1" hangingPunct="1"/>
-            <a:r>
-              <a:rPr lang="da-DK" dirty="0" smtClean="0"/>
-              <a:t>… at </a:t>
-            </a:r>
-            <a:r>
-              <a:rPr lang="da-DK" dirty="0" err="1" smtClean="0"/>
-              <a:t>compile</a:t>
-            </a:r>
-            <a:r>
-              <a:rPr lang="da-DK" dirty="0" smtClean="0"/>
-              <a:t>-time </a:t>
-            </a:r>
-          </a:p>
-          <a:p>
-            <a:pPr eaLnBrk="1" hangingPunct="1"/>
-            <a:r>
-              <a:rPr lang="da-DK" dirty="0" smtClean="0"/>
-              <a:t>… or </a:t>
-            </a:r>
-            <a:r>
-              <a:rPr lang="da-DK" dirty="0" err="1" smtClean="0"/>
-              <a:t>include</a:t>
-            </a:r>
-            <a:r>
-              <a:rPr lang="da-DK" dirty="0" smtClean="0"/>
-              <a:t> the DLL/</a:t>
-            </a:r>
-            <a:r>
-              <a:rPr lang="da-DK" dirty="0" err="1" smtClean="0"/>
-              <a:t>jar</a:t>
-            </a:r>
-            <a:r>
-              <a:rPr lang="da-DK" dirty="0" smtClean="0"/>
-              <a:t> with </a:t>
-            </a:r>
-            <a:r>
-              <a:rPr lang="da-DK" dirty="0" err="1" smtClean="0"/>
-              <a:t>your</a:t>
-            </a:r>
-            <a:r>
-              <a:rPr lang="da-DK" dirty="0" smtClean="0"/>
-              <a:t> </a:t>
-            </a:r>
-            <a:r>
-              <a:rPr lang="da-DK" dirty="0" err="1" smtClean="0"/>
-              <a:t>runtime</a:t>
-            </a:r>
-            <a:endParaRPr lang="da-DK" dirty="0" smtClean="0"/>
-          </a:p>
-          <a:p>
-            <a:pPr marL="0" indent="0" eaLnBrk="1" hangingPunct="1">
-              <a:buNone/>
-            </a:pPr>
-            <a:endParaRPr lang="da-DK" dirty="0" smtClean="0"/>
-          </a:p>
-        </p:txBody>
-      </p:sp>
-    </p:spTree>
-    <p:extLst>
-      <p:ext uri="{BB962C8B-B14F-4D97-AF65-F5344CB8AC3E}">
-        <p14:creationId xmlns:p14="http://schemas.microsoft.com/office/powerpoint/2010/main" val="1624618463"/>
-      </p:ext>
-    </p:extLst>
-  </p:cSld>
-  <p:clrMapOvr>
-    <a:masterClrMapping/>
-  </p:clrMapOvr>
-  <p:timing>
-    <p:tnLst>
-      <p:par>
-        <p:cTn xmlns:p14="http://schemas.microsoft.com/office/powerpoint/2010/main" id="1" dur="indefinite" restart="never" nodeType="tmRoot"/>
-      </p:par>
-    </p:tnLst>
-  </p:timing>
-</p:sld>
-</file>
-
-<file path=ppt/slides/slide49.xml><?xml version="1.0" encoding="utf-8"?>
-<p:sld xmlns:a="http://schemas.openxmlformats.org/drawingml/2006/main" xmlns:r="http://schemas.openxmlformats.org/officeDocument/2006/relationships" xmlns:p="http://schemas.openxmlformats.org/presentationml/2006/main">
-  <p:cSld>
-    <p:spTree>
-      <p:nvGrpSpPr>
-        <p:cNvPr id="1" name=""/>
-        <p:cNvGrpSpPr/>
-        <p:nvPr/>
-      </p:nvGrpSpPr>
-      <p:grpSpPr>
-        <a:xfrm>
-          <a:off x="0" y="0"/>
-          <a:ext cx="0" cy="0"/>
-          <a:chOff x="0" y="0"/>
-          <a:chExt cx="0" cy="0"/>
-        </a:xfrm>
-      </p:grpSpPr>
-      <p:sp>
-        <p:nvSpPr>
-          <p:cNvPr id="4098" name="Rectangle 2"/>
-          <p:cNvSpPr>
-            <a:spLocks noGrp="1" noChangeArrowheads="1"/>
-          </p:cNvSpPr>
-          <p:nvPr>
-            <p:ph type="title"/>
-          </p:nvPr>
-        </p:nvSpPr>
-        <p:spPr>
-          <a:xfrm>
-            <a:off x="533400" y="1066800"/>
-            <a:ext cx="7855024" cy="685800"/>
-          </a:xfrm>
-        </p:spPr>
-        <p:txBody>
-          <a:bodyPr/>
-          <a:lstStyle/>
-          <a:p>
-            <a:r>
-              <a:rPr lang="da-DK" dirty="0" err="1" smtClean="0"/>
-              <a:t>What</a:t>
-            </a:r>
-            <a:r>
-              <a:rPr lang="da-DK" dirty="0" smtClean="0"/>
-              <a:t> made </a:t>
-            </a:r>
-            <a:r>
-              <a:rPr lang="da-DK" dirty="0" err="1" smtClean="0"/>
-              <a:t>Lisp</a:t>
-            </a:r>
-            <a:r>
-              <a:rPr lang="da-DK" dirty="0" smtClean="0"/>
-              <a:t> </a:t>
-            </a:r>
-            <a:r>
-              <a:rPr lang="da-DK" dirty="0" err="1" smtClean="0"/>
-              <a:t>different</a:t>
-            </a:r>
-            <a:r>
-              <a:rPr lang="da-DK" dirty="0" smtClean="0"/>
-              <a:t>?</a:t>
-            </a:r>
-          </a:p>
-        </p:txBody>
-      </p:sp>
-      <p:sp>
-        <p:nvSpPr>
-          <p:cNvPr id="4099" name="Rectangle 3"/>
-          <p:cNvSpPr>
-            <a:spLocks noGrp="1" noChangeArrowheads="1"/>
-          </p:cNvSpPr>
-          <p:nvPr>
-            <p:ph type="body" idx="1"/>
-          </p:nvPr>
-        </p:nvSpPr>
-        <p:spPr/>
-        <p:txBody>
-          <a:bodyPr>
-            <a:normAutofit fontScale="85000" lnSpcReduction="20000"/>
-          </a:bodyPr>
-          <a:lstStyle/>
-          <a:p>
-            <a:pPr eaLnBrk="1" hangingPunct="1"/>
-            <a:r>
-              <a:rPr lang="da-DK" dirty="0" err="1" smtClean="0"/>
-              <a:t>Conditionals</a:t>
-            </a:r>
-            <a:endParaRPr lang="da-DK" dirty="0" smtClean="0"/>
-          </a:p>
-          <a:p>
-            <a:pPr eaLnBrk="1" hangingPunct="1"/>
-            <a:r>
-              <a:rPr lang="da-DK" dirty="0" smtClean="0"/>
-              <a:t>A </a:t>
-            </a:r>
-            <a:r>
-              <a:rPr lang="da-DK" dirty="0" err="1" smtClean="0"/>
-              <a:t>Function</a:t>
-            </a:r>
-            <a:r>
-              <a:rPr lang="da-DK" dirty="0" smtClean="0"/>
-              <a:t> Type</a:t>
-            </a:r>
-          </a:p>
-          <a:p>
-            <a:pPr eaLnBrk="1" hangingPunct="1"/>
-            <a:r>
-              <a:rPr lang="da-DK" dirty="0" err="1" smtClean="0"/>
-              <a:t>Recursion</a:t>
-            </a:r>
-            <a:endParaRPr lang="da-DK" dirty="0"/>
-          </a:p>
-          <a:p>
-            <a:pPr eaLnBrk="1" hangingPunct="1"/>
-            <a:r>
-              <a:rPr lang="da-DK" dirty="0" smtClean="0"/>
-              <a:t>A New </a:t>
-            </a:r>
-            <a:r>
-              <a:rPr lang="da-DK" dirty="0" err="1" smtClean="0"/>
-              <a:t>Concept</a:t>
-            </a:r>
-            <a:r>
-              <a:rPr lang="da-DK" dirty="0" smtClean="0"/>
-              <a:t> of Variables</a:t>
-            </a:r>
-          </a:p>
-          <a:p>
-            <a:pPr eaLnBrk="1" hangingPunct="1"/>
-            <a:r>
-              <a:rPr lang="da-DK" dirty="0" smtClean="0"/>
-              <a:t>Garbage-</a:t>
-            </a:r>
-            <a:r>
-              <a:rPr lang="da-DK" dirty="0" err="1" smtClean="0"/>
-              <a:t>collection</a:t>
-            </a:r>
-            <a:endParaRPr lang="da-DK" dirty="0" smtClean="0"/>
-          </a:p>
-          <a:p>
-            <a:pPr eaLnBrk="1" hangingPunct="1"/>
-            <a:r>
-              <a:rPr lang="da-DK" dirty="0" smtClean="0"/>
-              <a:t>Programs </a:t>
-            </a:r>
-            <a:r>
-              <a:rPr lang="da-DK" dirty="0" err="1" smtClean="0"/>
-              <a:t>composed</a:t>
-            </a:r>
-            <a:r>
-              <a:rPr lang="da-DK" dirty="0" smtClean="0"/>
-              <a:t> of </a:t>
-            </a:r>
-            <a:r>
-              <a:rPr lang="da-DK" dirty="0" err="1" smtClean="0"/>
-              <a:t>expressions</a:t>
-            </a:r>
-            <a:endParaRPr lang="da-DK" dirty="0" smtClean="0"/>
-          </a:p>
-          <a:p>
-            <a:pPr eaLnBrk="1" hangingPunct="1"/>
-            <a:r>
-              <a:rPr lang="da-DK" dirty="0" smtClean="0"/>
-              <a:t>A symbol type</a:t>
-            </a:r>
-          </a:p>
-          <a:p>
-            <a:pPr eaLnBrk="1" hangingPunct="1"/>
-            <a:r>
-              <a:rPr lang="da-DK" dirty="0" smtClean="0"/>
-              <a:t>A notation for </a:t>
-            </a:r>
-            <a:r>
-              <a:rPr lang="da-DK" dirty="0" err="1" smtClean="0"/>
-              <a:t>code</a:t>
-            </a:r>
-            <a:endParaRPr lang="da-DK" dirty="0" smtClean="0"/>
-          </a:p>
-          <a:p>
-            <a:pPr eaLnBrk="1" hangingPunct="1"/>
-            <a:r>
-              <a:rPr lang="da-DK" dirty="0" smtClean="0"/>
-              <a:t>The </a:t>
-            </a:r>
-            <a:r>
-              <a:rPr lang="da-DK" dirty="0" err="1" smtClean="0"/>
-              <a:t>whole</a:t>
-            </a:r>
-            <a:r>
-              <a:rPr lang="da-DK" dirty="0" smtClean="0"/>
-              <a:t> </a:t>
-            </a:r>
-            <a:r>
-              <a:rPr lang="da-DK" dirty="0" err="1" smtClean="0"/>
-              <a:t>language</a:t>
-            </a:r>
-            <a:r>
-              <a:rPr lang="da-DK" dirty="0" smtClean="0"/>
-              <a:t> </a:t>
-            </a:r>
-            <a:r>
-              <a:rPr lang="da-DK" dirty="0" err="1" smtClean="0"/>
-              <a:t>always</a:t>
-            </a:r>
-            <a:r>
-              <a:rPr lang="da-DK" dirty="0" smtClean="0"/>
-              <a:t> </a:t>
-            </a:r>
-            <a:r>
-              <a:rPr lang="da-DK" dirty="0" err="1" smtClean="0"/>
-              <a:t>available</a:t>
-            </a:r>
-            <a:endParaRPr lang="da-DK" dirty="0"/>
-          </a:p>
-          <a:p>
-            <a:pPr eaLnBrk="1" hangingPunct="1"/>
-            <a:endParaRPr lang="da-DK" dirty="0" smtClean="0"/>
-          </a:p>
-          <a:p>
-            <a:pPr marL="0" indent="0" eaLnBrk="1" hangingPunct="1">
-              <a:buNone/>
-            </a:pPr>
-            <a:r>
-              <a:rPr lang="da-DK" i="1" dirty="0" smtClean="0"/>
-              <a:t>-- Paul Graham, 2001 </a:t>
-            </a:r>
-            <a:r>
-              <a:rPr lang="da-DK" sz="1500" i="1" dirty="0" smtClean="0"/>
-              <a:t>http</a:t>
-            </a:r>
-            <a:r>
-              <a:rPr lang="da-DK" sz="1500" i="1" dirty="0"/>
-              <a:t>://</a:t>
-            </a:r>
-            <a:r>
-              <a:rPr lang="da-DK" sz="1500" i="1" dirty="0" err="1"/>
-              <a:t>www.paulgraham.com</a:t>
-            </a:r>
-            <a:r>
-              <a:rPr lang="da-DK" sz="1500" i="1" dirty="0"/>
-              <a:t>/</a:t>
-            </a:r>
-            <a:r>
-              <a:rPr lang="da-DK" sz="1500" i="1" dirty="0" err="1" smtClean="0"/>
-              <a:t>diff.html</a:t>
-            </a:r>
-            <a:endParaRPr lang="da-DK" dirty="0" smtClean="0"/>
-          </a:p>
-          <a:p>
-            <a:pPr eaLnBrk="1" hangingPunct="1"/>
-            <a:endParaRPr lang="da-DK" dirty="0" smtClean="0"/>
-          </a:p>
-        </p:txBody>
-      </p:sp>
-    </p:spTree>
-    <p:extLst>
-      <p:ext uri="{BB962C8B-B14F-4D97-AF65-F5344CB8AC3E}">
-        <p14:creationId xmlns:p14="http://schemas.microsoft.com/office/powerpoint/2010/main" val="2619037914"/>
-      </p:ext>
-    </p:extLst>
-  </p:cSld>
-  <p:clrMapOvr>
-    <a:masterClrMapping/>
-  </p:clrMapOvr>
-</p:sld>
-</file>
-
 <file path=ppt/slides/slide5.xml><?xml version="1.0" encoding="utf-8"?>
 <p:sld xmlns:a="http://schemas.openxmlformats.org/drawingml/2006/main" xmlns:r="http://schemas.openxmlformats.org/officeDocument/2006/relationships" xmlns:p="http://schemas.openxmlformats.org/presentationml/2006/main">
   <p:cSld>
@@ -39333,3350 +37917,6 @@
 </p:sld>
 </file>
 
-<file path=ppt/slides/slide50.xml><?xml version="1.0" encoding="utf-8"?>
-<p:sld xmlns:a="http://schemas.openxmlformats.org/drawingml/2006/main" xmlns:r="http://schemas.openxmlformats.org/officeDocument/2006/relationships" xmlns:p="http://schemas.openxmlformats.org/presentationml/2006/main">
-  <p:cSld>
-    <p:spTree>
-      <p:nvGrpSpPr>
-        <p:cNvPr id="1" name=""/>
-        <p:cNvGrpSpPr/>
-        <p:nvPr/>
-      </p:nvGrpSpPr>
-      <p:grpSpPr>
-        <a:xfrm>
-          <a:off x="0" y="0"/>
-          <a:ext cx="0" cy="0"/>
-          <a:chOff x="0" y="0"/>
-          <a:chExt cx="0" cy="0"/>
-        </a:xfrm>
-      </p:grpSpPr>
-      <p:sp>
-        <p:nvSpPr>
-          <p:cNvPr id="2" name="Title 1"/>
-          <p:cNvSpPr>
-            <a:spLocks noGrp="1"/>
-          </p:cNvSpPr>
-          <p:nvPr>
-            <p:ph type="title"/>
-          </p:nvPr>
-        </p:nvSpPr>
-        <p:spPr/>
-        <p:txBody>
-          <a:bodyPr/>
-          <a:lstStyle/>
-          <a:p>
-            <a:r>
-              <a:rPr lang="en-US" dirty="0" err="1" smtClean="0"/>
-              <a:t>Pecha</a:t>
-            </a:r>
-            <a:r>
-              <a:rPr lang="en-US" dirty="0" smtClean="0"/>
-              <a:t> </a:t>
-            </a:r>
-            <a:r>
-              <a:rPr lang="en-US" dirty="0" err="1" smtClean="0"/>
-              <a:t>Kucha</a:t>
-            </a:r>
-            <a:endParaRPr lang="en-US" dirty="0"/>
-          </a:p>
-        </p:txBody>
-      </p:sp>
-      <p:sp>
-        <p:nvSpPr>
-          <p:cNvPr id="3" name="Text Placeholder 2"/>
-          <p:cNvSpPr>
-            <a:spLocks noGrp="1"/>
-          </p:cNvSpPr>
-          <p:nvPr>
-            <p:ph type="body" idx="1"/>
-          </p:nvPr>
-        </p:nvSpPr>
-        <p:spPr/>
-        <p:txBody>
-          <a:bodyPr/>
-          <a:lstStyle/>
-          <a:p>
-            <a:endParaRPr lang="en-US"/>
-          </a:p>
-        </p:txBody>
-      </p:sp>
-    </p:spTree>
-    <p:extLst>
-      <p:ext uri="{BB962C8B-B14F-4D97-AF65-F5344CB8AC3E}">
-        <p14:creationId xmlns:p14="http://schemas.microsoft.com/office/powerpoint/2010/main" val="159747022"/>
-      </p:ext>
-    </p:extLst>
-  </p:cSld>
-  <p:clrMapOvr>
-    <a:masterClrMapping/>
-  </p:clrMapOvr>
-  <p:timing>
-    <p:tnLst>
-      <p:par>
-        <p:cTn xmlns:p14="http://schemas.microsoft.com/office/powerpoint/2010/main" id="1" dur="indefinite" restart="never" nodeType="tmRoot"/>
-      </p:par>
-    </p:tnLst>
-  </p:timing>
-</p:sld>
-</file>
-
-<file path=ppt/slides/slide51.xml><?xml version="1.0" encoding="utf-8"?>
-<p:sld xmlns:a="http://schemas.openxmlformats.org/drawingml/2006/main" xmlns:r="http://schemas.openxmlformats.org/officeDocument/2006/relationships" xmlns:p="http://schemas.openxmlformats.org/presentationml/2006/main">
-  <p:cSld>
-    <p:spTree>
-      <p:nvGrpSpPr>
-        <p:cNvPr id="1" name=""/>
-        <p:cNvGrpSpPr/>
-        <p:nvPr/>
-      </p:nvGrpSpPr>
-      <p:grpSpPr>
-        <a:xfrm>
-          <a:off x="0" y="0"/>
-          <a:ext cx="0" cy="0"/>
-          <a:chOff x="0" y="0"/>
-          <a:chExt cx="0" cy="0"/>
-        </a:xfrm>
-      </p:grpSpPr>
-      <p:sp>
-        <p:nvSpPr>
-          <p:cNvPr id="2" name="Title 1"/>
-          <p:cNvSpPr>
-            <a:spLocks noGrp="1"/>
-          </p:cNvSpPr>
-          <p:nvPr>
-            <p:ph type="title"/>
-          </p:nvPr>
-        </p:nvSpPr>
-        <p:spPr/>
-        <p:txBody>
-          <a:bodyPr/>
-          <a:lstStyle/>
-          <a:p>
-            <a:r>
-              <a:rPr lang="en-US" dirty="0" err="1" smtClean="0"/>
-              <a:t>Destructuring</a:t>
-            </a:r>
-            <a:endParaRPr lang="en-US" dirty="0"/>
-          </a:p>
-        </p:txBody>
-      </p:sp>
-      <p:sp>
-        <p:nvSpPr>
-          <p:cNvPr id="3" name="Content Placeholder 2"/>
-          <p:cNvSpPr>
-            <a:spLocks noGrp="1"/>
-          </p:cNvSpPr>
-          <p:nvPr>
-            <p:ph idx="1"/>
-          </p:nvPr>
-        </p:nvSpPr>
-        <p:spPr/>
-        <p:txBody>
-          <a:bodyPr/>
-          <a:lstStyle/>
-          <a:p>
-            <a:pPr marL="0" indent="0">
-              <a:buNone/>
-            </a:pPr>
-            <a:r>
-              <a:rPr lang="en-US" dirty="0" smtClean="0"/>
-              <a:t>;; project-to-screen returns vector [x y]</a:t>
-            </a:r>
-          </a:p>
-          <a:p>
-            <a:pPr marL="0" indent="0">
-              <a:buNone/>
-            </a:pPr>
-            <a:r>
-              <a:rPr lang="en-US" dirty="0" smtClean="0"/>
-              <a:t>(let [[x y] (project-to-screen spaceship)]</a:t>
-            </a:r>
-          </a:p>
-          <a:p>
-            <a:pPr marL="0" indent="0">
-              <a:buNone/>
-            </a:pPr>
-            <a:r>
-              <a:rPr lang="en-US" dirty="0"/>
-              <a:t>	</a:t>
-            </a:r>
-            <a:r>
-              <a:rPr lang="en-US" dirty="0" smtClean="0"/>
-              <a:t>(move-to sprite x y))</a:t>
-            </a:r>
-          </a:p>
-          <a:p>
-            <a:pPr marL="0" indent="0">
-              <a:buNone/>
-            </a:pPr>
-            <a:endParaRPr lang="en-US" dirty="0"/>
-          </a:p>
-          <a:p>
-            <a:pPr marL="0" indent="0">
-              <a:buNone/>
-            </a:pPr>
-            <a:r>
-              <a:rPr lang="en-US" dirty="0" smtClean="0"/>
-              <a:t>(</a:t>
-            </a:r>
-            <a:r>
-              <a:rPr lang="en-US" dirty="0" err="1" smtClean="0"/>
-              <a:t>defn</a:t>
-            </a:r>
-            <a:r>
-              <a:rPr lang="en-US" dirty="0" smtClean="0"/>
-              <a:t> good-buy? [{:keys [price value]}]    </a:t>
-            </a:r>
-          </a:p>
-          <a:p>
-            <a:pPr marL="0" indent="0">
-              <a:buNone/>
-            </a:pPr>
-            <a:r>
-              <a:rPr lang="en-US" dirty="0" smtClean="0"/>
-              <a:t>	(&lt; price value))</a:t>
-            </a:r>
-          </a:p>
-          <a:p>
-            <a:pPr marL="0" indent="0">
-              <a:buNone/>
-            </a:pPr>
-            <a:endParaRPr lang="en-US" dirty="0"/>
-          </a:p>
-          <a:p>
-            <a:pPr marL="0" indent="0">
-              <a:buNone/>
-            </a:pPr>
-            <a:r>
-              <a:rPr lang="en-US" dirty="0" smtClean="0"/>
-              <a:t>(good-buy? {:price 0, :value 100, :name “Clojure”})</a:t>
-            </a:r>
-          </a:p>
-          <a:p>
-            <a:pPr marL="0" indent="0">
-              <a:buNone/>
-            </a:pPr>
-            <a:endParaRPr lang="en-US" dirty="0" smtClean="0"/>
-          </a:p>
-          <a:p>
-            <a:pPr marL="0" indent="0">
-              <a:buNone/>
-            </a:pPr>
-            <a:endParaRPr lang="en-US" dirty="0" smtClean="0"/>
-          </a:p>
-        </p:txBody>
-      </p:sp>
-    </p:spTree>
-    <p:extLst>
-      <p:ext uri="{BB962C8B-B14F-4D97-AF65-F5344CB8AC3E}">
-        <p14:creationId xmlns:p14="http://schemas.microsoft.com/office/powerpoint/2010/main" val="620361014"/>
-      </p:ext>
-    </p:extLst>
-  </p:cSld>
-  <p:clrMapOvr>
-    <a:masterClrMapping/>
-  </p:clrMapOvr>
-  <p:timing>
-    <p:tnLst>
-      <p:par>
-        <p:cTn xmlns:p14="http://schemas.microsoft.com/office/powerpoint/2010/main" id="1" dur="indefinite" restart="never" nodeType="tmRoot"/>
-      </p:par>
-    </p:tnLst>
-  </p:timing>
-</p:sld>
-</file>
-
-<file path=ppt/slides/slide52.xml><?xml version="1.0" encoding="utf-8"?>
-<p:sld xmlns:a="http://schemas.openxmlformats.org/drawingml/2006/main" xmlns:r="http://schemas.openxmlformats.org/officeDocument/2006/relationships" xmlns:p="http://schemas.openxmlformats.org/presentationml/2006/main">
-  <p:cSld>
-    <p:spTree>
-      <p:nvGrpSpPr>
-        <p:cNvPr id="1" name=""/>
-        <p:cNvGrpSpPr/>
-        <p:nvPr/>
-      </p:nvGrpSpPr>
-      <p:grpSpPr>
-        <a:xfrm>
-          <a:off x="0" y="0"/>
-          <a:ext cx="0" cy="0"/>
-          <a:chOff x="0" y="0"/>
-          <a:chExt cx="0" cy="0"/>
-        </a:xfrm>
-      </p:grpSpPr>
-      <p:sp>
-        <p:nvSpPr>
-          <p:cNvPr id="2" name="Title 1"/>
-          <p:cNvSpPr>
-            <a:spLocks noGrp="1"/>
-          </p:cNvSpPr>
-          <p:nvPr>
-            <p:ph type="title"/>
-          </p:nvPr>
-        </p:nvSpPr>
-        <p:spPr/>
-        <p:txBody>
-          <a:bodyPr/>
-          <a:lstStyle/>
-          <a:p>
-            <a:r>
-              <a:rPr lang="en-US" dirty="0" smtClean="0"/>
-              <a:t>List comprehensions</a:t>
-            </a:r>
-            <a:endParaRPr lang="en-US" dirty="0"/>
-          </a:p>
-        </p:txBody>
-      </p:sp>
-      <p:sp>
-        <p:nvSpPr>
-          <p:cNvPr id="5" name="Content Placeholder 4"/>
-          <p:cNvSpPr>
-            <a:spLocks noGrp="1"/>
-          </p:cNvSpPr>
-          <p:nvPr>
-            <p:ph idx="1"/>
-          </p:nvPr>
-        </p:nvSpPr>
-        <p:spPr/>
-        <p:txBody>
-          <a:bodyPr/>
-          <a:lstStyle/>
-          <a:p>
-            <a:pPr marL="0" indent="0">
-              <a:buNone/>
-            </a:pPr>
-            <a:r>
-              <a:rPr lang="en-US" dirty="0" smtClean="0"/>
-              <a:t>(</a:t>
-            </a:r>
-            <a:r>
-              <a:rPr lang="en-US" dirty="0" err="1" smtClean="0"/>
-              <a:t>def</a:t>
-            </a:r>
-            <a:r>
-              <a:rPr lang="en-US" dirty="0" smtClean="0"/>
-              <a:t> squares (for [x (range)] (* x x))</a:t>
-            </a:r>
-          </a:p>
-          <a:p>
-            <a:pPr marL="0" indent="0">
-              <a:buNone/>
-            </a:pPr>
-            <a:r>
-              <a:rPr lang="en-US" dirty="0" smtClean="0"/>
-              <a:t>(</a:t>
-            </a:r>
-            <a:r>
-              <a:rPr lang="en-US" dirty="0" err="1" smtClean="0"/>
-              <a:t>def</a:t>
-            </a:r>
-            <a:r>
-              <a:rPr lang="en-US" dirty="0" smtClean="0"/>
-              <a:t> pairs (for [x (range), y (range)] [x y]))</a:t>
-            </a:r>
-          </a:p>
-          <a:p>
-            <a:pPr marL="0" indent="0">
-              <a:buNone/>
-            </a:pPr>
-            <a:endParaRPr lang="en-US" dirty="0"/>
-          </a:p>
-          <a:p>
-            <a:pPr marL="0" indent="0">
-              <a:buNone/>
-            </a:pPr>
-            <a:r>
-              <a:rPr lang="en-US" dirty="0" smtClean="0"/>
-              <a:t>(take 10 squares)</a:t>
-            </a:r>
-          </a:p>
-          <a:p>
-            <a:pPr marL="0" indent="0">
-              <a:buNone/>
-            </a:pPr>
-            <a:r>
-              <a:rPr lang="en-US" dirty="0" smtClean="0"/>
-              <a:t>(take 5 pairs)</a:t>
-            </a:r>
-          </a:p>
-          <a:p>
-            <a:pPr marL="0" indent="0">
-              <a:buNone/>
-            </a:pPr>
-            <a:endParaRPr lang="en-US" dirty="0" smtClean="0"/>
-          </a:p>
-          <a:p>
-            <a:pPr marL="0" indent="0">
-              <a:buNone/>
-            </a:pPr>
-            <a:r>
-              <a:rPr lang="en-US" dirty="0" smtClean="0"/>
-              <a:t>Most list functions are lazy</a:t>
-            </a:r>
-            <a:endParaRPr lang="en-US" dirty="0"/>
-          </a:p>
-          <a:p>
-            <a:pPr marL="0" indent="0">
-              <a:buNone/>
-            </a:pPr>
-            <a:endParaRPr lang="en-US" dirty="0"/>
-          </a:p>
-        </p:txBody>
-      </p:sp>
-    </p:spTree>
-    <p:extLst>
-      <p:ext uri="{BB962C8B-B14F-4D97-AF65-F5344CB8AC3E}">
-        <p14:creationId xmlns:p14="http://schemas.microsoft.com/office/powerpoint/2010/main" val="2316617086"/>
-      </p:ext>
-    </p:extLst>
-  </p:cSld>
-  <p:clrMapOvr>
-    <a:masterClrMapping/>
-  </p:clrMapOvr>
-  <p:timing>
-    <p:tnLst>
-      <p:par>
-        <p:cTn xmlns:p14="http://schemas.microsoft.com/office/powerpoint/2010/main" id="1" dur="indefinite" restart="never" nodeType="tmRoot"/>
-      </p:par>
-    </p:tnLst>
-  </p:timing>
-</p:sld>
-</file>
-
-<file path=ppt/slides/slide53.xml><?xml version="1.0" encoding="utf-8"?>
-<p:sld xmlns:a="http://schemas.openxmlformats.org/drawingml/2006/main" xmlns:r="http://schemas.openxmlformats.org/officeDocument/2006/relationships" xmlns:p="http://schemas.openxmlformats.org/presentationml/2006/main">
-  <p:cSld>
-    <p:spTree>
-      <p:nvGrpSpPr>
-        <p:cNvPr id="1" name=""/>
-        <p:cNvGrpSpPr/>
-        <p:nvPr/>
-      </p:nvGrpSpPr>
-      <p:grpSpPr>
-        <a:xfrm>
-          <a:off x="0" y="0"/>
-          <a:ext cx="0" cy="0"/>
-          <a:chOff x="0" y="0"/>
-          <a:chExt cx="0" cy="0"/>
-        </a:xfrm>
-      </p:grpSpPr>
-      <p:sp>
-        <p:nvSpPr>
-          <p:cNvPr id="2" name="Title 1"/>
-          <p:cNvSpPr>
-            <a:spLocks noGrp="1"/>
-          </p:cNvSpPr>
-          <p:nvPr>
-            <p:ph type="title"/>
-          </p:nvPr>
-        </p:nvSpPr>
-        <p:spPr/>
-        <p:txBody>
-          <a:bodyPr/>
-          <a:lstStyle/>
-          <a:p>
-            <a:r>
-              <a:rPr lang="en-US" dirty="0" smtClean="0"/>
-              <a:t>Pre- and Post Conditions</a:t>
-            </a:r>
-            <a:endParaRPr lang="en-US" dirty="0"/>
-          </a:p>
-        </p:txBody>
-      </p:sp>
-      <p:sp>
-        <p:nvSpPr>
-          <p:cNvPr id="5" name="Content Placeholder 4"/>
-          <p:cNvSpPr>
-            <a:spLocks noGrp="1"/>
-          </p:cNvSpPr>
-          <p:nvPr>
-            <p:ph idx="1"/>
-          </p:nvPr>
-        </p:nvSpPr>
-        <p:spPr/>
-        <p:txBody>
-          <a:bodyPr/>
-          <a:lstStyle/>
-          <a:p>
-            <a:pPr marL="0" indent="0">
-              <a:buNone/>
-            </a:pPr>
-            <a:r>
-              <a:rPr lang="en-US" dirty="0" smtClean="0"/>
-              <a:t>(</a:t>
-            </a:r>
-            <a:r>
-              <a:rPr lang="en-US" dirty="0" err="1" smtClean="0"/>
-              <a:t>defn</a:t>
-            </a:r>
-            <a:r>
-              <a:rPr lang="en-US" dirty="0" smtClean="0"/>
-              <a:t> raise [salary percent]</a:t>
-            </a:r>
-          </a:p>
-          <a:p>
-            <a:pPr marL="0" indent="0">
-              <a:buNone/>
-            </a:pPr>
-            <a:r>
-              <a:rPr lang="en-US" dirty="0"/>
-              <a:t> </a:t>
-            </a:r>
-            <a:r>
-              <a:rPr lang="en-US" dirty="0" smtClean="0"/>
-              <a:t> {:post [#(&lt;= salary %)]}</a:t>
-            </a:r>
-          </a:p>
-          <a:p>
-            <a:pPr marL="0" indent="0">
-              <a:buNone/>
-            </a:pPr>
-            <a:r>
-              <a:rPr lang="en-US" dirty="0"/>
-              <a:t> </a:t>
-            </a:r>
-            <a:r>
-              <a:rPr lang="en-US" dirty="0" smtClean="0"/>
-              <a:t> (* salary (+ 1 (/ percent 100))))</a:t>
-            </a:r>
-          </a:p>
-          <a:p>
-            <a:pPr marL="0" indent="0">
-              <a:buNone/>
-            </a:pPr>
-            <a:endParaRPr lang="en-US" dirty="0"/>
-          </a:p>
-          <a:p>
-            <a:pPr marL="0" indent="0">
-              <a:buNone/>
-            </a:pPr>
-            <a:r>
-              <a:rPr lang="en-US" dirty="0" smtClean="0"/>
-              <a:t>(</a:t>
-            </a:r>
-            <a:r>
-              <a:rPr lang="en-US" dirty="0" err="1" smtClean="0"/>
-              <a:t>defn</a:t>
-            </a:r>
-            <a:r>
-              <a:rPr lang="en-US" dirty="0" smtClean="0"/>
-              <a:t> regulated-raise [salary percent]</a:t>
-            </a:r>
-          </a:p>
-          <a:p>
-            <a:pPr marL="0" indent="0">
-              <a:buNone/>
-            </a:pPr>
-            <a:r>
-              <a:rPr lang="en-US" dirty="0"/>
-              <a:t> </a:t>
-            </a:r>
-            <a:r>
-              <a:rPr lang="en-US" dirty="0" smtClean="0"/>
-              <a:t> {:pre [(&lt; 0 percent 5)]}</a:t>
-            </a:r>
-          </a:p>
-          <a:p>
-            <a:pPr marL="0" indent="0">
-              <a:buNone/>
-            </a:pPr>
-            <a:r>
-              <a:rPr lang="en-US" dirty="0"/>
-              <a:t> </a:t>
-            </a:r>
-            <a:r>
-              <a:rPr lang="en-US" dirty="0" smtClean="0"/>
-              <a:t> (raise salary percent))</a:t>
-            </a:r>
-          </a:p>
-        </p:txBody>
-      </p:sp>
-    </p:spTree>
-    <p:extLst>
-      <p:ext uri="{BB962C8B-B14F-4D97-AF65-F5344CB8AC3E}">
-        <p14:creationId xmlns:p14="http://schemas.microsoft.com/office/powerpoint/2010/main" val="3448428863"/>
-      </p:ext>
-    </p:extLst>
-  </p:cSld>
-  <p:clrMapOvr>
-    <a:masterClrMapping/>
-  </p:clrMapOvr>
-  <p:timing>
-    <p:tnLst>
-      <p:par>
-        <p:cTn xmlns:p14="http://schemas.microsoft.com/office/powerpoint/2010/main" id="1" dur="indefinite" restart="never" nodeType="tmRoot"/>
-      </p:par>
-    </p:tnLst>
-  </p:timing>
-</p:sld>
-</file>
-
-<file path=ppt/slides/slide54.xml><?xml version="1.0" encoding="utf-8"?>
-<p:sld xmlns:a="http://schemas.openxmlformats.org/drawingml/2006/main" xmlns:r="http://schemas.openxmlformats.org/officeDocument/2006/relationships" xmlns:p="http://schemas.openxmlformats.org/presentationml/2006/main">
-  <p:cSld>
-    <p:spTree>
-      <p:nvGrpSpPr>
-        <p:cNvPr id="1" name=""/>
-        <p:cNvGrpSpPr/>
-        <p:nvPr/>
-      </p:nvGrpSpPr>
-      <p:grpSpPr>
-        <a:xfrm>
-          <a:off x="0" y="0"/>
-          <a:ext cx="0" cy="0"/>
-          <a:chOff x="0" y="0"/>
-          <a:chExt cx="0" cy="0"/>
-        </a:xfrm>
-      </p:grpSpPr>
-      <p:sp>
-        <p:nvSpPr>
-          <p:cNvPr id="2" name="Title 1"/>
-          <p:cNvSpPr>
-            <a:spLocks noGrp="1"/>
-          </p:cNvSpPr>
-          <p:nvPr>
-            <p:ph type="title"/>
-          </p:nvPr>
-        </p:nvSpPr>
-        <p:spPr>
-          <a:xfrm>
-            <a:off x="533400" y="1066800"/>
-            <a:ext cx="7855024" cy="685800"/>
-          </a:xfrm>
-        </p:spPr>
-        <p:txBody>
-          <a:bodyPr/>
-          <a:lstStyle/>
-          <a:p>
-            <a:r>
-              <a:rPr lang="en-US" dirty="0" smtClean="0"/>
-              <a:t>The SOLID Principles</a:t>
-            </a:r>
-            <a:endParaRPr lang="en-US" dirty="0"/>
-          </a:p>
-        </p:txBody>
-      </p:sp>
-      <p:sp>
-        <p:nvSpPr>
-          <p:cNvPr id="3" name="Content Placeholder 2"/>
-          <p:cNvSpPr>
-            <a:spLocks noGrp="1"/>
-          </p:cNvSpPr>
-          <p:nvPr>
-            <p:ph idx="1"/>
-          </p:nvPr>
-        </p:nvSpPr>
-        <p:spPr/>
-        <p:txBody>
-          <a:bodyPr>
-            <a:normAutofit fontScale="92500" lnSpcReduction="10000"/>
-          </a:bodyPr>
-          <a:lstStyle/>
-          <a:p>
-            <a:r>
-              <a:rPr lang="en-US" dirty="0" smtClean="0"/>
-              <a:t>Single Responsibility Principle</a:t>
-            </a:r>
-          </a:p>
-          <a:p>
-            <a:pPr lvl="1"/>
-            <a:r>
-              <a:rPr lang="en-US" dirty="0" smtClean="0"/>
-              <a:t>“Single cause for change”</a:t>
-            </a:r>
-          </a:p>
-          <a:p>
-            <a:r>
-              <a:rPr lang="en-US" dirty="0" smtClean="0"/>
-              <a:t>Open-Closed Principle</a:t>
-            </a:r>
-          </a:p>
-          <a:p>
-            <a:pPr lvl="1"/>
-            <a:r>
-              <a:rPr lang="en-US" dirty="0" smtClean="0"/>
-              <a:t>“Open for extension, closed for modification”</a:t>
-            </a:r>
-          </a:p>
-          <a:p>
-            <a:r>
-              <a:rPr lang="en-US" dirty="0" smtClean="0"/>
-              <a:t>Liskov Substitution Principle</a:t>
-            </a:r>
-          </a:p>
-          <a:p>
-            <a:pPr lvl="1"/>
-            <a:r>
-              <a:rPr lang="en-US" dirty="0" smtClean="0"/>
-              <a:t>“subtypes should be substitutable”</a:t>
-            </a:r>
-          </a:p>
-          <a:p>
-            <a:r>
-              <a:rPr lang="en-US" dirty="0" smtClean="0"/>
-              <a:t>Interface </a:t>
-            </a:r>
-            <a:r>
-              <a:rPr lang="en-US" dirty="0" err="1" smtClean="0"/>
-              <a:t>Specialisation</a:t>
-            </a:r>
-            <a:r>
-              <a:rPr lang="en-US" dirty="0" smtClean="0"/>
-              <a:t> Principle</a:t>
-            </a:r>
-          </a:p>
-          <a:p>
-            <a:pPr lvl="1"/>
-            <a:r>
-              <a:rPr lang="en-US" dirty="0" smtClean="0"/>
-              <a:t>“Have many client specific interfaces”</a:t>
-            </a:r>
-          </a:p>
-          <a:p>
-            <a:r>
-              <a:rPr lang="en-US" dirty="0" smtClean="0"/>
-              <a:t>Dependency Inversion Principle</a:t>
-            </a:r>
-          </a:p>
-          <a:p>
-            <a:pPr lvl="1"/>
-            <a:r>
-              <a:rPr lang="en-US" dirty="0" smtClean="0"/>
-              <a:t>“Depend on abstractions, not concretion”</a:t>
-            </a:r>
-          </a:p>
-          <a:p>
-            <a:pPr marL="0" indent="0">
-              <a:buNone/>
-            </a:pPr>
-            <a:endParaRPr lang="en-US" dirty="0" smtClean="0"/>
-          </a:p>
-          <a:p>
-            <a:pPr marL="0" indent="0">
-              <a:buNone/>
-            </a:pPr>
-            <a:endParaRPr lang="en-US" dirty="0"/>
-          </a:p>
-        </p:txBody>
-      </p:sp>
-    </p:spTree>
-    <p:extLst>
-      <p:ext uri="{BB962C8B-B14F-4D97-AF65-F5344CB8AC3E}">
-        <p14:creationId xmlns:p14="http://schemas.microsoft.com/office/powerpoint/2010/main" val="29958857"/>
-      </p:ext>
-    </p:extLst>
-  </p:cSld>
-  <p:clrMapOvr>
-    <a:masterClrMapping/>
-  </p:clrMapOvr>
-  <p:timing>
-    <p:tnLst>
-      <p:par>
-        <p:cTn xmlns:p14="http://schemas.microsoft.com/office/powerpoint/2010/main" id="1" dur="indefinite" restart="never" nodeType="tmRoot"/>
-      </p:par>
-    </p:tnLst>
-  </p:timing>
-</p:sld>
-</file>
-
-<file path=ppt/slides/slide55.xml><?xml version="1.0" encoding="utf-8"?>
-<p:sld xmlns:a="http://schemas.openxmlformats.org/drawingml/2006/main" xmlns:r="http://schemas.openxmlformats.org/officeDocument/2006/relationships" xmlns:p="http://schemas.openxmlformats.org/presentationml/2006/main">
-  <p:cSld>
-    <p:spTree>
-      <p:nvGrpSpPr>
-        <p:cNvPr id="1" name=""/>
-        <p:cNvGrpSpPr/>
-        <p:nvPr/>
-      </p:nvGrpSpPr>
-      <p:grpSpPr>
-        <a:xfrm>
-          <a:off x="0" y="0"/>
-          <a:ext cx="0" cy="0"/>
-          <a:chOff x="0" y="0"/>
-          <a:chExt cx="0" cy="0"/>
-        </a:xfrm>
-      </p:grpSpPr>
-      <p:sp>
-        <p:nvSpPr>
-          <p:cNvPr id="2" name="Title 1"/>
-          <p:cNvSpPr>
-            <a:spLocks noGrp="1"/>
-          </p:cNvSpPr>
-          <p:nvPr>
-            <p:ph type="title"/>
-          </p:nvPr>
-        </p:nvSpPr>
-        <p:spPr/>
-        <p:txBody>
-          <a:bodyPr/>
-          <a:lstStyle/>
-          <a:p>
-            <a:r>
-              <a:rPr lang="en-US" dirty="0" smtClean="0"/>
-              <a:t>SOLID: Single Responsibility</a:t>
-            </a:r>
-            <a:endParaRPr lang="en-US" dirty="0"/>
-          </a:p>
-        </p:txBody>
-      </p:sp>
-      <p:sp>
-        <p:nvSpPr>
-          <p:cNvPr id="7" name="Content Placeholder 6"/>
-          <p:cNvSpPr>
-            <a:spLocks noGrp="1"/>
-          </p:cNvSpPr>
-          <p:nvPr>
-            <p:ph idx="1"/>
-          </p:nvPr>
-        </p:nvSpPr>
-        <p:spPr/>
-        <p:txBody>
-          <a:bodyPr/>
-          <a:lstStyle/>
-          <a:p>
-            <a:endParaRPr lang="en-US"/>
-          </a:p>
-        </p:txBody>
-      </p:sp>
-    </p:spTree>
-    <p:extLst>
-      <p:ext uri="{BB962C8B-B14F-4D97-AF65-F5344CB8AC3E}">
-        <p14:creationId xmlns:p14="http://schemas.microsoft.com/office/powerpoint/2010/main" val="450831705"/>
-      </p:ext>
-    </p:extLst>
-  </p:cSld>
-  <p:clrMapOvr>
-    <a:masterClrMapping/>
-  </p:clrMapOvr>
-  <p:timing>
-    <p:tnLst>
-      <p:par>
-        <p:cTn xmlns:p14="http://schemas.microsoft.com/office/powerpoint/2010/main" id="1" dur="indefinite" restart="never" nodeType="tmRoot"/>
-      </p:par>
-    </p:tnLst>
-  </p:timing>
-</p:sld>
-</file>
-
-<file path=ppt/slides/slide56.xml><?xml version="1.0" encoding="utf-8"?>
-<p:sld xmlns:a="http://schemas.openxmlformats.org/drawingml/2006/main" xmlns:r="http://schemas.openxmlformats.org/officeDocument/2006/relationships" xmlns:p="http://schemas.openxmlformats.org/presentationml/2006/main">
-  <p:cSld>
-    <p:spTree>
-      <p:nvGrpSpPr>
-        <p:cNvPr id="1" name=""/>
-        <p:cNvGrpSpPr/>
-        <p:nvPr/>
-      </p:nvGrpSpPr>
-      <p:grpSpPr>
-        <a:xfrm>
-          <a:off x="0" y="0"/>
-          <a:ext cx="0" cy="0"/>
-          <a:chOff x="0" y="0"/>
-          <a:chExt cx="0" cy="0"/>
-        </a:xfrm>
-      </p:grpSpPr>
-      <p:sp>
-        <p:nvSpPr>
-          <p:cNvPr id="18" name="Rectangle 17"/>
-          <p:cNvSpPr/>
-          <p:nvPr/>
-        </p:nvSpPr>
-        <p:spPr bwMode="auto">
-          <a:xfrm>
-            <a:off x="3347864" y="5589240"/>
-            <a:ext cx="2808312" cy="288032"/>
-          </a:xfrm>
-          <a:prstGeom prst="rect">
-            <a:avLst/>
-          </a:prstGeom>
-          <a:solidFill>
-            <a:srgbClr val="FFFF00"/>
-          </a:solidFill>
-          <a:ln w="9525" cap="flat" cmpd="sng" algn="ctr">
-            <a:noFill/>
-            <a:prstDash val="solid"/>
-            <a:round/>
-            <a:headEnd type="none" w="med" len="med"/>
-            <a:tailEnd type="none" w="med" len="med"/>
-          </a:ln>
-          <a:effectLst/>
-        </p:spPr>
-        <p:txBody>
-          <a:bodyPr vert="horz" wrap="square" lIns="91440" tIns="45720" rIns="91440" bIns="45720" numCol="1" rtlCol="0" anchor="t" anchorCtr="0" compatLnSpc="1">
-            <a:prstTxWarp prst="textNoShape">
-              <a:avLst/>
-            </a:prstTxWarp>
-          </a:bodyPr>
-          <a:lstStyle/>
-          <a:p>
-            <a:pPr marL="0" marR="0" indent="0" algn="l" defTabSz="914400" rtl="0" eaLnBrk="0" fontAlgn="base" latinLnBrk="0" hangingPunct="0">
-              <a:lnSpc>
-                <a:spcPct val="100000"/>
-              </a:lnSpc>
-              <a:spcBef>
-                <a:spcPct val="0"/>
-              </a:spcBef>
-              <a:spcAft>
-                <a:spcPct val="0"/>
-              </a:spcAft>
-              <a:buClrTx/>
-              <a:buSzTx/>
-              <a:buFontTx/>
-              <a:buNone/>
-              <a:tabLst/>
-            </a:pPr>
-            <a:endParaRPr kumimoji="0" lang="en-US" sz="2400" b="0" i="0" u="none" strike="noStrike" cap="none" normalizeH="0" baseline="0" smtClean="0">
-              <a:ln>
-                <a:noFill/>
-              </a:ln>
-              <a:solidFill>
-                <a:schemeClr val="tx1"/>
-              </a:solidFill>
-              <a:effectLst/>
-              <a:latin typeface="Arial" charset="0"/>
-              <a:ea typeface="ヒラギノ角ゴ Pro W3" pitchFamily="-80" charset="-128"/>
-            </a:endParaRPr>
-          </a:p>
-        </p:txBody>
-      </p:sp>
-      <p:sp>
-        <p:nvSpPr>
-          <p:cNvPr id="17" name="Rectangle 16"/>
-          <p:cNvSpPr/>
-          <p:nvPr/>
-        </p:nvSpPr>
-        <p:spPr bwMode="auto">
-          <a:xfrm>
-            <a:off x="3347864" y="5085184"/>
-            <a:ext cx="1296144" cy="288032"/>
-          </a:xfrm>
-          <a:prstGeom prst="rect">
-            <a:avLst/>
-          </a:prstGeom>
-          <a:solidFill>
-            <a:srgbClr val="FFFF00"/>
-          </a:solidFill>
-          <a:ln w="9525" cap="flat" cmpd="sng" algn="ctr">
-            <a:noFill/>
-            <a:prstDash val="solid"/>
-            <a:round/>
-            <a:headEnd type="none" w="med" len="med"/>
-            <a:tailEnd type="none" w="med" len="med"/>
-          </a:ln>
-          <a:effectLst/>
-        </p:spPr>
-        <p:txBody>
-          <a:bodyPr vert="horz" wrap="square" lIns="91440" tIns="45720" rIns="91440" bIns="45720" numCol="1" rtlCol="0" anchor="t" anchorCtr="0" compatLnSpc="1">
-            <a:prstTxWarp prst="textNoShape">
-              <a:avLst/>
-            </a:prstTxWarp>
-          </a:bodyPr>
-          <a:lstStyle/>
-          <a:p>
-            <a:pPr marL="0" marR="0" indent="0" algn="l" defTabSz="914400" rtl="0" eaLnBrk="0" fontAlgn="base" latinLnBrk="0" hangingPunct="0">
-              <a:lnSpc>
-                <a:spcPct val="100000"/>
-              </a:lnSpc>
-              <a:spcBef>
-                <a:spcPct val="0"/>
-              </a:spcBef>
-              <a:spcAft>
-                <a:spcPct val="0"/>
-              </a:spcAft>
-              <a:buClrTx/>
-              <a:buSzTx/>
-              <a:buFontTx/>
-              <a:buNone/>
-              <a:tabLst/>
-            </a:pPr>
-            <a:endParaRPr kumimoji="0" lang="en-US" sz="2400" b="0" i="0" u="none" strike="noStrike" cap="none" normalizeH="0" baseline="0" smtClean="0">
-              <a:ln>
-                <a:noFill/>
-              </a:ln>
-              <a:solidFill>
-                <a:schemeClr val="tx1"/>
-              </a:solidFill>
-              <a:effectLst/>
-              <a:latin typeface="Arial" charset="0"/>
-              <a:ea typeface="ヒラギノ角ゴ Pro W3" pitchFamily="-80" charset="-128"/>
-            </a:endParaRPr>
-          </a:p>
-        </p:txBody>
-      </p:sp>
-      <p:sp>
-        <p:nvSpPr>
-          <p:cNvPr id="6" name="TextBox 5"/>
-          <p:cNvSpPr txBox="1"/>
-          <p:nvPr/>
-        </p:nvSpPr>
-        <p:spPr>
-          <a:xfrm>
-            <a:off x="251520" y="4869160"/>
-            <a:ext cx="8712968" cy="1451679"/>
-          </a:xfrm>
-          <a:prstGeom prst="rect">
-            <a:avLst/>
-          </a:prstGeom>
-          <a:noFill/>
-        </p:spPr>
-        <p:txBody>
-          <a:bodyPr wrap="square" rtlCol="0">
-            <a:spAutoFit/>
-          </a:bodyPr>
-          <a:lstStyle/>
-          <a:p>
-            <a:pPr>
-              <a:lnSpc>
-                <a:spcPct val="150000"/>
-              </a:lnSpc>
-            </a:pPr>
-            <a:r>
-              <a:rPr lang="en-US" sz="2000" b="1" dirty="0" smtClean="0">
-                <a:solidFill>
-                  <a:srgbClr val="5E1445"/>
-                </a:solidFill>
-                <a:latin typeface="Consolas-Bold"/>
-              </a:rPr>
-              <a:t>(</a:t>
-            </a:r>
-            <a:r>
-              <a:rPr lang="en-US" sz="2000" dirty="0" err="1">
-                <a:solidFill>
-                  <a:srgbClr val="E03186"/>
-                </a:solidFill>
-                <a:latin typeface="Consolas"/>
-              </a:rPr>
-              <a:t>defmethod</a:t>
-            </a:r>
-            <a:r>
-              <a:rPr lang="en-US" sz="2000" dirty="0">
-                <a:solidFill>
-                  <a:srgbClr val="1C1C14"/>
-                </a:solidFill>
-                <a:latin typeface="Consolas"/>
-              </a:rPr>
-              <a:t> </a:t>
-            </a:r>
-            <a:r>
-              <a:rPr lang="en-US" sz="2000" dirty="0">
-                <a:solidFill>
-                  <a:prstClr val="black"/>
-                </a:solidFill>
-                <a:latin typeface="Consolas"/>
-              </a:rPr>
-              <a:t>menu-item? </a:t>
-            </a:r>
-            <a:r>
-              <a:rPr lang="en-US" sz="2000" dirty="0" err="1">
-                <a:solidFill>
-                  <a:prstClr val="black"/>
-                </a:solidFill>
-                <a:latin typeface="Consolas"/>
-              </a:rPr>
-              <a:t>MenuItem</a:t>
-            </a:r>
-            <a:r>
-              <a:rPr lang="en-US" sz="2000" dirty="0">
-                <a:solidFill>
-                  <a:srgbClr val="1C1C14"/>
-                </a:solidFill>
-                <a:latin typeface="Consolas"/>
-              </a:rPr>
-              <a:t> </a:t>
-            </a:r>
-            <a:r>
-              <a:rPr lang="en-US" sz="2000" b="1" dirty="0">
-                <a:solidFill>
-                  <a:srgbClr val="5E1445"/>
-                </a:solidFill>
-                <a:latin typeface="Consolas-Bold"/>
-              </a:rPr>
-              <a:t>[</a:t>
-            </a:r>
-            <a:r>
-              <a:rPr lang="en-US" sz="2000" dirty="0">
-                <a:solidFill>
-                  <a:prstClr val="black"/>
-                </a:solidFill>
-                <a:latin typeface="Consolas"/>
-              </a:rPr>
-              <a:t>x</a:t>
-            </a:r>
-            <a:r>
-              <a:rPr lang="en-US" sz="2000" b="1" dirty="0">
-                <a:solidFill>
-                  <a:srgbClr val="5E1445"/>
-                </a:solidFill>
-                <a:latin typeface="Consolas-Bold"/>
-              </a:rPr>
-              <a:t>]</a:t>
-            </a:r>
-            <a:r>
-              <a:rPr lang="en-US" sz="2000" dirty="0">
-                <a:solidFill>
-                  <a:srgbClr val="1C1C14"/>
-                </a:solidFill>
-                <a:latin typeface="Consolas"/>
-              </a:rPr>
-              <a:t> </a:t>
-            </a:r>
-            <a:r>
-              <a:rPr lang="en-US" sz="2000" dirty="0">
-                <a:solidFill>
-                  <a:srgbClr val="3C8203"/>
-                </a:solidFill>
-                <a:latin typeface="Consolas"/>
-              </a:rPr>
-              <a:t>true</a:t>
-            </a:r>
-            <a:r>
-              <a:rPr lang="en-US" sz="2000" b="1" dirty="0">
-                <a:solidFill>
-                  <a:srgbClr val="5E1445"/>
-                </a:solidFill>
-                <a:latin typeface="Consolas-Bold"/>
-              </a:rPr>
-              <a:t>)</a:t>
-            </a:r>
-            <a:endParaRPr lang="en-US" sz="2000" dirty="0">
-              <a:solidFill>
-                <a:srgbClr val="1C1C14"/>
-              </a:solidFill>
-              <a:latin typeface="Consolas"/>
-            </a:endParaRPr>
-          </a:p>
-          <a:p>
-            <a:pPr>
-              <a:lnSpc>
-                <a:spcPct val="150000"/>
-              </a:lnSpc>
-            </a:pPr>
-            <a:r>
-              <a:rPr lang="en-US" sz="2000" b="1" dirty="0">
-                <a:solidFill>
-                  <a:srgbClr val="5E1445"/>
-                </a:solidFill>
-                <a:latin typeface="Consolas-Bold"/>
-              </a:rPr>
-              <a:t>(</a:t>
-            </a:r>
-            <a:r>
-              <a:rPr lang="en-US" sz="2000" dirty="0" err="1">
-                <a:solidFill>
-                  <a:srgbClr val="E03186"/>
-                </a:solidFill>
-                <a:latin typeface="Consolas"/>
-              </a:rPr>
-              <a:t>defmethod</a:t>
-            </a:r>
-            <a:r>
-              <a:rPr lang="en-US" sz="2000" dirty="0">
-                <a:solidFill>
-                  <a:srgbClr val="1C1C14"/>
-                </a:solidFill>
-                <a:latin typeface="Consolas"/>
-              </a:rPr>
-              <a:t> </a:t>
-            </a:r>
-            <a:r>
-              <a:rPr lang="en-US" sz="2000" dirty="0">
-                <a:solidFill>
-                  <a:prstClr val="black"/>
-                </a:solidFill>
-                <a:latin typeface="Consolas"/>
-              </a:rPr>
-              <a:t>menu-item? </a:t>
-            </a:r>
-            <a:r>
-              <a:rPr lang="en-US" sz="2000" dirty="0" err="1">
-                <a:solidFill>
-                  <a:prstClr val="black"/>
-                </a:solidFill>
-                <a:latin typeface="Consolas"/>
-              </a:rPr>
-              <a:t>LegacyMenuItemClass</a:t>
-            </a:r>
-            <a:r>
-              <a:rPr lang="en-US" sz="2000" dirty="0">
-                <a:solidFill>
-                  <a:srgbClr val="1C1C14"/>
-                </a:solidFill>
-                <a:latin typeface="Consolas"/>
-              </a:rPr>
-              <a:t> </a:t>
-            </a:r>
-            <a:r>
-              <a:rPr lang="en-US" sz="2000" b="1" dirty="0">
-                <a:solidFill>
-                  <a:srgbClr val="5E1445"/>
-                </a:solidFill>
-                <a:latin typeface="Consolas-Bold"/>
-              </a:rPr>
-              <a:t>[</a:t>
-            </a:r>
-            <a:r>
-              <a:rPr lang="en-US" sz="2000" dirty="0">
-                <a:solidFill>
-                  <a:prstClr val="black"/>
-                </a:solidFill>
-                <a:latin typeface="Consolas"/>
-              </a:rPr>
-              <a:t>x</a:t>
-            </a:r>
-            <a:r>
-              <a:rPr lang="en-US" sz="2000" b="1" dirty="0">
-                <a:solidFill>
-                  <a:srgbClr val="5E1445"/>
-                </a:solidFill>
-                <a:latin typeface="Consolas-Bold"/>
-              </a:rPr>
-              <a:t>]</a:t>
-            </a:r>
-            <a:r>
-              <a:rPr lang="en-US" sz="2000" dirty="0">
-                <a:solidFill>
-                  <a:srgbClr val="1C1C14"/>
-                </a:solidFill>
-                <a:latin typeface="Consolas"/>
-              </a:rPr>
-              <a:t> </a:t>
-            </a:r>
-            <a:r>
-              <a:rPr lang="en-US" sz="2000" dirty="0">
-                <a:solidFill>
-                  <a:srgbClr val="3C8203"/>
-                </a:solidFill>
-                <a:latin typeface="Consolas"/>
-              </a:rPr>
-              <a:t>true</a:t>
-            </a:r>
-            <a:r>
-              <a:rPr lang="en-US" sz="2000" b="1" dirty="0">
-                <a:solidFill>
-                  <a:srgbClr val="5E1445"/>
-                </a:solidFill>
-                <a:latin typeface="Consolas-Bold"/>
-              </a:rPr>
-              <a:t>)</a:t>
-            </a:r>
-            <a:endParaRPr lang="en-US" sz="2000" dirty="0">
-              <a:solidFill>
-                <a:srgbClr val="1C1C14"/>
-              </a:solidFill>
-              <a:latin typeface="Consolas"/>
-            </a:endParaRPr>
-          </a:p>
-          <a:p>
-            <a:pPr>
-              <a:lnSpc>
-                <a:spcPct val="150000"/>
-              </a:lnSpc>
-            </a:pPr>
-            <a:r>
-              <a:rPr lang="en-US" sz="2000" b="1" dirty="0">
-                <a:solidFill>
-                  <a:srgbClr val="5E1445"/>
-                </a:solidFill>
-                <a:latin typeface="Consolas-Bold"/>
-              </a:rPr>
-              <a:t>(</a:t>
-            </a:r>
-            <a:r>
-              <a:rPr lang="en-US" sz="2000" dirty="0" err="1">
-                <a:solidFill>
-                  <a:srgbClr val="E03186"/>
-                </a:solidFill>
-                <a:latin typeface="Consolas"/>
-              </a:rPr>
-              <a:t>defmethod</a:t>
-            </a:r>
-            <a:r>
-              <a:rPr lang="en-US" sz="2000" dirty="0">
-                <a:solidFill>
-                  <a:srgbClr val="1C1C14"/>
-                </a:solidFill>
-                <a:latin typeface="Consolas"/>
-              </a:rPr>
-              <a:t> </a:t>
-            </a:r>
-            <a:r>
-              <a:rPr lang="en-US" sz="2000" dirty="0">
-                <a:solidFill>
-                  <a:prstClr val="black"/>
-                </a:solidFill>
-                <a:latin typeface="Consolas"/>
-              </a:rPr>
-              <a:t>menu-item? </a:t>
-            </a:r>
-            <a:r>
-              <a:rPr lang="en-US" sz="2000" dirty="0">
-                <a:solidFill>
-                  <a:srgbClr val="1657BD"/>
-                </a:solidFill>
-                <a:latin typeface="Consolas"/>
-              </a:rPr>
-              <a:t>:default</a:t>
-            </a:r>
-            <a:r>
-              <a:rPr lang="en-US" sz="2000" dirty="0">
-                <a:solidFill>
-                  <a:srgbClr val="1C1C14"/>
-                </a:solidFill>
-                <a:latin typeface="Consolas"/>
-              </a:rPr>
-              <a:t> </a:t>
-            </a:r>
-            <a:r>
-              <a:rPr lang="en-US" sz="2000" b="1" dirty="0">
-                <a:solidFill>
-                  <a:srgbClr val="5E1445"/>
-                </a:solidFill>
-                <a:latin typeface="Consolas-Bold"/>
-              </a:rPr>
-              <a:t>[</a:t>
-            </a:r>
-            <a:r>
-              <a:rPr lang="en-US" sz="2000" dirty="0">
-                <a:solidFill>
-                  <a:prstClr val="black"/>
-                </a:solidFill>
-                <a:latin typeface="Consolas"/>
-              </a:rPr>
-              <a:t>x</a:t>
-            </a:r>
-            <a:r>
-              <a:rPr lang="en-US" sz="2000" b="1" dirty="0">
-                <a:solidFill>
-                  <a:srgbClr val="5E1445"/>
-                </a:solidFill>
-                <a:latin typeface="Consolas-Bold"/>
-              </a:rPr>
-              <a:t>]</a:t>
-            </a:r>
-            <a:r>
-              <a:rPr lang="en-US" sz="2000" dirty="0">
-                <a:solidFill>
-                  <a:srgbClr val="1C1C14"/>
-                </a:solidFill>
-                <a:latin typeface="Consolas"/>
-              </a:rPr>
-              <a:t> </a:t>
-            </a:r>
-            <a:r>
-              <a:rPr lang="en-US" sz="2000" dirty="0">
-                <a:solidFill>
-                  <a:srgbClr val="3C8203"/>
-                </a:solidFill>
-                <a:latin typeface="Consolas"/>
-              </a:rPr>
-              <a:t>false</a:t>
-            </a:r>
-            <a:r>
-              <a:rPr lang="en-US" sz="2000" b="1" dirty="0">
-                <a:solidFill>
-                  <a:srgbClr val="5E1445"/>
-                </a:solidFill>
-                <a:latin typeface="Consolas-Bold"/>
-              </a:rPr>
-              <a:t>)</a:t>
-            </a:r>
-            <a:endParaRPr lang="en-US" sz="2000" dirty="0"/>
-          </a:p>
-        </p:txBody>
-      </p:sp>
-      <p:sp>
-        <p:nvSpPr>
-          <p:cNvPr id="2" name="Title 1"/>
-          <p:cNvSpPr>
-            <a:spLocks noGrp="1"/>
-          </p:cNvSpPr>
-          <p:nvPr>
-            <p:ph type="title"/>
-          </p:nvPr>
-        </p:nvSpPr>
-        <p:spPr/>
-        <p:txBody>
-          <a:bodyPr/>
-          <a:lstStyle/>
-          <a:p>
-            <a:r>
-              <a:rPr lang="en-US" dirty="0" smtClean="0"/>
-              <a:t>SOLID: Open/Closed Principle</a:t>
-            </a:r>
-            <a:endParaRPr lang="en-US" dirty="0"/>
-          </a:p>
-        </p:txBody>
-      </p:sp>
-      <p:sp>
-        <p:nvSpPr>
-          <p:cNvPr id="4" name="Rectangle 3"/>
-          <p:cNvSpPr/>
-          <p:nvPr/>
-        </p:nvSpPr>
-        <p:spPr bwMode="auto">
-          <a:xfrm>
-            <a:off x="6084168" y="1988840"/>
-            <a:ext cx="2592288" cy="1008112"/>
-          </a:xfrm>
-          <a:prstGeom prst="rect">
-            <a:avLst/>
-          </a:prstGeom>
-          <a:solidFill>
-            <a:srgbClr val="FF0000"/>
-          </a:solidFill>
-          <a:ln w="9525" cap="flat" cmpd="sng" algn="ctr">
-            <a:solidFill>
-              <a:schemeClr val="tx1"/>
-            </a:solidFill>
-            <a:prstDash val="solid"/>
-            <a:round/>
-            <a:headEnd type="none" w="med" len="med"/>
-            <a:tailEnd type="none" w="med" len="med"/>
-          </a:ln>
-          <a:effectLst/>
-        </p:spPr>
-        <p:txBody>
-          <a:bodyPr/>
-          <a:lstStyle/>
-          <a:p>
-            <a:r>
-              <a:rPr lang="en-US" sz="1600" b="1" u="sng" dirty="0" err="1" smtClean="0">
-                <a:solidFill>
-                  <a:schemeClr val="bg1"/>
-                </a:solidFill>
-                <a:latin typeface="Neo Sans Std"/>
-                <a:ea typeface="Neo Sans Std"/>
-              </a:rPr>
-              <a:t>LegacyMenuItemClass</a:t>
-            </a:r>
-            <a:endParaRPr lang="en-US" sz="1600" b="1" u="sng" dirty="0" smtClean="0">
-              <a:solidFill>
-                <a:schemeClr val="bg1"/>
-              </a:solidFill>
-              <a:latin typeface="Neo Sans Std"/>
-              <a:ea typeface="Neo Sans Std"/>
-            </a:endParaRPr>
-          </a:p>
-          <a:p>
-            <a:endParaRPr lang="en-US" sz="1600" b="1" u="sng" dirty="0">
-              <a:latin typeface="Neo Sans Std"/>
-              <a:ea typeface="Neo Sans Std"/>
-            </a:endParaRPr>
-          </a:p>
-        </p:txBody>
-      </p:sp>
-      <p:sp>
-        <p:nvSpPr>
-          <p:cNvPr id="5" name="Rectangle 4"/>
-          <p:cNvSpPr/>
-          <p:nvPr/>
-        </p:nvSpPr>
-        <p:spPr bwMode="auto">
-          <a:xfrm>
-            <a:off x="2483768" y="2204864"/>
-            <a:ext cx="1296144" cy="1152128"/>
-          </a:xfrm>
-          <a:prstGeom prst="rect">
-            <a:avLst/>
-          </a:prstGeom>
-          <a:solidFill>
-            <a:srgbClr val="D1E318"/>
-          </a:solidFill>
-          <a:ln w="9525" cap="flat" cmpd="sng" algn="ctr">
-            <a:solidFill>
-              <a:schemeClr val="tx1"/>
-            </a:solidFill>
-            <a:prstDash val="solid"/>
-            <a:round/>
-            <a:headEnd type="none" w="med" len="med"/>
-            <a:tailEnd type="none" w="med" len="med"/>
-          </a:ln>
-          <a:effectLst/>
-        </p:spPr>
-        <p:txBody>
-          <a:bodyPr/>
-          <a:lstStyle/>
-          <a:p>
-            <a:r>
-              <a:rPr lang="en-US" sz="1600" b="1" u="sng" dirty="0" err="1" smtClean="0">
-                <a:latin typeface="Neo Sans Std"/>
-                <a:ea typeface="Neo Sans Std"/>
-              </a:rPr>
-              <a:t>MenuItem</a:t>
-            </a:r>
-            <a:endParaRPr lang="en-US" sz="1600" b="1" u="sng" dirty="0" smtClean="0">
-              <a:latin typeface="Neo Sans Std"/>
-              <a:ea typeface="Neo Sans Std"/>
-            </a:endParaRPr>
-          </a:p>
-          <a:p>
-            <a:r>
-              <a:rPr lang="en-US" sz="1600" dirty="0" smtClean="0">
-                <a:latin typeface="Neo Sans Std"/>
-                <a:ea typeface="Neo Sans Std"/>
-              </a:rPr>
-              <a:t>:name</a:t>
-            </a:r>
-          </a:p>
-          <a:p>
-            <a:r>
-              <a:rPr lang="en-US" sz="1600" dirty="0" smtClean="0">
-                <a:latin typeface="Neo Sans Std"/>
-                <a:ea typeface="Neo Sans Std"/>
-              </a:rPr>
-              <a:t>:type</a:t>
-            </a:r>
-          </a:p>
-          <a:p>
-            <a:r>
-              <a:rPr lang="en-US" sz="1600" dirty="0" smtClean="0">
-                <a:latin typeface="Neo Sans Std"/>
-                <a:ea typeface="Neo Sans Std"/>
-              </a:rPr>
-              <a:t>:price</a:t>
-            </a:r>
-          </a:p>
-          <a:p>
-            <a:endParaRPr lang="en-US" sz="1600" b="1" u="sng" dirty="0">
-              <a:latin typeface="Neo Sans Std"/>
-              <a:ea typeface="Neo Sans Std"/>
-            </a:endParaRPr>
-          </a:p>
-        </p:txBody>
-      </p:sp>
-      <p:sp>
-        <p:nvSpPr>
-          <p:cNvPr id="9" name="Rectangle 8"/>
-          <p:cNvSpPr/>
-          <p:nvPr/>
-        </p:nvSpPr>
-        <p:spPr bwMode="auto">
-          <a:xfrm>
-            <a:off x="1259632" y="3789040"/>
-            <a:ext cx="5976664" cy="576064"/>
-          </a:xfrm>
-          <a:prstGeom prst="rect">
-            <a:avLst/>
-          </a:prstGeom>
-          <a:solidFill>
-            <a:schemeClr val="bg2"/>
-          </a:solidFill>
-          <a:ln w="9525" cap="flat" cmpd="sng" algn="ctr">
-            <a:solidFill>
-              <a:schemeClr val="tx1"/>
-            </a:solidFill>
-            <a:prstDash val="solid"/>
-            <a:round/>
-            <a:headEnd type="none" w="med" len="med"/>
-            <a:tailEnd type="none" w="med" len="med"/>
-          </a:ln>
-          <a:effectLst/>
-        </p:spPr>
-        <p:txBody>
-          <a:bodyPr vert="horz" wrap="square" lIns="91440" tIns="45720" rIns="91440" bIns="45720" numCol="1" rtlCol="0" anchor="t" anchorCtr="0" compatLnSpc="1">
-            <a:prstTxWarp prst="textNoShape">
-              <a:avLst/>
-            </a:prstTxWarp>
-          </a:bodyPr>
-          <a:lstStyle/>
-          <a:p>
-            <a:r>
-              <a:rPr lang="en-US" sz="2800" b="1" dirty="0">
-                <a:solidFill>
-                  <a:srgbClr val="5E1445"/>
-                </a:solidFill>
-                <a:latin typeface="Consolas-Bold"/>
-              </a:rPr>
-              <a:t>(</a:t>
-            </a:r>
-            <a:r>
-              <a:rPr lang="en-US" sz="2800" dirty="0" err="1">
-                <a:solidFill>
-                  <a:srgbClr val="E03186"/>
-                </a:solidFill>
-                <a:latin typeface="Consolas"/>
-              </a:rPr>
-              <a:t>defmulti</a:t>
-            </a:r>
-            <a:r>
-              <a:rPr lang="en-US" sz="2800" dirty="0">
-                <a:solidFill>
-                  <a:srgbClr val="1C1C14"/>
-                </a:solidFill>
-                <a:latin typeface="Consolas"/>
-              </a:rPr>
-              <a:t> </a:t>
-            </a:r>
-            <a:r>
-              <a:rPr lang="en-US" sz="2800" dirty="0">
-                <a:solidFill>
-                  <a:prstClr val="black"/>
-                </a:solidFill>
-                <a:latin typeface="Consolas"/>
-              </a:rPr>
-              <a:t>menu-item? </a:t>
-            </a:r>
-            <a:r>
-              <a:rPr lang="en-US" sz="2800" dirty="0" smtClean="0">
-                <a:solidFill>
-                  <a:srgbClr val="E03186"/>
-                </a:solidFill>
-                <a:latin typeface="Consolas"/>
-              </a:rPr>
-              <a:t>class </a:t>
-            </a:r>
-            <a:r>
-              <a:rPr lang="en-US" sz="2800" b="1" dirty="0" smtClean="0">
-                <a:solidFill>
-                  <a:srgbClr val="5E1445"/>
-                </a:solidFill>
-                <a:latin typeface="Consolas-Bold"/>
-              </a:rPr>
-              <a:t>)</a:t>
-            </a:r>
-            <a:endParaRPr lang="en-US" sz="2800" b="1" dirty="0">
-              <a:solidFill>
-                <a:srgbClr val="5E1445"/>
-              </a:solidFill>
-              <a:latin typeface="Consolas-Bold"/>
-            </a:endParaRPr>
-          </a:p>
-        </p:txBody>
-      </p:sp>
-      <p:sp>
-        <p:nvSpPr>
-          <p:cNvPr id="11" name="Rectangle 10"/>
-          <p:cNvSpPr/>
-          <p:nvPr/>
-        </p:nvSpPr>
-        <p:spPr bwMode="auto">
-          <a:xfrm>
-            <a:off x="5364088" y="3645024"/>
-            <a:ext cx="1152128" cy="864096"/>
-          </a:xfrm>
-          <a:prstGeom prst="rect">
-            <a:avLst/>
-          </a:prstGeom>
-          <a:noFill/>
-          <a:ln w="9525" cap="flat" cmpd="sng" algn="ctr">
-            <a:solidFill>
-              <a:schemeClr val="tx1"/>
-            </a:solidFill>
-            <a:prstDash val="solid"/>
-            <a:round/>
-            <a:headEnd type="none" w="med" len="med"/>
-            <a:tailEnd type="none" w="med" len="med"/>
-          </a:ln>
-          <a:effectLst/>
-        </p:spPr>
-        <p:txBody>
-          <a:bodyPr vert="horz" wrap="square" lIns="91440" tIns="45720" rIns="91440" bIns="45720" numCol="1" rtlCol="0" anchor="t" anchorCtr="0" compatLnSpc="1">
-            <a:prstTxWarp prst="textNoShape">
-              <a:avLst/>
-            </a:prstTxWarp>
-          </a:bodyPr>
-          <a:lstStyle/>
-          <a:p>
-            <a:pPr marL="0" marR="0" indent="0" algn="l" defTabSz="914400" rtl="0" eaLnBrk="0" fontAlgn="base" latinLnBrk="0" hangingPunct="0">
-              <a:lnSpc>
-                <a:spcPct val="100000"/>
-              </a:lnSpc>
-              <a:spcBef>
-                <a:spcPct val="0"/>
-              </a:spcBef>
-              <a:spcAft>
-                <a:spcPct val="0"/>
-              </a:spcAft>
-              <a:buClrTx/>
-              <a:buSzTx/>
-              <a:buFontTx/>
-              <a:buNone/>
-              <a:tabLst/>
-            </a:pPr>
-            <a:endParaRPr kumimoji="0" lang="en-US" sz="2400" b="0" i="0" u="none" strike="noStrike" cap="none" normalizeH="0" baseline="0" smtClean="0">
-              <a:ln>
-                <a:noFill/>
-              </a:ln>
-              <a:solidFill>
-                <a:schemeClr val="tx1"/>
-              </a:solidFill>
-              <a:effectLst/>
-              <a:latin typeface="Arial" charset="0"/>
-              <a:ea typeface="ヒラギノ角ゴ Pro W3" pitchFamily="-80" charset="-128"/>
-            </a:endParaRPr>
-          </a:p>
-        </p:txBody>
-      </p:sp>
-      <p:cxnSp>
-        <p:nvCxnSpPr>
-          <p:cNvPr id="13" name="Curved Connector 12"/>
-          <p:cNvCxnSpPr>
-            <a:stCxn id="5" idx="3"/>
-            <a:endCxn id="11" idx="0"/>
-          </p:cNvCxnSpPr>
-          <p:nvPr/>
-        </p:nvCxnSpPr>
-        <p:spPr bwMode="auto">
-          <a:xfrm>
-            <a:off x="3779912" y="2780928"/>
-            <a:ext cx="2160240" cy="864096"/>
-          </a:xfrm>
-          <a:prstGeom prst="curvedConnector2">
-            <a:avLst/>
-          </a:prstGeom>
-          <a:solidFill>
-            <a:schemeClr val="accent1"/>
-          </a:solidFill>
-          <a:ln w="9525" cap="flat" cmpd="sng" algn="ctr">
-            <a:solidFill>
-              <a:schemeClr val="tx1"/>
-            </a:solidFill>
-            <a:prstDash val="solid"/>
-            <a:round/>
-            <a:headEnd type="none" w="med" len="med"/>
-            <a:tailEnd type="arrow"/>
-          </a:ln>
-          <a:effectLst/>
-        </p:spPr>
-      </p:cxnSp>
-      <p:cxnSp>
-        <p:nvCxnSpPr>
-          <p:cNvPr id="15" name="Curved Connector 14"/>
-          <p:cNvCxnSpPr>
-            <a:stCxn id="4" idx="2"/>
-            <a:endCxn id="11" idx="0"/>
-          </p:cNvCxnSpPr>
-          <p:nvPr/>
-        </p:nvCxnSpPr>
-        <p:spPr bwMode="auto">
-          <a:xfrm rot="5400000">
-            <a:off x="6336196" y="2600908"/>
-            <a:ext cx="648072" cy="1440160"/>
-          </a:xfrm>
-          <a:prstGeom prst="curvedConnector3">
-            <a:avLst/>
-          </a:prstGeom>
-          <a:solidFill>
-            <a:schemeClr val="accent1"/>
-          </a:solidFill>
-          <a:ln w="9525" cap="flat" cmpd="sng" algn="ctr">
-            <a:solidFill>
-              <a:schemeClr val="tx1"/>
-            </a:solidFill>
-            <a:prstDash val="solid"/>
-            <a:round/>
-            <a:headEnd type="none" w="med" len="med"/>
-            <a:tailEnd type="arrow"/>
-          </a:ln>
-          <a:effectLst/>
-        </p:spPr>
-      </p:cxnSp>
-      <p:sp>
-        <p:nvSpPr>
-          <p:cNvPr id="25" name="Freeform 24"/>
-          <p:cNvSpPr/>
-          <p:nvPr/>
-        </p:nvSpPr>
-        <p:spPr>
-          <a:xfrm>
-            <a:off x="5747897" y="4528829"/>
-            <a:ext cx="935504" cy="1052827"/>
-          </a:xfrm>
-          <a:custGeom>
-            <a:avLst/>
-            <a:gdLst>
-              <a:gd name="connsiteX0" fmla="*/ 813801 w 3303319"/>
-              <a:gd name="connsiteY0" fmla="*/ 0 h 1119890"/>
-              <a:gd name="connsiteX1" fmla="*/ 145441 w 3303319"/>
-              <a:gd name="connsiteY1" fmla="*/ 1119673 h 1119890"/>
-              <a:gd name="connsiteX2" fmla="*/ 3286733 w 3303319"/>
-              <a:gd name="connsiteY2" fmla="*/ 100269 h 1119890"/>
-              <a:gd name="connsiteX3" fmla="*/ 1465452 w 3303319"/>
-              <a:gd name="connsiteY3" fmla="*/ 618327 h 1119890"/>
-              <a:gd name="connsiteX0" fmla="*/ 813801 w 3290045"/>
-              <a:gd name="connsiteY0" fmla="*/ 0 h 1203231"/>
-              <a:gd name="connsiteX1" fmla="*/ 145441 w 3290045"/>
-              <a:gd name="connsiteY1" fmla="*/ 1119673 h 1203231"/>
-              <a:gd name="connsiteX2" fmla="*/ 3286733 w 3290045"/>
-              <a:gd name="connsiteY2" fmla="*/ 100269 h 1203231"/>
-              <a:gd name="connsiteX3" fmla="*/ 797092 w 3290045"/>
-              <a:gd name="connsiteY3" fmla="*/ 1203231 h 1203231"/>
-              <a:gd name="connsiteX0" fmla="*/ 117084 w 2625405"/>
-              <a:gd name="connsiteY0" fmla="*/ 0 h 1203231"/>
-              <a:gd name="connsiteX1" fmla="*/ 1470513 w 2625405"/>
-              <a:gd name="connsiteY1" fmla="*/ 350942 h 1203231"/>
-              <a:gd name="connsiteX2" fmla="*/ 2590016 w 2625405"/>
-              <a:gd name="connsiteY2" fmla="*/ 100269 h 1203231"/>
-              <a:gd name="connsiteX3" fmla="*/ 100375 w 2625405"/>
-              <a:gd name="connsiteY3" fmla="*/ 1203231 h 1203231"/>
-              <a:gd name="connsiteX0" fmla="*/ 96845 w 1450277"/>
-              <a:gd name="connsiteY0" fmla="*/ 0 h 1203231"/>
-              <a:gd name="connsiteX1" fmla="*/ 1450274 w 1450277"/>
-              <a:gd name="connsiteY1" fmla="*/ 350942 h 1203231"/>
-              <a:gd name="connsiteX2" fmla="*/ 80136 w 1450277"/>
-              <a:gd name="connsiteY2" fmla="*/ 1203231 h 1203231"/>
-              <a:gd name="connsiteX0" fmla="*/ 16709 w 1370143"/>
-              <a:gd name="connsiteY0" fmla="*/ 0 h 1203231"/>
-              <a:gd name="connsiteX1" fmla="*/ 1370138 w 1370143"/>
-              <a:gd name="connsiteY1" fmla="*/ 350942 h 1203231"/>
-              <a:gd name="connsiteX2" fmla="*/ 0 w 1370143"/>
-              <a:gd name="connsiteY2" fmla="*/ 1203231 h 1203231"/>
-              <a:gd name="connsiteX0" fmla="*/ 16709 w 735209"/>
-              <a:gd name="connsiteY0" fmla="*/ 0 h 1203231"/>
-              <a:gd name="connsiteX1" fmla="*/ 735196 w 735209"/>
-              <a:gd name="connsiteY1" fmla="*/ 568192 h 1203231"/>
-              <a:gd name="connsiteX2" fmla="*/ 0 w 735209"/>
-              <a:gd name="connsiteY2" fmla="*/ 1203231 h 1203231"/>
-              <a:gd name="connsiteX0" fmla="*/ 16709 w 739619"/>
-              <a:gd name="connsiteY0" fmla="*/ 0 h 1203231"/>
-              <a:gd name="connsiteX1" fmla="*/ 735196 w 739619"/>
-              <a:gd name="connsiteY1" fmla="*/ 568192 h 1203231"/>
-              <a:gd name="connsiteX2" fmla="*/ 0 w 739619"/>
-              <a:gd name="connsiteY2" fmla="*/ 1203231 h 1203231"/>
-              <a:gd name="connsiteX0" fmla="*/ 200508 w 935504"/>
-              <a:gd name="connsiteY0" fmla="*/ 0 h 1052827"/>
-              <a:gd name="connsiteX1" fmla="*/ 918995 w 935504"/>
-              <a:gd name="connsiteY1" fmla="*/ 568192 h 1052827"/>
-              <a:gd name="connsiteX2" fmla="*/ 0 w 935504"/>
-              <a:gd name="connsiteY2" fmla="*/ 1052827 h 1052827"/>
-              <a:gd name="connsiteX0" fmla="*/ 200508 w 935504"/>
-              <a:gd name="connsiteY0" fmla="*/ 0 h 1052827"/>
-              <a:gd name="connsiteX1" fmla="*/ 918995 w 935504"/>
-              <a:gd name="connsiteY1" fmla="*/ 484634 h 1052827"/>
-              <a:gd name="connsiteX2" fmla="*/ 0 w 935504"/>
-              <a:gd name="connsiteY2" fmla="*/ 1052827 h 1052827"/>
-            </a:gdLst>
-            <a:ahLst/>
-            <a:cxnLst>
-              <a:cxn ang="0">
-                <a:pos x="connsiteX0" y="connsiteY0"/>
-              </a:cxn>
-              <a:cxn ang="0">
-                <a:pos x="connsiteX1" y="connsiteY1"/>
-              </a:cxn>
-              <a:cxn ang="0">
-                <a:pos x="connsiteX2" y="connsiteY2"/>
-              </a:cxn>
-            </a:cxnLst>
-            <a:rect l="l" t="t" r="r" b="b"/>
-            <a:pathLst>
-              <a:path w="935504" h="1052827">
-                <a:moveTo>
-                  <a:pt x="200508" y="0"/>
-                </a:moveTo>
-                <a:cubicBezTo>
-                  <a:pt x="1013679" y="367655"/>
-                  <a:pt x="952413" y="309163"/>
-                  <a:pt x="918995" y="484634"/>
-                </a:cubicBezTo>
-                <a:cubicBezTo>
-                  <a:pt x="885577" y="660105"/>
-                  <a:pt x="285445" y="875267"/>
-                  <a:pt x="0" y="1052827"/>
-                </a:cubicBezTo>
-              </a:path>
-            </a:pathLst>
-          </a:custGeom>
-          <a:noFill/>
-          <a:ln>
-            <a:solidFill>
-              <a:schemeClr val="tx1"/>
-            </a:solidFill>
-            <a:headEnd type="none"/>
-            <a:tailEnd type="arrow"/>
-          </a:ln>
-        </p:spPr>
-        <p:txBody>
-          <a:bodyPr vert="horz" wrap="square" lIns="91440" tIns="45720" rIns="91440" bIns="45720" numCol="1" rtlCol="0" anchor="t" anchorCtr="0" compatLnSpc="1">
-            <a:prstTxWarp prst="textNoShape">
-              <a:avLst/>
-            </a:prstTxWarp>
-          </a:bodyPr>
-          <a:lstStyle/>
-          <a:p>
-            <a:pPr marL="0" marR="0" indent="0" algn="l" defTabSz="914400" rtl="0" eaLnBrk="0" fontAlgn="base" latinLnBrk="0" hangingPunct="0">
-              <a:lnSpc>
-                <a:spcPct val="100000"/>
-              </a:lnSpc>
-              <a:spcBef>
-                <a:spcPct val="0"/>
-              </a:spcBef>
-              <a:spcAft>
-                <a:spcPct val="0"/>
-              </a:spcAft>
-              <a:buClrTx/>
-              <a:buSzTx/>
-              <a:buFontTx/>
-              <a:buNone/>
-              <a:tabLst/>
-            </a:pPr>
-            <a:endParaRPr kumimoji="0" lang="en-US" sz="2400" b="0" i="0" u="none" strike="noStrike" cap="none" normalizeH="0" baseline="0" smtClean="0">
-              <a:ln>
-                <a:noFill/>
-              </a:ln>
-              <a:solidFill>
-                <a:schemeClr val="tx1"/>
-              </a:solidFill>
-              <a:effectLst/>
-              <a:latin typeface="Arial" charset="0"/>
-              <a:ea typeface="ヒラギノ角ゴ Pro W3" pitchFamily="-80" charset="-128"/>
-            </a:endParaRPr>
-          </a:p>
-        </p:txBody>
-      </p:sp>
-      <p:cxnSp>
-        <p:nvCxnSpPr>
-          <p:cNvPr id="20" name="Curved Connector 19"/>
-          <p:cNvCxnSpPr>
-            <a:stCxn id="11" idx="2"/>
-            <a:endCxn id="17" idx="0"/>
-          </p:cNvCxnSpPr>
-          <p:nvPr/>
-        </p:nvCxnSpPr>
-        <p:spPr bwMode="auto">
-          <a:xfrm rot="5400000">
-            <a:off x="4680012" y="3825044"/>
-            <a:ext cx="576064" cy="1944216"/>
-          </a:xfrm>
-          <a:prstGeom prst="curvedConnector3">
-            <a:avLst>
-              <a:gd name="adj1" fmla="val 50000"/>
-            </a:avLst>
-          </a:prstGeom>
-          <a:solidFill>
-            <a:schemeClr val="accent1"/>
-          </a:solidFill>
-          <a:ln w="9525" cap="flat" cmpd="sng" algn="ctr">
-            <a:solidFill>
-              <a:schemeClr val="tx1"/>
-            </a:solidFill>
-            <a:prstDash val="solid"/>
-            <a:round/>
-            <a:headEnd type="none" w="med" len="med"/>
-            <a:tailEnd type="arrow"/>
-          </a:ln>
-          <a:effectLst/>
-        </p:spPr>
-      </p:cxnSp>
-    </p:spTree>
-    <p:extLst>
-      <p:ext uri="{BB962C8B-B14F-4D97-AF65-F5344CB8AC3E}">
-        <p14:creationId xmlns:p14="http://schemas.microsoft.com/office/powerpoint/2010/main" val="2974915736"/>
-      </p:ext>
-    </p:extLst>
-  </p:cSld>
-  <p:clrMapOvr>
-    <a:masterClrMapping/>
-  </p:clrMapOvr>
-</p:sld>
-</file>
-
-<file path=ppt/slides/slide57.xml><?xml version="1.0" encoding="utf-8"?>
-<p:sld xmlns:a="http://schemas.openxmlformats.org/drawingml/2006/main" xmlns:r="http://schemas.openxmlformats.org/officeDocument/2006/relationships" xmlns:p="http://schemas.openxmlformats.org/presentationml/2006/main">
-  <p:cSld>
-    <p:spTree>
-      <p:nvGrpSpPr>
-        <p:cNvPr id="1" name=""/>
-        <p:cNvGrpSpPr/>
-        <p:nvPr/>
-      </p:nvGrpSpPr>
-      <p:grpSpPr>
-        <a:xfrm>
-          <a:off x="0" y="0"/>
-          <a:ext cx="0" cy="0"/>
-          <a:chOff x="0" y="0"/>
-          <a:chExt cx="0" cy="0"/>
-        </a:xfrm>
-      </p:grpSpPr>
-      <p:sp>
-        <p:nvSpPr>
-          <p:cNvPr id="2" name="Title 1"/>
-          <p:cNvSpPr>
-            <a:spLocks noGrp="1"/>
-          </p:cNvSpPr>
-          <p:nvPr>
-            <p:ph type="title"/>
-          </p:nvPr>
-        </p:nvSpPr>
-        <p:spPr>
-          <a:xfrm>
-            <a:off x="533400" y="1066800"/>
-            <a:ext cx="7927032" cy="685800"/>
-          </a:xfrm>
-        </p:spPr>
-        <p:txBody>
-          <a:bodyPr/>
-          <a:lstStyle/>
-          <a:p>
-            <a:r>
-              <a:rPr lang="en-US" dirty="0" smtClean="0"/>
-              <a:t>SOLID: Really Open for Extension</a:t>
-            </a:r>
-            <a:endParaRPr lang="en-US" dirty="0"/>
-          </a:p>
-        </p:txBody>
-      </p:sp>
-      <p:sp>
-        <p:nvSpPr>
-          <p:cNvPr id="3" name="Content Placeholder 2"/>
-          <p:cNvSpPr>
-            <a:spLocks noGrp="1"/>
-          </p:cNvSpPr>
-          <p:nvPr>
-            <p:ph sz="half" idx="1"/>
-          </p:nvPr>
-        </p:nvSpPr>
-        <p:spPr/>
-        <p:txBody>
-          <a:bodyPr>
-            <a:normAutofit/>
-          </a:bodyPr>
-          <a:lstStyle/>
-          <a:p>
-            <a:pPr marL="0" indent="0">
-              <a:buNone/>
-            </a:pPr>
-            <a:r>
-              <a:rPr lang="en-US" sz="1600" dirty="0"/>
-              <a:t>(</a:t>
-            </a:r>
-            <a:r>
-              <a:rPr lang="en-US" sz="1600" dirty="0" err="1"/>
-              <a:t>defrecord</a:t>
-            </a:r>
-            <a:r>
-              <a:rPr lang="en-US" sz="1600" dirty="0"/>
-              <a:t> Conference [name year])</a:t>
-            </a:r>
-          </a:p>
-          <a:p>
-            <a:pPr marL="0" indent="0">
-              <a:buNone/>
-            </a:pPr>
-            <a:endParaRPr lang="en-US" sz="1600" dirty="0"/>
-          </a:p>
-          <a:p>
-            <a:pPr marL="0" indent="0">
-              <a:buNone/>
-            </a:pPr>
-            <a:r>
-              <a:rPr lang="en-US" sz="1600" dirty="0"/>
-              <a:t>(</a:t>
-            </a:r>
-            <a:r>
-              <a:rPr lang="en-US" sz="1600" dirty="0" err="1"/>
-              <a:t>def</a:t>
-            </a:r>
-            <a:r>
-              <a:rPr lang="en-US" sz="1600" dirty="0"/>
-              <a:t> </a:t>
-            </a:r>
-            <a:r>
-              <a:rPr lang="en-US" sz="1600" dirty="0" err="1"/>
-              <a:t>ndc</a:t>
-            </a:r>
-            <a:r>
-              <a:rPr lang="en-US" sz="1600" dirty="0"/>
-              <a:t> (Conference. “NDC” 2011))</a:t>
-            </a:r>
-          </a:p>
-          <a:p>
-            <a:pPr marL="0" indent="0">
-              <a:buNone/>
-            </a:pPr>
-            <a:r>
-              <a:rPr lang="en-US" sz="1600" dirty="0" smtClean="0"/>
-              <a:t>(</a:t>
-            </a:r>
-            <a:r>
-              <a:rPr lang="en-US" sz="1600" dirty="0" err="1" smtClean="0"/>
-              <a:t>def</a:t>
-            </a:r>
-            <a:r>
-              <a:rPr lang="en-US" sz="1600" dirty="0" smtClean="0"/>
-              <a:t> ratings [ 5 5 4 5])</a:t>
-            </a:r>
-          </a:p>
-          <a:p>
-            <a:pPr marL="0" indent="0">
-              <a:buNone/>
-            </a:pPr>
-            <a:endParaRPr lang="en-US" sz="1600" dirty="0" smtClean="0"/>
-          </a:p>
-          <a:p>
-            <a:pPr marL="0" indent="0">
-              <a:buNone/>
-            </a:pPr>
-            <a:r>
-              <a:rPr lang="en-US" sz="1600" dirty="0" smtClean="0"/>
-              <a:t>(</a:t>
-            </a:r>
-            <a:r>
-              <a:rPr lang="en-US" sz="1600" dirty="0" err="1" smtClean="0"/>
-              <a:t>def</a:t>
-            </a:r>
-            <a:r>
-              <a:rPr lang="en-US" sz="1600" dirty="0" smtClean="0"/>
-              <a:t> </a:t>
-            </a:r>
-            <a:r>
-              <a:rPr lang="en-US" sz="1600" dirty="0" err="1" smtClean="0"/>
-              <a:t>ext</a:t>
-            </a:r>
-            <a:endParaRPr lang="en-US" sz="1600" dirty="0" smtClean="0"/>
-          </a:p>
-          <a:p>
-            <a:pPr marL="0" indent="0">
-              <a:buNone/>
-            </a:pPr>
-            <a:r>
-              <a:rPr lang="en-US" sz="1600" dirty="0" smtClean="0"/>
-              <a:t>(</a:t>
-            </a:r>
-            <a:r>
-              <a:rPr lang="en-US" sz="1600" dirty="0" err="1" smtClean="0"/>
-              <a:t>assoc</a:t>
-            </a:r>
-            <a:r>
-              <a:rPr lang="en-US" sz="1600" dirty="0" smtClean="0"/>
-              <a:t> </a:t>
-            </a:r>
-            <a:r>
-              <a:rPr lang="en-US" sz="1600" dirty="0" err="1" smtClean="0"/>
-              <a:t>ndc</a:t>
-            </a:r>
-            <a:r>
-              <a:rPr lang="en-US" sz="1600" dirty="0" smtClean="0"/>
-              <a:t> :rating (average ratings)))</a:t>
-            </a:r>
-          </a:p>
-          <a:p>
-            <a:pPr marL="0" indent="0">
-              <a:buNone/>
-            </a:pPr>
-            <a:endParaRPr lang="en-US" sz="1600" dirty="0"/>
-          </a:p>
-          <a:p>
-            <a:pPr marL="0" indent="0">
-              <a:buNone/>
-            </a:pPr>
-            <a:r>
-              <a:rPr lang="en-US" sz="1600" dirty="0" smtClean="0"/>
-              <a:t>;; still a Conference</a:t>
-            </a:r>
-          </a:p>
-          <a:p>
-            <a:pPr marL="0" indent="0">
-              <a:buNone/>
-            </a:pPr>
-            <a:r>
-              <a:rPr lang="en-US" sz="1600" dirty="0" smtClean="0"/>
-              <a:t>;; with extra :rating key</a:t>
-            </a:r>
-          </a:p>
-          <a:p>
-            <a:pPr marL="0" indent="0">
-              <a:buNone/>
-            </a:pPr>
-            <a:endParaRPr lang="en-US" sz="1600" dirty="0"/>
-          </a:p>
-          <a:p>
-            <a:pPr marL="0" indent="0">
-              <a:buNone/>
-            </a:pPr>
-            <a:r>
-              <a:rPr lang="en-US" sz="1600" dirty="0" smtClean="0"/>
-              <a:t>(sort-by :rating rated-</a:t>
-            </a:r>
-            <a:r>
-              <a:rPr lang="en-US" sz="1600" dirty="0" err="1" smtClean="0"/>
-              <a:t>confs</a:t>
-            </a:r>
-            <a:r>
-              <a:rPr lang="en-US" sz="1600" dirty="0" smtClean="0"/>
-              <a:t>)</a:t>
-            </a:r>
-            <a:endParaRPr lang="en-US" sz="1600" dirty="0"/>
-          </a:p>
-          <a:p>
-            <a:pPr marL="0" indent="0">
-              <a:buNone/>
-            </a:pPr>
-            <a:endParaRPr lang="en-US" sz="1600" dirty="0" smtClean="0"/>
-          </a:p>
-          <a:p>
-            <a:pPr marL="0" indent="0">
-              <a:buNone/>
-            </a:pPr>
-            <a:endParaRPr lang="en-US" sz="1600" dirty="0" smtClean="0"/>
-          </a:p>
-        </p:txBody>
-      </p:sp>
-      <p:sp>
-        <p:nvSpPr>
-          <p:cNvPr id="4" name="Content Placeholder 3"/>
-          <p:cNvSpPr>
-            <a:spLocks noGrp="1"/>
-          </p:cNvSpPr>
-          <p:nvPr>
-            <p:ph sz="half" idx="2"/>
-          </p:nvPr>
-        </p:nvSpPr>
-        <p:spPr/>
-        <p:txBody>
-          <a:bodyPr/>
-          <a:lstStyle/>
-          <a:p>
-            <a:pPr marL="0" indent="0">
-              <a:buNone/>
-            </a:pPr>
-            <a:r>
-              <a:rPr lang="en-US" sz="1600" dirty="0" smtClean="0"/>
-              <a:t>class Conference { Name Year }</a:t>
-            </a:r>
-          </a:p>
-          <a:p>
-            <a:pPr marL="0" indent="0">
-              <a:buNone/>
-            </a:pPr>
-            <a:r>
-              <a:rPr lang="en-US" sz="1600" dirty="0"/>
-              <a:t>c</a:t>
-            </a:r>
-            <a:r>
-              <a:rPr lang="en-US" sz="1600" dirty="0" smtClean="0"/>
-              <a:t>lass </a:t>
-            </a:r>
-            <a:r>
-              <a:rPr lang="en-US" sz="1600" dirty="0" err="1" smtClean="0"/>
-              <a:t>RatedConf</a:t>
-            </a:r>
-            <a:r>
-              <a:rPr lang="en-US" sz="1600" dirty="0" smtClean="0"/>
-              <a:t> { </a:t>
-            </a:r>
-            <a:r>
-              <a:rPr lang="en-US" sz="1600" dirty="0" err="1" smtClean="0"/>
-              <a:t>Conf</a:t>
-            </a:r>
-            <a:r>
-              <a:rPr lang="en-US" sz="1600" dirty="0" smtClean="0"/>
-              <a:t> Rating }</a:t>
-            </a:r>
-          </a:p>
-          <a:p>
-            <a:pPr marL="0" indent="0">
-              <a:buNone/>
-            </a:pPr>
-            <a:endParaRPr lang="en-US" sz="1600" dirty="0"/>
-          </a:p>
-          <a:p>
-            <a:pPr marL="0" indent="0">
-              <a:buNone/>
-            </a:pPr>
-            <a:r>
-              <a:rPr lang="en-US" sz="1600" dirty="0" err="1" smtClean="0"/>
-              <a:t>var</a:t>
-            </a:r>
-            <a:r>
-              <a:rPr lang="en-US" sz="1600" dirty="0" smtClean="0"/>
-              <a:t> </a:t>
-            </a:r>
-            <a:r>
-              <a:rPr lang="en-US" sz="1600" dirty="0" err="1" smtClean="0"/>
-              <a:t>ext</a:t>
-            </a:r>
-            <a:r>
-              <a:rPr lang="en-US" sz="1600" dirty="0" smtClean="0"/>
-              <a:t> = new </a:t>
-            </a:r>
-            <a:r>
-              <a:rPr lang="en-US" sz="1600" dirty="0" err="1" smtClean="0"/>
-              <a:t>RatedConf</a:t>
-            </a:r>
-            <a:r>
-              <a:rPr lang="en-US" sz="1600" dirty="0" smtClean="0"/>
-              <a:t>( </a:t>
-            </a:r>
-            <a:r>
-              <a:rPr lang="en-US" sz="1600" dirty="0" err="1" smtClean="0"/>
-              <a:t>ndc</a:t>
-            </a:r>
-            <a:r>
-              <a:rPr lang="en-US" sz="1600" dirty="0" smtClean="0"/>
-              <a:t>, </a:t>
-            </a:r>
-          </a:p>
-          <a:p>
-            <a:pPr marL="0" indent="0">
-              <a:buNone/>
-            </a:pPr>
-            <a:r>
-              <a:rPr lang="en-US" sz="1600" dirty="0" smtClean="0"/>
-              <a:t> Average(ratings) );</a:t>
-            </a:r>
-          </a:p>
-          <a:p>
-            <a:pPr marL="0" indent="0">
-              <a:buNone/>
-            </a:pPr>
-            <a:endParaRPr lang="en-US" sz="1600" dirty="0"/>
-          </a:p>
-          <a:p>
-            <a:pPr marL="0" indent="0">
-              <a:buNone/>
-            </a:pPr>
-            <a:r>
-              <a:rPr lang="en-US" sz="1600" dirty="0" smtClean="0"/>
-              <a:t>// New type needed</a:t>
-            </a:r>
-          </a:p>
-          <a:p>
-            <a:pPr marL="0" indent="0">
-              <a:buNone/>
-            </a:pPr>
-            <a:endParaRPr lang="en-US" sz="1600" dirty="0" smtClean="0"/>
-          </a:p>
-          <a:p>
-            <a:pPr marL="0" indent="0">
-              <a:buNone/>
-            </a:pPr>
-            <a:r>
-              <a:rPr lang="en-US" sz="1600" dirty="0" smtClean="0"/>
-              <a:t>Sorting by rating requires knowledge of </a:t>
-            </a:r>
-            <a:r>
-              <a:rPr lang="en-US" sz="1600" dirty="0" err="1" smtClean="0"/>
-              <a:t>RatedConf</a:t>
-            </a:r>
-            <a:r>
-              <a:rPr lang="en-US" sz="1600" dirty="0" smtClean="0"/>
-              <a:t> type</a:t>
-            </a:r>
-          </a:p>
-          <a:p>
-            <a:pPr marL="0" indent="0">
-              <a:buNone/>
-            </a:pPr>
-            <a:endParaRPr lang="en-US" sz="1600" dirty="0" smtClean="0"/>
-          </a:p>
-          <a:p>
-            <a:pPr marL="0" indent="0">
-              <a:buNone/>
-            </a:pPr>
-            <a:endParaRPr lang="en-US" sz="1600" dirty="0"/>
-          </a:p>
-        </p:txBody>
-      </p:sp>
-    </p:spTree>
-    <p:extLst>
-      <p:ext uri="{BB962C8B-B14F-4D97-AF65-F5344CB8AC3E}">
-        <p14:creationId xmlns:p14="http://schemas.microsoft.com/office/powerpoint/2010/main" val="3240827000"/>
-      </p:ext>
-    </p:extLst>
-  </p:cSld>
-  <p:clrMapOvr>
-    <a:masterClrMapping/>
-  </p:clrMapOvr>
-  <p:timing>
-    <p:tnLst>
-      <p:par>
-        <p:cTn xmlns:p14="http://schemas.microsoft.com/office/powerpoint/2010/main" id="1" dur="indefinite" restart="never" nodeType="tmRoot"/>
-      </p:par>
-    </p:tnLst>
-  </p:timing>
-</p:sld>
-</file>
-
-<file path=ppt/slides/slide58.xml><?xml version="1.0" encoding="utf-8"?>
-<p:sld xmlns:a="http://schemas.openxmlformats.org/drawingml/2006/main" xmlns:r="http://schemas.openxmlformats.org/officeDocument/2006/relationships" xmlns:p="http://schemas.openxmlformats.org/presentationml/2006/main">
-  <p:cSld>
-    <p:spTree>
-      <p:nvGrpSpPr>
-        <p:cNvPr id="1" name=""/>
-        <p:cNvGrpSpPr/>
-        <p:nvPr/>
-      </p:nvGrpSpPr>
-      <p:grpSpPr>
-        <a:xfrm>
-          <a:off x="0" y="0"/>
-          <a:ext cx="0" cy="0"/>
-          <a:chOff x="0" y="0"/>
-          <a:chExt cx="0" cy="0"/>
-        </a:xfrm>
-      </p:grpSpPr>
-      <p:sp>
-        <p:nvSpPr>
-          <p:cNvPr id="2" name="Title 1"/>
-          <p:cNvSpPr>
-            <a:spLocks noGrp="1"/>
-          </p:cNvSpPr>
-          <p:nvPr>
-            <p:ph type="title"/>
-          </p:nvPr>
-        </p:nvSpPr>
-        <p:spPr/>
-        <p:txBody>
-          <a:bodyPr/>
-          <a:lstStyle/>
-          <a:p>
-            <a:r>
-              <a:rPr lang="en-US" dirty="0" err="1" smtClean="0"/>
-              <a:t>Liskov</a:t>
-            </a:r>
-            <a:r>
-              <a:rPr lang="en-US" dirty="0" smtClean="0"/>
-              <a:t> </a:t>
-            </a:r>
-            <a:r>
-              <a:rPr lang="en-US" dirty="0" err="1" smtClean="0"/>
-              <a:t>Substition</a:t>
-            </a:r>
-            <a:endParaRPr lang="en-US" dirty="0"/>
-          </a:p>
-        </p:txBody>
-      </p:sp>
-      <p:sp>
-        <p:nvSpPr>
-          <p:cNvPr id="3" name="Content Placeholder 2"/>
-          <p:cNvSpPr>
-            <a:spLocks noGrp="1"/>
-          </p:cNvSpPr>
-          <p:nvPr>
-            <p:ph idx="1"/>
-          </p:nvPr>
-        </p:nvSpPr>
-        <p:spPr/>
-        <p:txBody>
-          <a:bodyPr/>
-          <a:lstStyle/>
-          <a:p>
-            <a:endParaRPr lang="en-US"/>
-          </a:p>
-        </p:txBody>
-      </p:sp>
-    </p:spTree>
-    <p:extLst>
-      <p:ext uri="{BB962C8B-B14F-4D97-AF65-F5344CB8AC3E}">
-        <p14:creationId xmlns:p14="http://schemas.microsoft.com/office/powerpoint/2010/main" val="1084443370"/>
-      </p:ext>
-    </p:extLst>
-  </p:cSld>
-  <p:clrMapOvr>
-    <a:masterClrMapping/>
-  </p:clrMapOvr>
-  <p:timing>
-    <p:tnLst>
-      <p:par>
-        <p:cTn xmlns:p14="http://schemas.microsoft.com/office/powerpoint/2010/main" id="1" dur="indefinite" restart="never" nodeType="tmRoot"/>
-      </p:par>
-    </p:tnLst>
-  </p:timing>
-</p:sld>
-</file>
-
-<file path=ppt/slides/slide59.xml><?xml version="1.0" encoding="utf-8"?>
-<p:sld xmlns:a="http://schemas.openxmlformats.org/drawingml/2006/main" xmlns:r="http://schemas.openxmlformats.org/officeDocument/2006/relationships" xmlns:p="http://schemas.openxmlformats.org/presentationml/2006/main">
-  <p:cSld>
-    <p:spTree>
-      <p:nvGrpSpPr>
-        <p:cNvPr id="1" name=""/>
-        <p:cNvGrpSpPr/>
-        <p:nvPr/>
-      </p:nvGrpSpPr>
-      <p:grpSpPr>
-        <a:xfrm>
-          <a:off x="0" y="0"/>
-          <a:ext cx="0" cy="0"/>
-          <a:chOff x="0" y="0"/>
-          <a:chExt cx="0" cy="0"/>
-        </a:xfrm>
-      </p:grpSpPr>
-      <p:sp>
-        <p:nvSpPr>
-          <p:cNvPr id="2" name="Title 1"/>
-          <p:cNvSpPr>
-            <a:spLocks noGrp="1"/>
-          </p:cNvSpPr>
-          <p:nvPr>
-            <p:ph type="title"/>
-          </p:nvPr>
-        </p:nvSpPr>
-        <p:spPr/>
-        <p:txBody>
-          <a:bodyPr/>
-          <a:lstStyle/>
-          <a:p>
-            <a:r>
-              <a:rPr lang="en-US" dirty="0"/>
-              <a:t>SOLID: Interface Segregation</a:t>
-            </a:r>
-          </a:p>
-        </p:txBody>
-      </p:sp>
-      <p:sp>
-        <p:nvSpPr>
-          <p:cNvPr id="3" name="Rectangle 2"/>
-          <p:cNvSpPr/>
-          <p:nvPr/>
-        </p:nvSpPr>
-        <p:spPr>
-          <a:xfrm>
-            <a:off x="755576" y="2204863"/>
-            <a:ext cx="7848872" cy="3785652"/>
-          </a:xfrm>
-          <a:prstGeom prst="rect">
-            <a:avLst/>
-          </a:prstGeom>
-        </p:spPr>
-        <p:txBody>
-          <a:bodyPr wrap="square">
-            <a:spAutoFit/>
-          </a:bodyPr>
-          <a:lstStyle/>
-          <a:p>
-            <a:pPr marL="0" indent="0">
-              <a:buNone/>
-            </a:pPr>
-            <a:r>
-              <a:rPr lang="en-US" sz="2000" b="1" dirty="0">
-                <a:solidFill>
-                  <a:srgbClr val="5E1445"/>
-                </a:solidFill>
-                <a:latin typeface="Consolas-Bold"/>
-              </a:rPr>
-              <a:t>(</a:t>
-            </a:r>
-            <a:r>
-              <a:rPr lang="en-US" sz="2000" dirty="0" err="1">
-                <a:solidFill>
-                  <a:prstClr val="black"/>
-                </a:solidFill>
-                <a:latin typeface="Consolas"/>
-              </a:rPr>
-              <a:t>deftype</a:t>
-            </a:r>
-            <a:r>
-              <a:rPr lang="en-US" sz="2000" dirty="0">
-                <a:solidFill>
-                  <a:srgbClr val="1C1C14"/>
-                </a:solidFill>
-                <a:latin typeface="Consolas"/>
-              </a:rPr>
-              <a:t> </a:t>
-            </a:r>
-            <a:r>
-              <a:rPr lang="en-US" sz="2000" dirty="0" err="1">
-                <a:solidFill>
-                  <a:prstClr val="black"/>
-                </a:solidFill>
-                <a:latin typeface="Consolas"/>
-              </a:rPr>
-              <a:t>EnemyType</a:t>
-            </a:r>
-            <a:r>
-              <a:rPr lang="en-US" sz="2000" dirty="0">
-                <a:solidFill>
-                  <a:srgbClr val="1C1C14"/>
-                </a:solidFill>
-                <a:latin typeface="Consolas"/>
-              </a:rPr>
-              <a:t> </a:t>
-            </a:r>
-            <a:r>
-              <a:rPr lang="en-US" sz="2000" b="1" dirty="0">
-                <a:solidFill>
-                  <a:srgbClr val="5E1445"/>
-                </a:solidFill>
-                <a:latin typeface="Consolas-Bold"/>
-              </a:rPr>
-              <a:t>[</a:t>
-            </a:r>
-            <a:r>
-              <a:rPr lang="en-US" sz="2000" dirty="0">
-                <a:solidFill>
-                  <a:prstClr val="black"/>
-                </a:solidFill>
-                <a:latin typeface="Consolas"/>
-              </a:rPr>
-              <a:t>x</a:t>
-            </a:r>
-            <a:r>
-              <a:rPr lang="en-US" sz="2000" dirty="0">
-                <a:solidFill>
-                  <a:srgbClr val="1C1C14"/>
-                </a:solidFill>
-                <a:latin typeface="Consolas"/>
-              </a:rPr>
-              <a:t> </a:t>
-            </a:r>
-            <a:r>
-              <a:rPr lang="en-US" sz="2000" dirty="0">
-                <a:solidFill>
-                  <a:prstClr val="black"/>
-                </a:solidFill>
-                <a:latin typeface="Consolas"/>
-              </a:rPr>
-              <a:t>y</a:t>
-            </a:r>
-            <a:r>
-              <a:rPr lang="en-US" sz="2000" b="1" dirty="0">
-                <a:solidFill>
-                  <a:srgbClr val="5E1445"/>
-                </a:solidFill>
-                <a:latin typeface="Consolas-Bold"/>
-              </a:rPr>
-              <a:t>]</a:t>
-            </a:r>
-            <a:r>
-              <a:rPr lang="en-US" sz="2000" b="1" dirty="0" smtClean="0">
-                <a:solidFill>
-                  <a:srgbClr val="5E1445"/>
-                </a:solidFill>
-                <a:latin typeface="Consolas-Bold"/>
-              </a:rPr>
-              <a:t>)</a:t>
-            </a:r>
-          </a:p>
-          <a:p>
-            <a:pPr marL="0" indent="0">
-              <a:buNone/>
-            </a:pPr>
-            <a:r>
-              <a:rPr lang="en-US" sz="2000" dirty="0">
-                <a:solidFill>
-                  <a:srgbClr val="1C1C14"/>
-                </a:solidFill>
-                <a:latin typeface="Consolas"/>
-              </a:rPr>
-              <a:t>		</a:t>
-            </a:r>
-          </a:p>
-          <a:p>
-            <a:pPr marL="0" indent="0">
-              <a:buNone/>
-            </a:pPr>
-            <a:r>
-              <a:rPr lang="en-US" sz="2000" b="1" dirty="0" smtClean="0">
-                <a:solidFill>
-                  <a:srgbClr val="5E1445"/>
-                </a:solidFill>
-                <a:latin typeface="Consolas-Bold"/>
-              </a:rPr>
-              <a:t>(</a:t>
-            </a:r>
-            <a:r>
-              <a:rPr lang="en-US" sz="2000" dirty="0" err="1">
-                <a:solidFill>
-                  <a:prstClr val="black"/>
-                </a:solidFill>
-                <a:latin typeface="Consolas"/>
-              </a:rPr>
-              <a:t>defprotocol</a:t>
-            </a:r>
-            <a:r>
-              <a:rPr lang="en-US" sz="2000" dirty="0">
-                <a:solidFill>
-                  <a:srgbClr val="1C1C14"/>
-                </a:solidFill>
-                <a:latin typeface="Consolas"/>
-              </a:rPr>
-              <a:t> </a:t>
-            </a:r>
-            <a:r>
-              <a:rPr lang="en-US" sz="2000" dirty="0" err="1">
-                <a:solidFill>
-                  <a:prstClr val="black"/>
-                </a:solidFill>
-                <a:latin typeface="Consolas"/>
-              </a:rPr>
-              <a:t>ClientProtocol</a:t>
-            </a:r>
-            <a:endParaRPr lang="en-US" sz="2000" dirty="0">
-              <a:solidFill>
-                <a:srgbClr val="1C1C14"/>
-              </a:solidFill>
-              <a:latin typeface="Consolas"/>
-            </a:endParaRPr>
-          </a:p>
-          <a:p>
-            <a:pPr marL="0" indent="0">
-              <a:buNone/>
-            </a:pPr>
-            <a:r>
-              <a:rPr lang="en-US" sz="2000" dirty="0">
-                <a:solidFill>
-                  <a:srgbClr val="1C1C14"/>
-                </a:solidFill>
-                <a:latin typeface="Consolas"/>
-              </a:rPr>
-              <a:t>  </a:t>
-            </a:r>
-            <a:r>
-              <a:rPr lang="en-US" sz="2000" b="1" dirty="0">
-                <a:solidFill>
-                  <a:srgbClr val="5E1445"/>
-                </a:solidFill>
-                <a:latin typeface="Consolas-Bold"/>
-              </a:rPr>
-              <a:t>(</a:t>
-            </a:r>
-            <a:r>
-              <a:rPr lang="en-US" sz="2000" dirty="0">
-                <a:solidFill>
-                  <a:prstClr val="black"/>
-                </a:solidFill>
-                <a:latin typeface="Consolas"/>
-              </a:rPr>
-              <a:t>foo</a:t>
-            </a:r>
-            <a:r>
-              <a:rPr lang="en-US" sz="2000" dirty="0">
-                <a:solidFill>
-                  <a:srgbClr val="1C1C14"/>
-                </a:solidFill>
-                <a:latin typeface="Consolas"/>
-              </a:rPr>
-              <a:t> </a:t>
-            </a:r>
-            <a:r>
-              <a:rPr lang="en-US" sz="2000" b="1" dirty="0">
-                <a:solidFill>
-                  <a:srgbClr val="5E1445"/>
-                </a:solidFill>
-                <a:latin typeface="Consolas-Bold"/>
-              </a:rPr>
-              <a:t>[</a:t>
-            </a:r>
-            <a:r>
-              <a:rPr lang="en-US" sz="2000" dirty="0">
-                <a:solidFill>
-                  <a:prstClr val="black"/>
-                </a:solidFill>
-                <a:latin typeface="Consolas"/>
-              </a:rPr>
-              <a:t>this</a:t>
-            </a:r>
-            <a:r>
-              <a:rPr lang="en-US" sz="2000" b="1" dirty="0">
-                <a:solidFill>
-                  <a:srgbClr val="5E1445"/>
-                </a:solidFill>
-                <a:latin typeface="Consolas-Bold"/>
-              </a:rPr>
-              <a:t>])</a:t>
-            </a:r>
-            <a:endParaRPr lang="en-US" sz="2000" dirty="0">
-              <a:solidFill>
-                <a:srgbClr val="1C1C14"/>
-              </a:solidFill>
-              <a:latin typeface="Consolas"/>
-            </a:endParaRPr>
-          </a:p>
-          <a:p>
-            <a:pPr marL="0" indent="0">
-              <a:buNone/>
-            </a:pPr>
-            <a:r>
-              <a:rPr lang="en-US" sz="2000" dirty="0">
-                <a:solidFill>
-                  <a:srgbClr val="1C1C14"/>
-                </a:solidFill>
-                <a:latin typeface="Consolas"/>
-              </a:rPr>
-              <a:t>  </a:t>
-            </a:r>
-            <a:r>
-              <a:rPr lang="en-US" sz="2000" b="1" dirty="0">
-                <a:solidFill>
-                  <a:srgbClr val="5E1445"/>
-                </a:solidFill>
-                <a:latin typeface="Consolas-Bold"/>
-              </a:rPr>
-              <a:t>(</a:t>
-            </a:r>
-            <a:r>
-              <a:rPr lang="en-US" sz="2000" dirty="0">
-                <a:solidFill>
-                  <a:prstClr val="black"/>
-                </a:solidFill>
-                <a:latin typeface="Consolas"/>
-              </a:rPr>
-              <a:t>bar</a:t>
-            </a:r>
-            <a:r>
-              <a:rPr lang="en-US" sz="2000" dirty="0">
-                <a:solidFill>
-                  <a:srgbClr val="1C1C14"/>
-                </a:solidFill>
-                <a:latin typeface="Consolas"/>
-              </a:rPr>
-              <a:t> </a:t>
-            </a:r>
-            <a:r>
-              <a:rPr lang="en-US" sz="2000" b="1" dirty="0">
-                <a:solidFill>
-                  <a:srgbClr val="5E1445"/>
-                </a:solidFill>
-                <a:latin typeface="Consolas-Bold"/>
-              </a:rPr>
-              <a:t>[</a:t>
-            </a:r>
-            <a:r>
-              <a:rPr lang="en-US" sz="2000" dirty="0">
-                <a:solidFill>
-                  <a:prstClr val="black"/>
-                </a:solidFill>
-                <a:latin typeface="Consolas"/>
-              </a:rPr>
-              <a:t>this</a:t>
-            </a:r>
-            <a:r>
-              <a:rPr lang="en-US" sz="2000" b="1" dirty="0">
-                <a:solidFill>
-                  <a:srgbClr val="5E1445"/>
-                </a:solidFill>
-                <a:latin typeface="Consolas-Bold"/>
-              </a:rPr>
-              <a:t>])</a:t>
-            </a:r>
-            <a:r>
-              <a:rPr lang="en-US" sz="2000" b="1" dirty="0" smtClean="0">
-                <a:solidFill>
-                  <a:srgbClr val="5E1445"/>
-                </a:solidFill>
-                <a:latin typeface="Consolas-Bold"/>
-              </a:rPr>
-              <a:t>)</a:t>
-            </a:r>
-          </a:p>
-          <a:p>
-            <a:pPr marL="0" indent="0">
-              <a:buNone/>
-            </a:pPr>
-            <a:r>
-              <a:rPr lang="en-US" sz="2000" dirty="0">
-                <a:solidFill>
-                  <a:srgbClr val="1C1C14"/>
-                </a:solidFill>
-                <a:latin typeface="Consolas"/>
-              </a:rPr>
-              <a:t>	</a:t>
-            </a:r>
-          </a:p>
-          <a:p>
-            <a:pPr marL="0" indent="0">
-              <a:buNone/>
-            </a:pPr>
-            <a:r>
-              <a:rPr lang="en-US" sz="2000" b="1" dirty="0" smtClean="0">
-                <a:solidFill>
-                  <a:srgbClr val="5E1445"/>
-                </a:solidFill>
-                <a:latin typeface="Consolas-Bold"/>
-              </a:rPr>
-              <a:t>(</a:t>
-            </a:r>
-            <a:r>
-              <a:rPr lang="en-US" sz="2000" dirty="0">
-                <a:solidFill>
-                  <a:prstClr val="black"/>
-                </a:solidFill>
-                <a:latin typeface="Consolas"/>
-              </a:rPr>
-              <a:t>extend-type</a:t>
-            </a:r>
-            <a:r>
-              <a:rPr lang="en-US" sz="2000" dirty="0">
-                <a:solidFill>
-                  <a:srgbClr val="1C1C14"/>
-                </a:solidFill>
-                <a:latin typeface="Consolas"/>
-              </a:rPr>
-              <a:t> </a:t>
-            </a:r>
-            <a:r>
-              <a:rPr lang="en-US" sz="2000" dirty="0" err="1">
-                <a:solidFill>
-                  <a:prstClr val="black"/>
-                </a:solidFill>
-                <a:latin typeface="Consolas"/>
-              </a:rPr>
-              <a:t>EnemyType</a:t>
-            </a:r>
-            <a:endParaRPr lang="en-US" sz="2000" dirty="0">
-              <a:solidFill>
-                <a:srgbClr val="1C1C14"/>
-              </a:solidFill>
-              <a:latin typeface="Consolas"/>
-            </a:endParaRPr>
-          </a:p>
-          <a:p>
-            <a:pPr marL="0" indent="0">
-              <a:buNone/>
-            </a:pPr>
-            <a:r>
-              <a:rPr lang="en-US" sz="2000" dirty="0">
-                <a:solidFill>
-                  <a:srgbClr val="1C1C14"/>
-                </a:solidFill>
-                <a:latin typeface="Consolas"/>
-              </a:rPr>
-              <a:t>  </a:t>
-            </a:r>
-            <a:r>
-              <a:rPr lang="en-US" sz="2000" dirty="0" err="1">
-                <a:solidFill>
-                  <a:prstClr val="black"/>
-                </a:solidFill>
-                <a:latin typeface="Consolas"/>
-              </a:rPr>
-              <a:t>ClientProtocol</a:t>
-            </a:r>
-            <a:endParaRPr lang="en-US" sz="2000" dirty="0">
-              <a:solidFill>
-                <a:srgbClr val="1C1C14"/>
-              </a:solidFill>
-              <a:latin typeface="Consolas"/>
-            </a:endParaRPr>
-          </a:p>
-          <a:p>
-            <a:pPr marL="0" indent="0">
-              <a:buNone/>
-            </a:pPr>
-            <a:r>
-              <a:rPr lang="en-US" sz="2000" dirty="0">
-                <a:solidFill>
-                  <a:srgbClr val="1C1C14"/>
-                </a:solidFill>
-                <a:latin typeface="Consolas"/>
-              </a:rPr>
-              <a:t>  </a:t>
-            </a:r>
-            <a:r>
-              <a:rPr lang="en-US" sz="2000" b="1" dirty="0">
-                <a:solidFill>
-                  <a:srgbClr val="5E1445"/>
-                </a:solidFill>
-                <a:latin typeface="Consolas-Bold"/>
-              </a:rPr>
-              <a:t>(</a:t>
-            </a:r>
-            <a:r>
-              <a:rPr lang="en-US" sz="2000" dirty="0">
-                <a:solidFill>
-                  <a:prstClr val="black"/>
-                </a:solidFill>
-                <a:latin typeface="Consolas"/>
-              </a:rPr>
-              <a:t>foo</a:t>
-            </a:r>
-            <a:r>
-              <a:rPr lang="en-US" sz="2000" dirty="0">
-                <a:solidFill>
-                  <a:srgbClr val="1C1C14"/>
-                </a:solidFill>
-                <a:latin typeface="Consolas"/>
-              </a:rPr>
-              <a:t> </a:t>
-            </a:r>
-            <a:r>
-              <a:rPr lang="en-US" sz="2000" b="1" dirty="0">
-                <a:solidFill>
-                  <a:srgbClr val="5E1445"/>
-                </a:solidFill>
-                <a:latin typeface="Consolas-Bold"/>
-              </a:rPr>
-              <a:t>[</a:t>
-            </a:r>
-            <a:r>
-              <a:rPr lang="en-US" sz="2000" dirty="0">
-                <a:solidFill>
-                  <a:prstClr val="black"/>
-                </a:solidFill>
-                <a:latin typeface="Consolas"/>
-              </a:rPr>
-              <a:t>this</a:t>
-            </a:r>
-            <a:r>
-              <a:rPr lang="en-US" sz="2000" b="1" dirty="0">
-                <a:solidFill>
-                  <a:srgbClr val="5E1445"/>
-                </a:solidFill>
-                <a:latin typeface="Consolas-Bold"/>
-              </a:rPr>
-              <a:t>]</a:t>
-            </a:r>
-            <a:r>
-              <a:rPr lang="en-US" sz="2000" dirty="0">
-                <a:solidFill>
-                  <a:srgbClr val="1C1C14"/>
-                </a:solidFill>
-                <a:latin typeface="Consolas"/>
-              </a:rPr>
-              <a:t> </a:t>
-            </a:r>
-            <a:endParaRPr lang="en-US" sz="2000" dirty="0" smtClean="0">
-              <a:solidFill>
-                <a:srgbClr val="1C1C14"/>
-              </a:solidFill>
-              <a:latin typeface="Consolas"/>
-            </a:endParaRPr>
-          </a:p>
-          <a:p>
-            <a:pPr marL="0" indent="0">
-              <a:buNone/>
-            </a:pPr>
-            <a:r>
-              <a:rPr lang="en-US" sz="2000" b="1" dirty="0" smtClean="0">
-                <a:solidFill>
-                  <a:srgbClr val="5E1445"/>
-                </a:solidFill>
-                <a:latin typeface="Consolas-Bold"/>
-              </a:rPr>
-              <a:t>    (</a:t>
-            </a:r>
-            <a:r>
-              <a:rPr lang="en-US" sz="2000" dirty="0" err="1">
-                <a:solidFill>
-                  <a:srgbClr val="E03186"/>
-                </a:solidFill>
-                <a:latin typeface="Consolas"/>
-              </a:rPr>
-              <a:t>str</a:t>
-            </a:r>
-            <a:r>
-              <a:rPr lang="en-US" sz="2000" dirty="0">
-                <a:solidFill>
-                  <a:srgbClr val="1C1C14"/>
-                </a:solidFill>
-                <a:latin typeface="Consolas"/>
-              </a:rPr>
-              <a:t> </a:t>
-            </a:r>
-            <a:r>
-              <a:rPr lang="en-US" sz="2000" dirty="0">
-                <a:solidFill>
-                  <a:srgbClr val="0029FA"/>
-                </a:solidFill>
-                <a:latin typeface="Consolas"/>
-              </a:rPr>
-              <a:t>"</a:t>
-            </a:r>
-            <a:r>
-              <a:rPr lang="en-US" sz="2000" dirty="0" err="1">
-                <a:solidFill>
-                  <a:srgbClr val="0029FA"/>
-                </a:solidFill>
-                <a:latin typeface="Consolas"/>
-              </a:rPr>
-              <a:t>EnemyType</a:t>
-            </a:r>
-            <a:r>
-              <a:rPr lang="en-US" sz="2000" dirty="0">
-                <a:solidFill>
-                  <a:srgbClr val="0029FA"/>
-                </a:solidFill>
-                <a:latin typeface="Consolas"/>
-              </a:rPr>
-              <a:t> foo, x="</a:t>
-            </a:r>
-            <a:r>
-              <a:rPr lang="en-US" sz="2000" dirty="0">
-                <a:solidFill>
-                  <a:srgbClr val="1C1C14"/>
-                </a:solidFill>
-                <a:latin typeface="Consolas"/>
-              </a:rPr>
-              <a:t> </a:t>
-            </a:r>
-            <a:r>
-              <a:rPr lang="en-US" sz="2000" b="1" dirty="0">
-                <a:solidFill>
-                  <a:srgbClr val="5E1445"/>
-                </a:solidFill>
-                <a:latin typeface="Consolas-Bold"/>
-              </a:rPr>
-              <a:t>(</a:t>
-            </a:r>
-            <a:r>
-              <a:rPr lang="en-US" sz="2000" dirty="0">
-                <a:solidFill>
-                  <a:prstClr val="black"/>
-                </a:solidFill>
-                <a:latin typeface="Consolas"/>
-              </a:rPr>
-              <a:t>.x</a:t>
-            </a:r>
-            <a:r>
-              <a:rPr lang="en-US" sz="2000" dirty="0">
-                <a:solidFill>
-                  <a:srgbClr val="1C1C14"/>
-                </a:solidFill>
-                <a:latin typeface="Consolas"/>
-              </a:rPr>
-              <a:t> </a:t>
-            </a:r>
-            <a:r>
-              <a:rPr lang="en-US" sz="2000" dirty="0">
-                <a:solidFill>
-                  <a:prstClr val="black"/>
-                </a:solidFill>
-                <a:latin typeface="Consolas"/>
-              </a:rPr>
-              <a:t>this</a:t>
-            </a:r>
-            <a:r>
-              <a:rPr lang="en-US" sz="2000" b="1" dirty="0">
-                <a:solidFill>
-                  <a:srgbClr val="5E1445"/>
-                </a:solidFill>
-                <a:latin typeface="Consolas-Bold"/>
-              </a:rPr>
-              <a:t>)))</a:t>
-            </a:r>
-            <a:endParaRPr lang="en-US" sz="2000" dirty="0">
-              <a:solidFill>
-                <a:srgbClr val="1C1C14"/>
-              </a:solidFill>
-              <a:latin typeface="Consolas"/>
-            </a:endParaRPr>
-          </a:p>
-          <a:p>
-            <a:pPr marL="0" indent="0">
-              <a:buNone/>
-            </a:pPr>
-            <a:r>
-              <a:rPr lang="en-US" sz="2000" dirty="0">
-                <a:solidFill>
-                  <a:srgbClr val="1C1C14"/>
-                </a:solidFill>
-                <a:latin typeface="Consolas"/>
-              </a:rPr>
-              <a:t>  </a:t>
-            </a:r>
-            <a:r>
-              <a:rPr lang="en-US" sz="2000" b="1" dirty="0">
-                <a:solidFill>
-                  <a:srgbClr val="5E1445"/>
-                </a:solidFill>
-                <a:latin typeface="Consolas-Bold"/>
-              </a:rPr>
-              <a:t>(</a:t>
-            </a:r>
-            <a:r>
-              <a:rPr lang="en-US" sz="2000" dirty="0">
-                <a:solidFill>
-                  <a:prstClr val="black"/>
-                </a:solidFill>
-                <a:latin typeface="Consolas"/>
-              </a:rPr>
-              <a:t>bar</a:t>
-            </a:r>
-            <a:r>
-              <a:rPr lang="en-US" sz="2000" dirty="0">
-                <a:solidFill>
-                  <a:srgbClr val="1C1C14"/>
-                </a:solidFill>
-                <a:latin typeface="Consolas"/>
-              </a:rPr>
-              <a:t> </a:t>
-            </a:r>
-            <a:r>
-              <a:rPr lang="en-US" sz="2000" b="1" dirty="0">
-                <a:solidFill>
-                  <a:srgbClr val="5E1445"/>
-                </a:solidFill>
-                <a:latin typeface="Consolas-Bold"/>
-              </a:rPr>
-              <a:t>[</a:t>
-            </a:r>
-            <a:r>
-              <a:rPr lang="en-US" sz="2000" dirty="0">
-                <a:solidFill>
-                  <a:prstClr val="black"/>
-                </a:solidFill>
-                <a:latin typeface="Consolas"/>
-              </a:rPr>
-              <a:t>this</a:t>
-            </a:r>
-            <a:r>
-              <a:rPr lang="en-US" sz="2000" b="1" dirty="0">
-                <a:solidFill>
-                  <a:srgbClr val="5E1445"/>
-                </a:solidFill>
-                <a:latin typeface="Consolas-Bold"/>
-              </a:rPr>
-              <a:t>]</a:t>
-            </a:r>
-            <a:r>
-              <a:rPr lang="en-US" sz="2000" dirty="0">
-                <a:solidFill>
-                  <a:srgbClr val="1C1C14"/>
-                </a:solidFill>
-                <a:latin typeface="Consolas"/>
-              </a:rPr>
-              <a:t> </a:t>
-            </a:r>
-            <a:endParaRPr lang="en-US" sz="2000" dirty="0" smtClean="0">
-              <a:solidFill>
-                <a:srgbClr val="1C1C14"/>
-              </a:solidFill>
-              <a:latin typeface="Consolas"/>
-            </a:endParaRPr>
-          </a:p>
-          <a:p>
-            <a:pPr marL="0" indent="0">
-              <a:buNone/>
-            </a:pPr>
-            <a:r>
-              <a:rPr lang="en-US" sz="2000" b="1" dirty="0">
-                <a:solidFill>
-                  <a:srgbClr val="1C1C14"/>
-                </a:solidFill>
-                <a:latin typeface="Consolas"/>
-              </a:rPr>
-              <a:t> </a:t>
-            </a:r>
-            <a:r>
-              <a:rPr lang="en-US" sz="2000" b="1" dirty="0" smtClean="0">
-                <a:solidFill>
-                  <a:srgbClr val="1C1C14"/>
-                </a:solidFill>
-                <a:latin typeface="Consolas"/>
-              </a:rPr>
-              <a:t>   </a:t>
-            </a:r>
-            <a:r>
-              <a:rPr lang="en-US" sz="2000" b="1" dirty="0" smtClean="0">
-                <a:solidFill>
-                  <a:srgbClr val="5E1445"/>
-                </a:solidFill>
-                <a:latin typeface="Consolas-Bold"/>
-              </a:rPr>
-              <a:t>(</a:t>
-            </a:r>
-            <a:r>
-              <a:rPr lang="en-US" sz="2000" dirty="0" err="1">
-                <a:solidFill>
-                  <a:srgbClr val="E03186"/>
-                </a:solidFill>
-                <a:latin typeface="Consolas"/>
-              </a:rPr>
-              <a:t>str</a:t>
-            </a:r>
-            <a:r>
-              <a:rPr lang="en-US" sz="2000" dirty="0">
-                <a:solidFill>
-                  <a:srgbClr val="1C1C14"/>
-                </a:solidFill>
-                <a:latin typeface="Consolas"/>
-              </a:rPr>
-              <a:t> </a:t>
-            </a:r>
-            <a:r>
-              <a:rPr lang="en-US" sz="2000" dirty="0">
-                <a:solidFill>
-                  <a:srgbClr val="0029FA"/>
-                </a:solidFill>
-                <a:latin typeface="Consolas"/>
-              </a:rPr>
-              <a:t>"</a:t>
-            </a:r>
-            <a:r>
-              <a:rPr lang="en-US" sz="2000" dirty="0" err="1">
-                <a:solidFill>
-                  <a:srgbClr val="0029FA"/>
-                </a:solidFill>
-                <a:latin typeface="Consolas"/>
-              </a:rPr>
-              <a:t>EnemyType</a:t>
-            </a:r>
-            <a:r>
-              <a:rPr lang="en-US" sz="2000" dirty="0">
-                <a:solidFill>
-                  <a:srgbClr val="0029FA"/>
-                </a:solidFill>
-                <a:latin typeface="Consolas"/>
-              </a:rPr>
-              <a:t> bar, y="</a:t>
-            </a:r>
-            <a:r>
-              <a:rPr lang="en-US" sz="2000" dirty="0">
-                <a:solidFill>
-                  <a:srgbClr val="1C1C14"/>
-                </a:solidFill>
-                <a:latin typeface="Consolas"/>
-              </a:rPr>
-              <a:t> </a:t>
-            </a:r>
-            <a:r>
-              <a:rPr lang="en-US" sz="2000" b="1" dirty="0">
-                <a:solidFill>
-                  <a:srgbClr val="5E1445"/>
-                </a:solidFill>
-                <a:latin typeface="Consolas-Bold"/>
-              </a:rPr>
-              <a:t>(</a:t>
-            </a:r>
-            <a:r>
-              <a:rPr lang="en-US" sz="2000" dirty="0">
-                <a:solidFill>
-                  <a:prstClr val="black"/>
-                </a:solidFill>
-                <a:latin typeface="Consolas"/>
-              </a:rPr>
-              <a:t>.y</a:t>
-            </a:r>
-            <a:r>
-              <a:rPr lang="en-US" sz="2000" dirty="0">
-                <a:solidFill>
-                  <a:srgbClr val="1C1C14"/>
-                </a:solidFill>
-                <a:latin typeface="Consolas"/>
-              </a:rPr>
-              <a:t> </a:t>
-            </a:r>
-            <a:r>
-              <a:rPr lang="en-US" sz="2000" dirty="0">
-                <a:solidFill>
-                  <a:prstClr val="black"/>
-                </a:solidFill>
-                <a:latin typeface="Consolas"/>
-              </a:rPr>
-              <a:t>this</a:t>
-            </a:r>
-            <a:r>
-              <a:rPr lang="en-US" sz="2000" b="1" dirty="0">
-                <a:solidFill>
-                  <a:srgbClr val="5E1445"/>
-                </a:solidFill>
-                <a:latin typeface="Consolas-Bold"/>
-              </a:rPr>
-              <a:t>))))	</a:t>
-            </a:r>
-          </a:p>
-        </p:txBody>
-      </p:sp>
-    </p:spTree>
-    <p:extLst>
-      <p:ext uri="{BB962C8B-B14F-4D97-AF65-F5344CB8AC3E}">
-        <p14:creationId xmlns:p14="http://schemas.microsoft.com/office/powerpoint/2010/main" val="2746512909"/>
-      </p:ext>
-    </p:extLst>
-  </p:cSld>
-  <p:clrMapOvr>
-    <a:masterClrMapping/>
-  </p:clrMapOvr>
-  <p:timing>
-    <p:tnLst>
-      <p:par>
-        <p:cTn xmlns:p14="http://schemas.microsoft.com/office/powerpoint/2010/main" id="1" dur="indefinite" restart="never" nodeType="tmRoot"/>
-      </p:par>
-    </p:tnLst>
-  </p:timing>
-</p:sld>
-</file>
-
 <file path=ppt/slides/slide6.xml><?xml version="1.0" encoding="utf-8"?>
 <p:sld xmlns:a="http://schemas.openxmlformats.org/drawingml/2006/main" xmlns:r="http://schemas.openxmlformats.org/officeDocument/2006/relationships" xmlns:p="http://schemas.openxmlformats.org/presentationml/2006/main">
   <p:cSld>
@@ -43322,241 +38562,6 @@
       <p:transition xmlns:p14="http://schemas.microsoft.com/office/powerpoint/2010/main" spd="slow" advTm="108479"/>
     </mc:Fallback>
   </mc:AlternateContent>
-  <p:timing>
-    <p:tnLst>
-      <p:par>
-        <p:cTn xmlns:p14="http://schemas.microsoft.com/office/powerpoint/2010/main" id="1" dur="indefinite" restart="never" nodeType="tmRoot"/>
-      </p:par>
-    </p:tnLst>
-  </p:timing>
-</p:sld>
-</file>
-
-<file path=ppt/slides/slide60.xml><?xml version="1.0" encoding="utf-8"?>
-<p:sld xmlns:a="http://schemas.openxmlformats.org/drawingml/2006/main" xmlns:r="http://schemas.openxmlformats.org/officeDocument/2006/relationships" xmlns:p="http://schemas.openxmlformats.org/presentationml/2006/main">
-  <p:cSld>
-    <p:spTree>
-      <p:nvGrpSpPr>
-        <p:cNvPr id="1" name=""/>
-        <p:cNvGrpSpPr/>
-        <p:nvPr/>
-      </p:nvGrpSpPr>
-      <p:grpSpPr>
-        <a:xfrm>
-          <a:off x="0" y="0"/>
-          <a:ext cx="0" cy="0"/>
-          <a:chOff x="0" y="0"/>
-          <a:chExt cx="0" cy="0"/>
-        </a:xfrm>
-      </p:grpSpPr>
-      <p:sp>
-        <p:nvSpPr>
-          <p:cNvPr id="2" name="Title 1"/>
-          <p:cNvSpPr>
-            <a:spLocks noGrp="1"/>
-          </p:cNvSpPr>
-          <p:nvPr>
-            <p:ph type="title"/>
-          </p:nvPr>
-        </p:nvSpPr>
-        <p:spPr/>
-        <p:txBody>
-          <a:bodyPr/>
-          <a:lstStyle/>
-          <a:p>
-            <a:r>
-              <a:rPr lang="en-US" dirty="0"/>
-              <a:t>SOLID: </a:t>
-            </a:r>
-            <a:r>
-              <a:rPr lang="en-US" dirty="0" smtClean="0"/>
-              <a:t>Dependency Inversion</a:t>
-            </a:r>
-            <a:endParaRPr lang="en-US" dirty="0"/>
-          </a:p>
-        </p:txBody>
-      </p:sp>
-      <p:sp>
-        <p:nvSpPr>
-          <p:cNvPr id="3" name="Text Placeholder 2"/>
-          <p:cNvSpPr>
-            <a:spLocks noGrp="1"/>
-          </p:cNvSpPr>
-          <p:nvPr>
-            <p:ph type="body" idx="1"/>
-          </p:nvPr>
-        </p:nvSpPr>
-        <p:spPr/>
-        <p:txBody>
-          <a:bodyPr/>
-          <a:lstStyle/>
-          <a:p>
-            <a:r>
-              <a:rPr lang="en-US" dirty="0" smtClean="0"/>
-              <a:t>Core Abstractions</a:t>
-            </a:r>
-            <a:endParaRPr lang="en-US" dirty="0"/>
-          </a:p>
-        </p:txBody>
-      </p:sp>
-      <p:sp>
-        <p:nvSpPr>
-          <p:cNvPr id="5" name="Content Placeholder 4"/>
-          <p:cNvSpPr>
-            <a:spLocks noGrp="1"/>
-          </p:cNvSpPr>
-          <p:nvPr>
-            <p:ph sz="half" idx="2"/>
-          </p:nvPr>
-        </p:nvSpPr>
-        <p:spPr/>
-        <p:txBody>
-          <a:bodyPr/>
-          <a:lstStyle/>
-          <a:p>
-            <a:r>
-              <a:rPr lang="en-US" dirty="0" smtClean="0"/>
-              <a:t>Higher-order, first-class </a:t>
-            </a:r>
-            <a:r>
-              <a:rPr lang="en-US" dirty="0" err="1" smtClean="0"/>
-              <a:t>fn</a:t>
-            </a:r>
-            <a:endParaRPr lang="en-US" dirty="0"/>
-          </a:p>
-          <a:p>
-            <a:r>
-              <a:rPr lang="en-US" dirty="0"/>
-              <a:t>Collections</a:t>
-            </a:r>
-          </a:p>
-          <a:p>
-            <a:r>
-              <a:rPr lang="en-US" dirty="0" err="1"/>
-              <a:t>Seq</a:t>
-            </a:r>
-            <a:endParaRPr lang="en-US" dirty="0"/>
-          </a:p>
-          <a:p>
-            <a:r>
-              <a:rPr lang="en-US" dirty="0" smtClean="0"/>
-              <a:t>Records</a:t>
-            </a:r>
-          </a:p>
-          <a:p>
-            <a:endParaRPr lang="en-US" dirty="0" smtClean="0"/>
-          </a:p>
-          <a:p>
-            <a:endParaRPr lang="en-US" dirty="0" smtClean="0"/>
-          </a:p>
-          <a:p>
-            <a:endParaRPr lang="en-US" dirty="0" smtClean="0"/>
-          </a:p>
-        </p:txBody>
-      </p:sp>
-      <p:sp>
-        <p:nvSpPr>
-          <p:cNvPr id="4" name="Text Placeholder 3"/>
-          <p:cNvSpPr>
-            <a:spLocks noGrp="1"/>
-          </p:cNvSpPr>
-          <p:nvPr>
-            <p:ph type="body" sz="quarter" idx="3"/>
-          </p:nvPr>
-        </p:nvSpPr>
-        <p:spPr/>
-        <p:txBody>
-          <a:bodyPr/>
-          <a:lstStyle/>
-          <a:p>
-            <a:r>
-              <a:rPr lang="en-US" dirty="0" smtClean="0"/>
-              <a:t>Data Structures</a:t>
-            </a:r>
-            <a:endParaRPr lang="en-US" dirty="0"/>
-          </a:p>
-        </p:txBody>
-      </p:sp>
-      <p:sp>
-        <p:nvSpPr>
-          <p:cNvPr id="6" name="Content Placeholder 5"/>
-          <p:cNvSpPr>
-            <a:spLocks noGrp="1"/>
-          </p:cNvSpPr>
-          <p:nvPr>
-            <p:ph sz="quarter" idx="4"/>
-          </p:nvPr>
-        </p:nvSpPr>
-        <p:spPr/>
-        <p:txBody>
-          <a:bodyPr/>
-          <a:lstStyle/>
-          <a:p>
-            <a:pPr marL="0" indent="0">
-              <a:buNone/>
-            </a:pPr>
-            <a:r>
-              <a:rPr lang="en-US" dirty="0"/>
-              <a:t>{ :key value }		map</a:t>
-            </a:r>
-          </a:p>
-          <a:p>
-            <a:pPr marL="0" indent="0">
-              <a:buNone/>
-            </a:pPr>
-            <a:r>
-              <a:rPr lang="en-US" dirty="0"/>
-              <a:t>[ a b c ]		</a:t>
-            </a:r>
-            <a:r>
-              <a:rPr lang="en-US" dirty="0" smtClean="0"/>
-              <a:t>vector</a:t>
-            </a:r>
-            <a:endParaRPr lang="en-US" dirty="0"/>
-          </a:p>
-          <a:p>
-            <a:pPr marL="0" indent="0">
-              <a:buNone/>
-            </a:pPr>
-            <a:r>
-              <a:rPr lang="en-US" dirty="0"/>
-              <a:t>(1 2 3)			</a:t>
-            </a:r>
-            <a:r>
-              <a:rPr lang="en-US" dirty="0" smtClean="0"/>
-              <a:t>list</a:t>
-            </a:r>
-            <a:endParaRPr lang="en-US" dirty="0"/>
-          </a:p>
-          <a:p>
-            <a:pPr marL="0" indent="0">
-              <a:buNone/>
-            </a:pPr>
-            <a:r>
-              <a:rPr lang="en-US" dirty="0"/>
-              <a:t>#{ :a :b :c } 		</a:t>
-            </a:r>
-            <a:r>
-              <a:rPr lang="en-US" dirty="0" smtClean="0"/>
-              <a:t>set</a:t>
-            </a:r>
-            <a:endParaRPr lang="en-US" dirty="0"/>
-          </a:p>
-          <a:p>
-            <a:endParaRPr lang="en-US" dirty="0"/>
-          </a:p>
-        </p:txBody>
-      </p:sp>
-    </p:spTree>
-    <p:extLst>
-      <p:ext uri="{BB962C8B-B14F-4D97-AF65-F5344CB8AC3E}">
-        <p14:creationId xmlns:p14="http://schemas.microsoft.com/office/powerpoint/2010/main" val="385225498"/>
-      </p:ext>
-    </p:extLst>
-  </p:cSld>
-  <p:clrMapOvr>
-    <a:masterClrMapping/>
-  </p:clrMapOvr>
   <p:timing>
     <p:tnLst>
       <p:par>
